--- a/Pseudopolynomielle Algorithmen.pptx
+++ b/Pseudopolynomielle Algorithmen.pptx
@@ -5,7 +5,7 @@
     <p:sldMasterId id="2147483648" r:id="rId1"/>
   </p:sldMasterIdLst>
   <p:notesMasterIdLst>
-    <p:notesMasterId r:id="rId22"/>
+    <p:notesMasterId r:id="rId27"/>
   </p:notesMasterIdLst>
   <p:sldIdLst>
     <p:sldId id="256" r:id="rId2"/>
@@ -27,7 +27,12 @@
     <p:sldId id="272" r:id="rId18"/>
     <p:sldId id="273" r:id="rId19"/>
     <p:sldId id="274" r:id="rId20"/>
-    <p:sldId id="275" r:id="rId21"/>
+    <p:sldId id="276" r:id="rId21"/>
+    <p:sldId id="277" r:id="rId22"/>
+    <p:sldId id="278" r:id="rId23"/>
+    <p:sldId id="279" r:id="rId24"/>
+    <p:sldId id="280" r:id="rId25"/>
+    <p:sldId id="281" r:id="rId26"/>
   </p:sldIdLst>
   <p:sldSz cx="12192000" cy="6858000"/>
   <p:notesSz cx="6858000" cy="9144000"/>
@@ -2421,21 +2426,39 @@
           <a:bodyPr/>
           <a:lstStyle/>
           <a:p>
+            <a:r>
+              <a:rPr lang="de-DE" dirty="0"/>
+              <a:t>Bei diesem Thema bin ich mir nicht ganz sicher (TSP an sich ist NP vollständig)</a:t>
+            </a:r>
+          </a:p>
+          <a:p>
+            <a:endParaRPr lang="de-DE" dirty="0"/>
+          </a:p>
+          <a:p>
+            <a:r>
+              <a:rPr lang="de-DE" dirty="0"/>
+              <a:t>-TSP ist NP vollständig, weil: 1. Es in polynomialer Zeit möglich ist, die Aussage 1 zu verifizieren und 2. Hamilton </a:t>
+            </a:r>
+            <a:r>
+              <a:rPr lang="de-DE" dirty="0" err="1"/>
+              <a:t>cycle</a:t>
+            </a:r>
+            <a:r>
+              <a:rPr lang="de-DE" dirty="0"/>
+              <a:t> auf das TSP Entscheidungsproblem reduzierbar ist?</a:t>
+            </a:r>
+          </a:p>
+          <a:p>
+            <a:endParaRPr lang="de-DE" dirty="0"/>
+          </a:p>
+          <a:p>
             <a:pPr marL="171450" indent="-171450">
               <a:buFontTx/>
               <a:buChar char="-"/>
             </a:pPr>
             <a:r>
               <a:rPr lang="de-DE" dirty="0"/>
-              <a:t>Um stark NP vollständig des TSP zu zeigen möchte </a:t>
-            </a:r>
-            <a:r>
-              <a:rPr lang="de-DE"/>
-              <a:t>ich erst einmal </a:t>
-            </a:r>
-            <a:r>
-              <a:rPr lang="de-DE" dirty="0"/>
-              <a:t>zeigen dass TSP überhaupt NP vollständig ist</a:t>
+              <a:t>TSP ist stark NP vollständig weil: Zwar ist auch hier der Hamilton-Zyklus auf TSP Optimierungsproblem reduzierbar, ABER: Es gibt keine Möglichkeit, in polynomialer Zeit zu verifizieren, ob der Hamilton-Zyklus h auch wirklich der kürzeste im Ganzen Graph ist, da man dafür alle Möglichkeiten durchprobieren müsste.</a:t>
             </a:r>
           </a:p>
           <a:p>
@@ -2452,43 +2475,14 @@
             </a:pPr>
             <a:r>
               <a:rPr lang="de-DE" dirty="0"/>
-              <a:t>Matrix gibt Distanz zwischen Städten als Zahl d an: M i, j = Distanz zwischen i und j.</a:t>
-            </a:r>
-          </a:p>
-          <a:p>
-            <a:pPr marL="171450" indent="-171450">
-              <a:buFontTx/>
-              <a:buChar char="-"/>
-            </a:pPr>
-            <a:r>
-              <a:rPr lang="de-DE" dirty="0"/>
-              <a:t>Die maximale Distanz einer Tour wird durch die Zahl d repräsentiert.</a:t>
-            </a:r>
-          </a:p>
-          <a:p>
-            <a:pPr marL="171450" indent="-171450">
-              <a:buFontTx/>
-              <a:buChar char="-"/>
-            </a:pPr>
+              <a:t>Hier habe ich mal dargestellt, wie ich mir das vorstelle.</a:t>
+            </a:r>
+          </a:p>
+          <a:p>
             <a:endParaRPr lang="de-DE" dirty="0"/>
           </a:p>
           <a:p>
-            <a:pPr marL="171450" indent="-171450">
-              <a:buFontTx/>
-              <a:buChar char="-"/>
-            </a:pPr>
-            <a:r>
-              <a:rPr lang="de-DE" dirty="0"/>
-              <a:t>Gibt es eine Tour, die alle Städte abdeckt (1.) und erfüllt diese Tour die Bedingung: Die Summe aller </a:t>
-            </a:r>
-            <a:r>
-              <a:rPr lang="de-DE" dirty="0" err="1"/>
-              <a:t>Verbingungen</a:t>
-            </a:r>
-            <a:r>
-              <a:rPr lang="de-DE" dirty="0"/>
-              <a:t> plus die Distanz der letzten zur ersten Stadt ist kleiner als die gegebene maximale Länge d?</a:t>
-            </a:r>
+            <a:endParaRPr lang="de-DE" dirty="0"/>
           </a:p>
         </p:txBody>
       </p:sp>
@@ -2518,7 +2512,373 @@
     </p:spTree>
     <p:extLst>
       <p:ext uri="{BB962C8B-B14F-4D97-AF65-F5344CB8AC3E}">
-        <p14:creationId xmlns:p14="http://schemas.microsoft.com/office/powerpoint/2010/main" val="2779383346"/>
+        <p14:creationId xmlns:p14="http://schemas.microsoft.com/office/powerpoint/2010/main" val="111079152"/>
+      </p:ext>
+    </p:extLst>
+  </p:cSld>
+  <p:clrMapOvr>
+    <a:masterClrMapping/>
+  </p:clrMapOvr>
+</p:notes>
+</file>
+
+<file path=ppt/notesSlides/notesSlide17.xml><?xml version="1.0" encoding="utf-8"?>
+<p:notes xmlns:a="http://schemas.openxmlformats.org/drawingml/2006/main" xmlns:r="http://schemas.openxmlformats.org/officeDocument/2006/relationships" xmlns:p="http://schemas.openxmlformats.org/presentationml/2006/main">
+  <p:cSld>
+    <p:spTree>
+      <p:nvGrpSpPr>
+        <p:cNvPr id="1" name=""/>
+        <p:cNvGrpSpPr/>
+        <p:nvPr/>
+      </p:nvGrpSpPr>
+      <p:grpSpPr>
+        <a:xfrm>
+          <a:off x="0" y="0"/>
+          <a:ext cx="0" cy="0"/>
+          <a:chOff x="0" y="0"/>
+          <a:chExt cx="0" cy="0"/>
+        </a:xfrm>
+      </p:grpSpPr>
+      <p:sp>
+        <p:nvSpPr>
+          <p:cNvPr id="2" name="Folienbildplatzhalter 1"/>
+          <p:cNvSpPr>
+            <a:spLocks noGrp="1" noRot="1" noChangeAspect="1"/>
+          </p:cNvSpPr>
+          <p:nvPr>
+            <p:ph type="sldImg"/>
+          </p:nvPr>
+        </p:nvSpPr>
+        <p:spPr/>
+      </p:sp>
+      <p:sp>
+        <p:nvSpPr>
+          <p:cNvPr id="3" name="Notizenplatzhalter 2"/>
+          <p:cNvSpPr>
+            <a:spLocks noGrp="1"/>
+          </p:cNvSpPr>
+          <p:nvPr>
+            <p:ph type="body" idx="1"/>
+          </p:nvPr>
+        </p:nvSpPr>
+        <p:spPr/>
+        <p:txBody>
+          <a:bodyPr/>
+          <a:lstStyle/>
+          <a:p>
+            <a:r>
+              <a:rPr lang="de-DE" dirty="0"/>
+              <a:t>Bei diesem Thema bin ich mir nicht ganz sicher (TSP an sich ist NP vollständig)</a:t>
+            </a:r>
+          </a:p>
+          <a:p>
+            <a:endParaRPr lang="de-DE" dirty="0"/>
+          </a:p>
+          <a:p>
+            <a:r>
+              <a:rPr lang="de-DE" dirty="0"/>
+              <a:t>-TSP ist NP vollständig, weil: 1. Es in polynomialer Zeit möglich ist, die Aussage 1 zu verifizieren und 2. Hamilton </a:t>
+            </a:r>
+            <a:r>
+              <a:rPr lang="de-DE" dirty="0" err="1"/>
+              <a:t>cycle</a:t>
+            </a:r>
+            <a:r>
+              <a:rPr lang="de-DE" dirty="0"/>
+              <a:t> auf das TSP Entscheidungsproblem reduzierbar ist?</a:t>
+            </a:r>
+          </a:p>
+          <a:p>
+            <a:endParaRPr lang="de-DE" dirty="0"/>
+          </a:p>
+          <a:p>
+            <a:pPr marL="171450" indent="-171450">
+              <a:buFontTx/>
+              <a:buChar char="-"/>
+            </a:pPr>
+            <a:r>
+              <a:rPr lang="de-DE" dirty="0"/>
+              <a:t>TSP ist stark NP vollständig weil: Zwar ist auch hier der Hamilton-Zyklus auf TSP Optimierungsproblem reduzierbar, ABER: Es gibt keine Möglichkeit, in polynomialer Zeit zu verifizieren, ob der Hamilton-Zyklus h auch wirklich der kürzeste im Ganzen Graph ist, da man dafür alle Möglichkeiten durchprobieren müsste.</a:t>
+            </a:r>
+          </a:p>
+          <a:p>
+            <a:pPr marL="171450" indent="-171450">
+              <a:buFontTx/>
+              <a:buChar char="-"/>
+            </a:pPr>
+            <a:endParaRPr lang="de-DE" dirty="0"/>
+          </a:p>
+          <a:p>
+            <a:pPr marL="171450" indent="-171450">
+              <a:buFontTx/>
+              <a:buChar char="-"/>
+            </a:pPr>
+            <a:r>
+              <a:rPr lang="de-DE" dirty="0"/>
+              <a:t>Hier habe ich mal dargestellt, wie ich mir das vorstelle:</a:t>
+            </a:r>
+          </a:p>
+          <a:p>
+            <a:pPr marL="171450" indent="-171450">
+              <a:buFontTx/>
+              <a:buChar char="-"/>
+            </a:pPr>
+            <a:endParaRPr lang="de-DE" dirty="0"/>
+          </a:p>
+          <a:p>
+            <a:pPr marL="171450" indent="-171450">
+              <a:buFontTx/>
+              <a:buChar char="-"/>
+            </a:pPr>
+            <a:r>
+              <a:rPr lang="de-DE" dirty="0"/>
+              <a:t>Es gibt einen Graphen, der die Städte verbindet und eine Kostenfunktion, die die Kosten von A nach B berechnet. Das Ergebnis liegt in der Menge der ganzen Zahlen (Z), wobei auch die Null vorkommen kann.</a:t>
+            </a:r>
+          </a:p>
+          <a:p>
+            <a:pPr marL="171450" indent="-171450">
+              <a:buFontTx/>
+              <a:buChar char="-"/>
+            </a:pPr>
+            <a:r>
+              <a:rPr lang="de-DE" dirty="0"/>
+              <a:t>B ist die Grenze der Kosten die eingehalten werden soll.</a:t>
+            </a:r>
+          </a:p>
+          <a:p>
+            <a:endParaRPr lang="de-DE" dirty="0"/>
+          </a:p>
+          <a:p>
+            <a:endParaRPr lang="de-DE" dirty="0"/>
+          </a:p>
+        </p:txBody>
+      </p:sp>
+      <p:sp>
+        <p:nvSpPr>
+          <p:cNvPr id="4" name="Foliennummernplatzhalter 3"/>
+          <p:cNvSpPr>
+            <a:spLocks noGrp="1"/>
+          </p:cNvSpPr>
+          <p:nvPr>
+            <p:ph type="sldNum" sz="quarter" idx="5"/>
+          </p:nvPr>
+        </p:nvSpPr>
+        <p:spPr/>
+        <p:txBody>
+          <a:bodyPr/>
+          <a:lstStyle/>
+          <a:p>
+            <a:fld id="{D15B9CCF-FFA2-46F4-AE87-49E1E1368883}" type="slidenum">
+              <a:rPr lang="de-DE" smtClean="0"/>
+              <a:t>21</a:t>
+            </a:fld>
+            <a:endParaRPr lang="de-DE"/>
+          </a:p>
+        </p:txBody>
+      </p:sp>
+    </p:spTree>
+    <p:extLst>
+      <p:ext uri="{BB962C8B-B14F-4D97-AF65-F5344CB8AC3E}">
+        <p14:creationId xmlns:p14="http://schemas.microsoft.com/office/powerpoint/2010/main" val="3261523018"/>
+      </p:ext>
+    </p:extLst>
+  </p:cSld>
+  <p:clrMapOvr>
+    <a:masterClrMapping/>
+  </p:clrMapOvr>
+</p:notes>
+</file>
+
+<file path=ppt/notesSlides/notesSlide18.xml><?xml version="1.0" encoding="utf-8"?>
+<p:notes xmlns:a="http://schemas.openxmlformats.org/drawingml/2006/main" xmlns:r="http://schemas.openxmlformats.org/officeDocument/2006/relationships" xmlns:p="http://schemas.openxmlformats.org/presentationml/2006/main">
+  <p:cSld>
+    <p:spTree>
+      <p:nvGrpSpPr>
+        <p:cNvPr id="1" name=""/>
+        <p:cNvGrpSpPr/>
+        <p:nvPr/>
+      </p:nvGrpSpPr>
+      <p:grpSpPr>
+        <a:xfrm>
+          <a:off x="0" y="0"/>
+          <a:ext cx="0" cy="0"/>
+          <a:chOff x="0" y="0"/>
+          <a:chExt cx="0" cy="0"/>
+        </a:xfrm>
+      </p:grpSpPr>
+      <p:sp>
+        <p:nvSpPr>
+          <p:cNvPr id="2" name="Folienbildplatzhalter 1"/>
+          <p:cNvSpPr>
+            <a:spLocks noGrp="1" noRot="1" noChangeAspect="1"/>
+          </p:cNvSpPr>
+          <p:nvPr>
+            <p:ph type="sldImg"/>
+          </p:nvPr>
+        </p:nvSpPr>
+        <p:spPr/>
+      </p:sp>
+      <p:sp>
+        <p:nvSpPr>
+          <p:cNvPr id="3" name="Notizenplatzhalter 2"/>
+          <p:cNvSpPr>
+            <a:spLocks noGrp="1"/>
+          </p:cNvSpPr>
+          <p:nvPr>
+            <p:ph type="body" idx="1"/>
+          </p:nvPr>
+        </p:nvSpPr>
+        <p:spPr/>
+        <p:txBody>
+          <a:bodyPr/>
+          <a:lstStyle/>
+          <a:p>
+            <a:r>
+              <a:rPr lang="de-DE" dirty="0"/>
+              <a:t>Zeigen, dass es einen nichtdeterministischen Algorithmus gibt, der TSP in polynomialer Zeit löst.</a:t>
+            </a:r>
+          </a:p>
+          <a:p>
+            <a:endParaRPr lang="de-DE" dirty="0"/>
+          </a:p>
+          <a:p>
+            <a:r>
+              <a:rPr lang="de-DE" dirty="0"/>
+              <a:t>Ungerichteten Hamilton-Zyklus auf TSP reduzieren (HZ ist ja NP vollständig)</a:t>
+            </a:r>
+          </a:p>
+          <a:p>
+            <a:endParaRPr lang="de-DE" dirty="0"/>
+          </a:p>
+          <a:p>
+            <a:r>
+              <a:rPr lang="de-DE" dirty="0"/>
+              <a:t>Dieser Algorithmus ist einfach, raten </a:t>
+            </a:r>
+            <a:r>
+              <a:rPr lang="de-DE" dirty="0">
+                <a:sym typeface="Wingdings" panose="05000000000000000000" pitchFamily="2" charset="2"/>
+              </a:rPr>
+              <a:t> prüfen  terminieren, falls akzeptabel</a:t>
+            </a:r>
+            <a:endParaRPr lang="de-DE" dirty="0"/>
+          </a:p>
+        </p:txBody>
+      </p:sp>
+      <p:sp>
+        <p:nvSpPr>
+          <p:cNvPr id="4" name="Foliennummernplatzhalter 3"/>
+          <p:cNvSpPr>
+            <a:spLocks noGrp="1"/>
+          </p:cNvSpPr>
+          <p:nvPr>
+            <p:ph type="sldNum" sz="quarter" idx="5"/>
+          </p:nvPr>
+        </p:nvSpPr>
+        <p:spPr/>
+        <p:txBody>
+          <a:bodyPr/>
+          <a:lstStyle/>
+          <a:p>
+            <a:fld id="{D15B9CCF-FFA2-46F4-AE87-49E1E1368883}" type="slidenum">
+              <a:rPr lang="de-DE" smtClean="0"/>
+              <a:t>22</a:t>
+            </a:fld>
+            <a:endParaRPr lang="de-DE"/>
+          </a:p>
+        </p:txBody>
+      </p:sp>
+    </p:spTree>
+    <p:extLst>
+      <p:ext uri="{BB962C8B-B14F-4D97-AF65-F5344CB8AC3E}">
+        <p14:creationId xmlns:p14="http://schemas.microsoft.com/office/powerpoint/2010/main" val="1663211797"/>
+      </p:ext>
+    </p:extLst>
+  </p:cSld>
+  <p:clrMapOvr>
+    <a:masterClrMapping/>
+  </p:clrMapOvr>
+</p:notes>
+</file>
+
+<file path=ppt/notesSlides/notesSlide19.xml><?xml version="1.0" encoding="utf-8"?>
+<p:notes xmlns:a="http://schemas.openxmlformats.org/drawingml/2006/main" xmlns:r="http://schemas.openxmlformats.org/officeDocument/2006/relationships" xmlns:p="http://schemas.openxmlformats.org/presentationml/2006/main">
+  <p:cSld>
+    <p:spTree>
+      <p:nvGrpSpPr>
+        <p:cNvPr id="1" name=""/>
+        <p:cNvGrpSpPr/>
+        <p:nvPr/>
+      </p:nvGrpSpPr>
+      <p:grpSpPr>
+        <a:xfrm>
+          <a:off x="0" y="0"/>
+          <a:ext cx="0" cy="0"/>
+          <a:chOff x="0" y="0"/>
+          <a:chExt cx="0" cy="0"/>
+        </a:xfrm>
+      </p:grpSpPr>
+      <p:sp>
+        <p:nvSpPr>
+          <p:cNvPr id="2" name="Folienbildplatzhalter 1"/>
+          <p:cNvSpPr>
+            <a:spLocks noGrp="1" noRot="1" noChangeAspect="1"/>
+          </p:cNvSpPr>
+          <p:nvPr>
+            <p:ph type="sldImg"/>
+          </p:nvPr>
+        </p:nvSpPr>
+        <p:spPr/>
+      </p:sp>
+      <p:sp>
+        <p:nvSpPr>
+          <p:cNvPr id="3" name="Notizenplatzhalter 2"/>
+          <p:cNvSpPr>
+            <a:spLocks noGrp="1"/>
+          </p:cNvSpPr>
+          <p:nvPr>
+            <p:ph type="body" idx="1"/>
+          </p:nvPr>
+        </p:nvSpPr>
+        <p:spPr/>
+        <p:txBody>
+          <a:bodyPr/>
+          <a:lstStyle/>
+          <a:p>
+            <a:r>
+              <a:rPr lang="de-DE" dirty="0"/>
+              <a:t>Hier habe ich mal gezeigt, wie die Umwandlung gemeint ist</a:t>
+            </a:r>
+          </a:p>
+        </p:txBody>
+      </p:sp>
+      <p:sp>
+        <p:nvSpPr>
+          <p:cNvPr id="4" name="Foliennummernplatzhalter 3"/>
+          <p:cNvSpPr>
+            <a:spLocks noGrp="1"/>
+          </p:cNvSpPr>
+          <p:nvPr>
+            <p:ph type="sldNum" sz="quarter" idx="5"/>
+          </p:nvPr>
+        </p:nvSpPr>
+        <p:spPr/>
+        <p:txBody>
+          <a:bodyPr/>
+          <a:lstStyle/>
+          <a:p>
+            <a:fld id="{D15B9CCF-FFA2-46F4-AE87-49E1E1368883}" type="slidenum">
+              <a:rPr lang="de-DE" smtClean="0"/>
+              <a:t>25</a:t>
+            </a:fld>
+            <a:endParaRPr lang="de-DE"/>
+          </a:p>
+        </p:txBody>
+      </p:sp>
+    </p:spTree>
+    <p:extLst>
+      <p:ext uri="{BB962C8B-B14F-4D97-AF65-F5344CB8AC3E}">
+        <p14:creationId xmlns:p14="http://schemas.microsoft.com/office/powerpoint/2010/main" val="957108521"/>
       </p:ext>
     </p:extLst>
   </p:cSld>
@@ -3571,7 +3931,7 @@
           <a:noFill/>
           <a:extLst>
             <a:ext uri="{909E8E84-426E-40dd-AFC4-6F175D3DCCD1}">
-              <a14:hiddenFill xmlns="" xmlns:a14="http://schemas.microsoft.com/office/drawing/2010/main">
+              <a14:hiddenFill xmlns:a14="http://schemas.microsoft.com/office/drawing/2010/main" xmlns="">
                 <a:solidFill>
                   <a:srgbClr val="FFFFFF"/>
                 </a:solidFill>
@@ -3631,7 +3991,7 @@
             </a:ln>
             <a:extLst>
               <a:ext uri="{91240B29-F687-4f45-9708-019B960494DF}">
-                <a14:hiddenLine xmlns="" xmlns:a14="http://schemas.microsoft.com/office/drawing/2010/main" w="9525">
+                <a14:hiddenLine xmlns:a14="http://schemas.microsoft.com/office/drawing/2010/main" xmlns="" w="9525">
                   <a:solidFill>
                     <a:srgbClr val="000000"/>
                   </a:solidFill>
@@ -3721,7 +4081,7 @@
             </a:ln>
             <a:extLst>
               <a:ext uri="{91240B29-F687-4f45-9708-019B960494DF}">
-                <a14:hiddenLine xmlns="" xmlns:a14="http://schemas.microsoft.com/office/drawing/2010/main" w="9525">
+                <a14:hiddenLine xmlns:a14="http://schemas.microsoft.com/office/drawing/2010/main" xmlns="" w="9525">
                   <a:solidFill>
                     <a:srgbClr val="000000"/>
                   </a:solidFill>
@@ -3811,7 +4171,7 @@
             </a:ln>
             <a:extLst>
               <a:ext uri="{91240B29-F687-4f45-9708-019B960494DF}">
-                <a14:hiddenLine xmlns="" xmlns:a14="http://schemas.microsoft.com/office/drawing/2010/main" w="9525">
+                <a14:hiddenLine xmlns:a14="http://schemas.microsoft.com/office/drawing/2010/main" xmlns="" w="9525">
                   <a:solidFill>
                     <a:srgbClr val="000000"/>
                   </a:solidFill>
@@ -3845,7 +4205,7 @@
             </a:ln>
             <a:extLst>
               <a:ext uri="{91240B29-F687-4f45-9708-019B960494DF}">
-                <a14:hiddenLine xmlns="" xmlns:a14="http://schemas.microsoft.com/office/drawing/2010/main" w="9525">
+                <a14:hiddenLine xmlns:a14="http://schemas.microsoft.com/office/drawing/2010/main" xmlns="" w="9525">
                   <a:solidFill>
                     <a:srgbClr val="000000"/>
                   </a:solidFill>
@@ -3935,7 +4295,7 @@
             </a:ln>
             <a:extLst>
               <a:ext uri="{91240B29-F687-4f45-9708-019B960494DF}">
-                <a14:hiddenLine xmlns="" xmlns:a14="http://schemas.microsoft.com/office/drawing/2010/main" w="9525">
+                <a14:hiddenLine xmlns:a14="http://schemas.microsoft.com/office/drawing/2010/main" xmlns="" w="9525">
                   <a:solidFill>
                     <a:srgbClr val="000000"/>
                   </a:solidFill>
@@ -3997,7 +4357,7 @@
             </a:ln>
             <a:extLst>
               <a:ext uri="{91240B29-F687-4f45-9708-019B960494DF}">
-                <a14:hiddenLine xmlns="" xmlns:a14="http://schemas.microsoft.com/office/drawing/2010/main" w="9525">
+                <a14:hiddenLine xmlns:a14="http://schemas.microsoft.com/office/drawing/2010/main" xmlns="" w="9525">
                   <a:solidFill>
                     <a:srgbClr val="000000"/>
                   </a:solidFill>
@@ -4059,7 +4419,7 @@
             </a:ln>
             <a:extLst>
               <a:ext uri="{91240B29-F687-4f45-9708-019B960494DF}">
-                <a14:hiddenLine xmlns="" xmlns:a14="http://schemas.microsoft.com/office/drawing/2010/main" w="9525">
+                <a14:hiddenLine xmlns:a14="http://schemas.microsoft.com/office/drawing/2010/main" xmlns="" w="9525">
                   <a:solidFill>
                     <a:srgbClr val="000000"/>
                   </a:solidFill>
@@ -4149,7 +4509,7 @@
             </a:ln>
             <a:extLst>
               <a:ext uri="{91240B29-F687-4f45-9708-019B960494DF}">
-                <a14:hiddenLine xmlns="" xmlns:a14="http://schemas.microsoft.com/office/drawing/2010/main" w="9525">
+                <a14:hiddenLine xmlns:a14="http://schemas.microsoft.com/office/drawing/2010/main" xmlns="" w="9525">
                   <a:solidFill>
                     <a:srgbClr val="000000"/>
                   </a:solidFill>
@@ -4211,7 +4571,7 @@
             </a:ln>
             <a:extLst>
               <a:ext uri="{91240B29-F687-4f45-9708-019B960494DF}">
-                <a14:hiddenLine xmlns="" xmlns:a14="http://schemas.microsoft.com/office/drawing/2010/main" w="9525">
+                <a14:hiddenLine xmlns:a14="http://schemas.microsoft.com/office/drawing/2010/main" xmlns="" w="9525">
                   <a:solidFill>
                     <a:srgbClr val="000000"/>
                   </a:solidFill>
@@ -4273,7 +4633,7 @@
             </a:ln>
             <a:extLst>
               <a:ext uri="{91240B29-F687-4f45-9708-019B960494DF}">
-                <a14:hiddenLine xmlns="" xmlns:a14="http://schemas.microsoft.com/office/drawing/2010/main" w="9525">
+                <a14:hiddenLine xmlns:a14="http://schemas.microsoft.com/office/drawing/2010/main" xmlns="" w="9525">
                   <a:solidFill>
                     <a:srgbClr val="000000"/>
                   </a:solidFill>
@@ -4363,7 +4723,7 @@
             </a:ln>
             <a:extLst>
               <a:ext uri="{91240B29-F687-4f45-9708-019B960494DF}">
-                <a14:hiddenLine xmlns="" xmlns:a14="http://schemas.microsoft.com/office/drawing/2010/main" w="9525">
+                <a14:hiddenLine xmlns:a14="http://schemas.microsoft.com/office/drawing/2010/main" xmlns="" w="9525">
                   <a:solidFill>
                     <a:srgbClr val="000000"/>
                   </a:solidFill>
@@ -4453,7 +4813,7 @@
             </a:ln>
             <a:extLst>
               <a:ext uri="{91240B29-F687-4f45-9708-019B960494DF}">
-                <a14:hiddenLine xmlns="" xmlns:a14="http://schemas.microsoft.com/office/drawing/2010/main" w="9525">
+                <a14:hiddenLine xmlns:a14="http://schemas.microsoft.com/office/drawing/2010/main" xmlns="" w="9525">
                   <a:solidFill>
                     <a:srgbClr val="000000"/>
                   </a:solidFill>
@@ -4515,7 +4875,7 @@
             </a:ln>
             <a:extLst>
               <a:ext uri="{91240B29-F687-4f45-9708-019B960494DF}">
-                <a14:hiddenLine xmlns="" xmlns:a14="http://schemas.microsoft.com/office/drawing/2010/main" w="9525">
+                <a14:hiddenLine xmlns:a14="http://schemas.microsoft.com/office/drawing/2010/main" xmlns="" w="9525">
                   <a:solidFill>
                     <a:srgbClr val="000000"/>
                   </a:solidFill>
@@ -4625,7 +4985,7 @@
             </a:ln>
             <a:extLst>
               <a:ext uri="{91240B29-F687-4f45-9708-019B960494DF}">
-                <a14:hiddenLine xmlns="" xmlns:a14="http://schemas.microsoft.com/office/drawing/2010/main" w="9525">
+                <a14:hiddenLine xmlns:a14="http://schemas.microsoft.com/office/drawing/2010/main" xmlns="" w="9525">
                   <a:solidFill>
                     <a:srgbClr val="000000"/>
                   </a:solidFill>
@@ -4687,7 +5047,7 @@
             </a:ln>
             <a:extLst>
               <a:ext uri="{91240B29-F687-4f45-9708-019B960494DF}">
-                <a14:hiddenLine xmlns="" xmlns:a14="http://schemas.microsoft.com/office/drawing/2010/main" w="9525">
+                <a14:hiddenLine xmlns:a14="http://schemas.microsoft.com/office/drawing/2010/main" xmlns="" w="9525">
                   <a:solidFill>
                     <a:srgbClr val="000000"/>
                   </a:solidFill>
@@ -4777,7 +5137,7 @@
             </a:ln>
             <a:extLst>
               <a:ext uri="{91240B29-F687-4f45-9708-019B960494DF}">
-                <a14:hiddenLine xmlns="" xmlns:a14="http://schemas.microsoft.com/office/drawing/2010/main" w="9525">
+                <a14:hiddenLine xmlns:a14="http://schemas.microsoft.com/office/drawing/2010/main" xmlns="" w="9525">
                   <a:solidFill>
                     <a:srgbClr val="000000"/>
                   </a:solidFill>
@@ -4867,7 +5227,7 @@
             </a:ln>
             <a:extLst>
               <a:ext uri="{91240B29-F687-4f45-9708-019B960494DF}">
-                <a14:hiddenLine xmlns="" xmlns:a14="http://schemas.microsoft.com/office/drawing/2010/main" w="9525">
+                <a14:hiddenLine xmlns:a14="http://schemas.microsoft.com/office/drawing/2010/main" xmlns="" w="9525">
                   <a:solidFill>
                     <a:srgbClr val="000000"/>
                   </a:solidFill>
@@ -4929,7 +5289,7 @@
             </a:ln>
             <a:extLst>
               <a:ext uri="{91240B29-F687-4f45-9708-019B960494DF}">
-                <a14:hiddenLine xmlns="" xmlns:a14="http://schemas.microsoft.com/office/drawing/2010/main" w="9525">
+                <a14:hiddenLine xmlns:a14="http://schemas.microsoft.com/office/drawing/2010/main" xmlns="" w="9525">
                   <a:solidFill>
                     <a:srgbClr val="000000"/>
                   </a:solidFill>
@@ -5019,7 +5379,7 @@
             </a:ln>
             <a:extLst>
               <a:ext uri="{91240B29-F687-4f45-9708-019B960494DF}">
-                <a14:hiddenLine xmlns="" xmlns:a14="http://schemas.microsoft.com/office/drawing/2010/main" w="9525">
+                <a14:hiddenLine xmlns:a14="http://schemas.microsoft.com/office/drawing/2010/main" xmlns="" w="9525">
                   <a:solidFill>
                     <a:srgbClr val="000000"/>
                   </a:solidFill>
@@ -5109,7 +5469,7 @@
             </a:ln>
             <a:extLst>
               <a:ext uri="{91240B29-F687-4f45-9708-019B960494DF}">
-                <a14:hiddenLine xmlns="" xmlns:a14="http://schemas.microsoft.com/office/drawing/2010/main" w="9525">
+                <a14:hiddenLine xmlns:a14="http://schemas.microsoft.com/office/drawing/2010/main" xmlns="" w="9525">
                   <a:solidFill>
                     <a:srgbClr val="000000"/>
                   </a:solidFill>
@@ -5165,7 +5525,7 @@
             </a:ln>
             <a:extLst>
               <a:ext uri="{91240B29-F687-4f45-9708-019B960494DF}">
-                <a14:hiddenLine xmlns="" xmlns:a14="http://schemas.microsoft.com/office/drawing/2010/main" w="9525">
+                <a14:hiddenLine xmlns:a14="http://schemas.microsoft.com/office/drawing/2010/main" xmlns="" w="9525">
                   <a:solidFill>
                     <a:srgbClr val="000000"/>
                   </a:solidFill>
@@ -5255,7 +5615,7 @@
             </a:ln>
             <a:extLst>
               <a:ext uri="{91240B29-F687-4f45-9708-019B960494DF}">
-                <a14:hiddenLine xmlns="" xmlns:a14="http://schemas.microsoft.com/office/drawing/2010/main" w="9525">
+                <a14:hiddenLine xmlns:a14="http://schemas.microsoft.com/office/drawing/2010/main" xmlns="" w="9525">
                   <a:solidFill>
                     <a:srgbClr val="000000"/>
                   </a:solidFill>
@@ -5311,7 +5671,7 @@
             </a:ln>
             <a:extLst>
               <a:ext uri="{91240B29-F687-4f45-9708-019B960494DF}">
-                <a14:hiddenLine xmlns="" xmlns:a14="http://schemas.microsoft.com/office/drawing/2010/main" w="9525">
+                <a14:hiddenLine xmlns:a14="http://schemas.microsoft.com/office/drawing/2010/main" xmlns="" w="9525">
                   <a:solidFill>
                     <a:srgbClr val="000000"/>
                   </a:solidFill>
@@ -5401,7 +5761,7 @@
             </a:ln>
             <a:extLst>
               <a:ext uri="{91240B29-F687-4f45-9708-019B960494DF}">
-                <a14:hiddenLine xmlns="" xmlns:a14="http://schemas.microsoft.com/office/drawing/2010/main" w="9525">
+                <a14:hiddenLine xmlns:a14="http://schemas.microsoft.com/office/drawing/2010/main" xmlns="" w="9525">
                   <a:solidFill>
                     <a:srgbClr val="000000"/>
                   </a:solidFill>
@@ -5469,7 +5829,7 @@
             </a:ln>
             <a:extLst>
               <a:ext uri="{91240B29-F687-4f45-9708-019B960494DF}">
-                <a14:hiddenLine xmlns="" xmlns:a14="http://schemas.microsoft.com/office/drawing/2010/main" w="9525">
+                <a14:hiddenLine xmlns:a14="http://schemas.microsoft.com/office/drawing/2010/main" xmlns="" w="9525">
                   <a:solidFill>
                     <a:srgbClr val="000000"/>
                   </a:solidFill>
@@ -5559,7 +5919,7 @@
             </a:ln>
             <a:extLst>
               <a:ext uri="{91240B29-F687-4f45-9708-019B960494DF}">
-                <a14:hiddenLine xmlns="" xmlns:a14="http://schemas.microsoft.com/office/drawing/2010/main" w="9525">
+                <a14:hiddenLine xmlns:a14="http://schemas.microsoft.com/office/drawing/2010/main" xmlns="" w="9525">
                   <a:solidFill>
                     <a:srgbClr val="000000"/>
                   </a:solidFill>
@@ -5627,7 +5987,7 @@
             </a:ln>
             <a:extLst>
               <a:ext uri="{91240B29-F687-4f45-9708-019B960494DF}">
-                <a14:hiddenLine xmlns="" xmlns:a14="http://schemas.microsoft.com/office/drawing/2010/main" w="9525">
+                <a14:hiddenLine xmlns:a14="http://schemas.microsoft.com/office/drawing/2010/main" xmlns="" w="9525">
                   <a:solidFill>
                     <a:srgbClr val="000000"/>
                   </a:solidFill>
@@ -5717,7 +6077,7 @@
             </a:ln>
             <a:extLst>
               <a:ext uri="{91240B29-F687-4f45-9708-019B960494DF}">
-                <a14:hiddenLine xmlns="" xmlns:a14="http://schemas.microsoft.com/office/drawing/2010/main" w="9525">
+                <a14:hiddenLine xmlns:a14="http://schemas.microsoft.com/office/drawing/2010/main" xmlns="" w="9525">
                   <a:solidFill>
                     <a:srgbClr val="000000"/>
                   </a:solidFill>
@@ -5751,7 +6111,7 @@
             </a:ln>
             <a:extLst>
               <a:ext uri="{91240B29-F687-4f45-9708-019B960494DF}">
-                <a14:hiddenLine xmlns="" xmlns:a14="http://schemas.microsoft.com/office/drawing/2010/main" w="9525">
+                <a14:hiddenLine xmlns:a14="http://schemas.microsoft.com/office/drawing/2010/main" xmlns="" w="9525">
                   <a:solidFill>
                     <a:srgbClr val="000000"/>
                   </a:solidFill>
@@ -5841,7 +6201,7 @@
             </a:ln>
             <a:extLst>
               <a:ext uri="{91240B29-F687-4f45-9708-019B960494DF}">
-                <a14:hiddenLine xmlns="" xmlns:a14="http://schemas.microsoft.com/office/drawing/2010/main" w="9525">
+                <a14:hiddenLine xmlns:a14="http://schemas.microsoft.com/office/drawing/2010/main" xmlns="" w="9525">
                   <a:solidFill>
                     <a:srgbClr val="000000"/>
                   </a:solidFill>
@@ -5903,7 +6263,7 @@
             </a:ln>
             <a:extLst>
               <a:ext uri="{91240B29-F687-4f45-9708-019B960494DF}">
-                <a14:hiddenLine xmlns="" xmlns:a14="http://schemas.microsoft.com/office/drawing/2010/main" w="9525">
+                <a14:hiddenLine xmlns:a14="http://schemas.microsoft.com/office/drawing/2010/main" xmlns="" w="9525">
                   <a:solidFill>
                     <a:srgbClr val="000000"/>
                   </a:solidFill>
@@ -5965,7 +6325,7 @@
             </a:ln>
             <a:extLst>
               <a:ext uri="{91240B29-F687-4f45-9708-019B960494DF}">
-                <a14:hiddenLine xmlns="" xmlns:a14="http://schemas.microsoft.com/office/drawing/2010/main" w="9525">
+                <a14:hiddenLine xmlns:a14="http://schemas.microsoft.com/office/drawing/2010/main" xmlns="" w="9525">
                   <a:solidFill>
                     <a:srgbClr val="000000"/>
                   </a:solidFill>
@@ -6055,7 +6415,7 @@
             </a:ln>
             <a:extLst>
               <a:ext uri="{91240B29-F687-4f45-9708-019B960494DF}">
-                <a14:hiddenLine xmlns="" xmlns:a14="http://schemas.microsoft.com/office/drawing/2010/main" w="9525">
+                <a14:hiddenLine xmlns:a14="http://schemas.microsoft.com/office/drawing/2010/main" xmlns="" w="9525">
                   <a:solidFill>
                     <a:srgbClr val="000000"/>
                   </a:solidFill>
@@ -6123,7 +6483,7 @@
             </a:ln>
             <a:extLst>
               <a:ext uri="{91240B29-F687-4f45-9708-019B960494DF}">
-                <a14:hiddenLine xmlns="" xmlns:a14="http://schemas.microsoft.com/office/drawing/2010/main" w="9525">
+                <a14:hiddenLine xmlns:a14="http://schemas.microsoft.com/office/drawing/2010/main" xmlns="" w="9525">
                   <a:solidFill>
                     <a:srgbClr val="000000"/>
                   </a:solidFill>
@@ -6185,7 +6545,7 @@
             </a:ln>
             <a:extLst>
               <a:ext uri="{91240B29-F687-4f45-9708-019B960494DF}">
-                <a14:hiddenLine xmlns="" xmlns:a14="http://schemas.microsoft.com/office/drawing/2010/main" w="9525">
+                <a14:hiddenLine xmlns:a14="http://schemas.microsoft.com/office/drawing/2010/main" xmlns="" w="9525">
                   <a:solidFill>
                     <a:srgbClr val="000000"/>
                   </a:solidFill>
@@ -6275,7 +6635,7 @@
             </a:ln>
             <a:extLst>
               <a:ext uri="{91240B29-F687-4f45-9708-019B960494DF}">
-                <a14:hiddenLine xmlns="" xmlns:a14="http://schemas.microsoft.com/office/drawing/2010/main" w="9525">
+                <a14:hiddenLine xmlns:a14="http://schemas.microsoft.com/office/drawing/2010/main" xmlns="" w="9525">
                   <a:solidFill>
                     <a:srgbClr val="000000"/>
                   </a:solidFill>
@@ -6337,7 +6697,7 @@
             </a:ln>
             <a:extLst>
               <a:ext uri="{91240B29-F687-4f45-9708-019B960494DF}">
-                <a14:hiddenLine xmlns="" xmlns:a14="http://schemas.microsoft.com/office/drawing/2010/main" w="9525">
+                <a14:hiddenLine xmlns:a14="http://schemas.microsoft.com/office/drawing/2010/main" xmlns="" w="9525">
                   <a:solidFill>
                     <a:srgbClr val="000000"/>
                   </a:solidFill>
@@ -6427,7 +6787,7 @@
             </a:ln>
             <a:extLst>
               <a:ext uri="{91240B29-F687-4f45-9708-019B960494DF}">
-                <a14:hiddenLine xmlns="" xmlns:a14="http://schemas.microsoft.com/office/drawing/2010/main" w="9525">
+                <a14:hiddenLine xmlns:a14="http://schemas.microsoft.com/office/drawing/2010/main" xmlns="" w="9525">
                   <a:solidFill>
                     <a:srgbClr val="000000"/>
                   </a:solidFill>
@@ -6489,7 +6849,7 @@
             </a:ln>
             <a:extLst>
               <a:ext uri="{91240B29-F687-4f45-9708-019B960494DF}">
-                <a14:hiddenLine xmlns="" xmlns:a14="http://schemas.microsoft.com/office/drawing/2010/main" w="9525">
+                <a14:hiddenLine xmlns:a14="http://schemas.microsoft.com/office/drawing/2010/main" xmlns="" w="9525">
                   <a:solidFill>
                     <a:srgbClr val="000000"/>
                   </a:solidFill>
@@ -6579,7 +6939,7 @@
             </a:ln>
             <a:extLst>
               <a:ext uri="{91240B29-F687-4f45-9708-019B960494DF}">
-                <a14:hiddenLine xmlns="" xmlns:a14="http://schemas.microsoft.com/office/drawing/2010/main" w="9525">
+                <a14:hiddenLine xmlns:a14="http://schemas.microsoft.com/office/drawing/2010/main" xmlns="" w="9525">
                   <a:solidFill>
                     <a:srgbClr val="000000"/>
                   </a:solidFill>
@@ -6613,7 +6973,7 @@
             </a:ln>
             <a:extLst>
               <a:ext uri="{91240B29-F687-4f45-9708-019B960494DF}">
-                <a14:hiddenLine xmlns="" xmlns:a14="http://schemas.microsoft.com/office/drawing/2010/main" w="9525">
+                <a14:hiddenLine xmlns:a14="http://schemas.microsoft.com/office/drawing/2010/main" xmlns="" w="9525">
                   <a:solidFill>
                     <a:srgbClr val="000000"/>
                   </a:solidFill>
@@ -6678,7 +7038,7 @@
             </a:ln>
             <a:extLst>
               <a:ext uri="{91240B29-F687-4f45-9708-019B960494DF}">
-                <a14:hiddenLine xmlns="" xmlns:a14="http://schemas.microsoft.com/office/drawing/2010/main" w="9525">
+                <a14:hiddenLine xmlns:a14="http://schemas.microsoft.com/office/drawing/2010/main" xmlns="" w="9525">
                   <a:solidFill>
                     <a:srgbClr val="000000"/>
                   </a:solidFill>
@@ -6768,7 +7128,7 @@
             </a:ln>
             <a:extLst>
               <a:ext uri="{91240B29-F687-4f45-9708-019B960494DF}">
-                <a14:hiddenLine xmlns="" xmlns:a14="http://schemas.microsoft.com/office/drawing/2010/main" w="9525">
+                <a14:hiddenLine xmlns:a14="http://schemas.microsoft.com/office/drawing/2010/main" xmlns="" w="9525">
                   <a:solidFill>
                     <a:srgbClr val="000000"/>
                   </a:solidFill>
@@ -6830,7 +7190,7 @@
             </a:ln>
             <a:extLst>
               <a:ext uri="{91240B29-F687-4f45-9708-019B960494DF}">
-                <a14:hiddenLine xmlns="" xmlns:a14="http://schemas.microsoft.com/office/drawing/2010/main" w="9525">
+                <a14:hiddenLine xmlns:a14="http://schemas.microsoft.com/office/drawing/2010/main" xmlns="" w="9525">
                   <a:solidFill>
                     <a:srgbClr val="000000"/>
                   </a:solidFill>
@@ -6920,7 +7280,7 @@
             </a:ln>
             <a:extLst>
               <a:ext uri="{91240B29-F687-4f45-9708-019B960494DF}">
-                <a14:hiddenLine xmlns="" xmlns:a14="http://schemas.microsoft.com/office/drawing/2010/main" w="9525">
+                <a14:hiddenLine xmlns:a14="http://schemas.microsoft.com/office/drawing/2010/main" xmlns="" w="9525">
                   <a:solidFill>
                     <a:srgbClr val="000000"/>
                   </a:solidFill>
@@ -7010,7 +7370,7 @@
             </a:ln>
             <a:extLst>
               <a:ext uri="{91240B29-F687-4f45-9708-019B960494DF}">
-                <a14:hiddenLine xmlns="" xmlns:a14="http://schemas.microsoft.com/office/drawing/2010/main" w="9525">
+                <a14:hiddenLine xmlns:a14="http://schemas.microsoft.com/office/drawing/2010/main" xmlns="" w="9525">
                   <a:solidFill>
                     <a:srgbClr val="000000"/>
                   </a:solidFill>
@@ -7075,7 +7435,7 @@
             </a:ln>
             <a:extLst>
               <a:ext uri="{91240B29-F687-4f45-9708-019B960494DF}">
-                <a14:hiddenLine xmlns="" xmlns:a14="http://schemas.microsoft.com/office/drawing/2010/main" w="9525">
+                <a14:hiddenLine xmlns:a14="http://schemas.microsoft.com/office/drawing/2010/main" xmlns="" w="9525">
                   <a:solidFill>
                     <a:srgbClr val="000000"/>
                   </a:solidFill>
@@ -7137,7 +7497,7 @@
             </a:ln>
             <a:extLst>
               <a:ext uri="{91240B29-F687-4f45-9708-019B960494DF}">
-                <a14:hiddenLine xmlns="" xmlns:a14="http://schemas.microsoft.com/office/drawing/2010/main" w="9525">
+                <a14:hiddenLine xmlns:a14="http://schemas.microsoft.com/office/drawing/2010/main" xmlns="" w="9525">
                   <a:solidFill>
                     <a:srgbClr val="000000"/>
                   </a:solidFill>
@@ -7227,7 +7587,7 @@
             </a:ln>
             <a:extLst>
               <a:ext uri="{91240B29-F687-4f45-9708-019B960494DF}">
-                <a14:hiddenLine xmlns="" xmlns:a14="http://schemas.microsoft.com/office/drawing/2010/main" w="9525">
+                <a14:hiddenLine xmlns:a14="http://schemas.microsoft.com/office/drawing/2010/main" xmlns="" w="9525">
                   <a:solidFill>
                     <a:srgbClr val="000000"/>
                   </a:solidFill>
@@ -7317,7 +7677,7 @@
             </a:ln>
             <a:extLst>
               <a:ext uri="{91240B29-F687-4f45-9708-019B960494DF}">
-                <a14:hiddenLine xmlns="" xmlns:a14="http://schemas.microsoft.com/office/drawing/2010/main" w="9525">
+                <a14:hiddenLine xmlns:a14="http://schemas.microsoft.com/office/drawing/2010/main" xmlns="" w="9525">
                   <a:solidFill>
                     <a:srgbClr val="000000"/>
                   </a:solidFill>
@@ -7379,7 +7739,7 @@
             </a:ln>
             <a:extLst>
               <a:ext uri="{91240B29-F687-4f45-9708-019B960494DF}">
-                <a14:hiddenLine xmlns="" xmlns:a14="http://schemas.microsoft.com/office/drawing/2010/main" w="9525">
+                <a14:hiddenLine xmlns:a14="http://schemas.microsoft.com/office/drawing/2010/main" xmlns="" w="9525">
                   <a:solidFill>
                     <a:srgbClr val="000000"/>
                   </a:solidFill>
@@ -7499,7 +7859,7 @@
             </a:ln>
             <a:extLst>
               <a:ext uri="{91240B29-F687-4f45-9708-019B960494DF}">
-                <a14:hiddenLine xmlns="" xmlns:a14="http://schemas.microsoft.com/office/drawing/2010/main" w="9525">
+                <a14:hiddenLine xmlns:a14="http://schemas.microsoft.com/office/drawing/2010/main" xmlns="" w="9525">
                   <a:solidFill>
                     <a:srgbClr val="000000"/>
                   </a:solidFill>
@@ -7567,7 +7927,7 @@
             </a:ln>
             <a:extLst>
               <a:ext uri="{91240B29-F687-4f45-9708-019B960494DF}">
-                <a14:hiddenLine xmlns="" xmlns:a14="http://schemas.microsoft.com/office/drawing/2010/main" w="9525">
+                <a14:hiddenLine xmlns:a14="http://schemas.microsoft.com/office/drawing/2010/main" xmlns="" w="9525">
                   <a:solidFill>
                     <a:srgbClr val="000000"/>
                   </a:solidFill>
@@ -7657,7 +8017,7 @@
             </a:ln>
             <a:extLst>
               <a:ext uri="{91240B29-F687-4f45-9708-019B960494DF}">
-                <a14:hiddenLine xmlns="" xmlns:a14="http://schemas.microsoft.com/office/drawing/2010/main" w="9525">
+                <a14:hiddenLine xmlns:a14="http://schemas.microsoft.com/office/drawing/2010/main" xmlns="" w="9525">
                   <a:solidFill>
                     <a:srgbClr val="000000"/>
                   </a:solidFill>
@@ -12379,7 +12739,7 @@
           <a:noFill/>
           <a:extLst>
             <a:ext uri="{909E8E84-426E-40dd-AFC4-6F175D3DCCD1}">
-              <a14:hiddenFill xmlns="" xmlns:a14="http://schemas.microsoft.com/office/drawing/2010/main">
+              <a14:hiddenFill xmlns:a14="http://schemas.microsoft.com/office/drawing/2010/main" xmlns="">
                 <a:solidFill>
                   <a:srgbClr val="FFFFFF"/>
                 </a:solidFill>
@@ -12453,7 +12813,7 @@
               </a:ln>
               <a:extLst>
                 <a:ext uri="{91240B29-F687-4f45-9708-019B960494DF}">
-                  <a14:hiddenLine xmlns="" xmlns:a14="http://schemas.microsoft.com/office/drawing/2010/main" w="9525">
+                  <a14:hiddenLine xmlns:a14="http://schemas.microsoft.com/office/drawing/2010/main" xmlns="" w="9525">
                     <a:solidFill>
                       <a:srgbClr val="000000"/>
                     </a:solidFill>
@@ -12543,7 +12903,7 @@
               </a:ln>
               <a:extLst>
                 <a:ext uri="{91240B29-F687-4f45-9708-019B960494DF}">
-                  <a14:hiddenLine xmlns="" xmlns:a14="http://schemas.microsoft.com/office/drawing/2010/main" w="9525">
+                  <a14:hiddenLine xmlns:a14="http://schemas.microsoft.com/office/drawing/2010/main" xmlns="" w="9525">
                     <a:solidFill>
                       <a:srgbClr val="000000"/>
                     </a:solidFill>
@@ -12633,7 +12993,7 @@
               </a:ln>
               <a:extLst>
                 <a:ext uri="{91240B29-F687-4f45-9708-019B960494DF}">
-                  <a14:hiddenLine xmlns="" xmlns:a14="http://schemas.microsoft.com/office/drawing/2010/main" w="9525">
+                  <a14:hiddenLine xmlns:a14="http://schemas.microsoft.com/office/drawing/2010/main" xmlns="" w="9525">
                     <a:solidFill>
                       <a:srgbClr val="000000"/>
                     </a:solidFill>
@@ -12695,7 +13055,7 @@
               </a:ln>
               <a:extLst>
                 <a:ext uri="{91240B29-F687-4f45-9708-019B960494DF}">
-                  <a14:hiddenLine xmlns="" xmlns:a14="http://schemas.microsoft.com/office/drawing/2010/main" w="9525">
+                  <a14:hiddenLine xmlns:a14="http://schemas.microsoft.com/office/drawing/2010/main" xmlns="" w="9525">
                     <a:solidFill>
                       <a:srgbClr val="000000"/>
                     </a:solidFill>
@@ -12785,7 +13145,7 @@
               </a:ln>
               <a:extLst>
                 <a:ext uri="{91240B29-F687-4f45-9708-019B960494DF}">
-                  <a14:hiddenLine xmlns="" xmlns:a14="http://schemas.microsoft.com/office/drawing/2010/main" w="9525">
+                  <a14:hiddenLine xmlns:a14="http://schemas.microsoft.com/office/drawing/2010/main" xmlns="" w="9525">
                     <a:solidFill>
                       <a:srgbClr val="000000"/>
                     </a:solidFill>
@@ -12847,7 +13207,7 @@
               </a:ln>
               <a:extLst>
                 <a:ext uri="{91240B29-F687-4f45-9708-019B960494DF}">
-                  <a14:hiddenLine xmlns="" xmlns:a14="http://schemas.microsoft.com/office/drawing/2010/main" w="9525">
+                  <a14:hiddenLine xmlns:a14="http://schemas.microsoft.com/office/drawing/2010/main" xmlns="" w="9525">
                     <a:solidFill>
                       <a:srgbClr val="000000"/>
                     </a:solidFill>
@@ -12909,7 +13269,7 @@
               </a:ln>
               <a:extLst>
                 <a:ext uri="{91240B29-F687-4f45-9708-019B960494DF}">
-                  <a14:hiddenLine xmlns="" xmlns:a14="http://schemas.microsoft.com/office/drawing/2010/main" w="9525">
+                  <a14:hiddenLine xmlns:a14="http://schemas.microsoft.com/office/drawing/2010/main" xmlns="" w="9525">
                     <a:solidFill>
                       <a:srgbClr val="000000"/>
                     </a:solidFill>
@@ -12999,7 +13359,7 @@
               </a:ln>
               <a:extLst>
                 <a:ext uri="{91240B29-F687-4f45-9708-019B960494DF}">
-                  <a14:hiddenLine xmlns="" xmlns:a14="http://schemas.microsoft.com/office/drawing/2010/main" w="9525">
+                  <a14:hiddenLine xmlns:a14="http://schemas.microsoft.com/office/drawing/2010/main" xmlns="" w="9525">
                     <a:solidFill>
                       <a:srgbClr val="000000"/>
                     </a:solidFill>
@@ -13089,7 +13449,7 @@
               </a:ln>
               <a:extLst>
                 <a:ext uri="{91240B29-F687-4f45-9708-019B960494DF}">
-                  <a14:hiddenLine xmlns="" xmlns:a14="http://schemas.microsoft.com/office/drawing/2010/main" w="9525">
+                  <a14:hiddenLine xmlns:a14="http://schemas.microsoft.com/office/drawing/2010/main" xmlns="" w="9525">
                     <a:solidFill>
                       <a:srgbClr val="000000"/>
                     </a:solidFill>
@@ -13151,7 +13511,7 @@
               </a:ln>
               <a:extLst>
                 <a:ext uri="{91240B29-F687-4f45-9708-019B960494DF}">
-                  <a14:hiddenLine xmlns="" xmlns:a14="http://schemas.microsoft.com/office/drawing/2010/main" w="9525">
+                  <a14:hiddenLine xmlns:a14="http://schemas.microsoft.com/office/drawing/2010/main" xmlns="" w="9525">
                     <a:solidFill>
                       <a:srgbClr val="000000"/>
                     </a:solidFill>
@@ -13261,7 +13621,7 @@
               </a:ln>
               <a:extLst>
                 <a:ext uri="{91240B29-F687-4f45-9708-019B960494DF}">
-                  <a14:hiddenLine xmlns="" xmlns:a14="http://schemas.microsoft.com/office/drawing/2010/main" w="9525">
+                  <a14:hiddenLine xmlns:a14="http://schemas.microsoft.com/office/drawing/2010/main" xmlns="" w="9525">
                     <a:solidFill>
                       <a:srgbClr val="000000"/>
                     </a:solidFill>
@@ -13345,7 +13705,7 @@
               </a:ln>
               <a:extLst>
                 <a:ext uri="{91240B29-F687-4f45-9708-019B960494DF}">
-                  <a14:hiddenLine xmlns="" xmlns:a14="http://schemas.microsoft.com/office/drawing/2010/main" w="9525">
+                  <a14:hiddenLine xmlns:a14="http://schemas.microsoft.com/office/drawing/2010/main" xmlns="" w="9525">
                     <a:solidFill>
                       <a:srgbClr val="000000"/>
                     </a:solidFill>
@@ -13407,7 +13767,7 @@
               </a:ln>
               <a:extLst>
                 <a:ext uri="{91240B29-F687-4f45-9708-019B960494DF}">
-                  <a14:hiddenLine xmlns="" xmlns:a14="http://schemas.microsoft.com/office/drawing/2010/main" w="9525">
+                  <a14:hiddenLine xmlns:a14="http://schemas.microsoft.com/office/drawing/2010/main" xmlns="" w="9525">
                     <a:solidFill>
                       <a:srgbClr val="000000"/>
                     </a:solidFill>
@@ -13469,7 +13829,7 @@
               </a:ln>
               <a:extLst>
                 <a:ext uri="{91240B29-F687-4f45-9708-019B960494DF}">
-                  <a14:hiddenLine xmlns="" xmlns:a14="http://schemas.microsoft.com/office/drawing/2010/main" w="9525">
+                  <a14:hiddenLine xmlns:a14="http://schemas.microsoft.com/office/drawing/2010/main" xmlns="" w="9525">
                     <a:solidFill>
                       <a:srgbClr val="000000"/>
                     </a:solidFill>
@@ -13559,7 +13919,7 @@
               </a:ln>
               <a:extLst>
                 <a:ext uri="{91240B29-F687-4f45-9708-019B960494DF}">
-                  <a14:hiddenLine xmlns="" xmlns:a14="http://schemas.microsoft.com/office/drawing/2010/main" w="9525">
+                  <a14:hiddenLine xmlns:a14="http://schemas.microsoft.com/office/drawing/2010/main" xmlns="" w="9525">
                     <a:solidFill>
                       <a:srgbClr val="000000"/>
                     </a:solidFill>
@@ -13593,7 +13953,7 @@
               </a:ln>
               <a:extLst>
                 <a:ext uri="{91240B29-F687-4f45-9708-019B960494DF}">
-                  <a14:hiddenLine xmlns="" xmlns:a14="http://schemas.microsoft.com/office/drawing/2010/main" w="9525">
+                  <a14:hiddenLine xmlns:a14="http://schemas.microsoft.com/office/drawing/2010/main" xmlns="" w="9525">
                     <a:solidFill>
                       <a:srgbClr val="000000"/>
                     </a:solidFill>
@@ -13658,7 +14018,7 @@
               </a:ln>
               <a:extLst>
                 <a:ext uri="{91240B29-F687-4f45-9708-019B960494DF}">
-                  <a14:hiddenLine xmlns="" xmlns:a14="http://schemas.microsoft.com/office/drawing/2010/main" w="9525">
+                  <a14:hiddenLine xmlns:a14="http://schemas.microsoft.com/office/drawing/2010/main" xmlns="" w="9525">
                     <a:solidFill>
                       <a:srgbClr val="000000"/>
                     </a:solidFill>
@@ -13748,7 +14108,7 @@
               </a:ln>
               <a:extLst>
                 <a:ext uri="{91240B29-F687-4f45-9708-019B960494DF}">
-                  <a14:hiddenLine xmlns="" xmlns:a14="http://schemas.microsoft.com/office/drawing/2010/main" w="9525">
+                  <a14:hiddenLine xmlns:a14="http://schemas.microsoft.com/office/drawing/2010/main" xmlns="" w="9525">
                     <a:solidFill>
                       <a:srgbClr val="000000"/>
                     </a:solidFill>
@@ -13810,7 +14170,7 @@
               </a:ln>
               <a:extLst>
                 <a:ext uri="{91240B29-F687-4f45-9708-019B960494DF}">
-                  <a14:hiddenLine xmlns="" xmlns:a14="http://schemas.microsoft.com/office/drawing/2010/main" w="9525">
+                  <a14:hiddenLine xmlns:a14="http://schemas.microsoft.com/office/drawing/2010/main" xmlns="" w="9525">
                     <a:solidFill>
                       <a:srgbClr val="000000"/>
                     </a:solidFill>
@@ -13900,7 +14260,7 @@
               </a:ln>
               <a:extLst>
                 <a:ext uri="{91240B29-F687-4f45-9708-019B960494DF}">
-                  <a14:hiddenLine xmlns="" xmlns:a14="http://schemas.microsoft.com/office/drawing/2010/main" w="9525">
+                  <a14:hiddenLine xmlns:a14="http://schemas.microsoft.com/office/drawing/2010/main" xmlns="" w="9525">
                     <a:solidFill>
                       <a:srgbClr val="000000"/>
                     </a:solidFill>
@@ -13965,7 +14325,7 @@
               </a:ln>
               <a:extLst>
                 <a:ext uri="{91240B29-F687-4f45-9708-019B960494DF}">
-                  <a14:hiddenLine xmlns="" xmlns:a14="http://schemas.microsoft.com/office/drawing/2010/main" w="9525">
+                  <a14:hiddenLine xmlns:a14="http://schemas.microsoft.com/office/drawing/2010/main" xmlns="" w="9525">
                     <a:solidFill>
                       <a:srgbClr val="000000"/>
                     </a:solidFill>
@@ -14027,7 +14387,7 @@
               </a:ln>
               <a:extLst>
                 <a:ext uri="{91240B29-F687-4f45-9708-019B960494DF}">
-                  <a14:hiddenLine xmlns="" xmlns:a14="http://schemas.microsoft.com/office/drawing/2010/main" w="9525">
+                  <a14:hiddenLine xmlns:a14="http://schemas.microsoft.com/office/drawing/2010/main" xmlns="" w="9525">
                     <a:solidFill>
                       <a:srgbClr val="000000"/>
                     </a:solidFill>
@@ -14117,7 +14477,7 @@
               </a:ln>
               <a:extLst>
                 <a:ext uri="{91240B29-F687-4f45-9708-019B960494DF}">
-                  <a14:hiddenLine xmlns="" xmlns:a14="http://schemas.microsoft.com/office/drawing/2010/main" w="9525">
+                  <a14:hiddenLine xmlns:a14="http://schemas.microsoft.com/office/drawing/2010/main" xmlns="" w="9525">
                     <a:solidFill>
                       <a:srgbClr val="000000"/>
                     </a:solidFill>
@@ -14207,7 +14567,7 @@
               </a:ln>
               <a:extLst>
                 <a:ext uri="{91240B29-F687-4f45-9708-019B960494DF}">
-                  <a14:hiddenLine xmlns="" xmlns:a14="http://schemas.microsoft.com/office/drawing/2010/main" w="9525">
+                  <a14:hiddenLine xmlns:a14="http://schemas.microsoft.com/office/drawing/2010/main" xmlns="" w="9525">
                     <a:solidFill>
                       <a:srgbClr val="000000"/>
                     </a:solidFill>
@@ -14272,7 +14632,7 @@
               </a:ln>
               <a:extLst>
                 <a:ext uri="{91240B29-F687-4f45-9708-019B960494DF}">
-                  <a14:hiddenLine xmlns="" xmlns:a14="http://schemas.microsoft.com/office/drawing/2010/main" w="9525">
+                  <a14:hiddenLine xmlns:a14="http://schemas.microsoft.com/office/drawing/2010/main" xmlns="" w="9525">
                     <a:solidFill>
                       <a:srgbClr val="000000"/>
                     </a:solidFill>
@@ -14392,7 +14752,7 @@
               </a:ln>
               <a:extLst>
                 <a:ext uri="{91240B29-F687-4f45-9708-019B960494DF}">
-                  <a14:hiddenLine xmlns="" xmlns:a14="http://schemas.microsoft.com/office/drawing/2010/main" w="9525">
+                  <a14:hiddenLine xmlns:a14="http://schemas.microsoft.com/office/drawing/2010/main" xmlns="" w="9525">
                     <a:solidFill>
                       <a:srgbClr val="000000"/>
                     </a:solidFill>
@@ -14490,7 +14850,7 @@
               </a:ln>
               <a:extLst>
                 <a:ext uri="{91240B29-F687-4f45-9708-019B960494DF}">
-                  <a14:hiddenLine xmlns="" xmlns:a14="http://schemas.microsoft.com/office/drawing/2010/main" w="9525">
+                  <a14:hiddenLine xmlns:a14="http://schemas.microsoft.com/office/drawing/2010/main" xmlns="" w="9525">
                     <a:solidFill>
                       <a:srgbClr val="000000"/>
                     </a:solidFill>
@@ -14605,7 +14965,7 @@
               </a:ln>
               <a:extLst>
                 <a:ext uri="{91240B29-F687-4f45-9708-019B960494DF}">
-                  <a14:hiddenLine xmlns="" xmlns:a14="http://schemas.microsoft.com/office/drawing/2010/main" w="9525">
+                  <a14:hiddenLine xmlns:a14="http://schemas.microsoft.com/office/drawing/2010/main" xmlns="" w="9525">
                     <a:solidFill>
                       <a:srgbClr val="000000"/>
                     </a:solidFill>
@@ -14695,7 +15055,7 @@
               </a:ln>
               <a:extLst>
                 <a:ext uri="{91240B29-F687-4f45-9708-019B960494DF}">
-                  <a14:hiddenLine xmlns="" xmlns:a14="http://schemas.microsoft.com/office/drawing/2010/main" w="9525">
+                  <a14:hiddenLine xmlns:a14="http://schemas.microsoft.com/office/drawing/2010/main" xmlns="" w="9525">
                     <a:solidFill>
                       <a:srgbClr val="000000"/>
                     </a:solidFill>
@@ -14760,7 +15120,7 @@
               </a:ln>
               <a:extLst>
                 <a:ext uri="{91240B29-F687-4f45-9708-019B960494DF}">
-                  <a14:hiddenLine xmlns="" xmlns:a14="http://schemas.microsoft.com/office/drawing/2010/main" w="9525">
+                  <a14:hiddenLine xmlns:a14="http://schemas.microsoft.com/office/drawing/2010/main" xmlns="" w="9525">
                     <a:solidFill>
                       <a:srgbClr val="000000"/>
                     </a:solidFill>
@@ -14850,7 +15210,7 @@
               </a:ln>
               <a:extLst>
                 <a:ext uri="{91240B29-F687-4f45-9708-019B960494DF}">
-                  <a14:hiddenLine xmlns="" xmlns:a14="http://schemas.microsoft.com/office/drawing/2010/main" w="9525">
+                  <a14:hiddenLine xmlns:a14="http://schemas.microsoft.com/office/drawing/2010/main" xmlns="" w="9525">
                     <a:solidFill>
                       <a:srgbClr val="000000"/>
                     </a:solidFill>
@@ -14918,7 +15278,7 @@
               </a:ln>
               <a:extLst>
                 <a:ext uri="{91240B29-F687-4f45-9708-019B960494DF}">
-                  <a14:hiddenLine xmlns="" xmlns:a14="http://schemas.microsoft.com/office/drawing/2010/main" w="9525">
+                  <a14:hiddenLine xmlns:a14="http://schemas.microsoft.com/office/drawing/2010/main" xmlns="" w="9525">
                     <a:solidFill>
                       <a:srgbClr val="000000"/>
                     </a:solidFill>
@@ -15008,7 +15368,7 @@
               </a:ln>
               <a:extLst>
                 <a:ext uri="{91240B29-F687-4f45-9708-019B960494DF}">
-                  <a14:hiddenLine xmlns="" xmlns:a14="http://schemas.microsoft.com/office/drawing/2010/main" w="9525">
+                  <a14:hiddenLine xmlns:a14="http://schemas.microsoft.com/office/drawing/2010/main" xmlns="" w="9525">
                     <a:solidFill>
                       <a:srgbClr val="000000"/>
                     </a:solidFill>
@@ -15076,7 +15436,7 @@
               </a:ln>
               <a:extLst>
                 <a:ext uri="{91240B29-F687-4f45-9708-019B960494DF}">
-                  <a14:hiddenLine xmlns="" xmlns:a14="http://schemas.microsoft.com/office/drawing/2010/main" w="9525">
+                  <a14:hiddenLine xmlns:a14="http://schemas.microsoft.com/office/drawing/2010/main" xmlns="" w="9525">
                     <a:solidFill>
                       <a:srgbClr val="000000"/>
                     </a:solidFill>
@@ -15166,7 +15526,7 @@
               </a:ln>
               <a:extLst>
                 <a:ext uri="{91240B29-F687-4f45-9708-019B960494DF}">
-                  <a14:hiddenLine xmlns="" xmlns:a14="http://schemas.microsoft.com/office/drawing/2010/main" w="9525">
+                  <a14:hiddenLine xmlns:a14="http://schemas.microsoft.com/office/drawing/2010/main" xmlns="" w="9525">
                     <a:solidFill>
                       <a:srgbClr val="000000"/>
                     </a:solidFill>
@@ -15200,7 +15560,7 @@
               </a:ln>
               <a:extLst>
                 <a:ext uri="{91240B29-F687-4f45-9708-019B960494DF}">
-                  <a14:hiddenLine xmlns="" xmlns:a14="http://schemas.microsoft.com/office/drawing/2010/main" w="9525">
+                  <a14:hiddenLine xmlns:a14="http://schemas.microsoft.com/office/drawing/2010/main" xmlns="" w="9525">
                     <a:solidFill>
                       <a:srgbClr val="000000"/>
                     </a:solidFill>
@@ -22338,8 +22698,8 @@
           </a:p>
         </p:txBody>
       </p:sp>
-      <mc:AlternateContent xmlns:mc="http://schemas.openxmlformats.org/markup-compatibility/2006">
-        <mc:Choice xmlns:a14="http://schemas.microsoft.com/office/drawing/2010/main" Requires="a14">
+      <mc:AlternateContent xmlns:mc="http://schemas.openxmlformats.org/markup-compatibility/2006" xmlns:a14="http://schemas.microsoft.com/office/drawing/2010/main">
+        <mc:Choice Requires="a14">
           <p:sp>
             <p:nvSpPr>
               <p:cNvPr id="3" name="Inhaltsplatzhalter 2">
@@ -22460,7 +22820,7 @@
             </p:txBody>
           </p:sp>
         </mc:Choice>
-        <mc:Fallback>
+        <mc:Fallback xmlns="">
           <p:sp>
             <p:nvSpPr>
               <p:cNvPr id="3" name="Inhaltsplatzhalter 2">
@@ -23011,8 +23371,8 @@
           </a:fontRef>
         </p:style>
       </p:cxnSp>
-      <mc:AlternateContent xmlns:mc="http://schemas.openxmlformats.org/markup-compatibility/2006">
-        <mc:Choice xmlns:a14="http://schemas.microsoft.com/office/drawing/2010/main" Requires="a14">
+      <mc:AlternateContent xmlns:mc="http://schemas.openxmlformats.org/markup-compatibility/2006" xmlns:a14="http://schemas.microsoft.com/office/drawing/2010/main">
+        <mc:Choice Requires="a14">
           <p:sp>
             <p:nvSpPr>
               <p:cNvPr id="11" name="Textfeld 10">
@@ -23108,7 +23468,7 @@
             </p:txBody>
           </p:sp>
         </mc:Choice>
-        <mc:Fallback>
+        <mc:Fallback xmlns="">
           <p:sp>
             <p:nvSpPr>
               <p:cNvPr id="11" name="Textfeld 10">
@@ -23288,8 +23648,8 @@
           </a:p>
         </p:txBody>
       </p:sp>
-      <mc:AlternateContent xmlns:mc="http://schemas.openxmlformats.org/markup-compatibility/2006">
-        <mc:Choice xmlns:a14="http://schemas.microsoft.com/office/drawing/2010/main" Requires="a14">
+      <mc:AlternateContent xmlns:mc="http://schemas.openxmlformats.org/markup-compatibility/2006" xmlns:a14="http://schemas.microsoft.com/office/drawing/2010/main">
+        <mc:Choice Requires="a14">
           <p:sp>
             <p:nvSpPr>
               <p:cNvPr id="3" name="Inhaltsplatzhalter 2">
@@ -23495,7 +23855,7 @@
             </p:txBody>
           </p:sp>
         </mc:Choice>
-        <mc:Fallback>
+        <mc:Fallback xmlns="">
           <p:sp>
             <p:nvSpPr>
               <p:cNvPr id="3" name="Inhaltsplatzhalter 2">
@@ -23593,8 +23953,8 @@
           </a:p>
         </p:txBody>
       </p:sp>
-      <mc:AlternateContent xmlns:mc="http://schemas.openxmlformats.org/markup-compatibility/2006">
-        <mc:Choice xmlns:a14="http://schemas.microsoft.com/office/drawing/2010/main" Requires="a14">
+      <mc:AlternateContent xmlns:mc="http://schemas.openxmlformats.org/markup-compatibility/2006" xmlns:a14="http://schemas.microsoft.com/office/drawing/2010/main">
+        <mc:Choice Requires="a14">
           <p:sp>
             <p:nvSpPr>
               <p:cNvPr id="3" name="Inhaltsplatzhalter 2">
@@ -23938,7 +24298,7 @@
             </p:txBody>
           </p:sp>
         </mc:Choice>
-        <mc:Fallback>
+        <mc:Fallback xmlns="">
           <p:sp>
             <p:nvSpPr>
               <p:cNvPr id="3" name="Inhaltsplatzhalter 2">
@@ -24616,7 +24976,7 @@
           <p:cNvPr id="2" name="Titel 1">
             <a:extLst>
               <a:ext uri="{FF2B5EF4-FFF2-40B4-BE49-F238E27FC236}">
-                <a16:creationId xmlns:a16="http://schemas.microsoft.com/office/drawing/2014/main" id="{60B37E50-3333-4C3E-807A-DF7CE816F1AD}"/>
+                <a16:creationId xmlns:a16="http://schemas.microsoft.com/office/drawing/2014/main" id="{85C3E011-3EBD-4422-8BEE-90F5E690585D}"/>
               </a:ext>
             </a:extLst>
           </p:cNvPr>
@@ -24634,7 +24994,7 @@
           <a:p>
             <a:r>
               <a:rPr lang="de-DE" dirty="0"/>
-              <a:t>Stark vs. Schwach NP-Vollständig</a:t>
+              <a:t>TSP in NP?</a:t>
             </a:r>
           </a:p>
         </p:txBody>
@@ -24646,7 +25006,7 @@
               <p:cNvPr id="3" name="Inhaltsplatzhalter 2">
                 <a:extLst>
                   <a:ext uri="{FF2B5EF4-FFF2-40B4-BE49-F238E27FC236}">
-                    <a16:creationId xmlns:a16="http://schemas.microsoft.com/office/drawing/2014/main" id="{511E0839-6CFC-4C83-9B79-271DCF97BE2C}"/>
+                    <a16:creationId xmlns:a16="http://schemas.microsoft.com/office/drawing/2014/main" id="{C3FE92F5-A306-457B-8467-0AAB81C77E44}"/>
                   </a:ext>
                 </a:extLst>
               </p:cNvPr>
@@ -24659,33 +25019,19 @@
             </p:nvSpPr>
             <p:spPr/>
             <p:txBody>
-              <a:bodyPr>
-                <a:normAutofit fontScale="85000" lnSpcReduction="20000"/>
-              </a:bodyPr>
+              <a:bodyPr/>
               <a:lstStyle/>
               <a:p>
                 <a:r>
                   <a:rPr lang="de-DE" dirty="0"/>
-                  <a:t>Warum ist TSP stark NP-vollständig?</a:t>
+                  <a:t>Eingabe:</a:t>
                 </a:r>
               </a:p>
               <a:p>
-                <a:endParaRPr lang="de-DE" dirty="0"/>
-              </a:p>
-              <a:p>
+                <a:pPr lvl="1"/>
                 <a:r>
                   <a:rPr lang="de-DE" dirty="0"/>
-                  <a:t>Eingabe: </a:t>
-                </a:r>
-              </a:p>
-              <a:p>
-                <a:pPr marL="914400" lvl="1" indent="-457200">
-                  <a:buFont typeface="+mj-lt"/>
-                  <a:buAutoNum type="arabicPeriod"/>
-                </a:pPr>
-                <a:r>
-                  <a:rPr lang="de-DE" dirty="0"/>
-                  <a:t>Matrix </a:t>
+                  <a:t>N Städte </a:t>
                 </a:r>
                 <a14:m>
                   <m:oMath xmlns:m="http://schemas.openxmlformats.org/officeDocument/2006/math">
@@ -24693,234 +25039,42 @@
                       <a:rPr lang="de-DE" b="0" i="1" smtClean="0">
                         <a:latin typeface="Cambria Math" panose="02040503050406030204" pitchFamily="18" charset="0"/>
                       </a:rPr>
-                      <m:t>𝑛</m:t>
+                      <m:t>𝑐</m:t>
                     </m:r>
                     <m:r>
                       <a:rPr lang="de-DE" b="0" i="1" smtClean="0">
                         <a:latin typeface="Cambria Math" panose="02040503050406030204" pitchFamily="18" charset="0"/>
                       </a:rPr>
-                      <m:t>∗</m:t>
+                      <m:t>1, </m:t>
                     </m:r>
                     <m:r>
                       <a:rPr lang="de-DE" b="0" i="1" smtClean="0">
                         <a:latin typeface="Cambria Math" panose="02040503050406030204" pitchFamily="18" charset="0"/>
                       </a:rPr>
-                      <m:t>𝑛</m:t>
+                      <m:t>𝑐</m:t>
                     </m:r>
                     <m:r>
                       <a:rPr lang="de-DE" b="0" i="1" smtClean="0">
                         <a:latin typeface="Cambria Math" panose="02040503050406030204" pitchFamily="18" charset="0"/>
                       </a:rPr>
-                      <m:t>=</m:t>
+                      <m:t>2 …, </m:t>
                     </m:r>
                     <m:r>
                       <a:rPr lang="de-DE" b="0" i="1" smtClean="0">
                         <a:latin typeface="Cambria Math" panose="02040503050406030204" pitchFamily="18" charset="0"/>
                       </a:rPr>
-                      <m:t>𝑀</m:t>
-                    </m:r>
-                  </m:oMath>
-                </a14:m>
-                <a:r>
-                  <a:rPr lang="de-DE" dirty="0"/>
-                  <a:t> = </a:t>
-                </a:r>
-                <a14:m>
-                  <m:oMath xmlns:m="http://schemas.openxmlformats.org/officeDocument/2006/math">
-                    <m:d>
-                      <m:dPr>
-                        <m:ctrlPr>
-                          <a:rPr lang="de-DE" b="0" i="1" smtClean="0">
-                            <a:latin typeface="Cambria Math" panose="02040503050406030204" pitchFamily="18" charset="0"/>
-                          </a:rPr>
-                        </m:ctrlPr>
-                      </m:dPr>
-                      <m:e>
-                        <m:sSub>
-                          <m:sSubPr>
-                            <m:ctrlPr>
-                              <a:rPr lang="de-DE" b="0" i="1" smtClean="0">
-                                <a:latin typeface="Cambria Math" panose="02040503050406030204" pitchFamily="18" charset="0"/>
-                              </a:rPr>
-                            </m:ctrlPr>
-                          </m:sSubPr>
-                          <m:e>
-                            <m:r>
-                              <a:rPr lang="de-DE" b="0" i="1" smtClean="0">
-                                <a:latin typeface="Cambria Math" panose="02040503050406030204" pitchFamily="18" charset="0"/>
-                              </a:rPr>
-                              <m:t>𝑀</m:t>
-                            </m:r>
-                          </m:e>
-                          <m:sub>
-                            <m:r>
-                              <a:rPr lang="de-DE" b="0" i="1" smtClean="0">
-                                <a:latin typeface="Cambria Math" panose="02040503050406030204" pitchFamily="18" charset="0"/>
-                              </a:rPr>
-                              <m:t>𝑖</m:t>
-                            </m:r>
-                            <m:r>
-                              <a:rPr lang="de-DE" b="0" i="1" smtClean="0">
-                                <a:latin typeface="Cambria Math" panose="02040503050406030204" pitchFamily="18" charset="0"/>
-                              </a:rPr>
-                              <m:t>,</m:t>
-                            </m:r>
-                            <m:r>
-                              <a:rPr lang="de-DE" b="0" i="1" smtClean="0">
-                                <a:latin typeface="Cambria Math" panose="02040503050406030204" pitchFamily="18" charset="0"/>
-                              </a:rPr>
-                              <m:t>𝑗</m:t>
-                            </m:r>
-                          </m:sub>
-                        </m:sSub>
-                      </m:e>
-                    </m:d>
-                  </m:oMath>
-                </a14:m>
-                <a:r>
-                  <a:rPr lang="de-DE" dirty="0"/>
-                  <a:t> von Entfernungen zwischen den Städten</a:t>
-                </a:r>
-              </a:p>
-              <a:p>
-                <a:pPr marL="914400" lvl="1" indent="-457200">
-                  <a:buFont typeface="+mj-lt"/>
-                  <a:buAutoNum type="arabicPeriod"/>
-                </a:pPr>
-                <a:r>
-                  <a:rPr lang="de-DE" dirty="0"/>
-                  <a:t>Zahl d: maximale Distanz der Tour</a:t>
-                </a:r>
-              </a:p>
-              <a:p>
-                <a:r>
-                  <a:rPr lang="de-DE" dirty="0"/>
-                  <a:t>Frage: Gibt es eine Tour durch alle Städte, die maximal die Länge d hat und </a:t>
-                </a:r>
-                <a:r>
-                  <a:rPr lang="de-DE" dirty="0" err="1"/>
-                  <a:t>folgemde</a:t>
-                </a:r>
-                <a:r>
-                  <a:rPr lang="de-DE" dirty="0"/>
-                  <a:t> Bedingungen erfüllt:</a:t>
-                </a:r>
-              </a:p>
-              <a:p>
-                <a:pPr marL="914400" lvl="1" indent="-457200">
-                  <a:buFont typeface="+mj-lt"/>
-                  <a:buAutoNum type="arabicPeriod"/>
-                </a:pPr>
-                <a14:m>
-                  <m:oMath xmlns:m="http://schemas.openxmlformats.org/officeDocument/2006/math">
-                    <m:d>
-                      <m:dPr>
-                        <m:begChr m:val="{"/>
-                        <m:endChr m:val="}"/>
-                        <m:ctrlPr>
-                          <a:rPr lang="de-DE" b="0" smtClean="0">
-                            <a:latin typeface="Cambria Math" panose="02040503050406030204" pitchFamily="18" charset="0"/>
-                          </a:rPr>
-                        </m:ctrlPr>
-                      </m:dPr>
-                      <m:e>
-                        <m:sSub>
-                          <m:sSubPr>
-                            <m:ctrlPr>
-                              <a:rPr lang="de-DE" b="0" smtClean="0">
-                                <a:latin typeface="Cambria Math" panose="02040503050406030204" pitchFamily="18" charset="0"/>
-                              </a:rPr>
-                            </m:ctrlPr>
-                          </m:sSubPr>
-                          <m:e>
-                            <m:r>
-                              <m:rPr>
-                                <m:sty m:val="p"/>
-                              </m:rPr>
-                              <a:rPr lang="de-DE" b="0" i="0" smtClean="0">
-                                <a:latin typeface="Cambria Math" panose="02040503050406030204" pitchFamily="18" charset="0"/>
-                              </a:rPr>
-                              <m:t>i</m:t>
-                            </m:r>
-                          </m:e>
-                          <m:sub>
-                            <m:r>
-                              <a:rPr lang="de-DE" b="0" i="0" smtClean="0">
-                                <a:latin typeface="Cambria Math" panose="02040503050406030204" pitchFamily="18" charset="0"/>
-                              </a:rPr>
-                              <m:t>1</m:t>
-                            </m:r>
-                          </m:sub>
-                        </m:sSub>
-                        <m:r>
-                          <a:rPr lang="de-DE" b="0" i="0" smtClean="0">
-                            <a:latin typeface="Cambria Math" panose="02040503050406030204" pitchFamily="18" charset="0"/>
-                          </a:rPr>
-                          <m:t>, … </m:t>
-                        </m:r>
-                        <m:sSub>
-                          <m:sSubPr>
-                            <m:ctrlPr>
-                              <a:rPr lang="de-DE" b="0" smtClean="0">
-                                <a:latin typeface="Cambria Math" panose="02040503050406030204" pitchFamily="18" charset="0"/>
-                              </a:rPr>
-                            </m:ctrlPr>
-                          </m:sSubPr>
-                          <m:e>
-                            <m:r>
-                              <m:rPr>
-                                <m:sty m:val="p"/>
-                              </m:rPr>
-                              <a:rPr lang="de-DE" b="0" i="0" smtClean="0">
-                                <a:latin typeface="Cambria Math" panose="02040503050406030204" pitchFamily="18" charset="0"/>
-                              </a:rPr>
-                              <m:t>i</m:t>
-                            </m:r>
-                          </m:e>
-                          <m:sub>
-                            <m:r>
-                              <m:rPr>
-                                <m:sty m:val="p"/>
-                              </m:rPr>
-                              <a:rPr lang="de-DE" b="0" i="0" smtClean="0">
-                                <a:latin typeface="Cambria Math" panose="02040503050406030204" pitchFamily="18" charset="0"/>
-                              </a:rPr>
-                              <m:t>m</m:t>
-                            </m:r>
-                          </m:sub>
-                        </m:sSub>
-                      </m:e>
-                    </m:d>
-                    <m:r>
-                      <a:rPr lang="de-DE" b="0" i="0" smtClean="0">
-                        <a:latin typeface="Cambria Math" panose="02040503050406030204" pitchFamily="18" charset="0"/>
-                      </a:rPr>
-                      <m:t>={1, …</m:t>
-                    </m:r>
-                    <m:r>
-                      <m:rPr>
-                        <m:sty m:val="p"/>
-                      </m:rPr>
-                      <a:rPr lang="de-DE" b="0" i="0" smtClean="0">
-                        <a:latin typeface="Cambria Math" panose="02040503050406030204" pitchFamily="18" charset="0"/>
-                      </a:rPr>
-                      <m:t>n</m:t>
-                    </m:r>
-                    <m:r>
-                      <a:rPr lang="de-DE" b="0" i="0" smtClean="0">
-                        <a:latin typeface="Cambria Math" panose="02040503050406030204" pitchFamily="18" charset="0"/>
-                      </a:rPr>
-                      <m:t>}</m:t>
+                      <m:t>𝑐𝑛</m:t>
                     </m:r>
                   </m:oMath>
                 </a14:m>
                 <a:endParaRPr lang="de-DE" dirty="0"/>
               </a:p>
               <a:p>
-                <a:pPr marL="914400" lvl="1" indent="-457200">
-                  <a:buFont typeface="+mj-lt"/>
-                  <a:buAutoNum type="arabicPeriod"/>
-                </a:pPr>
+                <a:pPr lvl="1"/>
+                <a:r>
+                  <a:rPr lang="de-DE" dirty="0"/>
+                  <a:t>Distanzen zwischen zwei Städten </a:t>
+                </a:r>
                 <a14:m>
                   <m:oMath xmlns:m="http://schemas.openxmlformats.org/officeDocument/2006/math">
                     <m:sSub>
@@ -24936,7 +25090,7 @@
                           <a:rPr lang="de-DE" b="0" i="1" smtClean="0">
                             <a:latin typeface="Cambria Math" panose="02040503050406030204" pitchFamily="18" charset="0"/>
                           </a:rPr>
-                          <m:t>𝑀</m:t>
+                          <m:t>𝑑</m:t>
                         </m:r>
                       </m:e>
                       <m:sub>
@@ -24944,192 +25098,7 @@
                           <a:rPr lang="de-DE" b="0" i="1" smtClean="0">
                             <a:latin typeface="Cambria Math" panose="02040503050406030204" pitchFamily="18" charset="0"/>
                           </a:rPr>
-                          <m:t>𝑖</m:t>
-                        </m:r>
-                        <m:r>
-                          <a:rPr lang="de-DE" b="0" i="1" smtClean="0">
-                            <a:latin typeface="Cambria Math" panose="02040503050406030204" pitchFamily="18" charset="0"/>
-                          </a:rPr>
-                          <m:t>1, </m:t>
-                        </m:r>
-                        <m:r>
-                          <a:rPr lang="de-DE" b="0" i="1" smtClean="0">
-                            <a:latin typeface="Cambria Math" panose="02040503050406030204" pitchFamily="18" charset="0"/>
-                          </a:rPr>
-                          <m:t>𝑖</m:t>
-                        </m:r>
-                        <m:r>
-                          <a:rPr lang="de-DE" b="0" i="1" smtClean="0">
-                            <a:latin typeface="Cambria Math" panose="02040503050406030204" pitchFamily="18" charset="0"/>
-                          </a:rPr>
-                          <m:t>2</m:t>
-                        </m:r>
-                      </m:sub>
-                    </m:sSub>
-                    <m:r>
-                      <a:rPr lang="de-DE" b="0" i="0" smtClean="0">
-                        <a:latin typeface="Cambria Math" panose="02040503050406030204" pitchFamily="18" charset="0"/>
-                      </a:rPr>
-                      <m:t>+ </m:t>
-                    </m:r>
-                    <m:sSub>
-                      <m:sSubPr>
-                        <m:ctrlPr>
-                          <a:rPr lang="de-DE" b="0" i="1" smtClean="0">
-                            <a:latin typeface="Cambria Math" panose="02040503050406030204" pitchFamily="18" charset="0"/>
-                          </a:rPr>
-                        </m:ctrlPr>
-                      </m:sSubPr>
-                      <m:e>
-                        <m:r>
-                          <a:rPr lang="de-DE" b="0" i="1" smtClean="0">
-                            <a:latin typeface="Cambria Math" panose="02040503050406030204" pitchFamily="18" charset="0"/>
-                          </a:rPr>
-                          <m:t>𝑀</m:t>
-                        </m:r>
-                      </m:e>
-                      <m:sub>
-                        <m:r>
-                          <a:rPr lang="de-DE" b="0" i="1" smtClean="0">
-                            <a:latin typeface="Cambria Math" panose="02040503050406030204" pitchFamily="18" charset="0"/>
-                          </a:rPr>
-                          <m:t>𝑖</m:t>
-                        </m:r>
-                        <m:r>
-                          <a:rPr lang="de-DE" b="0" i="1" smtClean="0">
-                            <a:latin typeface="Cambria Math" panose="02040503050406030204" pitchFamily="18" charset="0"/>
-                          </a:rPr>
-                          <m:t>2, </m:t>
-                        </m:r>
-                        <m:r>
-                          <a:rPr lang="de-DE" b="0" i="1" smtClean="0">
-                            <a:latin typeface="Cambria Math" panose="02040503050406030204" pitchFamily="18" charset="0"/>
-                          </a:rPr>
-                          <m:t>𝑖</m:t>
-                        </m:r>
-                        <m:r>
-                          <a:rPr lang="de-DE" b="0" i="1" smtClean="0">
-                            <a:latin typeface="Cambria Math" panose="02040503050406030204" pitchFamily="18" charset="0"/>
-                          </a:rPr>
-                          <m:t>3</m:t>
-                        </m:r>
-                      </m:sub>
-                    </m:sSub>
-                    <m:r>
-                      <a:rPr lang="de-DE" b="0" i="1" smtClean="0">
-                        <a:latin typeface="Cambria Math" panose="02040503050406030204" pitchFamily="18" charset="0"/>
-                      </a:rPr>
-                      <m:t> …+ </m:t>
-                    </m:r>
-                    <m:sSub>
-                      <m:sSubPr>
-                        <m:ctrlPr>
-                          <a:rPr lang="de-DE" b="0" i="1" smtClean="0">
-                            <a:latin typeface="Cambria Math" panose="02040503050406030204" pitchFamily="18" charset="0"/>
-                          </a:rPr>
-                        </m:ctrlPr>
-                      </m:sSubPr>
-                      <m:e>
-                        <m:r>
-                          <a:rPr lang="de-DE" b="0" i="1" smtClean="0">
-                            <a:latin typeface="Cambria Math" panose="02040503050406030204" pitchFamily="18" charset="0"/>
-                          </a:rPr>
-                          <m:t>𝑀</m:t>
-                        </m:r>
-                      </m:e>
-                      <m:sub>
-                        <m:sSub>
-                          <m:sSubPr>
-                            <m:ctrlPr>
-                              <a:rPr lang="de-DE" b="0" i="1" smtClean="0">
-                                <a:latin typeface="Cambria Math" panose="02040503050406030204" pitchFamily="18" charset="0"/>
-                              </a:rPr>
-                            </m:ctrlPr>
-                          </m:sSubPr>
-                          <m:e>
-                            <m:r>
-                              <a:rPr lang="de-DE" b="0" i="1" smtClean="0">
-                                <a:latin typeface="Cambria Math" panose="02040503050406030204" pitchFamily="18" charset="0"/>
-                              </a:rPr>
-                              <m:t>𝑖</m:t>
-                            </m:r>
-                          </m:e>
-                          <m:sub>
-                            <m:r>
-                              <a:rPr lang="de-DE" b="0" i="1" smtClean="0">
-                                <a:latin typeface="Cambria Math" panose="02040503050406030204" pitchFamily="18" charset="0"/>
-                              </a:rPr>
-                              <m:t>𝑚</m:t>
-                            </m:r>
-                            <m:r>
-                              <a:rPr lang="de-DE" b="0" i="1" smtClean="0">
-                                <a:latin typeface="Cambria Math" panose="02040503050406030204" pitchFamily="18" charset="0"/>
-                              </a:rPr>
-                              <m:t> −1</m:t>
-                            </m:r>
-                          </m:sub>
-                        </m:sSub>
-                        <m:r>
-                          <a:rPr lang="de-DE" b="0" i="1" smtClean="0">
-                            <a:latin typeface="Cambria Math" panose="02040503050406030204" pitchFamily="18" charset="0"/>
-                          </a:rPr>
-                          <m:t>, </m:t>
-                        </m:r>
-                        <m:sSub>
-                          <m:sSubPr>
-                            <m:ctrlPr>
-                              <a:rPr lang="de-DE" b="0" i="1" smtClean="0">
-                                <a:latin typeface="Cambria Math" panose="02040503050406030204" pitchFamily="18" charset="0"/>
-                              </a:rPr>
-                            </m:ctrlPr>
-                          </m:sSubPr>
-                          <m:e>
-                            <m:r>
-                              <a:rPr lang="de-DE" b="0" i="1" smtClean="0">
-                                <a:latin typeface="Cambria Math" panose="02040503050406030204" pitchFamily="18" charset="0"/>
-                              </a:rPr>
-                              <m:t>𝑖</m:t>
-                            </m:r>
-                          </m:e>
-                          <m:sub>
-                            <m:r>
-                              <a:rPr lang="de-DE" b="0" i="1" smtClean="0">
-                                <a:latin typeface="Cambria Math" panose="02040503050406030204" pitchFamily="18" charset="0"/>
-                              </a:rPr>
-                              <m:t>𝑚</m:t>
-                            </m:r>
-                          </m:sub>
-                        </m:sSub>
-                      </m:sub>
-                    </m:sSub>
-                    <m:r>
-                      <a:rPr lang="de-DE" b="0" i="1" smtClean="0">
-                        <a:latin typeface="Cambria Math" panose="02040503050406030204" pitchFamily="18" charset="0"/>
-                      </a:rPr>
-                      <m:t>+ </m:t>
-                    </m:r>
-                    <m:sSub>
-                      <m:sSubPr>
-                        <m:ctrlPr>
-                          <a:rPr lang="de-DE" b="0" i="1" smtClean="0">
-                            <a:latin typeface="Cambria Math" panose="02040503050406030204" pitchFamily="18" charset="0"/>
-                          </a:rPr>
-                        </m:ctrlPr>
-                      </m:sSubPr>
-                      <m:e>
-                        <m:r>
-                          <a:rPr lang="de-DE" b="0" i="1" smtClean="0">
-                            <a:latin typeface="Cambria Math" panose="02040503050406030204" pitchFamily="18" charset="0"/>
-                          </a:rPr>
-                          <m:t>𝑀</m:t>
-                        </m:r>
-                      </m:e>
-                      <m:sub>
-                        <m:r>
-                          <a:rPr lang="de-DE" b="0" i="1" smtClean="0">
-                            <a:latin typeface="Cambria Math" panose="02040503050406030204" pitchFamily="18" charset="0"/>
-                          </a:rPr>
-                          <m:t>𝑖𝑚</m:t>
+                          <m:t>𝑐𝑖</m:t>
                         </m:r>
                         <m:r>
                           <a:rPr lang="de-DE" b="0" i="1" smtClean="0">
@@ -25141,41 +25110,25 @@
                           <a:rPr lang="de-DE" b="0" i="1" smtClean="0">
                             <a:latin typeface="Cambria Math" panose="02040503050406030204" pitchFamily="18" charset="0"/>
                           </a:rPr>
-                          <m:t>𝑖</m:t>
-                        </m:r>
-                        <m:r>
-                          <a:rPr lang="de-DE" b="0" i="1" smtClean="0">
-                            <a:latin typeface="Cambria Math" panose="02040503050406030204" pitchFamily="18" charset="0"/>
-                          </a:rPr>
-                          <m:t>1</m:t>
+                          <m:t>𝑐𝑗</m:t>
                         </m:r>
                       </m:sub>
                     </m:sSub>
-                    <m:r>
-                      <a:rPr lang="de-DE" b="0" i="1" smtClean="0">
-                        <a:latin typeface="Cambria Math" panose="02040503050406030204" pitchFamily="18" charset="0"/>
-                      </a:rPr>
-                      <m:t>≤</m:t>
-                    </m:r>
-                    <m:r>
-                      <a:rPr lang="de-DE" b="0" i="1" smtClean="0">
-                        <a:latin typeface="Cambria Math" panose="02040503050406030204" pitchFamily="18" charset="0"/>
-                      </a:rPr>
-                      <m:t>𝑑</m:t>
-                    </m:r>
                   </m:oMath>
                 </a14:m>
                 <a:endParaRPr lang="de-DE" dirty="0"/>
               </a:p>
               <a:p>
-                <a:pPr marL="914400" lvl="1" indent="-457200">
-                  <a:buFont typeface="+mj-lt"/>
-                  <a:buAutoNum type="arabicPeriod"/>
-                </a:pPr>
+                <a:pPr lvl="1"/>
                 <a:endParaRPr lang="de-DE" dirty="0"/>
               </a:p>
               <a:p>
-                <a:pPr lvl="1"/>
+                <a:r>
+                  <a:rPr lang="de-DE" dirty="0"/>
+                  <a:t>TSP soll die kürzeste Tour zwischen diesen Städten finden</a:t>
+                </a:r>
+              </a:p>
+              <a:p>
                 <a:endParaRPr lang="de-DE" dirty="0"/>
               </a:p>
             </p:txBody>
@@ -25187,7 +25140,7 @@
               <p:cNvPr id="3" name="Inhaltsplatzhalter 2">
                 <a:extLst>
                   <a:ext uri="{FF2B5EF4-FFF2-40B4-BE49-F238E27FC236}">
-                    <a16:creationId xmlns:a16="http://schemas.microsoft.com/office/drawing/2014/main" id="{511E0839-6CFC-4C83-9B79-271DCF97BE2C}"/>
+                    <a16:creationId xmlns:a16="http://schemas.microsoft.com/office/drawing/2014/main" id="{C3FE92F5-A306-457B-8467-0AAB81C77E44}"/>
                   </a:ext>
                 </a:extLst>
               </p:cNvPr>
@@ -25202,7 +25155,7 @@
               <a:blipFill>
                 <a:blip r:embed="rId3"/>
                 <a:stretch>
-                  <a:fillRect l="-862" t="-2582"/>
+                  <a:fillRect l="-1231" t="-2238"/>
                 </a:stretch>
               </a:blipFill>
             </p:spPr>
@@ -25224,7 +25177,1012 @@
     </p:spTree>
     <p:extLst>
       <p:ext uri="{BB962C8B-B14F-4D97-AF65-F5344CB8AC3E}">
-        <p14:creationId xmlns:p14="http://schemas.microsoft.com/office/powerpoint/2010/main" val="2719181120"/>
+        <p14:creationId xmlns:p14="http://schemas.microsoft.com/office/powerpoint/2010/main" val="3819076036"/>
+      </p:ext>
+    </p:extLst>
+  </p:cSld>
+  <p:clrMapOvr>
+    <a:masterClrMapping/>
+  </p:clrMapOvr>
+</p:sld>
+</file>
+
+<file path=ppt/slides/slide21.xml><?xml version="1.0" encoding="utf-8"?>
+<p:sld xmlns:a="http://schemas.openxmlformats.org/drawingml/2006/main" xmlns:r="http://schemas.openxmlformats.org/officeDocument/2006/relationships" xmlns:p="http://schemas.openxmlformats.org/presentationml/2006/main">
+  <p:cSld>
+    <p:spTree>
+      <p:nvGrpSpPr>
+        <p:cNvPr id="1" name=""/>
+        <p:cNvGrpSpPr/>
+        <p:nvPr/>
+      </p:nvGrpSpPr>
+      <p:grpSpPr>
+        <a:xfrm>
+          <a:off x="0" y="0"/>
+          <a:ext cx="0" cy="0"/>
+          <a:chOff x="0" y="0"/>
+          <a:chExt cx="0" cy="0"/>
+        </a:xfrm>
+      </p:grpSpPr>
+      <p:sp>
+        <p:nvSpPr>
+          <p:cNvPr id="2" name="Titel 1">
+            <a:extLst>
+              <a:ext uri="{FF2B5EF4-FFF2-40B4-BE49-F238E27FC236}">
+                <a16:creationId xmlns:a16="http://schemas.microsoft.com/office/drawing/2014/main" id="{85C3E011-3EBD-4422-8BEE-90F5E690585D}"/>
+              </a:ext>
+            </a:extLst>
+          </p:cNvPr>
+          <p:cNvSpPr>
+            <a:spLocks noGrp="1"/>
+          </p:cNvSpPr>
+          <p:nvPr>
+            <p:ph type="title"/>
+          </p:nvPr>
+        </p:nvSpPr>
+        <p:spPr/>
+        <p:txBody>
+          <a:bodyPr/>
+          <a:lstStyle/>
+          <a:p>
+            <a:r>
+              <a:rPr lang="de-DE" dirty="0"/>
+              <a:t>TSP in NP?</a:t>
+            </a:r>
+          </a:p>
+        </p:txBody>
+      </p:sp>
+      <mc:AlternateContent xmlns:mc="http://schemas.openxmlformats.org/markup-compatibility/2006">
+        <mc:Choice xmlns:a14="http://schemas.microsoft.com/office/drawing/2010/main" Requires="a14">
+          <p:sp>
+            <p:nvSpPr>
+              <p:cNvPr id="3" name="Inhaltsplatzhalter 2">
+                <a:extLst>
+                  <a:ext uri="{FF2B5EF4-FFF2-40B4-BE49-F238E27FC236}">
+                    <a16:creationId xmlns:a16="http://schemas.microsoft.com/office/drawing/2014/main" id="{C3FE92F5-A306-457B-8467-0AAB81C77E44}"/>
+                  </a:ext>
+                </a:extLst>
+              </p:cNvPr>
+              <p:cNvSpPr>
+                <a:spLocks noGrp="1"/>
+              </p:cNvSpPr>
+              <p:nvPr>
+                <p:ph idx="1"/>
+              </p:nvPr>
+            </p:nvSpPr>
+            <p:spPr/>
+            <p:txBody>
+              <a:bodyPr/>
+              <a:lstStyle/>
+              <a:p>
+                <a:r>
+                  <a:rPr lang="de-DE" dirty="0"/>
+                  <a:t>TSP:</a:t>
+                </a:r>
+              </a:p>
+              <a:p>
+                <a:pPr lvl="1"/>
+                <a:r>
+                  <a:rPr lang="de-DE" dirty="0"/>
+                  <a:t>&lt;G, d, B&gt;</a:t>
+                </a:r>
+              </a:p>
+              <a:p>
+                <a:pPr lvl="2"/>
+                <a:r>
+                  <a:rPr lang="de-DE" dirty="0"/>
+                  <a:t>G = (V,E) ist ein vollständiger, ungerichteter Graph</a:t>
+                </a:r>
+              </a:p>
+              <a:p>
+                <a:pPr lvl="2"/>
+                <a:r>
+                  <a:rPr lang="de-DE" dirty="0"/>
+                  <a:t>d ist eine Kostenfunktion für </a:t>
+                </a:r>
+                <a:r>
+                  <a:rPr lang="de-DE" dirty="0" err="1"/>
+                  <a:t>VxV</a:t>
+                </a:r>
+                <a:r>
+                  <a:rPr lang="de-DE" dirty="0"/>
+                  <a:t> </a:t>
+                </a:r>
+                <a:r>
+                  <a:rPr lang="de-DE" dirty="0">
+                    <a:sym typeface="Wingdings" panose="05000000000000000000" pitchFamily="2" charset="2"/>
+                  </a:rPr>
+                  <a:t> Z ( 0 Element Z)</a:t>
+                </a:r>
+              </a:p>
+              <a:p>
+                <a:pPr lvl="2"/>
+                <a:r>
+                  <a:rPr lang="de-DE" dirty="0">
+                    <a:sym typeface="Wingdings" panose="05000000000000000000" pitchFamily="2" charset="2"/>
+                  </a:rPr>
+                  <a:t>B ist die Begrenzung der Kosten, B Element Z</a:t>
+                </a:r>
+              </a:p>
+              <a:p>
+                <a:pPr lvl="2"/>
+                <a:r>
+                  <a:rPr lang="de-DE" dirty="0">
+                    <a:sym typeface="Wingdings" panose="05000000000000000000" pitchFamily="2" charset="2"/>
+                  </a:rPr>
+                  <a:t>G hat einen Hamilton-Zyklus mit Kosten </a:t>
+                </a:r>
+                <a14:m>
+                  <m:oMath xmlns:m="http://schemas.openxmlformats.org/officeDocument/2006/math">
+                    <m:r>
+                      <a:rPr lang="de-DE" b="0" i="1" smtClean="0">
+                        <a:latin typeface="Cambria Math" panose="02040503050406030204" pitchFamily="18" charset="0"/>
+                        <a:sym typeface="Wingdings" panose="05000000000000000000" pitchFamily="2" charset="2"/>
+                      </a:rPr>
+                      <m:t>≤</m:t>
+                    </m:r>
+                  </m:oMath>
+                </a14:m>
+                <a:r>
+                  <a:rPr lang="de-DE" dirty="0"/>
+                  <a:t> B</a:t>
+                </a:r>
+              </a:p>
+            </p:txBody>
+          </p:sp>
+        </mc:Choice>
+        <mc:Fallback>
+          <p:sp>
+            <p:nvSpPr>
+              <p:cNvPr id="3" name="Inhaltsplatzhalter 2">
+                <a:extLst>
+                  <a:ext uri="{FF2B5EF4-FFF2-40B4-BE49-F238E27FC236}">
+                    <a16:creationId xmlns:a16="http://schemas.microsoft.com/office/drawing/2014/main" id="{C3FE92F5-A306-457B-8467-0AAB81C77E44}"/>
+                  </a:ext>
+                </a:extLst>
+              </p:cNvPr>
+              <p:cNvSpPr>
+                <a:spLocks noGrp="1" noRot="1" noChangeAspect="1" noMove="1" noResize="1" noEditPoints="1" noAdjustHandles="1" noChangeArrowheads="1" noChangeShapeType="1" noTextEdit="1"/>
+              </p:cNvSpPr>
+              <p:nvPr>
+                <p:ph idx="1"/>
+              </p:nvPr>
+            </p:nvSpPr>
+            <p:spPr>
+              <a:blipFill>
+                <a:blip r:embed="rId3"/>
+                <a:stretch>
+                  <a:fillRect l="-1231" t="-2238"/>
+                </a:stretch>
+              </a:blipFill>
+            </p:spPr>
+            <p:txBody>
+              <a:bodyPr/>
+              <a:lstStyle/>
+              <a:p>
+                <a:r>
+                  <a:rPr lang="de-DE">
+                    <a:noFill/>
+                  </a:rPr>
+                  <a:t> </a:t>
+                </a:r>
+              </a:p>
+            </p:txBody>
+          </p:sp>
+        </mc:Fallback>
+      </mc:AlternateContent>
+    </p:spTree>
+    <p:extLst>
+      <p:ext uri="{BB962C8B-B14F-4D97-AF65-F5344CB8AC3E}">
+        <p14:creationId xmlns:p14="http://schemas.microsoft.com/office/powerpoint/2010/main" val="2961104118"/>
+      </p:ext>
+    </p:extLst>
+  </p:cSld>
+  <p:clrMapOvr>
+    <a:masterClrMapping/>
+  </p:clrMapOvr>
+</p:sld>
+</file>
+
+<file path=ppt/slides/slide22.xml><?xml version="1.0" encoding="utf-8"?>
+<p:sld xmlns:a="http://schemas.openxmlformats.org/drawingml/2006/main" xmlns:r="http://schemas.openxmlformats.org/officeDocument/2006/relationships" xmlns:p="http://schemas.openxmlformats.org/presentationml/2006/main">
+  <p:cSld>
+    <p:spTree>
+      <p:nvGrpSpPr>
+        <p:cNvPr id="1" name=""/>
+        <p:cNvGrpSpPr/>
+        <p:nvPr/>
+      </p:nvGrpSpPr>
+      <p:grpSpPr>
+        <a:xfrm>
+          <a:off x="0" y="0"/>
+          <a:ext cx="0" cy="0"/>
+          <a:chOff x="0" y="0"/>
+          <a:chExt cx="0" cy="0"/>
+        </a:xfrm>
+      </p:grpSpPr>
+      <p:sp>
+        <p:nvSpPr>
+          <p:cNvPr id="2" name="Titel 1">
+            <a:extLst>
+              <a:ext uri="{FF2B5EF4-FFF2-40B4-BE49-F238E27FC236}">
+                <a16:creationId xmlns:a16="http://schemas.microsoft.com/office/drawing/2014/main" id="{85C3E011-3EBD-4422-8BEE-90F5E690585D}"/>
+              </a:ext>
+            </a:extLst>
+          </p:cNvPr>
+          <p:cNvSpPr>
+            <a:spLocks noGrp="1"/>
+          </p:cNvSpPr>
+          <p:nvPr>
+            <p:ph type="title"/>
+          </p:nvPr>
+        </p:nvSpPr>
+        <p:spPr/>
+        <p:txBody>
+          <a:bodyPr/>
+          <a:lstStyle/>
+          <a:p>
+            <a:r>
+              <a:rPr lang="de-DE" dirty="0"/>
+              <a:t>TSP in NP?</a:t>
+            </a:r>
+          </a:p>
+        </p:txBody>
+      </p:sp>
+      <p:sp>
+        <p:nvSpPr>
+          <p:cNvPr id="3" name="Inhaltsplatzhalter 2">
+            <a:extLst>
+              <a:ext uri="{FF2B5EF4-FFF2-40B4-BE49-F238E27FC236}">
+                <a16:creationId xmlns:a16="http://schemas.microsoft.com/office/drawing/2014/main" id="{C3FE92F5-A306-457B-8467-0AAB81C77E44}"/>
+              </a:ext>
+            </a:extLst>
+          </p:cNvPr>
+          <p:cNvSpPr>
+            <a:spLocks noGrp="1"/>
+          </p:cNvSpPr>
+          <p:nvPr>
+            <p:ph idx="1"/>
+          </p:nvPr>
+        </p:nvSpPr>
+        <p:spPr/>
+        <p:txBody>
+          <a:bodyPr/>
+          <a:lstStyle/>
+          <a:p>
+            <a:r>
+              <a:rPr lang="de-DE" dirty="0"/>
+              <a:t>Um zu zeigen, dass TSP in NP liegt:</a:t>
+            </a:r>
+          </a:p>
+          <a:p>
+            <a:pPr lvl="1"/>
+            <a:r>
+              <a:rPr lang="de-DE" dirty="0"/>
+              <a:t>Zeigen, dass es nichtdeterministischen Algorithmus in polynomialer Zeit gibt</a:t>
+            </a:r>
+          </a:p>
+          <a:p>
+            <a:pPr lvl="1"/>
+            <a:r>
+              <a:rPr lang="de-DE" dirty="0"/>
+              <a:t>Ungerichteten Hamilton-Zyklus auf TSP reduzieren</a:t>
+            </a:r>
+          </a:p>
+        </p:txBody>
+      </p:sp>
+    </p:spTree>
+    <p:extLst>
+      <p:ext uri="{BB962C8B-B14F-4D97-AF65-F5344CB8AC3E}">
+        <p14:creationId xmlns:p14="http://schemas.microsoft.com/office/powerpoint/2010/main" val="3078131802"/>
+      </p:ext>
+    </p:extLst>
+  </p:cSld>
+  <p:clrMapOvr>
+    <a:masterClrMapping/>
+  </p:clrMapOvr>
+</p:sld>
+</file>
+
+<file path=ppt/slides/slide23.xml><?xml version="1.0" encoding="utf-8"?>
+<p:sld xmlns:a="http://schemas.openxmlformats.org/drawingml/2006/main" xmlns:r="http://schemas.openxmlformats.org/officeDocument/2006/relationships" xmlns:p="http://schemas.openxmlformats.org/presentationml/2006/main">
+  <p:cSld>
+    <p:spTree>
+      <p:nvGrpSpPr>
+        <p:cNvPr id="1" name=""/>
+        <p:cNvGrpSpPr/>
+        <p:nvPr/>
+      </p:nvGrpSpPr>
+      <p:grpSpPr>
+        <a:xfrm>
+          <a:off x="0" y="0"/>
+          <a:ext cx="0" cy="0"/>
+          <a:chOff x="0" y="0"/>
+          <a:chExt cx="0" cy="0"/>
+        </a:xfrm>
+      </p:grpSpPr>
+      <p:sp>
+        <p:nvSpPr>
+          <p:cNvPr id="2" name="Titel 1">
+            <a:extLst>
+              <a:ext uri="{FF2B5EF4-FFF2-40B4-BE49-F238E27FC236}">
+                <a16:creationId xmlns:a16="http://schemas.microsoft.com/office/drawing/2014/main" id="{81853768-76C3-42E0-AE05-A1823A6EC705}"/>
+              </a:ext>
+            </a:extLst>
+          </p:cNvPr>
+          <p:cNvSpPr>
+            <a:spLocks noGrp="1"/>
+          </p:cNvSpPr>
+          <p:nvPr>
+            <p:ph type="title"/>
+          </p:nvPr>
+        </p:nvSpPr>
+        <p:spPr/>
+        <p:txBody>
+          <a:bodyPr/>
+          <a:lstStyle/>
+          <a:p>
+            <a:r>
+              <a:rPr lang="de-DE" dirty="0"/>
+              <a:t>Hamilton auf TSP reduzieren</a:t>
+            </a:r>
+          </a:p>
+        </p:txBody>
+      </p:sp>
+      <p:sp>
+        <p:nvSpPr>
+          <p:cNvPr id="3" name="Inhaltsplatzhalter 2">
+            <a:extLst>
+              <a:ext uri="{FF2B5EF4-FFF2-40B4-BE49-F238E27FC236}">
+                <a16:creationId xmlns:a16="http://schemas.microsoft.com/office/drawing/2014/main" id="{800CD95A-C1F3-45E5-A7A9-1C02C4227F36}"/>
+              </a:ext>
+            </a:extLst>
+          </p:cNvPr>
+          <p:cNvSpPr>
+            <a:spLocks noGrp="1"/>
+          </p:cNvSpPr>
+          <p:nvPr>
+            <p:ph idx="1"/>
+          </p:nvPr>
+        </p:nvSpPr>
+        <p:spPr/>
+        <p:txBody>
+          <a:bodyPr/>
+          <a:lstStyle/>
+          <a:p>
+            <a:r>
+              <a:rPr lang="de-DE" dirty="0"/>
+              <a:t>Hamilton-Zyklus:</a:t>
+            </a:r>
+          </a:p>
+          <a:p>
+            <a:pPr lvl="1"/>
+            <a:r>
+              <a:rPr lang="de-DE" dirty="0"/>
+              <a:t>Finde eine Tour auf einem ungerichteten Graph, sodass alle Punkte miteinander verbunden sind und der letzte Punkt mit dem ersten Punkt verbunden ist.</a:t>
+            </a:r>
+          </a:p>
+          <a:p>
+            <a:pPr lvl="1"/>
+            <a:endParaRPr lang="de-DE" dirty="0"/>
+          </a:p>
+          <a:p>
+            <a:pPr lvl="1"/>
+            <a:r>
+              <a:rPr lang="de-DE" dirty="0"/>
+              <a:t>Graph G muss nicht alle Punkte miteinander verbinden</a:t>
+            </a:r>
+          </a:p>
+        </p:txBody>
+      </p:sp>
+    </p:spTree>
+    <p:extLst>
+      <p:ext uri="{BB962C8B-B14F-4D97-AF65-F5344CB8AC3E}">
+        <p14:creationId xmlns:p14="http://schemas.microsoft.com/office/powerpoint/2010/main" val="433213725"/>
+      </p:ext>
+    </p:extLst>
+  </p:cSld>
+  <p:clrMapOvr>
+    <a:masterClrMapping/>
+  </p:clrMapOvr>
+</p:sld>
+</file>
+
+<file path=ppt/slides/slide24.xml><?xml version="1.0" encoding="utf-8"?>
+<p:sld xmlns:a="http://schemas.openxmlformats.org/drawingml/2006/main" xmlns:r="http://schemas.openxmlformats.org/officeDocument/2006/relationships" xmlns:p="http://schemas.openxmlformats.org/presentationml/2006/main">
+  <p:cSld>
+    <p:spTree>
+      <p:nvGrpSpPr>
+        <p:cNvPr id="1" name=""/>
+        <p:cNvGrpSpPr/>
+        <p:nvPr/>
+      </p:nvGrpSpPr>
+      <p:grpSpPr>
+        <a:xfrm>
+          <a:off x="0" y="0"/>
+          <a:ext cx="0" cy="0"/>
+          <a:chOff x="0" y="0"/>
+          <a:chExt cx="0" cy="0"/>
+        </a:xfrm>
+      </p:grpSpPr>
+      <p:sp>
+        <p:nvSpPr>
+          <p:cNvPr id="2" name="Titel 1">
+            <a:extLst>
+              <a:ext uri="{FF2B5EF4-FFF2-40B4-BE49-F238E27FC236}">
+                <a16:creationId xmlns:a16="http://schemas.microsoft.com/office/drawing/2014/main" id="{81853768-76C3-42E0-AE05-A1823A6EC705}"/>
+              </a:ext>
+            </a:extLst>
+          </p:cNvPr>
+          <p:cNvSpPr>
+            <a:spLocks noGrp="1"/>
+          </p:cNvSpPr>
+          <p:nvPr>
+            <p:ph type="title"/>
+          </p:nvPr>
+        </p:nvSpPr>
+        <p:spPr/>
+        <p:txBody>
+          <a:bodyPr/>
+          <a:lstStyle/>
+          <a:p>
+            <a:r>
+              <a:rPr lang="de-DE" dirty="0"/>
+              <a:t>Hamilton auf TSP reduzieren</a:t>
+            </a:r>
+          </a:p>
+        </p:txBody>
+      </p:sp>
+      <p:sp>
+        <p:nvSpPr>
+          <p:cNvPr id="3" name="Inhaltsplatzhalter 2">
+            <a:extLst>
+              <a:ext uri="{FF2B5EF4-FFF2-40B4-BE49-F238E27FC236}">
+                <a16:creationId xmlns:a16="http://schemas.microsoft.com/office/drawing/2014/main" id="{800CD95A-C1F3-45E5-A7A9-1C02C4227F36}"/>
+              </a:ext>
+            </a:extLst>
+          </p:cNvPr>
+          <p:cNvSpPr>
+            <a:spLocks noGrp="1"/>
+          </p:cNvSpPr>
+          <p:nvPr>
+            <p:ph idx="1"/>
+          </p:nvPr>
+        </p:nvSpPr>
+        <p:spPr/>
+        <p:txBody>
+          <a:bodyPr/>
+          <a:lstStyle/>
+          <a:p>
+            <a:r>
+              <a:rPr lang="de-DE" dirty="0"/>
+              <a:t>Transformation:</a:t>
+            </a:r>
+          </a:p>
+          <a:p>
+            <a:pPr lvl="1"/>
+            <a:r>
+              <a:rPr lang="de-DE" dirty="0"/>
+              <a:t>Erzeuge Graph G‘ = (V, E‘= aus Hamilton-Zyklus G = (V,E)</a:t>
+            </a:r>
+          </a:p>
+          <a:p>
+            <a:pPr lvl="1"/>
+            <a:r>
+              <a:rPr lang="de-DE" dirty="0"/>
+              <a:t>G‘ ist ein vollständiger Graph (muss erzeugt werden)</a:t>
+            </a:r>
+          </a:p>
+          <a:p>
+            <a:pPr lvl="1"/>
+            <a:r>
+              <a:rPr lang="de-DE" dirty="0"/>
+              <a:t>Punkte E‘, die auch in E liegen, haben Kantenkosten 0</a:t>
+            </a:r>
+          </a:p>
+          <a:p>
+            <a:pPr lvl="1"/>
+            <a:r>
+              <a:rPr lang="de-DE" dirty="0"/>
+              <a:t>Alle anderen haben Kosten 1</a:t>
+            </a:r>
+          </a:p>
+        </p:txBody>
+      </p:sp>
+    </p:spTree>
+    <p:extLst>
+      <p:ext uri="{BB962C8B-B14F-4D97-AF65-F5344CB8AC3E}">
+        <p14:creationId xmlns:p14="http://schemas.microsoft.com/office/powerpoint/2010/main" val="893491714"/>
+      </p:ext>
+    </p:extLst>
+  </p:cSld>
+  <p:clrMapOvr>
+    <a:masterClrMapping/>
+  </p:clrMapOvr>
+</p:sld>
+</file>
+
+<file path=ppt/slides/slide25.xml><?xml version="1.0" encoding="utf-8"?>
+<p:sld xmlns:a="http://schemas.openxmlformats.org/drawingml/2006/main" xmlns:r="http://schemas.openxmlformats.org/officeDocument/2006/relationships" xmlns:p="http://schemas.openxmlformats.org/presentationml/2006/main">
+  <p:cSld>
+    <p:spTree>
+      <p:nvGrpSpPr>
+        <p:cNvPr id="1" name=""/>
+        <p:cNvGrpSpPr/>
+        <p:nvPr/>
+      </p:nvGrpSpPr>
+      <p:grpSpPr>
+        <a:xfrm>
+          <a:off x="0" y="0"/>
+          <a:ext cx="0" cy="0"/>
+          <a:chOff x="0" y="0"/>
+          <a:chExt cx="0" cy="0"/>
+        </a:xfrm>
+      </p:grpSpPr>
+      <p:sp>
+        <p:nvSpPr>
+          <p:cNvPr id="2" name="Titel 1">
+            <a:extLst>
+              <a:ext uri="{FF2B5EF4-FFF2-40B4-BE49-F238E27FC236}">
+                <a16:creationId xmlns:a16="http://schemas.microsoft.com/office/drawing/2014/main" id="{81853768-76C3-42E0-AE05-A1823A6EC705}"/>
+              </a:ext>
+            </a:extLst>
+          </p:cNvPr>
+          <p:cNvSpPr>
+            <a:spLocks noGrp="1"/>
+          </p:cNvSpPr>
+          <p:nvPr>
+            <p:ph type="title"/>
+          </p:nvPr>
+        </p:nvSpPr>
+        <p:spPr/>
+        <p:txBody>
+          <a:bodyPr/>
+          <a:lstStyle/>
+          <a:p>
+            <a:r>
+              <a:rPr lang="de-DE" dirty="0"/>
+              <a:t>Hamilton auf TSP reduzieren</a:t>
+            </a:r>
+          </a:p>
+        </p:txBody>
+      </p:sp>
+      <p:pic>
+        <p:nvPicPr>
+          <p:cNvPr id="5" name="Inhaltsplatzhalter 4">
+            <a:extLst>
+              <a:ext uri="{FF2B5EF4-FFF2-40B4-BE49-F238E27FC236}">
+                <a16:creationId xmlns:a16="http://schemas.microsoft.com/office/drawing/2014/main" id="{C610D384-020C-4A39-8D70-9428F516D8AB}"/>
+              </a:ext>
+            </a:extLst>
+          </p:cNvPr>
+          <p:cNvPicPr>
+            <a:picLocks noGrp="1" noChangeAspect="1"/>
+          </p:cNvPicPr>
+          <p:nvPr>
+            <p:ph idx="1"/>
+          </p:nvPr>
+        </p:nvPicPr>
+        <p:blipFill>
+          <a:blip r:embed="rId3"/>
+          <a:stretch>
+            <a:fillRect/>
+          </a:stretch>
+        </p:blipFill>
+        <p:spPr>
+          <a:xfrm>
+            <a:off x="1141413" y="1767545"/>
+            <a:ext cx="2202371" cy="1539373"/>
+          </a:xfrm>
+        </p:spPr>
+      </p:pic>
+      <p:sp>
+        <p:nvSpPr>
+          <p:cNvPr id="6" name="Textfeld 5">
+            <a:extLst>
+              <a:ext uri="{FF2B5EF4-FFF2-40B4-BE49-F238E27FC236}">
+                <a16:creationId xmlns:a16="http://schemas.microsoft.com/office/drawing/2014/main" id="{76BE43AB-66A7-4708-875F-45145D60F02E}"/>
+              </a:ext>
+            </a:extLst>
+          </p:cNvPr>
+          <p:cNvSpPr txBox="1"/>
+          <p:nvPr/>
+        </p:nvSpPr>
+        <p:spPr>
+          <a:xfrm>
+            <a:off x="1141413" y="3551083"/>
+            <a:ext cx="1516566" cy="369332"/>
+          </a:xfrm>
+          <a:prstGeom prst="rect">
+            <a:avLst/>
+          </a:prstGeom>
+          <a:noFill/>
+        </p:spPr>
+        <p:txBody>
+          <a:bodyPr wrap="square" rtlCol="0">
+            <a:spAutoFit/>
+          </a:bodyPr>
+          <a:lstStyle/>
+          <a:p>
+            <a:r>
+              <a:rPr lang="de-DE" dirty="0"/>
+              <a:t>G</a:t>
+            </a:r>
+          </a:p>
+        </p:txBody>
+      </p:sp>
+      <p:pic>
+        <p:nvPicPr>
+          <p:cNvPr id="8" name="Grafik 7">
+            <a:extLst>
+              <a:ext uri="{FF2B5EF4-FFF2-40B4-BE49-F238E27FC236}">
+                <a16:creationId xmlns:a16="http://schemas.microsoft.com/office/drawing/2014/main" id="{B173A87D-9240-4242-B9BF-DB37F5B671A9}"/>
+              </a:ext>
+            </a:extLst>
+          </p:cNvPr>
+          <p:cNvPicPr>
+            <a:picLocks noChangeAspect="1"/>
+          </p:cNvPicPr>
+          <p:nvPr/>
+        </p:nvPicPr>
+        <p:blipFill>
+          <a:blip r:embed="rId4"/>
+          <a:stretch>
+            <a:fillRect/>
+          </a:stretch>
+        </p:blipFill>
+        <p:spPr>
+          <a:xfrm>
+            <a:off x="3712424" y="1767544"/>
+            <a:ext cx="2202371" cy="1539373"/>
+          </a:xfrm>
+          <a:prstGeom prst="rect">
+            <a:avLst/>
+          </a:prstGeom>
+        </p:spPr>
+      </p:pic>
+      <p:sp>
+        <p:nvSpPr>
+          <p:cNvPr id="9" name="Textfeld 8">
+            <a:extLst>
+              <a:ext uri="{FF2B5EF4-FFF2-40B4-BE49-F238E27FC236}">
+                <a16:creationId xmlns:a16="http://schemas.microsoft.com/office/drawing/2014/main" id="{38F7CD77-3822-4212-8445-9045E2339384}"/>
+              </a:ext>
+            </a:extLst>
+          </p:cNvPr>
+          <p:cNvSpPr txBox="1"/>
+          <p:nvPr/>
+        </p:nvSpPr>
+        <p:spPr>
+          <a:xfrm>
+            <a:off x="3712424" y="3429000"/>
+            <a:ext cx="936703" cy="369332"/>
+          </a:xfrm>
+          <a:prstGeom prst="rect">
+            <a:avLst/>
+          </a:prstGeom>
+          <a:noFill/>
+        </p:spPr>
+        <p:txBody>
+          <a:bodyPr wrap="square" rtlCol="0">
+            <a:spAutoFit/>
+          </a:bodyPr>
+          <a:lstStyle/>
+          <a:p>
+            <a:r>
+              <a:rPr lang="de-DE" dirty="0"/>
+              <a:t>G‘</a:t>
+            </a:r>
+          </a:p>
+        </p:txBody>
+      </p:sp>
+      <mc:AlternateContent xmlns:mc="http://schemas.openxmlformats.org/markup-compatibility/2006">
+        <mc:Choice xmlns:a14="http://schemas.microsoft.com/office/drawing/2010/main" Requires="a14">
+          <p:sp>
+            <p:nvSpPr>
+              <p:cNvPr id="10" name="Textfeld 9">
+                <a:extLst>
+                  <a:ext uri="{FF2B5EF4-FFF2-40B4-BE49-F238E27FC236}">
+                    <a16:creationId xmlns:a16="http://schemas.microsoft.com/office/drawing/2014/main" id="{9E9C9718-6390-48EF-B19B-87C73BB6C789}"/>
+                  </a:ext>
+                </a:extLst>
+              </p:cNvPr>
+              <p:cNvSpPr txBox="1"/>
+              <p:nvPr/>
+            </p:nvSpPr>
+            <p:spPr>
+              <a:xfrm>
+                <a:off x="334537" y="4114800"/>
+                <a:ext cx="11530361" cy="1499641"/>
+              </a:xfrm>
+              <a:prstGeom prst="rect">
+                <a:avLst/>
+              </a:prstGeom>
+              <a:noFill/>
+            </p:spPr>
+            <p:txBody>
+              <a:bodyPr wrap="square" rtlCol="0">
+                <a:spAutoFit/>
+              </a:bodyPr>
+              <a:lstStyle/>
+              <a:p>
+                <a:r>
+                  <a:rPr lang="de-DE" dirty="0"/>
+                  <a:t>Konvertieren in TSP-Instanz:</a:t>
+                </a:r>
+              </a:p>
+              <a:p>
+                <a:pPr marL="285750" indent="-285750">
+                  <a:buFont typeface="Arial" panose="020B0604020202020204" pitchFamily="34" charset="0"/>
+                  <a:buChar char="•"/>
+                </a:pPr>
+                <a:endParaRPr lang="de-DE" dirty="0"/>
+              </a:p>
+              <a:p>
+                <a:pPr marL="285750" indent="-285750">
+                  <a:buFont typeface="Arial" panose="020B0604020202020204" pitchFamily="34" charset="0"/>
+                  <a:buChar char="•"/>
+                </a:pPr>
+                <a:r>
+                  <a:rPr lang="de-DE" dirty="0"/>
+                  <a:t>G‘ = (V, E‘ = </a:t>
+                </a:r>
+                <a:r>
+                  <a:rPr lang="de-DE" dirty="0" err="1"/>
+                  <a:t>VxV</a:t>
+                </a:r>
+                <a:r>
+                  <a:rPr lang="de-DE" dirty="0"/>
+                  <a:t>, d), B = 0</a:t>
+                </a:r>
+              </a:p>
+              <a:p>
+                <a:pPr marL="285750" indent="-285750">
+                  <a:buFont typeface="Arial" panose="020B0604020202020204" pitchFamily="34" charset="0"/>
+                  <a:buChar char="•"/>
+                </a:pPr>
+                <a14:m>
+                  <m:oMath xmlns:m="http://schemas.openxmlformats.org/officeDocument/2006/math">
+                    <m:sSub>
+                      <m:sSubPr>
+                        <m:ctrlPr>
+                          <a:rPr lang="de-DE" i="1" smtClean="0">
+                            <a:latin typeface="Cambria Math" panose="02040503050406030204" pitchFamily="18" charset="0"/>
+                          </a:rPr>
+                        </m:ctrlPr>
+                      </m:sSubPr>
+                      <m:e>
+                        <m:r>
+                          <a:rPr lang="de-DE" b="0" i="1" smtClean="0">
+                            <a:latin typeface="Cambria Math" panose="02040503050406030204" pitchFamily="18" charset="0"/>
+                          </a:rPr>
+                          <m:t>𝑑</m:t>
+                        </m:r>
+                      </m:e>
+                      <m:sub>
+                        <m:r>
+                          <a:rPr lang="de-DE" b="0" i="1" smtClean="0">
+                            <a:latin typeface="Cambria Math" panose="02040503050406030204" pitchFamily="18" charset="0"/>
+                          </a:rPr>
+                          <m:t>𝑐𝑖</m:t>
+                        </m:r>
+                        <m:r>
+                          <a:rPr lang="de-DE" b="0" i="1" smtClean="0">
+                            <a:latin typeface="Cambria Math" panose="02040503050406030204" pitchFamily="18" charset="0"/>
+                          </a:rPr>
+                          <m:t>, </m:t>
+                        </m:r>
+                        <m:r>
+                          <a:rPr lang="de-DE" b="0" i="1" smtClean="0">
+                            <a:latin typeface="Cambria Math" panose="02040503050406030204" pitchFamily="18" charset="0"/>
+                          </a:rPr>
+                          <m:t>𝑐𝑗</m:t>
+                        </m:r>
+                      </m:sub>
+                    </m:sSub>
+                    <m:r>
+                      <a:rPr lang="de-DE" b="0" i="1" smtClean="0">
+                        <a:latin typeface="Cambria Math" panose="02040503050406030204" pitchFamily="18" charset="0"/>
+                      </a:rPr>
+                      <m:t>={ 0 </m:t>
+                    </m:r>
+                    <m:r>
+                      <a:rPr lang="de-DE" b="0" i="1" smtClean="0">
+                        <a:latin typeface="Cambria Math" panose="02040503050406030204" pitchFamily="18" charset="0"/>
+                      </a:rPr>
+                      <m:t>𝑖𝑓</m:t>
+                    </m:r>
+                    <m:r>
+                      <a:rPr lang="de-DE" b="0" i="1" smtClean="0">
+                        <a:latin typeface="Cambria Math" panose="02040503050406030204" pitchFamily="18" charset="0"/>
+                      </a:rPr>
+                      <m:t> </m:t>
+                    </m:r>
+                    <m:d>
+                      <m:dPr>
+                        <m:ctrlPr>
+                          <a:rPr lang="de-DE" b="0" i="1" smtClean="0">
+                            <a:latin typeface="Cambria Math" panose="02040503050406030204" pitchFamily="18" charset="0"/>
+                          </a:rPr>
+                        </m:ctrlPr>
+                      </m:dPr>
+                      <m:e>
+                        <m:r>
+                          <a:rPr lang="de-DE" b="0" i="1" smtClean="0">
+                            <a:latin typeface="Cambria Math" panose="02040503050406030204" pitchFamily="18" charset="0"/>
+                          </a:rPr>
+                          <m:t>𝑐𝑖</m:t>
+                        </m:r>
+                        <m:r>
+                          <a:rPr lang="de-DE" b="0" i="1" smtClean="0">
+                            <a:latin typeface="Cambria Math" panose="02040503050406030204" pitchFamily="18" charset="0"/>
+                          </a:rPr>
+                          <m:t>, </m:t>
+                        </m:r>
+                        <m:r>
+                          <a:rPr lang="de-DE" b="0" i="1" smtClean="0">
+                            <a:latin typeface="Cambria Math" panose="02040503050406030204" pitchFamily="18" charset="0"/>
+                          </a:rPr>
+                          <m:t>𝑐𝑗</m:t>
+                        </m:r>
+                      </m:e>
+                    </m:d>
+                    <m:r>
+                      <a:rPr lang="de-DE" b="0" i="1" smtClean="0">
+                        <a:latin typeface="Cambria Math" panose="02040503050406030204" pitchFamily="18" charset="0"/>
+                        <a:ea typeface="Cambria Math" panose="02040503050406030204" pitchFamily="18" charset="0"/>
+                      </a:rPr>
+                      <m:t>∈</m:t>
+                    </m:r>
+                    <m:r>
+                      <a:rPr lang="de-DE" b="0" i="1" smtClean="0">
+                        <a:latin typeface="Cambria Math" panose="02040503050406030204" pitchFamily="18" charset="0"/>
+                        <a:ea typeface="Cambria Math" panose="02040503050406030204" pitchFamily="18" charset="0"/>
+                      </a:rPr>
+                      <m:t>𝐸</m:t>
+                    </m:r>
+                    <m:r>
+                      <a:rPr lang="de-DE" b="0" i="1" smtClean="0">
+                        <a:latin typeface="Cambria Math" panose="02040503050406030204" pitchFamily="18" charset="0"/>
+                        <a:ea typeface="Cambria Math" panose="02040503050406030204" pitchFamily="18" charset="0"/>
+                      </a:rPr>
+                      <m:t>, </m:t>
+                    </m:r>
+                    <m:r>
+                      <a:rPr lang="de-DE" b="0" i="1" smtClean="0">
+                        <a:latin typeface="Cambria Math" panose="02040503050406030204" pitchFamily="18" charset="0"/>
+                        <a:ea typeface="Cambria Math" panose="02040503050406030204" pitchFamily="18" charset="0"/>
+                      </a:rPr>
+                      <m:t>𝑠𝑜𝑛𝑠𝑡</m:t>
+                    </m:r>
+                    <m:r>
+                      <a:rPr lang="de-DE" b="0" i="1" smtClean="0">
+                        <a:latin typeface="Cambria Math" panose="02040503050406030204" pitchFamily="18" charset="0"/>
+                        <a:ea typeface="Cambria Math" panose="02040503050406030204" pitchFamily="18" charset="0"/>
+                      </a:rPr>
+                      <m:t> 1</m:t>
+                    </m:r>
+                  </m:oMath>
+                </a14:m>
+                <a:endParaRPr lang="de-DE" dirty="0"/>
+              </a:p>
+              <a:p>
+                <a:pPr marL="285750" indent="-285750">
+                  <a:buFont typeface="Arial" panose="020B0604020202020204" pitchFamily="34" charset="0"/>
+                  <a:buChar char="•"/>
+                </a:pPr>
+                <a:r>
+                  <a:rPr lang="de-DE" dirty="0"/>
+                  <a:t>Komplexität: </a:t>
+                </a:r>
+                <a14:m>
+                  <m:oMath xmlns:m="http://schemas.openxmlformats.org/officeDocument/2006/math">
+                    <m:r>
+                      <a:rPr lang="de-DE" b="0" i="1" smtClean="0">
+                        <a:latin typeface="Cambria Math" panose="02040503050406030204" pitchFamily="18" charset="0"/>
+                      </a:rPr>
+                      <m:t>𝑂</m:t>
+                    </m:r>
+                    <m:d>
+                      <m:dPr>
+                        <m:ctrlPr>
+                          <a:rPr lang="de-DE" b="0" i="1" smtClean="0">
+                            <a:latin typeface="Cambria Math" panose="02040503050406030204" pitchFamily="18" charset="0"/>
+                          </a:rPr>
+                        </m:ctrlPr>
+                      </m:dPr>
+                      <m:e>
+                        <m:sSup>
+                          <m:sSupPr>
+                            <m:ctrlPr>
+                              <a:rPr lang="de-DE" b="0" i="1" smtClean="0">
+                                <a:latin typeface="Cambria Math" panose="02040503050406030204" pitchFamily="18" charset="0"/>
+                              </a:rPr>
+                            </m:ctrlPr>
+                          </m:sSupPr>
+                          <m:e>
+                            <m:r>
+                              <a:rPr lang="de-DE" b="0" i="1" smtClean="0">
+                                <a:latin typeface="Cambria Math" panose="02040503050406030204" pitchFamily="18" charset="0"/>
+                              </a:rPr>
+                              <m:t>𝑛</m:t>
+                            </m:r>
+                          </m:e>
+                          <m:sup>
+                            <m:r>
+                              <a:rPr lang="de-DE" b="0" i="1" smtClean="0">
+                                <a:latin typeface="Cambria Math" panose="02040503050406030204" pitchFamily="18" charset="0"/>
+                              </a:rPr>
+                              <m:t>2</m:t>
+                            </m:r>
+                          </m:sup>
+                        </m:sSup>
+                      </m:e>
+                    </m:d>
+                  </m:oMath>
+                </a14:m>
+                <a:r>
+                  <a:rPr lang="de-DE" dirty="0"/>
+                  <a:t>, da es n(n-1)/2 </a:t>
+                </a:r>
+                <a:r>
+                  <a:rPr lang="de-DE"/>
+                  <a:t>Kanten gibt</a:t>
+                </a:r>
+                <a:endParaRPr lang="de-DE" dirty="0"/>
+              </a:p>
+            </p:txBody>
+          </p:sp>
+        </mc:Choice>
+        <mc:Fallback>
+          <p:sp>
+            <p:nvSpPr>
+              <p:cNvPr id="10" name="Textfeld 9">
+                <a:extLst>
+                  <a:ext uri="{FF2B5EF4-FFF2-40B4-BE49-F238E27FC236}">
+                    <a16:creationId xmlns:a16="http://schemas.microsoft.com/office/drawing/2014/main" id="{9E9C9718-6390-48EF-B19B-87C73BB6C789}"/>
+                  </a:ext>
+                </a:extLst>
+              </p:cNvPr>
+              <p:cNvSpPr txBox="1">
+                <a:spLocks noRot="1" noChangeAspect="1" noMove="1" noResize="1" noEditPoints="1" noAdjustHandles="1" noChangeArrowheads="1" noChangeShapeType="1" noTextEdit="1"/>
+              </p:cNvSpPr>
+              <p:nvPr/>
+            </p:nvSpPr>
+            <p:spPr>
+              <a:xfrm>
+                <a:off x="334537" y="4114800"/>
+                <a:ext cx="11530361" cy="1499641"/>
+              </a:xfrm>
+              <a:prstGeom prst="rect">
+                <a:avLst/>
+              </a:prstGeom>
+              <a:blipFill>
+                <a:blip r:embed="rId5"/>
+                <a:stretch>
+                  <a:fillRect l="-476" t="-2033" b="-5691"/>
+                </a:stretch>
+              </a:blipFill>
+            </p:spPr>
+            <p:txBody>
+              <a:bodyPr/>
+              <a:lstStyle/>
+              <a:p>
+                <a:r>
+                  <a:rPr lang="de-DE">
+                    <a:noFill/>
+                  </a:rPr>
+                  <a:t> </a:t>
+                </a:r>
+              </a:p>
+            </p:txBody>
+          </p:sp>
+        </mc:Fallback>
+      </mc:AlternateContent>
+    </p:spTree>
+    <p:extLst>
+      <p:ext uri="{BB962C8B-B14F-4D97-AF65-F5344CB8AC3E}">
+        <p14:creationId xmlns:p14="http://schemas.microsoft.com/office/powerpoint/2010/main" val="3681608813"/>
       </p:ext>
     </p:extLst>
   </p:cSld>

--- a/Pseudopolynomielle Algorithmen.pptx
+++ b/Pseudopolynomielle Algorithmen.pptx
@@ -2344,6 +2344,42 @@
               <a:t>Wenn man die Probleme ‚schwer‘ genug macht, ist es völlig egal dass da noch ein n vorne steht, das V wird exponentiell wachsen</a:t>
             </a:r>
           </a:p>
+          <a:p>
+            <a:pPr marL="628650" lvl="1" indent="-171450">
+              <a:buFontTx/>
+              <a:buChar char="-"/>
+            </a:pPr>
+            <a:r>
+              <a:rPr lang="de-DE" dirty="0">
+                <a:sym typeface="Wingdings" panose="05000000000000000000" pitchFamily="2" charset="2"/>
+              </a:rPr>
+              <a:t>Aber: Werte und Gewichte sind meistens </a:t>
+            </a:r>
+            <a:r>
+              <a:rPr lang="de-DE" dirty="0" err="1">
+                <a:sym typeface="Wingdings" panose="05000000000000000000" pitchFamily="2" charset="2"/>
+              </a:rPr>
+              <a:t>duch</a:t>
+            </a:r>
+            <a:r>
+              <a:rPr lang="de-DE" dirty="0">
+                <a:sym typeface="Wingdings" panose="05000000000000000000" pitchFamily="2" charset="2"/>
+              </a:rPr>
+              <a:t> Polynom in n beschränkt, z.B. G &lt;= n^10. Dann lässt sich die Laufzeit für ein Polynom n auf n^11 abschätzen  </a:t>
+            </a:r>
+            <a:r>
+              <a:rPr lang="de-DE" dirty="0" err="1">
+                <a:sym typeface="Wingdings" panose="05000000000000000000" pitchFamily="2" charset="2"/>
+              </a:rPr>
+              <a:t>pseudopolynomialer</a:t>
+            </a:r>
+            <a:r>
+              <a:rPr lang="de-DE" dirty="0">
+                <a:sym typeface="Wingdings" panose="05000000000000000000" pitchFamily="2" charset="2"/>
+              </a:rPr>
+              <a:t> Algorithmus</a:t>
+            </a:r>
+          </a:p>
         </p:txBody>
       </p:sp>
       <p:sp>
@@ -2428,60 +2464,12 @@
           <a:p>
             <a:r>
               <a:rPr lang="de-DE" dirty="0"/>
-              <a:t>Bei diesem Thema bin ich mir nicht ganz sicher (TSP an sich ist NP vollständig)</a:t>
-            </a:r>
-          </a:p>
-          <a:p>
-            <a:endParaRPr lang="de-DE" dirty="0"/>
-          </a:p>
-          <a:p>
-            <a:r>
-              <a:rPr lang="de-DE" dirty="0"/>
-              <a:t>-TSP ist NP vollständig, weil: 1. Es in polynomialer Zeit möglich ist, die Aussage 1 zu verifizieren und 2. Hamilton </a:t>
-            </a:r>
-            <a:r>
-              <a:rPr lang="de-DE" dirty="0" err="1"/>
-              <a:t>cycle</a:t>
-            </a:r>
-            <a:r>
-              <a:rPr lang="de-DE" dirty="0"/>
-              <a:t> auf das TSP Entscheidungsproblem reduzierbar ist?</a:t>
-            </a:r>
-          </a:p>
-          <a:p>
-            <a:endParaRPr lang="de-DE" dirty="0"/>
-          </a:p>
-          <a:p>
-            <a:pPr marL="171450" indent="-171450">
-              <a:buFontTx/>
-              <a:buChar char="-"/>
-            </a:pPr>
-            <a:r>
-              <a:rPr lang="de-DE" dirty="0"/>
-              <a:t>TSP ist stark NP vollständig weil: Zwar ist auch hier der Hamilton-Zyklus auf TSP Optimierungsproblem reduzierbar, ABER: Es gibt keine Möglichkeit, in polynomialer Zeit zu verifizieren, ob der Hamilton-Zyklus h auch wirklich der kürzeste im Ganzen Graph ist, da man dafür alle Möglichkeiten durchprobieren müsste.</a:t>
-            </a:r>
-          </a:p>
-          <a:p>
-            <a:pPr marL="171450" indent="-171450">
-              <a:buFontTx/>
-              <a:buChar char="-"/>
-            </a:pPr>
-            <a:endParaRPr lang="de-DE" dirty="0"/>
-          </a:p>
-          <a:p>
-            <a:pPr marL="171450" indent="-171450">
-              <a:buFontTx/>
-              <a:buChar char="-"/>
-            </a:pPr>
-            <a:r>
-              <a:rPr lang="de-DE" dirty="0"/>
-              <a:t>Hier habe ich mal dargestellt, wie ich mir das vorstelle.</a:t>
-            </a:r>
-          </a:p>
-          <a:p>
-            <a:endParaRPr lang="de-DE" dirty="0"/>
-          </a:p>
-          <a:p>
+              <a:t>So steht es im Buch von </a:t>
+            </a:r>
+            <a:r>
+              <a:rPr lang="de-DE"/>
+              <a:t>Ingo Wegener (Satz 3.5.9)</a:t>
+            </a:r>
             <a:endParaRPr lang="de-DE" dirty="0"/>
           </a:p>
         </p:txBody>
@@ -2503,7 +2491,7 @@
           <a:p>
             <a:fld id="{D15B9CCF-FFA2-46F4-AE87-49E1E1368883}" type="slidenum">
               <a:rPr lang="de-DE" smtClean="0"/>
-              <a:t>20</a:t>
+              <a:t>19</a:t>
             </a:fld>
             <a:endParaRPr lang="de-DE"/>
           </a:p>
@@ -2512,7 +2500,7 @@
     </p:spTree>
     <p:extLst>
       <p:ext uri="{BB962C8B-B14F-4D97-AF65-F5344CB8AC3E}">
-        <p14:creationId xmlns:p14="http://schemas.microsoft.com/office/powerpoint/2010/main" val="111079152"/>
+        <p14:creationId xmlns:p14="http://schemas.microsoft.com/office/powerpoint/2010/main" val="1435985200"/>
       </p:ext>
     </p:extLst>
   </p:cSld>
@@ -2615,34 +2603,7 @@
             </a:pPr>
             <a:r>
               <a:rPr lang="de-DE" dirty="0"/>
-              <a:t>Hier habe ich mal dargestellt, wie ich mir das vorstelle:</a:t>
-            </a:r>
-          </a:p>
-          <a:p>
-            <a:pPr marL="171450" indent="-171450">
-              <a:buFontTx/>
-              <a:buChar char="-"/>
-            </a:pPr>
-            <a:endParaRPr lang="de-DE" dirty="0"/>
-          </a:p>
-          <a:p>
-            <a:pPr marL="171450" indent="-171450">
-              <a:buFontTx/>
-              <a:buChar char="-"/>
-            </a:pPr>
-            <a:r>
-              <a:rPr lang="de-DE" dirty="0"/>
-              <a:t>Es gibt einen Graphen, der die Städte verbindet und eine Kostenfunktion, die die Kosten von A nach B berechnet. Das Ergebnis liegt in der Menge der ganzen Zahlen (Z), wobei auch die Null vorkommen kann.</a:t>
-            </a:r>
-          </a:p>
-          <a:p>
-            <a:pPr marL="171450" indent="-171450">
-              <a:buFontTx/>
-              <a:buChar char="-"/>
-            </a:pPr>
-            <a:r>
-              <a:rPr lang="de-DE" dirty="0"/>
-              <a:t>B ist die Grenze der Kosten die eingehalten werden soll.</a:t>
+              <a:t>Hier habe ich mal dargestellt, wie ich mir das vorstelle.</a:t>
             </a:r>
           </a:p>
           <a:p>
@@ -2670,7 +2631,7 @@
           <a:p>
             <a:fld id="{D15B9CCF-FFA2-46F4-AE87-49E1E1368883}" type="slidenum">
               <a:rPr lang="de-DE" smtClean="0"/>
-              <a:t>21</a:t>
+              <a:t>20</a:t>
             </a:fld>
             <a:endParaRPr lang="de-DE"/>
           </a:p>
@@ -2679,7 +2640,7 @@
     </p:spTree>
     <p:extLst>
       <p:ext uri="{BB962C8B-B14F-4D97-AF65-F5344CB8AC3E}">
-        <p14:creationId xmlns:p14="http://schemas.microsoft.com/office/powerpoint/2010/main" val="3261523018"/>
+        <p14:creationId xmlns:p14="http://schemas.microsoft.com/office/powerpoint/2010/main" val="111079152"/>
       </p:ext>
     </p:extLst>
   </p:cSld>
@@ -2735,7 +2696,7 @@
           <a:p>
             <a:r>
               <a:rPr lang="de-DE" dirty="0"/>
-              <a:t>Zeigen, dass es einen nichtdeterministischen Algorithmus gibt, der TSP in polynomialer Zeit löst.</a:t>
+              <a:t>Bei diesem Thema bin ich mir nicht ganz sicher (TSP an sich ist NP vollständig)</a:t>
             </a:r>
           </a:p>
           <a:p>
@@ -2744,23 +2705,78 @@
           <a:p>
             <a:r>
               <a:rPr lang="de-DE" dirty="0"/>
-              <a:t>Ungerichteten Hamilton-Zyklus auf TSP reduzieren (HZ ist ja NP vollständig)</a:t>
+              <a:t>-TSP ist NP vollständig, weil: 1. Es in polynomialer Zeit möglich ist, die Aussage 1 zu verifizieren und 2. Hamilton </a:t>
+            </a:r>
+            <a:r>
+              <a:rPr lang="de-DE" dirty="0" err="1"/>
+              <a:t>cycle</a:t>
+            </a:r>
+            <a:r>
+              <a:rPr lang="de-DE" dirty="0"/>
+              <a:t> auf das TSP Entscheidungsproblem reduzierbar ist?</a:t>
             </a:r>
           </a:p>
           <a:p>
             <a:endParaRPr lang="de-DE" dirty="0"/>
           </a:p>
           <a:p>
+            <a:pPr marL="171450" indent="-171450">
+              <a:buFontTx/>
+              <a:buChar char="-"/>
+            </a:pPr>
             <a:r>
               <a:rPr lang="de-DE" dirty="0"/>
-              <a:t>Dieser Algorithmus ist einfach, raten </a:t>
-            </a:r>
-            <a:r>
-              <a:rPr lang="de-DE" dirty="0">
-                <a:sym typeface="Wingdings" panose="05000000000000000000" pitchFamily="2" charset="2"/>
-              </a:rPr>
-              <a:t> prüfen  terminieren, falls akzeptabel</a:t>
-            </a:r>
+              <a:t>TSP ist stark NP vollständig weil: Zwar ist auch hier der Hamilton-Zyklus auf TSP Optimierungsproblem reduzierbar, ABER: Es gibt keine Möglichkeit, in polynomialer Zeit zu verifizieren, ob der Hamilton-Zyklus h auch wirklich der kürzeste im Ganzen Graph ist, da man dafür alle Möglichkeiten durchprobieren müsste.</a:t>
+            </a:r>
+          </a:p>
+          <a:p>
+            <a:pPr marL="171450" indent="-171450">
+              <a:buFontTx/>
+              <a:buChar char="-"/>
+            </a:pPr>
+            <a:endParaRPr lang="de-DE" dirty="0"/>
+          </a:p>
+          <a:p>
+            <a:pPr marL="171450" indent="-171450">
+              <a:buFontTx/>
+              <a:buChar char="-"/>
+            </a:pPr>
+            <a:r>
+              <a:rPr lang="de-DE" dirty="0"/>
+              <a:t>Hier habe ich mal dargestellt, wie ich mir das vorstelle:</a:t>
+            </a:r>
+          </a:p>
+          <a:p>
+            <a:pPr marL="171450" indent="-171450">
+              <a:buFontTx/>
+              <a:buChar char="-"/>
+            </a:pPr>
+            <a:endParaRPr lang="de-DE" dirty="0"/>
+          </a:p>
+          <a:p>
+            <a:pPr marL="171450" indent="-171450">
+              <a:buFontTx/>
+              <a:buChar char="-"/>
+            </a:pPr>
+            <a:r>
+              <a:rPr lang="de-DE" dirty="0"/>
+              <a:t>Es gibt einen Graphen, der die Städte verbindet und eine Kostenfunktion, die die Kosten von A nach B berechnet. Das Ergebnis liegt in der Menge der ganzen Zahlen (Z), wobei auch die Null vorkommen kann.</a:t>
+            </a:r>
+          </a:p>
+          <a:p>
+            <a:pPr marL="171450" indent="-171450">
+              <a:buFontTx/>
+              <a:buChar char="-"/>
+            </a:pPr>
+            <a:r>
+              <a:rPr lang="de-DE" dirty="0"/>
+              <a:t>B ist die Grenze der Kosten die eingehalten werden soll.</a:t>
+            </a:r>
+          </a:p>
+          <a:p>
+            <a:endParaRPr lang="de-DE" dirty="0"/>
+          </a:p>
+          <a:p>
             <a:endParaRPr lang="de-DE" dirty="0"/>
           </a:p>
         </p:txBody>
@@ -2782,7 +2798,7 @@
           <a:p>
             <a:fld id="{D15B9CCF-FFA2-46F4-AE87-49E1E1368883}" type="slidenum">
               <a:rPr lang="de-DE" smtClean="0"/>
-              <a:t>22</a:t>
+              <a:t>21</a:t>
             </a:fld>
             <a:endParaRPr lang="de-DE"/>
           </a:p>
@@ -2791,7 +2807,7 @@
     </p:spTree>
     <p:extLst>
       <p:ext uri="{BB962C8B-B14F-4D97-AF65-F5344CB8AC3E}">
-        <p14:creationId xmlns:p14="http://schemas.microsoft.com/office/powerpoint/2010/main" val="1663211797"/>
+        <p14:creationId xmlns:p14="http://schemas.microsoft.com/office/powerpoint/2010/main" val="3261523018"/>
       </p:ext>
     </p:extLst>
   </p:cSld>
@@ -2847,8 +2863,33 @@
           <a:p>
             <a:r>
               <a:rPr lang="de-DE" dirty="0"/>
-              <a:t>Hier habe ich mal gezeigt, wie die Umwandlung gemeint ist</a:t>
-            </a:r>
+              <a:t>Zeigen, dass es einen nichtdeterministischen Algorithmus gibt, der TSP in polynomialer Zeit löst.</a:t>
+            </a:r>
+          </a:p>
+          <a:p>
+            <a:endParaRPr lang="de-DE" dirty="0"/>
+          </a:p>
+          <a:p>
+            <a:r>
+              <a:rPr lang="de-DE" dirty="0"/>
+              <a:t>Ungerichteten Hamilton-Zyklus auf TSP reduzieren (HZ ist ja NP vollständig)</a:t>
+            </a:r>
+          </a:p>
+          <a:p>
+            <a:endParaRPr lang="de-DE" dirty="0"/>
+          </a:p>
+          <a:p>
+            <a:r>
+              <a:rPr lang="de-DE" dirty="0"/>
+              <a:t>Dieser Algorithmus ist einfach, raten </a:t>
+            </a:r>
+            <a:r>
+              <a:rPr lang="de-DE" dirty="0">
+                <a:sym typeface="Wingdings" panose="05000000000000000000" pitchFamily="2" charset="2"/>
+              </a:rPr>
+              <a:t> prüfen  terminieren, falls akzeptabel</a:t>
+            </a:r>
+            <a:endParaRPr lang="de-DE" dirty="0"/>
           </a:p>
         </p:txBody>
       </p:sp>
@@ -2869,7 +2910,7 @@
           <a:p>
             <a:fld id="{D15B9CCF-FFA2-46F4-AE87-49E1E1368883}" type="slidenum">
               <a:rPr lang="de-DE" smtClean="0"/>
-              <a:t>25</a:t>
+              <a:t>22</a:t>
             </a:fld>
             <a:endParaRPr lang="de-DE"/>
           </a:p>
@@ -2878,7 +2919,7 @@
     </p:spTree>
     <p:extLst>
       <p:ext uri="{BB962C8B-B14F-4D97-AF65-F5344CB8AC3E}">
-        <p14:creationId xmlns:p14="http://schemas.microsoft.com/office/powerpoint/2010/main" val="957108521"/>
+        <p14:creationId xmlns:p14="http://schemas.microsoft.com/office/powerpoint/2010/main" val="1663211797"/>
       </p:ext>
     </p:extLst>
   </p:cSld>
@@ -3002,6 +3043,93 @@
     <p:extLst>
       <p:ext uri="{BB962C8B-B14F-4D97-AF65-F5344CB8AC3E}">
         <p14:creationId xmlns:p14="http://schemas.microsoft.com/office/powerpoint/2010/main" val="3149479873"/>
+      </p:ext>
+    </p:extLst>
+  </p:cSld>
+  <p:clrMapOvr>
+    <a:masterClrMapping/>
+  </p:clrMapOvr>
+</p:notes>
+</file>
+
+<file path=ppt/notesSlides/notesSlide20.xml><?xml version="1.0" encoding="utf-8"?>
+<p:notes xmlns:a="http://schemas.openxmlformats.org/drawingml/2006/main" xmlns:r="http://schemas.openxmlformats.org/officeDocument/2006/relationships" xmlns:p="http://schemas.openxmlformats.org/presentationml/2006/main">
+  <p:cSld>
+    <p:spTree>
+      <p:nvGrpSpPr>
+        <p:cNvPr id="1" name=""/>
+        <p:cNvGrpSpPr/>
+        <p:nvPr/>
+      </p:nvGrpSpPr>
+      <p:grpSpPr>
+        <a:xfrm>
+          <a:off x="0" y="0"/>
+          <a:ext cx="0" cy="0"/>
+          <a:chOff x="0" y="0"/>
+          <a:chExt cx="0" cy="0"/>
+        </a:xfrm>
+      </p:grpSpPr>
+      <p:sp>
+        <p:nvSpPr>
+          <p:cNvPr id="2" name="Folienbildplatzhalter 1"/>
+          <p:cNvSpPr>
+            <a:spLocks noGrp="1" noRot="1" noChangeAspect="1"/>
+          </p:cNvSpPr>
+          <p:nvPr>
+            <p:ph type="sldImg"/>
+          </p:nvPr>
+        </p:nvSpPr>
+        <p:spPr/>
+      </p:sp>
+      <p:sp>
+        <p:nvSpPr>
+          <p:cNvPr id="3" name="Notizenplatzhalter 2"/>
+          <p:cNvSpPr>
+            <a:spLocks noGrp="1"/>
+          </p:cNvSpPr>
+          <p:nvPr>
+            <p:ph type="body" idx="1"/>
+          </p:nvPr>
+        </p:nvSpPr>
+        <p:spPr/>
+        <p:txBody>
+          <a:bodyPr/>
+          <a:lstStyle/>
+          <a:p>
+            <a:r>
+              <a:rPr lang="de-DE" dirty="0"/>
+              <a:t>Hier habe ich mal gezeigt, wie die Umwandlung gemeint ist</a:t>
+            </a:r>
+          </a:p>
+        </p:txBody>
+      </p:sp>
+      <p:sp>
+        <p:nvSpPr>
+          <p:cNvPr id="4" name="Foliennummernplatzhalter 3"/>
+          <p:cNvSpPr>
+            <a:spLocks noGrp="1"/>
+          </p:cNvSpPr>
+          <p:nvPr>
+            <p:ph type="sldNum" sz="quarter" idx="5"/>
+          </p:nvPr>
+        </p:nvSpPr>
+        <p:spPr/>
+        <p:txBody>
+          <a:bodyPr/>
+          <a:lstStyle/>
+          <a:p>
+            <a:fld id="{D15B9CCF-FFA2-46F4-AE87-49E1E1368883}" type="slidenum">
+              <a:rPr lang="de-DE" smtClean="0"/>
+              <a:t>25</a:t>
+            </a:fld>
+            <a:endParaRPr lang="de-DE"/>
+          </a:p>
+        </p:txBody>
+      </p:sp>
+    </p:spTree>
+    <p:extLst>
+      <p:ext uri="{BB962C8B-B14F-4D97-AF65-F5344CB8AC3E}">
+        <p14:creationId xmlns:p14="http://schemas.microsoft.com/office/powerpoint/2010/main" val="957108521"/>
       </p:ext>
     </p:extLst>
   </p:cSld>
@@ -3931,7 +4059,7 @@
           <a:noFill/>
           <a:extLst>
             <a:ext uri="{909E8E84-426E-40dd-AFC4-6F175D3DCCD1}">
-              <a14:hiddenFill xmlns:a14="http://schemas.microsoft.com/office/drawing/2010/main" xmlns="">
+              <a14:hiddenFill xmlns="" xmlns:a14="http://schemas.microsoft.com/office/drawing/2010/main">
                 <a:solidFill>
                   <a:srgbClr val="FFFFFF"/>
                 </a:solidFill>
@@ -3991,7 +4119,7 @@
             </a:ln>
             <a:extLst>
               <a:ext uri="{91240B29-F687-4f45-9708-019B960494DF}">
-                <a14:hiddenLine xmlns:a14="http://schemas.microsoft.com/office/drawing/2010/main" xmlns="" w="9525">
+                <a14:hiddenLine xmlns="" xmlns:a14="http://schemas.microsoft.com/office/drawing/2010/main" w="9525">
                   <a:solidFill>
                     <a:srgbClr val="000000"/>
                   </a:solidFill>
@@ -4081,7 +4209,7 @@
             </a:ln>
             <a:extLst>
               <a:ext uri="{91240B29-F687-4f45-9708-019B960494DF}">
-                <a14:hiddenLine xmlns:a14="http://schemas.microsoft.com/office/drawing/2010/main" xmlns="" w="9525">
+                <a14:hiddenLine xmlns="" xmlns:a14="http://schemas.microsoft.com/office/drawing/2010/main" w="9525">
                   <a:solidFill>
                     <a:srgbClr val="000000"/>
                   </a:solidFill>
@@ -4171,7 +4299,7 @@
             </a:ln>
             <a:extLst>
               <a:ext uri="{91240B29-F687-4f45-9708-019B960494DF}">
-                <a14:hiddenLine xmlns:a14="http://schemas.microsoft.com/office/drawing/2010/main" xmlns="" w="9525">
+                <a14:hiddenLine xmlns="" xmlns:a14="http://schemas.microsoft.com/office/drawing/2010/main" w="9525">
                   <a:solidFill>
                     <a:srgbClr val="000000"/>
                   </a:solidFill>
@@ -4205,7 +4333,7 @@
             </a:ln>
             <a:extLst>
               <a:ext uri="{91240B29-F687-4f45-9708-019B960494DF}">
-                <a14:hiddenLine xmlns:a14="http://schemas.microsoft.com/office/drawing/2010/main" xmlns="" w="9525">
+                <a14:hiddenLine xmlns="" xmlns:a14="http://schemas.microsoft.com/office/drawing/2010/main" w="9525">
                   <a:solidFill>
                     <a:srgbClr val="000000"/>
                   </a:solidFill>
@@ -4295,7 +4423,7 @@
             </a:ln>
             <a:extLst>
               <a:ext uri="{91240B29-F687-4f45-9708-019B960494DF}">
-                <a14:hiddenLine xmlns:a14="http://schemas.microsoft.com/office/drawing/2010/main" xmlns="" w="9525">
+                <a14:hiddenLine xmlns="" xmlns:a14="http://schemas.microsoft.com/office/drawing/2010/main" w="9525">
                   <a:solidFill>
                     <a:srgbClr val="000000"/>
                   </a:solidFill>
@@ -4357,7 +4485,7 @@
             </a:ln>
             <a:extLst>
               <a:ext uri="{91240B29-F687-4f45-9708-019B960494DF}">
-                <a14:hiddenLine xmlns:a14="http://schemas.microsoft.com/office/drawing/2010/main" xmlns="" w="9525">
+                <a14:hiddenLine xmlns="" xmlns:a14="http://schemas.microsoft.com/office/drawing/2010/main" w="9525">
                   <a:solidFill>
                     <a:srgbClr val="000000"/>
                   </a:solidFill>
@@ -4419,7 +4547,7 @@
             </a:ln>
             <a:extLst>
               <a:ext uri="{91240B29-F687-4f45-9708-019B960494DF}">
-                <a14:hiddenLine xmlns:a14="http://schemas.microsoft.com/office/drawing/2010/main" xmlns="" w="9525">
+                <a14:hiddenLine xmlns="" xmlns:a14="http://schemas.microsoft.com/office/drawing/2010/main" w="9525">
                   <a:solidFill>
                     <a:srgbClr val="000000"/>
                   </a:solidFill>
@@ -4509,7 +4637,7 @@
             </a:ln>
             <a:extLst>
               <a:ext uri="{91240B29-F687-4f45-9708-019B960494DF}">
-                <a14:hiddenLine xmlns:a14="http://schemas.microsoft.com/office/drawing/2010/main" xmlns="" w="9525">
+                <a14:hiddenLine xmlns="" xmlns:a14="http://schemas.microsoft.com/office/drawing/2010/main" w="9525">
                   <a:solidFill>
                     <a:srgbClr val="000000"/>
                   </a:solidFill>
@@ -4571,7 +4699,7 @@
             </a:ln>
             <a:extLst>
               <a:ext uri="{91240B29-F687-4f45-9708-019B960494DF}">
-                <a14:hiddenLine xmlns:a14="http://schemas.microsoft.com/office/drawing/2010/main" xmlns="" w="9525">
+                <a14:hiddenLine xmlns="" xmlns:a14="http://schemas.microsoft.com/office/drawing/2010/main" w="9525">
                   <a:solidFill>
                     <a:srgbClr val="000000"/>
                   </a:solidFill>
@@ -4633,7 +4761,7 @@
             </a:ln>
             <a:extLst>
               <a:ext uri="{91240B29-F687-4f45-9708-019B960494DF}">
-                <a14:hiddenLine xmlns:a14="http://schemas.microsoft.com/office/drawing/2010/main" xmlns="" w="9525">
+                <a14:hiddenLine xmlns="" xmlns:a14="http://schemas.microsoft.com/office/drawing/2010/main" w="9525">
                   <a:solidFill>
                     <a:srgbClr val="000000"/>
                   </a:solidFill>
@@ -4723,7 +4851,7 @@
             </a:ln>
             <a:extLst>
               <a:ext uri="{91240B29-F687-4f45-9708-019B960494DF}">
-                <a14:hiddenLine xmlns:a14="http://schemas.microsoft.com/office/drawing/2010/main" xmlns="" w="9525">
+                <a14:hiddenLine xmlns="" xmlns:a14="http://schemas.microsoft.com/office/drawing/2010/main" w="9525">
                   <a:solidFill>
                     <a:srgbClr val="000000"/>
                   </a:solidFill>
@@ -4813,7 +4941,7 @@
             </a:ln>
             <a:extLst>
               <a:ext uri="{91240B29-F687-4f45-9708-019B960494DF}">
-                <a14:hiddenLine xmlns:a14="http://schemas.microsoft.com/office/drawing/2010/main" xmlns="" w="9525">
+                <a14:hiddenLine xmlns="" xmlns:a14="http://schemas.microsoft.com/office/drawing/2010/main" w="9525">
                   <a:solidFill>
                     <a:srgbClr val="000000"/>
                   </a:solidFill>
@@ -4875,7 +5003,7 @@
             </a:ln>
             <a:extLst>
               <a:ext uri="{91240B29-F687-4f45-9708-019B960494DF}">
-                <a14:hiddenLine xmlns:a14="http://schemas.microsoft.com/office/drawing/2010/main" xmlns="" w="9525">
+                <a14:hiddenLine xmlns="" xmlns:a14="http://schemas.microsoft.com/office/drawing/2010/main" w="9525">
                   <a:solidFill>
                     <a:srgbClr val="000000"/>
                   </a:solidFill>
@@ -4985,7 +5113,7 @@
             </a:ln>
             <a:extLst>
               <a:ext uri="{91240B29-F687-4f45-9708-019B960494DF}">
-                <a14:hiddenLine xmlns:a14="http://schemas.microsoft.com/office/drawing/2010/main" xmlns="" w="9525">
+                <a14:hiddenLine xmlns="" xmlns:a14="http://schemas.microsoft.com/office/drawing/2010/main" w="9525">
                   <a:solidFill>
                     <a:srgbClr val="000000"/>
                   </a:solidFill>
@@ -5047,7 +5175,7 @@
             </a:ln>
             <a:extLst>
               <a:ext uri="{91240B29-F687-4f45-9708-019B960494DF}">
-                <a14:hiddenLine xmlns:a14="http://schemas.microsoft.com/office/drawing/2010/main" xmlns="" w="9525">
+                <a14:hiddenLine xmlns="" xmlns:a14="http://schemas.microsoft.com/office/drawing/2010/main" w="9525">
                   <a:solidFill>
                     <a:srgbClr val="000000"/>
                   </a:solidFill>
@@ -5137,7 +5265,7 @@
             </a:ln>
             <a:extLst>
               <a:ext uri="{91240B29-F687-4f45-9708-019B960494DF}">
-                <a14:hiddenLine xmlns:a14="http://schemas.microsoft.com/office/drawing/2010/main" xmlns="" w="9525">
+                <a14:hiddenLine xmlns="" xmlns:a14="http://schemas.microsoft.com/office/drawing/2010/main" w="9525">
                   <a:solidFill>
                     <a:srgbClr val="000000"/>
                   </a:solidFill>
@@ -5227,7 +5355,7 @@
             </a:ln>
             <a:extLst>
               <a:ext uri="{91240B29-F687-4f45-9708-019B960494DF}">
-                <a14:hiddenLine xmlns:a14="http://schemas.microsoft.com/office/drawing/2010/main" xmlns="" w="9525">
+                <a14:hiddenLine xmlns="" xmlns:a14="http://schemas.microsoft.com/office/drawing/2010/main" w="9525">
                   <a:solidFill>
                     <a:srgbClr val="000000"/>
                   </a:solidFill>
@@ -5289,7 +5417,7 @@
             </a:ln>
             <a:extLst>
               <a:ext uri="{91240B29-F687-4f45-9708-019B960494DF}">
-                <a14:hiddenLine xmlns:a14="http://schemas.microsoft.com/office/drawing/2010/main" xmlns="" w="9525">
+                <a14:hiddenLine xmlns="" xmlns:a14="http://schemas.microsoft.com/office/drawing/2010/main" w="9525">
                   <a:solidFill>
                     <a:srgbClr val="000000"/>
                   </a:solidFill>
@@ -5379,7 +5507,7 @@
             </a:ln>
             <a:extLst>
               <a:ext uri="{91240B29-F687-4f45-9708-019B960494DF}">
-                <a14:hiddenLine xmlns:a14="http://schemas.microsoft.com/office/drawing/2010/main" xmlns="" w="9525">
+                <a14:hiddenLine xmlns="" xmlns:a14="http://schemas.microsoft.com/office/drawing/2010/main" w="9525">
                   <a:solidFill>
                     <a:srgbClr val="000000"/>
                   </a:solidFill>
@@ -5469,7 +5597,7 @@
             </a:ln>
             <a:extLst>
               <a:ext uri="{91240B29-F687-4f45-9708-019B960494DF}">
-                <a14:hiddenLine xmlns:a14="http://schemas.microsoft.com/office/drawing/2010/main" xmlns="" w="9525">
+                <a14:hiddenLine xmlns="" xmlns:a14="http://schemas.microsoft.com/office/drawing/2010/main" w="9525">
                   <a:solidFill>
                     <a:srgbClr val="000000"/>
                   </a:solidFill>
@@ -5525,7 +5653,7 @@
             </a:ln>
             <a:extLst>
               <a:ext uri="{91240B29-F687-4f45-9708-019B960494DF}">
-                <a14:hiddenLine xmlns:a14="http://schemas.microsoft.com/office/drawing/2010/main" xmlns="" w="9525">
+                <a14:hiddenLine xmlns="" xmlns:a14="http://schemas.microsoft.com/office/drawing/2010/main" w="9525">
                   <a:solidFill>
                     <a:srgbClr val="000000"/>
                   </a:solidFill>
@@ -5615,7 +5743,7 @@
             </a:ln>
             <a:extLst>
               <a:ext uri="{91240B29-F687-4f45-9708-019B960494DF}">
-                <a14:hiddenLine xmlns:a14="http://schemas.microsoft.com/office/drawing/2010/main" xmlns="" w="9525">
+                <a14:hiddenLine xmlns="" xmlns:a14="http://schemas.microsoft.com/office/drawing/2010/main" w="9525">
                   <a:solidFill>
                     <a:srgbClr val="000000"/>
                   </a:solidFill>
@@ -5671,7 +5799,7 @@
             </a:ln>
             <a:extLst>
               <a:ext uri="{91240B29-F687-4f45-9708-019B960494DF}">
-                <a14:hiddenLine xmlns:a14="http://schemas.microsoft.com/office/drawing/2010/main" xmlns="" w="9525">
+                <a14:hiddenLine xmlns="" xmlns:a14="http://schemas.microsoft.com/office/drawing/2010/main" w="9525">
                   <a:solidFill>
                     <a:srgbClr val="000000"/>
                   </a:solidFill>
@@ -5761,7 +5889,7 @@
             </a:ln>
             <a:extLst>
               <a:ext uri="{91240B29-F687-4f45-9708-019B960494DF}">
-                <a14:hiddenLine xmlns:a14="http://schemas.microsoft.com/office/drawing/2010/main" xmlns="" w="9525">
+                <a14:hiddenLine xmlns="" xmlns:a14="http://schemas.microsoft.com/office/drawing/2010/main" w="9525">
                   <a:solidFill>
                     <a:srgbClr val="000000"/>
                   </a:solidFill>
@@ -5829,7 +5957,7 @@
             </a:ln>
             <a:extLst>
               <a:ext uri="{91240B29-F687-4f45-9708-019B960494DF}">
-                <a14:hiddenLine xmlns:a14="http://schemas.microsoft.com/office/drawing/2010/main" xmlns="" w="9525">
+                <a14:hiddenLine xmlns="" xmlns:a14="http://schemas.microsoft.com/office/drawing/2010/main" w="9525">
                   <a:solidFill>
                     <a:srgbClr val="000000"/>
                   </a:solidFill>
@@ -5919,7 +6047,7 @@
             </a:ln>
             <a:extLst>
               <a:ext uri="{91240B29-F687-4f45-9708-019B960494DF}">
-                <a14:hiddenLine xmlns:a14="http://schemas.microsoft.com/office/drawing/2010/main" xmlns="" w="9525">
+                <a14:hiddenLine xmlns="" xmlns:a14="http://schemas.microsoft.com/office/drawing/2010/main" w="9525">
                   <a:solidFill>
                     <a:srgbClr val="000000"/>
                   </a:solidFill>
@@ -5987,7 +6115,7 @@
             </a:ln>
             <a:extLst>
               <a:ext uri="{91240B29-F687-4f45-9708-019B960494DF}">
-                <a14:hiddenLine xmlns:a14="http://schemas.microsoft.com/office/drawing/2010/main" xmlns="" w="9525">
+                <a14:hiddenLine xmlns="" xmlns:a14="http://schemas.microsoft.com/office/drawing/2010/main" w="9525">
                   <a:solidFill>
                     <a:srgbClr val="000000"/>
                   </a:solidFill>
@@ -6077,7 +6205,7 @@
             </a:ln>
             <a:extLst>
               <a:ext uri="{91240B29-F687-4f45-9708-019B960494DF}">
-                <a14:hiddenLine xmlns:a14="http://schemas.microsoft.com/office/drawing/2010/main" xmlns="" w="9525">
+                <a14:hiddenLine xmlns="" xmlns:a14="http://schemas.microsoft.com/office/drawing/2010/main" w="9525">
                   <a:solidFill>
                     <a:srgbClr val="000000"/>
                   </a:solidFill>
@@ -6111,7 +6239,7 @@
             </a:ln>
             <a:extLst>
               <a:ext uri="{91240B29-F687-4f45-9708-019B960494DF}">
-                <a14:hiddenLine xmlns:a14="http://schemas.microsoft.com/office/drawing/2010/main" xmlns="" w="9525">
+                <a14:hiddenLine xmlns="" xmlns:a14="http://schemas.microsoft.com/office/drawing/2010/main" w="9525">
                   <a:solidFill>
                     <a:srgbClr val="000000"/>
                   </a:solidFill>
@@ -6201,7 +6329,7 @@
             </a:ln>
             <a:extLst>
               <a:ext uri="{91240B29-F687-4f45-9708-019B960494DF}">
-                <a14:hiddenLine xmlns:a14="http://schemas.microsoft.com/office/drawing/2010/main" xmlns="" w="9525">
+                <a14:hiddenLine xmlns="" xmlns:a14="http://schemas.microsoft.com/office/drawing/2010/main" w="9525">
                   <a:solidFill>
                     <a:srgbClr val="000000"/>
                   </a:solidFill>
@@ -6263,7 +6391,7 @@
             </a:ln>
             <a:extLst>
               <a:ext uri="{91240B29-F687-4f45-9708-019B960494DF}">
-                <a14:hiddenLine xmlns:a14="http://schemas.microsoft.com/office/drawing/2010/main" xmlns="" w="9525">
+                <a14:hiddenLine xmlns="" xmlns:a14="http://schemas.microsoft.com/office/drawing/2010/main" w="9525">
                   <a:solidFill>
                     <a:srgbClr val="000000"/>
                   </a:solidFill>
@@ -6325,7 +6453,7 @@
             </a:ln>
             <a:extLst>
               <a:ext uri="{91240B29-F687-4f45-9708-019B960494DF}">
-                <a14:hiddenLine xmlns:a14="http://schemas.microsoft.com/office/drawing/2010/main" xmlns="" w="9525">
+                <a14:hiddenLine xmlns="" xmlns:a14="http://schemas.microsoft.com/office/drawing/2010/main" w="9525">
                   <a:solidFill>
                     <a:srgbClr val="000000"/>
                   </a:solidFill>
@@ -6415,7 +6543,7 @@
             </a:ln>
             <a:extLst>
               <a:ext uri="{91240B29-F687-4f45-9708-019B960494DF}">
-                <a14:hiddenLine xmlns:a14="http://schemas.microsoft.com/office/drawing/2010/main" xmlns="" w="9525">
+                <a14:hiddenLine xmlns="" xmlns:a14="http://schemas.microsoft.com/office/drawing/2010/main" w="9525">
                   <a:solidFill>
                     <a:srgbClr val="000000"/>
                   </a:solidFill>
@@ -6483,7 +6611,7 @@
             </a:ln>
             <a:extLst>
               <a:ext uri="{91240B29-F687-4f45-9708-019B960494DF}">
-                <a14:hiddenLine xmlns:a14="http://schemas.microsoft.com/office/drawing/2010/main" xmlns="" w="9525">
+                <a14:hiddenLine xmlns="" xmlns:a14="http://schemas.microsoft.com/office/drawing/2010/main" w="9525">
                   <a:solidFill>
                     <a:srgbClr val="000000"/>
                   </a:solidFill>
@@ -6545,7 +6673,7 @@
             </a:ln>
             <a:extLst>
               <a:ext uri="{91240B29-F687-4f45-9708-019B960494DF}">
-                <a14:hiddenLine xmlns:a14="http://schemas.microsoft.com/office/drawing/2010/main" xmlns="" w="9525">
+                <a14:hiddenLine xmlns="" xmlns:a14="http://schemas.microsoft.com/office/drawing/2010/main" w="9525">
                   <a:solidFill>
                     <a:srgbClr val="000000"/>
                   </a:solidFill>
@@ -6635,7 +6763,7 @@
             </a:ln>
             <a:extLst>
               <a:ext uri="{91240B29-F687-4f45-9708-019B960494DF}">
-                <a14:hiddenLine xmlns:a14="http://schemas.microsoft.com/office/drawing/2010/main" xmlns="" w="9525">
+                <a14:hiddenLine xmlns="" xmlns:a14="http://schemas.microsoft.com/office/drawing/2010/main" w="9525">
                   <a:solidFill>
                     <a:srgbClr val="000000"/>
                   </a:solidFill>
@@ -6697,7 +6825,7 @@
             </a:ln>
             <a:extLst>
               <a:ext uri="{91240B29-F687-4f45-9708-019B960494DF}">
-                <a14:hiddenLine xmlns:a14="http://schemas.microsoft.com/office/drawing/2010/main" xmlns="" w="9525">
+                <a14:hiddenLine xmlns="" xmlns:a14="http://schemas.microsoft.com/office/drawing/2010/main" w="9525">
                   <a:solidFill>
                     <a:srgbClr val="000000"/>
                   </a:solidFill>
@@ -6787,7 +6915,7 @@
             </a:ln>
             <a:extLst>
               <a:ext uri="{91240B29-F687-4f45-9708-019B960494DF}">
-                <a14:hiddenLine xmlns:a14="http://schemas.microsoft.com/office/drawing/2010/main" xmlns="" w="9525">
+                <a14:hiddenLine xmlns="" xmlns:a14="http://schemas.microsoft.com/office/drawing/2010/main" w="9525">
                   <a:solidFill>
                     <a:srgbClr val="000000"/>
                   </a:solidFill>
@@ -6849,7 +6977,7 @@
             </a:ln>
             <a:extLst>
               <a:ext uri="{91240B29-F687-4f45-9708-019B960494DF}">
-                <a14:hiddenLine xmlns:a14="http://schemas.microsoft.com/office/drawing/2010/main" xmlns="" w="9525">
+                <a14:hiddenLine xmlns="" xmlns:a14="http://schemas.microsoft.com/office/drawing/2010/main" w="9525">
                   <a:solidFill>
                     <a:srgbClr val="000000"/>
                   </a:solidFill>
@@ -6939,7 +7067,7 @@
             </a:ln>
             <a:extLst>
               <a:ext uri="{91240B29-F687-4f45-9708-019B960494DF}">
-                <a14:hiddenLine xmlns:a14="http://schemas.microsoft.com/office/drawing/2010/main" xmlns="" w="9525">
+                <a14:hiddenLine xmlns="" xmlns:a14="http://schemas.microsoft.com/office/drawing/2010/main" w="9525">
                   <a:solidFill>
                     <a:srgbClr val="000000"/>
                   </a:solidFill>
@@ -6973,7 +7101,7 @@
             </a:ln>
             <a:extLst>
               <a:ext uri="{91240B29-F687-4f45-9708-019B960494DF}">
-                <a14:hiddenLine xmlns:a14="http://schemas.microsoft.com/office/drawing/2010/main" xmlns="" w="9525">
+                <a14:hiddenLine xmlns="" xmlns:a14="http://schemas.microsoft.com/office/drawing/2010/main" w="9525">
                   <a:solidFill>
                     <a:srgbClr val="000000"/>
                   </a:solidFill>
@@ -7038,7 +7166,7 @@
             </a:ln>
             <a:extLst>
               <a:ext uri="{91240B29-F687-4f45-9708-019B960494DF}">
-                <a14:hiddenLine xmlns:a14="http://schemas.microsoft.com/office/drawing/2010/main" xmlns="" w="9525">
+                <a14:hiddenLine xmlns="" xmlns:a14="http://schemas.microsoft.com/office/drawing/2010/main" w="9525">
                   <a:solidFill>
                     <a:srgbClr val="000000"/>
                   </a:solidFill>
@@ -7128,7 +7256,7 @@
             </a:ln>
             <a:extLst>
               <a:ext uri="{91240B29-F687-4f45-9708-019B960494DF}">
-                <a14:hiddenLine xmlns:a14="http://schemas.microsoft.com/office/drawing/2010/main" xmlns="" w="9525">
+                <a14:hiddenLine xmlns="" xmlns:a14="http://schemas.microsoft.com/office/drawing/2010/main" w="9525">
                   <a:solidFill>
                     <a:srgbClr val="000000"/>
                   </a:solidFill>
@@ -7190,7 +7318,7 @@
             </a:ln>
             <a:extLst>
               <a:ext uri="{91240B29-F687-4f45-9708-019B960494DF}">
-                <a14:hiddenLine xmlns:a14="http://schemas.microsoft.com/office/drawing/2010/main" xmlns="" w="9525">
+                <a14:hiddenLine xmlns="" xmlns:a14="http://schemas.microsoft.com/office/drawing/2010/main" w="9525">
                   <a:solidFill>
                     <a:srgbClr val="000000"/>
                   </a:solidFill>
@@ -7280,7 +7408,7 @@
             </a:ln>
             <a:extLst>
               <a:ext uri="{91240B29-F687-4f45-9708-019B960494DF}">
-                <a14:hiddenLine xmlns:a14="http://schemas.microsoft.com/office/drawing/2010/main" xmlns="" w="9525">
+                <a14:hiddenLine xmlns="" xmlns:a14="http://schemas.microsoft.com/office/drawing/2010/main" w="9525">
                   <a:solidFill>
                     <a:srgbClr val="000000"/>
                   </a:solidFill>
@@ -7370,7 +7498,7 @@
             </a:ln>
             <a:extLst>
               <a:ext uri="{91240B29-F687-4f45-9708-019B960494DF}">
-                <a14:hiddenLine xmlns:a14="http://schemas.microsoft.com/office/drawing/2010/main" xmlns="" w="9525">
+                <a14:hiddenLine xmlns="" xmlns:a14="http://schemas.microsoft.com/office/drawing/2010/main" w="9525">
                   <a:solidFill>
                     <a:srgbClr val="000000"/>
                   </a:solidFill>
@@ -7435,7 +7563,7 @@
             </a:ln>
             <a:extLst>
               <a:ext uri="{91240B29-F687-4f45-9708-019B960494DF}">
-                <a14:hiddenLine xmlns:a14="http://schemas.microsoft.com/office/drawing/2010/main" xmlns="" w="9525">
+                <a14:hiddenLine xmlns="" xmlns:a14="http://schemas.microsoft.com/office/drawing/2010/main" w="9525">
                   <a:solidFill>
                     <a:srgbClr val="000000"/>
                   </a:solidFill>
@@ -7497,7 +7625,7 @@
             </a:ln>
             <a:extLst>
               <a:ext uri="{91240B29-F687-4f45-9708-019B960494DF}">
-                <a14:hiddenLine xmlns:a14="http://schemas.microsoft.com/office/drawing/2010/main" xmlns="" w="9525">
+                <a14:hiddenLine xmlns="" xmlns:a14="http://schemas.microsoft.com/office/drawing/2010/main" w="9525">
                   <a:solidFill>
                     <a:srgbClr val="000000"/>
                   </a:solidFill>
@@ -7587,7 +7715,7 @@
             </a:ln>
             <a:extLst>
               <a:ext uri="{91240B29-F687-4f45-9708-019B960494DF}">
-                <a14:hiddenLine xmlns:a14="http://schemas.microsoft.com/office/drawing/2010/main" xmlns="" w="9525">
+                <a14:hiddenLine xmlns="" xmlns:a14="http://schemas.microsoft.com/office/drawing/2010/main" w="9525">
                   <a:solidFill>
                     <a:srgbClr val="000000"/>
                   </a:solidFill>
@@ -7677,7 +7805,7 @@
             </a:ln>
             <a:extLst>
               <a:ext uri="{91240B29-F687-4f45-9708-019B960494DF}">
-                <a14:hiddenLine xmlns:a14="http://schemas.microsoft.com/office/drawing/2010/main" xmlns="" w="9525">
+                <a14:hiddenLine xmlns="" xmlns:a14="http://schemas.microsoft.com/office/drawing/2010/main" w="9525">
                   <a:solidFill>
                     <a:srgbClr val="000000"/>
                   </a:solidFill>
@@ -7739,7 +7867,7 @@
             </a:ln>
             <a:extLst>
               <a:ext uri="{91240B29-F687-4f45-9708-019B960494DF}">
-                <a14:hiddenLine xmlns:a14="http://schemas.microsoft.com/office/drawing/2010/main" xmlns="" w="9525">
+                <a14:hiddenLine xmlns="" xmlns:a14="http://schemas.microsoft.com/office/drawing/2010/main" w="9525">
                   <a:solidFill>
                     <a:srgbClr val="000000"/>
                   </a:solidFill>
@@ -7859,7 +7987,7 @@
             </a:ln>
             <a:extLst>
               <a:ext uri="{91240B29-F687-4f45-9708-019B960494DF}">
-                <a14:hiddenLine xmlns:a14="http://schemas.microsoft.com/office/drawing/2010/main" xmlns="" w="9525">
+                <a14:hiddenLine xmlns="" xmlns:a14="http://schemas.microsoft.com/office/drawing/2010/main" w="9525">
                   <a:solidFill>
                     <a:srgbClr val="000000"/>
                   </a:solidFill>
@@ -7927,7 +8055,7 @@
             </a:ln>
             <a:extLst>
               <a:ext uri="{91240B29-F687-4f45-9708-019B960494DF}">
-                <a14:hiddenLine xmlns:a14="http://schemas.microsoft.com/office/drawing/2010/main" xmlns="" w="9525">
+                <a14:hiddenLine xmlns="" xmlns:a14="http://schemas.microsoft.com/office/drawing/2010/main" w="9525">
                   <a:solidFill>
                     <a:srgbClr val="000000"/>
                   </a:solidFill>
@@ -8017,7 +8145,7 @@
             </a:ln>
             <a:extLst>
               <a:ext uri="{91240B29-F687-4f45-9708-019B960494DF}">
-                <a14:hiddenLine xmlns:a14="http://schemas.microsoft.com/office/drawing/2010/main" xmlns="" w="9525">
+                <a14:hiddenLine xmlns="" xmlns:a14="http://schemas.microsoft.com/office/drawing/2010/main" w="9525">
                   <a:solidFill>
                     <a:srgbClr val="000000"/>
                   </a:solidFill>
@@ -12739,7 +12867,7 @@
           <a:noFill/>
           <a:extLst>
             <a:ext uri="{909E8E84-426E-40dd-AFC4-6F175D3DCCD1}">
-              <a14:hiddenFill xmlns:a14="http://schemas.microsoft.com/office/drawing/2010/main" xmlns="">
+              <a14:hiddenFill xmlns="" xmlns:a14="http://schemas.microsoft.com/office/drawing/2010/main">
                 <a:solidFill>
                   <a:srgbClr val="FFFFFF"/>
                 </a:solidFill>
@@ -12813,7 +12941,7 @@
               </a:ln>
               <a:extLst>
                 <a:ext uri="{91240B29-F687-4f45-9708-019B960494DF}">
-                  <a14:hiddenLine xmlns:a14="http://schemas.microsoft.com/office/drawing/2010/main" xmlns="" w="9525">
+                  <a14:hiddenLine xmlns="" xmlns:a14="http://schemas.microsoft.com/office/drawing/2010/main" w="9525">
                     <a:solidFill>
                       <a:srgbClr val="000000"/>
                     </a:solidFill>
@@ -12903,7 +13031,7 @@
               </a:ln>
               <a:extLst>
                 <a:ext uri="{91240B29-F687-4f45-9708-019B960494DF}">
-                  <a14:hiddenLine xmlns:a14="http://schemas.microsoft.com/office/drawing/2010/main" xmlns="" w="9525">
+                  <a14:hiddenLine xmlns="" xmlns:a14="http://schemas.microsoft.com/office/drawing/2010/main" w="9525">
                     <a:solidFill>
                       <a:srgbClr val="000000"/>
                     </a:solidFill>
@@ -12993,7 +13121,7 @@
               </a:ln>
               <a:extLst>
                 <a:ext uri="{91240B29-F687-4f45-9708-019B960494DF}">
-                  <a14:hiddenLine xmlns:a14="http://schemas.microsoft.com/office/drawing/2010/main" xmlns="" w="9525">
+                  <a14:hiddenLine xmlns="" xmlns:a14="http://schemas.microsoft.com/office/drawing/2010/main" w="9525">
                     <a:solidFill>
                       <a:srgbClr val="000000"/>
                     </a:solidFill>
@@ -13055,7 +13183,7 @@
               </a:ln>
               <a:extLst>
                 <a:ext uri="{91240B29-F687-4f45-9708-019B960494DF}">
-                  <a14:hiddenLine xmlns:a14="http://schemas.microsoft.com/office/drawing/2010/main" xmlns="" w="9525">
+                  <a14:hiddenLine xmlns="" xmlns:a14="http://schemas.microsoft.com/office/drawing/2010/main" w="9525">
                     <a:solidFill>
                       <a:srgbClr val="000000"/>
                     </a:solidFill>
@@ -13145,7 +13273,7 @@
               </a:ln>
               <a:extLst>
                 <a:ext uri="{91240B29-F687-4f45-9708-019B960494DF}">
-                  <a14:hiddenLine xmlns:a14="http://schemas.microsoft.com/office/drawing/2010/main" xmlns="" w="9525">
+                  <a14:hiddenLine xmlns="" xmlns:a14="http://schemas.microsoft.com/office/drawing/2010/main" w="9525">
                     <a:solidFill>
                       <a:srgbClr val="000000"/>
                     </a:solidFill>
@@ -13207,7 +13335,7 @@
               </a:ln>
               <a:extLst>
                 <a:ext uri="{91240B29-F687-4f45-9708-019B960494DF}">
-                  <a14:hiddenLine xmlns:a14="http://schemas.microsoft.com/office/drawing/2010/main" xmlns="" w="9525">
+                  <a14:hiddenLine xmlns="" xmlns:a14="http://schemas.microsoft.com/office/drawing/2010/main" w="9525">
                     <a:solidFill>
                       <a:srgbClr val="000000"/>
                     </a:solidFill>
@@ -13269,7 +13397,7 @@
               </a:ln>
               <a:extLst>
                 <a:ext uri="{91240B29-F687-4f45-9708-019B960494DF}">
-                  <a14:hiddenLine xmlns:a14="http://schemas.microsoft.com/office/drawing/2010/main" xmlns="" w="9525">
+                  <a14:hiddenLine xmlns="" xmlns:a14="http://schemas.microsoft.com/office/drawing/2010/main" w="9525">
                     <a:solidFill>
                       <a:srgbClr val="000000"/>
                     </a:solidFill>
@@ -13359,7 +13487,7 @@
               </a:ln>
               <a:extLst>
                 <a:ext uri="{91240B29-F687-4f45-9708-019B960494DF}">
-                  <a14:hiddenLine xmlns:a14="http://schemas.microsoft.com/office/drawing/2010/main" xmlns="" w="9525">
+                  <a14:hiddenLine xmlns="" xmlns:a14="http://schemas.microsoft.com/office/drawing/2010/main" w="9525">
                     <a:solidFill>
                       <a:srgbClr val="000000"/>
                     </a:solidFill>
@@ -13449,7 +13577,7 @@
               </a:ln>
               <a:extLst>
                 <a:ext uri="{91240B29-F687-4f45-9708-019B960494DF}">
-                  <a14:hiddenLine xmlns:a14="http://schemas.microsoft.com/office/drawing/2010/main" xmlns="" w="9525">
+                  <a14:hiddenLine xmlns="" xmlns:a14="http://schemas.microsoft.com/office/drawing/2010/main" w="9525">
                     <a:solidFill>
                       <a:srgbClr val="000000"/>
                     </a:solidFill>
@@ -13511,7 +13639,7 @@
               </a:ln>
               <a:extLst>
                 <a:ext uri="{91240B29-F687-4f45-9708-019B960494DF}">
-                  <a14:hiddenLine xmlns:a14="http://schemas.microsoft.com/office/drawing/2010/main" xmlns="" w="9525">
+                  <a14:hiddenLine xmlns="" xmlns:a14="http://schemas.microsoft.com/office/drawing/2010/main" w="9525">
                     <a:solidFill>
                       <a:srgbClr val="000000"/>
                     </a:solidFill>
@@ -13621,7 +13749,7 @@
               </a:ln>
               <a:extLst>
                 <a:ext uri="{91240B29-F687-4f45-9708-019B960494DF}">
-                  <a14:hiddenLine xmlns:a14="http://schemas.microsoft.com/office/drawing/2010/main" xmlns="" w="9525">
+                  <a14:hiddenLine xmlns="" xmlns:a14="http://schemas.microsoft.com/office/drawing/2010/main" w="9525">
                     <a:solidFill>
                       <a:srgbClr val="000000"/>
                     </a:solidFill>
@@ -13705,7 +13833,7 @@
               </a:ln>
               <a:extLst>
                 <a:ext uri="{91240B29-F687-4f45-9708-019B960494DF}">
-                  <a14:hiddenLine xmlns:a14="http://schemas.microsoft.com/office/drawing/2010/main" xmlns="" w="9525">
+                  <a14:hiddenLine xmlns="" xmlns:a14="http://schemas.microsoft.com/office/drawing/2010/main" w="9525">
                     <a:solidFill>
                       <a:srgbClr val="000000"/>
                     </a:solidFill>
@@ -13767,7 +13895,7 @@
               </a:ln>
               <a:extLst>
                 <a:ext uri="{91240B29-F687-4f45-9708-019B960494DF}">
-                  <a14:hiddenLine xmlns:a14="http://schemas.microsoft.com/office/drawing/2010/main" xmlns="" w="9525">
+                  <a14:hiddenLine xmlns="" xmlns:a14="http://schemas.microsoft.com/office/drawing/2010/main" w="9525">
                     <a:solidFill>
                       <a:srgbClr val="000000"/>
                     </a:solidFill>
@@ -13829,7 +13957,7 @@
               </a:ln>
               <a:extLst>
                 <a:ext uri="{91240B29-F687-4f45-9708-019B960494DF}">
-                  <a14:hiddenLine xmlns:a14="http://schemas.microsoft.com/office/drawing/2010/main" xmlns="" w="9525">
+                  <a14:hiddenLine xmlns="" xmlns:a14="http://schemas.microsoft.com/office/drawing/2010/main" w="9525">
                     <a:solidFill>
                       <a:srgbClr val="000000"/>
                     </a:solidFill>
@@ -13919,7 +14047,7 @@
               </a:ln>
               <a:extLst>
                 <a:ext uri="{91240B29-F687-4f45-9708-019B960494DF}">
-                  <a14:hiddenLine xmlns:a14="http://schemas.microsoft.com/office/drawing/2010/main" xmlns="" w="9525">
+                  <a14:hiddenLine xmlns="" xmlns:a14="http://schemas.microsoft.com/office/drawing/2010/main" w="9525">
                     <a:solidFill>
                       <a:srgbClr val="000000"/>
                     </a:solidFill>
@@ -13953,7 +14081,7 @@
               </a:ln>
               <a:extLst>
                 <a:ext uri="{91240B29-F687-4f45-9708-019B960494DF}">
-                  <a14:hiddenLine xmlns:a14="http://schemas.microsoft.com/office/drawing/2010/main" xmlns="" w="9525">
+                  <a14:hiddenLine xmlns="" xmlns:a14="http://schemas.microsoft.com/office/drawing/2010/main" w="9525">
                     <a:solidFill>
                       <a:srgbClr val="000000"/>
                     </a:solidFill>
@@ -14018,7 +14146,7 @@
               </a:ln>
               <a:extLst>
                 <a:ext uri="{91240B29-F687-4f45-9708-019B960494DF}">
-                  <a14:hiddenLine xmlns:a14="http://schemas.microsoft.com/office/drawing/2010/main" xmlns="" w="9525">
+                  <a14:hiddenLine xmlns="" xmlns:a14="http://schemas.microsoft.com/office/drawing/2010/main" w="9525">
                     <a:solidFill>
                       <a:srgbClr val="000000"/>
                     </a:solidFill>
@@ -14108,7 +14236,7 @@
               </a:ln>
               <a:extLst>
                 <a:ext uri="{91240B29-F687-4f45-9708-019B960494DF}">
-                  <a14:hiddenLine xmlns:a14="http://schemas.microsoft.com/office/drawing/2010/main" xmlns="" w="9525">
+                  <a14:hiddenLine xmlns="" xmlns:a14="http://schemas.microsoft.com/office/drawing/2010/main" w="9525">
                     <a:solidFill>
                       <a:srgbClr val="000000"/>
                     </a:solidFill>
@@ -14170,7 +14298,7 @@
               </a:ln>
               <a:extLst>
                 <a:ext uri="{91240B29-F687-4f45-9708-019B960494DF}">
-                  <a14:hiddenLine xmlns:a14="http://schemas.microsoft.com/office/drawing/2010/main" xmlns="" w="9525">
+                  <a14:hiddenLine xmlns="" xmlns:a14="http://schemas.microsoft.com/office/drawing/2010/main" w="9525">
                     <a:solidFill>
                       <a:srgbClr val="000000"/>
                     </a:solidFill>
@@ -14260,7 +14388,7 @@
               </a:ln>
               <a:extLst>
                 <a:ext uri="{91240B29-F687-4f45-9708-019B960494DF}">
-                  <a14:hiddenLine xmlns:a14="http://schemas.microsoft.com/office/drawing/2010/main" xmlns="" w="9525">
+                  <a14:hiddenLine xmlns="" xmlns:a14="http://schemas.microsoft.com/office/drawing/2010/main" w="9525">
                     <a:solidFill>
                       <a:srgbClr val="000000"/>
                     </a:solidFill>
@@ -14325,7 +14453,7 @@
               </a:ln>
               <a:extLst>
                 <a:ext uri="{91240B29-F687-4f45-9708-019B960494DF}">
-                  <a14:hiddenLine xmlns:a14="http://schemas.microsoft.com/office/drawing/2010/main" xmlns="" w="9525">
+                  <a14:hiddenLine xmlns="" xmlns:a14="http://schemas.microsoft.com/office/drawing/2010/main" w="9525">
                     <a:solidFill>
                       <a:srgbClr val="000000"/>
                     </a:solidFill>
@@ -14387,7 +14515,7 @@
               </a:ln>
               <a:extLst>
                 <a:ext uri="{91240B29-F687-4f45-9708-019B960494DF}">
-                  <a14:hiddenLine xmlns:a14="http://schemas.microsoft.com/office/drawing/2010/main" xmlns="" w="9525">
+                  <a14:hiddenLine xmlns="" xmlns:a14="http://schemas.microsoft.com/office/drawing/2010/main" w="9525">
                     <a:solidFill>
                       <a:srgbClr val="000000"/>
                     </a:solidFill>
@@ -14477,7 +14605,7 @@
               </a:ln>
               <a:extLst>
                 <a:ext uri="{91240B29-F687-4f45-9708-019B960494DF}">
-                  <a14:hiddenLine xmlns:a14="http://schemas.microsoft.com/office/drawing/2010/main" xmlns="" w="9525">
+                  <a14:hiddenLine xmlns="" xmlns:a14="http://schemas.microsoft.com/office/drawing/2010/main" w="9525">
                     <a:solidFill>
                       <a:srgbClr val="000000"/>
                     </a:solidFill>
@@ -14567,7 +14695,7 @@
               </a:ln>
               <a:extLst>
                 <a:ext uri="{91240B29-F687-4f45-9708-019B960494DF}">
-                  <a14:hiddenLine xmlns:a14="http://schemas.microsoft.com/office/drawing/2010/main" xmlns="" w="9525">
+                  <a14:hiddenLine xmlns="" xmlns:a14="http://schemas.microsoft.com/office/drawing/2010/main" w="9525">
                     <a:solidFill>
                       <a:srgbClr val="000000"/>
                     </a:solidFill>
@@ -14632,7 +14760,7 @@
               </a:ln>
               <a:extLst>
                 <a:ext uri="{91240B29-F687-4f45-9708-019B960494DF}">
-                  <a14:hiddenLine xmlns:a14="http://schemas.microsoft.com/office/drawing/2010/main" xmlns="" w="9525">
+                  <a14:hiddenLine xmlns="" xmlns:a14="http://schemas.microsoft.com/office/drawing/2010/main" w="9525">
                     <a:solidFill>
                       <a:srgbClr val="000000"/>
                     </a:solidFill>
@@ -14752,7 +14880,7 @@
               </a:ln>
               <a:extLst>
                 <a:ext uri="{91240B29-F687-4f45-9708-019B960494DF}">
-                  <a14:hiddenLine xmlns:a14="http://schemas.microsoft.com/office/drawing/2010/main" xmlns="" w="9525">
+                  <a14:hiddenLine xmlns="" xmlns:a14="http://schemas.microsoft.com/office/drawing/2010/main" w="9525">
                     <a:solidFill>
                       <a:srgbClr val="000000"/>
                     </a:solidFill>
@@ -14850,7 +14978,7 @@
               </a:ln>
               <a:extLst>
                 <a:ext uri="{91240B29-F687-4f45-9708-019B960494DF}">
-                  <a14:hiddenLine xmlns:a14="http://schemas.microsoft.com/office/drawing/2010/main" xmlns="" w="9525">
+                  <a14:hiddenLine xmlns="" xmlns:a14="http://schemas.microsoft.com/office/drawing/2010/main" w="9525">
                     <a:solidFill>
                       <a:srgbClr val="000000"/>
                     </a:solidFill>
@@ -14965,7 +15093,7 @@
               </a:ln>
               <a:extLst>
                 <a:ext uri="{91240B29-F687-4f45-9708-019B960494DF}">
-                  <a14:hiddenLine xmlns:a14="http://schemas.microsoft.com/office/drawing/2010/main" xmlns="" w="9525">
+                  <a14:hiddenLine xmlns="" xmlns:a14="http://schemas.microsoft.com/office/drawing/2010/main" w="9525">
                     <a:solidFill>
                       <a:srgbClr val="000000"/>
                     </a:solidFill>
@@ -15055,7 +15183,7 @@
               </a:ln>
               <a:extLst>
                 <a:ext uri="{91240B29-F687-4f45-9708-019B960494DF}">
-                  <a14:hiddenLine xmlns:a14="http://schemas.microsoft.com/office/drawing/2010/main" xmlns="" w="9525">
+                  <a14:hiddenLine xmlns="" xmlns:a14="http://schemas.microsoft.com/office/drawing/2010/main" w="9525">
                     <a:solidFill>
                       <a:srgbClr val="000000"/>
                     </a:solidFill>
@@ -15120,7 +15248,7 @@
               </a:ln>
               <a:extLst>
                 <a:ext uri="{91240B29-F687-4f45-9708-019B960494DF}">
-                  <a14:hiddenLine xmlns:a14="http://schemas.microsoft.com/office/drawing/2010/main" xmlns="" w="9525">
+                  <a14:hiddenLine xmlns="" xmlns:a14="http://schemas.microsoft.com/office/drawing/2010/main" w="9525">
                     <a:solidFill>
                       <a:srgbClr val="000000"/>
                     </a:solidFill>
@@ -15210,7 +15338,7 @@
               </a:ln>
               <a:extLst>
                 <a:ext uri="{91240B29-F687-4f45-9708-019B960494DF}">
-                  <a14:hiddenLine xmlns:a14="http://schemas.microsoft.com/office/drawing/2010/main" xmlns="" w="9525">
+                  <a14:hiddenLine xmlns="" xmlns:a14="http://schemas.microsoft.com/office/drawing/2010/main" w="9525">
                     <a:solidFill>
                       <a:srgbClr val="000000"/>
                     </a:solidFill>
@@ -15278,7 +15406,7 @@
               </a:ln>
               <a:extLst>
                 <a:ext uri="{91240B29-F687-4f45-9708-019B960494DF}">
-                  <a14:hiddenLine xmlns:a14="http://schemas.microsoft.com/office/drawing/2010/main" xmlns="" w="9525">
+                  <a14:hiddenLine xmlns="" xmlns:a14="http://schemas.microsoft.com/office/drawing/2010/main" w="9525">
                     <a:solidFill>
                       <a:srgbClr val="000000"/>
                     </a:solidFill>
@@ -15368,7 +15496,7 @@
               </a:ln>
               <a:extLst>
                 <a:ext uri="{91240B29-F687-4f45-9708-019B960494DF}">
-                  <a14:hiddenLine xmlns:a14="http://schemas.microsoft.com/office/drawing/2010/main" xmlns="" w="9525">
+                  <a14:hiddenLine xmlns="" xmlns:a14="http://schemas.microsoft.com/office/drawing/2010/main" w="9525">
                     <a:solidFill>
                       <a:srgbClr val="000000"/>
                     </a:solidFill>
@@ -15436,7 +15564,7 @@
               </a:ln>
               <a:extLst>
                 <a:ext uri="{91240B29-F687-4f45-9708-019B960494DF}">
-                  <a14:hiddenLine xmlns:a14="http://schemas.microsoft.com/office/drawing/2010/main" xmlns="" w="9525">
+                  <a14:hiddenLine xmlns="" xmlns:a14="http://schemas.microsoft.com/office/drawing/2010/main" w="9525">
                     <a:solidFill>
                       <a:srgbClr val="000000"/>
                     </a:solidFill>
@@ -15526,7 +15654,7 @@
               </a:ln>
               <a:extLst>
                 <a:ext uri="{91240B29-F687-4f45-9708-019B960494DF}">
-                  <a14:hiddenLine xmlns:a14="http://schemas.microsoft.com/office/drawing/2010/main" xmlns="" w="9525">
+                  <a14:hiddenLine xmlns="" xmlns:a14="http://schemas.microsoft.com/office/drawing/2010/main" w="9525">
                     <a:solidFill>
                       <a:srgbClr val="000000"/>
                     </a:solidFill>
@@ -15560,7 +15688,7 @@
               </a:ln>
               <a:extLst>
                 <a:ext uri="{91240B29-F687-4f45-9708-019B960494DF}">
-                  <a14:hiddenLine xmlns:a14="http://schemas.microsoft.com/office/drawing/2010/main" xmlns="" w="9525">
+                  <a14:hiddenLine xmlns="" xmlns:a14="http://schemas.microsoft.com/office/drawing/2010/main" w="9525">
                     <a:solidFill>
                       <a:srgbClr val="000000"/>
                     </a:solidFill>
@@ -24519,11 +24647,11 @@
           <a:p>
             <a:r>
               <a:rPr lang="de-DE" dirty="0"/>
-              <a:t>Ein NP-vollständiges Problem ist schwach NP-vollständig, wenn es einen pseudo-</a:t>
+              <a:t>Ein NP-vollständiges Problem ist schwach NP-vollständig, wenn es einen </a:t>
             </a:r>
             <a:r>
               <a:rPr lang="de-DE" dirty="0" err="1"/>
-              <a:t>polynimialen</a:t>
+              <a:t>pseudopolynomimiellen</a:t>
             </a:r>
             <a:r>
               <a:rPr lang="de-DE" dirty="0"/>
@@ -24536,7 +24664,15 @@
           <a:p>
             <a:r>
               <a:rPr lang="de-DE" dirty="0"/>
-              <a:t>Gibt es keinen pseudo-polynomialen Algorithmus, wird das Problem schwach NP-vollständig genannt.</a:t>
+              <a:t>Gibt es keinen </a:t>
+            </a:r>
+            <a:r>
+              <a:rPr lang="de-DE" dirty="0" err="1"/>
+              <a:t>pseudopolynomiellen</a:t>
+            </a:r>
+            <a:r>
+              <a:rPr lang="de-DE" dirty="0"/>
+              <a:t> Algorithmus, wird das Problem schwach NP-vollständig genannt.</a:t>
             </a:r>
           </a:p>
         </p:txBody>
@@ -24623,6 +24759,23 @@
             <a:r>
               <a:rPr lang="de-DE" dirty="0"/>
               <a:t>Warum ist Knappsack schwach NP-vollständig?</a:t>
+            </a:r>
+          </a:p>
+          <a:p>
+            <a:endParaRPr lang="de-DE" dirty="0"/>
+          </a:p>
+          <a:p>
+            <a:r>
+              <a:rPr lang="de-DE" dirty="0"/>
+              <a:t>Es gibt einen </a:t>
+            </a:r>
+            <a:r>
+              <a:rPr lang="de-DE" dirty="0" err="1"/>
+              <a:t>pseudopolynomiellen</a:t>
+            </a:r>
+            <a:r>
+              <a:rPr lang="de-DE" dirty="0"/>
+              <a:t> Algorithmus</a:t>
             </a:r>
           </a:p>
         </p:txBody>
@@ -24999,8 +25152,8 @@
           </a:p>
         </p:txBody>
       </p:sp>
-      <mc:AlternateContent xmlns:mc="http://schemas.openxmlformats.org/markup-compatibility/2006">
-        <mc:Choice xmlns:a14="http://schemas.microsoft.com/office/drawing/2010/main" Requires="a14">
+      <mc:AlternateContent xmlns:mc="http://schemas.openxmlformats.org/markup-compatibility/2006" xmlns:a14="http://schemas.microsoft.com/office/drawing/2010/main">
+        <mc:Choice Requires="a14">
           <p:sp>
             <p:nvSpPr>
               <p:cNvPr id="3" name="Inhaltsplatzhalter 2">
@@ -25134,7 +25287,7 @@
             </p:txBody>
           </p:sp>
         </mc:Choice>
-        <mc:Fallback>
+        <mc:Fallback xmlns="">
           <p:sp>
             <p:nvSpPr>
               <p:cNvPr id="3" name="Inhaltsplatzhalter 2">
@@ -25232,8 +25385,8 @@
           </a:p>
         </p:txBody>
       </p:sp>
-      <mc:AlternateContent xmlns:mc="http://schemas.openxmlformats.org/markup-compatibility/2006">
-        <mc:Choice xmlns:a14="http://schemas.microsoft.com/office/drawing/2010/main" Requires="a14">
+      <mc:AlternateContent xmlns:mc="http://schemas.openxmlformats.org/markup-compatibility/2006" xmlns:a14="http://schemas.microsoft.com/office/drawing/2010/main">
+        <mc:Choice Requires="a14">
           <p:sp>
             <p:nvSpPr>
               <p:cNvPr id="3" name="Inhaltsplatzhalter 2">
@@ -25331,7 +25484,7 @@
             </p:txBody>
           </p:sp>
         </mc:Choice>
-        <mc:Fallback>
+        <mc:Fallback xmlns="">
           <p:sp>
             <p:nvSpPr>
               <p:cNvPr id="3" name="Inhaltsplatzhalter 2">
@@ -25876,8 +26029,8 @@
           </a:p>
         </p:txBody>
       </p:sp>
-      <mc:AlternateContent xmlns:mc="http://schemas.openxmlformats.org/markup-compatibility/2006">
-        <mc:Choice xmlns:a14="http://schemas.microsoft.com/office/drawing/2010/main" Requires="a14">
+      <mc:AlternateContent xmlns:mc="http://schemas.openxmlformats.org/markup-compatibility/2006" xmlns:a14="http://schemas.microsoft.com/office/drawing/2010/main">
+        <mc:Choice Requires="a14">
           <p:sp>
             <p:nvSpPr>
               <p:cNvPr id="10" name="Textfeld 9">
@@ -26134,7 +26287,7 @@
             </p:txBody>
           </p:sp>
         </mc:Choice>
-        <mc:Fallback>
+        <mc:Fallback xmlns="">
           <p:sp>
             <p:nvSpPr>
               <p:cNvPr id="10" name="Textfeld 9">

--- a/Pseudopolynomielle Algorithmen.pptx
+++ b/Pseudopolynomielle Algorithmen.pptx
@@ -5,7 +5,7 @@
     <p:sldMasterId id="2147483648" r:id="rId1"/>
   </p:sldMasterIdLst>
   <p:notesMasterIdLst>
-    <p:notesMasterId r:id="rId27"/>
+    <p:notesMasterId r:id="rId36"/>
   </p:notesMasterIdLst>
   <p:sldIdLst>
     <p:sldId id="256" r:id="rId2"/>
@@ -25,14 +25,23 @@
     <p:sldId id="270" r:id="rId16"/>
     <p:sldId id="271" r:id="rId17"/>
     <p:sldId id="272" r:id="rId18"/>
-    <p:sldId id="273" r:id="rId19"/>
-    <p:sldId id="274" r:id="rId20"/>
-    <p:sldId id="276" r:id="rId21"/>
-    <p:sldId id="277" r:id="rId22"/>
-    <p:sldId id="278" r:id="rId23"/>
+    <p:sldId id="283" r:id="rId19"/>
+    <p:sldId id="273" r:id="rId20"/>
+    <p:sldId id="274" r:id="rId21"/>
+    <p:sldId id="276" r:id="rId22"/>
+    <p:sldId id="277" r:id="rId23"/>
     <p:sldId id="279" r:id="rId24"/>
     <p:sldId id="280" r:id="rId25"/>
     <p:sldId id="281" r:id="rId26"/>
+    <p:sldId id="282" r:id="rId27"/>
+    <p:sldId id="284" r:id="rId28"/>
+    <p:sldId id="286" r:id="rId29"/>
+    <p:sldId id="287" r:id="rId30"/>
+    <p:sldId id="288" r:id="rId31"/>
+    <p:sldId id="289" r:id="rId32"/>
+    <p:sldId id="290" r:id="rId33"/>
+    <p:sldId id="291" r:id="rId34"/>
+    <p:sldId id="292" r:id="rId35"/>
   </p:sldIdLst>
   <p:sldSz cx="12192000" cy="6858000"/>
   <p:notesSz cx="6858000" cy="9144000"/>
@@ -221,7 +230,7 @@
           <a:p>
             <a:fld id="{3442715C-D2F7-4798-B0E4-E6A2CD1E0F06}" type="datetimeFigureOut">
               <a:rPr lang="de-DE" smtClean="0"/>
-              <a:t>03.04.2019</a:t>
+              <a:t>04.04.2019</a:t>
             </a:fld>
             <a:endParaRPr lang="de-DE"/>
           </a:p>
@@ -2464,13 +2473,36 @@
           <a:p>
             <a:r>
               <a:rPr lang="de-DE" dirty="0"/>
-              <a:t>So steht es im Buch von </a:t>
-            </a:r>
-            <a:r>
-              <a:rPr lang="de-DE"/>
-              <a:t>Ingo Wegener (Satz 3.5.9)</a:t>
-            </a:r>
-            <a:endParaRPr lang="de-DE" dirty="0"/>
+              <a:t>Parameter, um beim </a:t>
+            </a:r>
+            <a:r>
+              <a:rPr lang="de-DE" dirty="0" err="1"/>
+              <a:t>Auftretetn</a:t>
+            </a:r>
+            <a:r>
+              <a:rPr lang="de-DE" dirty="0"/>
+              <a:t> des gleichen Problems einfach nachschauen kann und nicht neu rechnen muss</a:t>
+            </a:r>
+          </a:p>
+          <a:p>
+            <a:r>
+              <a:rPr lang="de-DE" dirty="0"/>
+              <a:t>Beispiel: 1+1 = 2. Was ist 1+1+1? Drei. Warum geht das so schnell? Weil man sich gemerkt hat, dass vorher zwei das Ergebnis war.</a:t>
+            </a:r>
+          </a:p>
+          <a:p>
+            <a:r>
+              <a:rPr lang="de-DE" dirty="0"/>
+              <a:t>Schwierigstes Problem bei Dynamic </a:t>
+            </a:r>
+            <a:r>
+              <a:rPr lang="de-DE" dirty="0" err="1"/>
+              <a:t>Programming</a:t>
+            </a:r>
+            <a:r>
+              <a:rPr lang="de-DE" dirty="0"/>
+              <a:t>: Was speichere ich wie und wie greife ich später darauf zu?</a:t>
+            </a:r>
           </a:p>
         </p:txBody>
       </p:sp>
@@ -2491,7 +2523,7 @@
           <a:p>
             <a:fld id="{D15B9CCF-FFA2-46F4-AE87-49E1E1368883}" type="slidenum">
               <a:rPr lang="de-DE" smtClean="0"/>
-              <a:t>19</a:t>
+              <a:t>17</a:t>
             </a:fld>
             <a:endParaRPr lang="de-DE"/>
           </a:p>
@@ -2500,7 +2532,7 @@
     </p:spTree>
     <p:extLst>
       <p:ext uri="{BB962C8B-B14F-4D97-AF65-F5344CB8AC3E}">
-        <p14:creationId xmlns:p14="http://schemas.microsoft.com/office/powerpoint/2010/main" val="1435985200"/>
+        <p14:creationId xmlns:p14="http://schemas.microsoft.com/office/powerpoint/2010/main" val="2655632373"/>
       </p:ext>
     </p:extLst>
   </p:cSld>
@@ -2556,60 +2588,12 @@
           <a:p>
             <a:r>
               <a:rPr lang="de-DE" dirty="0"/>
-              <a:t>Bei diesem Thema bin ich mir nicht ganz sicher (TSP an sich ist NP vollständig)</a:t>
-            </a:r>
-          </a:p>
-          <a:p>
-            <a:endParaRPr lang="de-DE" dirty="0"/>
-          </a:p>
-          <a:p>
-            <a:r>
-              <a:rPr lang="de-DE" dirty="0"/>
-              <a:t>-TSP ist NP vollständig, weil: 1. Es in polynomialer Zeit möglich ist, die Aussage 1 zu verifizieren und 2. Hamilton </a:t>
-            </a:r>
-            <a:r>
-              <a:rPr lang="de-DE" dirty="0" err="1"/>
-              <a:t>cycle</a:t>
-            </a:r>
-            <a:r>
-              <a:rPr lang="de-DE" dirty="0"/>
-              <a:t> auf das TSP Entscheidungsproblem reduzierbar ist?</a:t>
-            </a:r>
-          </a:p>
-          <a:p>
-            <a:endParaRPr lang="de-DE" dirty="0"/>
-          </a:p>
-          <a:p>
-            <a:pPr marL="171450" indent="-171450">
-              <a:buFontTx/>
-              <a:buChar char="-"/>
-            </a:pPr>
-            <a:r>
-              <a:rPr lang="de-DE" dirty="0"/>
-              <a:t>TSP ist stark NP vollständig weil: Zwar ist auch hier der Hamilton-Zyklus auf TSP Optimierungsproblem reduzierbar, ABER: Es gibt keine Möglichkeit, in polynomialer Zeit zu verifizieren, ob der Hamilton-Zyklus h auch wirklich der kürzeste im Ganzen Graph ist, da man dafür alle Möglichkeiten durchprobieren müsste.</a:t>
-            </a:r>
-          </a:p>
-          <a:p>
-            <a:pPr marL="171450" indent="-171450">
-              <a:buFontTx/>
-              <a:buChar char="-"/>
-            </a:pPr>
-            <a:endParaRPr lang="de-DE" dirty="0"/>
-          </a:p>
-          <a:p>
-            <a:pPr marL="171450" indent="-171450">
-              <a:buFontTx/>
-              <a:buChar char="-"/>
-            </a:pPr>
-            <a:r>
-              <a:rPr lang="de-DE" dirty="0"/>
-              <a:t>Hier habe ich mal dargestellt, wie ich mir das vorstelle.</a:t>
-            </a:r>
-          </a:p>
-          <a:p>
-            <a:endParaRPr lang="de-DE" dirty="0"/>
-          </a:p>
-          <a:p>
+              <a:t>So steht es im Buch von </a:t>
+            </a:r>
+            <a:r>
+              <a:rPr lang="de-DE"/>
+              <a:t>Ingo Wegener (Satz 3.5.9)</a:t>
+            </a:r>
             <a:endParaRPr lang="de-DE" dirty="0"/>
           </a:p>
         </p:txBody>
@@ -2640,7 +2624,7 @@
     </p:spTree>
     <p:extLst>
       <p:ext uri="{BB962C8B-B14F-4D97-AF65-F5344CB8AC3E}">
-        <p14:creationId xmlns:p14="http://schemas.microsoft.com/office/powerpoint/2010/main" val="111079152"/>
+        <p14:creationId xmlns:p14="http://schemas.microsoft.com/office/powerpoint/2010/main" val="1435985200"/>
       </p:ext>
     </p:extLst>
   </p:cSld>
@@ -2743,34 +2727,7 @@
             </a:pPr>
             <a:r>
               <a:rPr lang="de-DE" dirty="0"/>
-              <a:t>Hier habe ich mal dargestellt, wie ich mir das vorstelle:</a:t>
-            </a:r>
-          </a:p>
-          <a:p>
-            <a:pPr marL="171450" indent="-171450">
-              <a:buFontTx/>
-              <a:buChar char="-"/>
-            </a:pPr>
-            <a:endParaRPr lang="de-DE" dirty="0"/>
-          </a:p>
-          <a:p>
-            <a:pPr marL="171450" indent="-171450">
-              <a:buFontTx/>
-              <a:buChar char="-"/>
-            </a:pPr>
-            <a:r>
-              <a:rPr lang="de-DE" dirty="0"/>
-              <a:t>Es gibt einen Graphen, der die Städte verbindet und eine Kostenfunktion, die die Kosten von A nach B berechnet. Das Ergebnis liegt in der Menge der ganzen Zahlen (Z), wobei auch die Null vorkommen kann.</a:t>
-            </a:r>
-          </a:p>
-          <a:p>
-            <a:pPr marL="171450" indent="-171450">
-              <a:buFontTx/>
-              <a:buChar char="-"/>
-            </a:pPr>
-            <a:r>
-              <a:rPr lang="de-DE" dirty="0"/>
-              <a:t>B ist die Grenze der Kosten die eingehalten werden soll.</a:t>
+              <a:t>Hier habe ich mal dargestellt, wie ich mir das vorstelle.</a:t>
             </a:r>
           </a:p>
           <a:p>
@@ -2807,7 +2764,7 @@
     </p:spTree>
     <p:extLst>
       <p:ext uri="{BB962C8B-B14F-4D97-AF65-F5344CB8AC3E}">
-        <p14:creationId xmlns:p14="http://schemas.microsoft.com/office/powerpoint/2010/main" val="3261523018"/>
+        <p14:creationId xmlns:p14="http://schemas.microsoft.com/office/powerpoint/2010/main" val="111079152"/>
       </p:ext>
     </p:extLst>
   </p:cSld>
@@ -2863,7 +2820,7 @@
           <a:p>
             <a:r>
               <a:rPr lang="de-DE" dirty="0"/>
-              <a:t>Zeigen, dass es einen nichtdeterministischen Algorithmus gibt, der TSP in polynomialer Zeit löst.</a:t>
+              <a:t>Bei diesem Thema bin ich mir nicht ganz sicher (TSP an sich ist NP vollständig)</a:t>
             </a:r>
           </a:p>
           <a:p>
@@ -2872,23 +2829,78 @@
           <a:p>
             <a:r>
               <a:rPr lang="de-DE" dirty="0"/>
-              <a:t>Ungerichteten Hamilton-Zyklus auf TSP reduzieren (HZ ist ja NP vollständig)</a:t>
+              <a:t>-TSP ist NP vollständig, weil: 1. Es in polynomialer Zeit möglich ist, die Aussage 1 zu verifizieren und 2. Hamilton </a:t>
+            </a:r>
+            <a:r>
+              <a:rPr lang="de-DE" dirty="0" err="1"/>
+              <a:t>cycle</a:t>
+            </a:r>
+            <a:r>
+              <a:rPr lang="de-DE" dirty="0"/>
+              <a:t> auf das TSP Entscheidungsproblem reduzierbar ist?</a:t>
             </a:r>
           </a:p>
           <a:p>
             <a:endParaRPr lang="de-DE" dirty="0"/>
           </a:p>
           <a:p>
+            <a:pPr marL="171450" indent="-171450">
+              <a:buFontTx/>
+              <a:buChar char="-"/>
+            </a:pPr>
             <a:r>
               <a:rPr lang="de-DE" dirty="0"/>
-              <a:t>Dieser Algorithmus ist einfach, raten </a:t>
-            </a:r>
-            <a:r>
-              <a:rPr lang="de-DE" dirty="0">
-                <a:sym typeface="Wingdings" panose="05000000000000000000" pitchFamily="2" charset="2"/>
-              </a:rPr>
-              <a:t> prüfen  terminieren, falls akzeptabel</a:t>
-            </a:r>
+              <a:t>TSP ist stark NP vollständig weil: Zwar ist auch hier der Hamilton-Zyklus auf TSP Optimierungsproblem reduzierbar, ABER: Es gibt keine Möglichkeit, in polynomialer Zeit zu verifizieren, ob der Hamilton-Zyklus h auch wirklich der kürzeste im Ganzen Graph ist, da man dafür alle Möglichkeiten durchprobieren müsste.</a:t>
+            </a:r>
+          </a:p>
+          <a:p>
+            <a:pPr marL="171450" indent="-171450">
+              <a:buFontTx/>
+              <a:buChar char="-"/>
+            </a:pPr>
+            <a:endParaRPr lang="de-DE" dirty="0"/>
+          </a:p>
+          <a:p>
+            <a:pPr marL="171450" indent="-171450">
+              <a:buFontTx/>
+              <a:buChar char="-"/>
+            </a:pPr>
+            <a:r>
+              <a:rPr lang="de-DE" dirty="0"/>
+              <a:t>Hier habe ich mal dargestellt, wie ich mir das vorstelle:</a:t>
+            </a:r>
+          </a:p>
+          <a:p>
+            <a:pPr marL="171450" indent="-171450">
+              <a:buFontTx/>
+              <a:buChar char="-"/>
+            </a:pPr>
+            <a:endParaRPr lang="de-DE" dirty="0"/>
+          </a:p>
+          <a:p>
+            <a:pPr marL="171450" indent="-171450">
+              <a:buFontTx/>
+              <a:buChar char="-"/>
+            </a:pPr>
+            <a:r>
+              <a:rPr lang="de-DE" dirty="0"/>
+              <a:t>Es gibt einen Graphen, der die Städte verbindet und eine Kostenfunktion, die die Kosten von A nach B berechnet. Das Ergebnis liegt in der Menge der ganzen Zahlen (Z), wobei auch die Null vorkommen kann.</a:t>
+            </a:r>
+          </a:p>
+          <a:p>
+            <a:pPr marL="171450" indent="-171450">
+              <a:buFontTx/>
+              <a:buChar char="-"/>
+            </a:pPr>
+            <a:r>
+              <a:rPr lang="de-DE" dirty="0"/>
+              <a:t>B ist die Grenze der Kosten die eingehalten werden soll.</a:t>
+            </a:r>
+          </a:p>
+          <a:p>
+            <a:endParaRPr lang="de-DE" dirty="0"/>
+          </a:p>
+          <a:p>
             <a:endParaRPr lang="de-DE" dirty="0"/>
           </a:p>
         </p:txBody>
@@ -2919,7 +2931,7 @@
     </p:spTree>
     <p:extLst>
       <p:ext uri="{BB962C8B-B14F-4D97-AF65-F5344CB8AC3E}">
-        <p14:creationId xmlns:p14="http://schemas.microsoft.com/office/powerpoint/2010/main" val="1663211797"/>
+        <p14:creationId xmlns:p14="http://schemas.microsoft.com/office/powerpoint/2010/main" val="3261523018"/>
       </p:ext>
     </p:extLst>
   </p:cSld>
@@ -3098,7 +3110,13 @@
           <a:p>
             <a:r>
               <a:rPr lang="de-DE" dirty="0"/>
-              <a:t>Hier habe ich mal gezeigt, wie die Umwandlung gemeint ist</a:t>
+              <a:t>Hier habe ich mal gezeigt, wie die Umwandlung gemeint ist.</a:t>
+            </a:r>
+          </a:p>
+          <a:p>
+            <a:r>
+              <a:rPr lang="de-DE" dirty="0"/>
+              <a:t>Die Kosten könnten auch 1 und 2 sein, dann wäre B aber = Anzahl Städte. Dürfte relativ egal sein, wie man das aufzieht oder?</a:t>
             </a:r>
           </a:p>
         </p:txBody>
@@ -3130,6 +3148,980 @@
     <p:extLst>
       <p:ext uri="{BB962C8B-B14F-4D97-AF65-F5344CB8AC3E}">
         <p14:creationId xmlns:p14="http://schemas.microsoft.com/office/powerpoint/2010/main" val="957108521"/>
+      </p:ext>
+    </p:extLst>
+  </p:cSld>
+  <p:clrMapOvr>
+    <a:masterClrMapping/>
+  </p:clrMapOvr>
+</p:notes>
+</file>
+
+<file path=ppt/notesSlides/notesSlide21.xml><?xml version="1.0" encoding="utf-8"?>
+<p:notes xmlns:a="http://schemas.openxmlformats.org/drawingml/2006/main" xmlns:r="http://schemas.openxmlformats.org/officeDocument/2006/relationships" xmlns:p="http://schemas.openxmlformats.org/presentationml/2006/main">
+  <p:cSld>
+    <p:spTree>
+      <p:nvGrpSpPr>
+        <p:cNvPr id="1" name=""/>
+        <p:cNvGrpSpPr/>
+        <p:nvPr/>
+      </p:nvGrpSpPr>
+      <p:grpSpPr>
+        <a:xfrm>
+          <a:off x="0" y="0"/>
+          <a:ext cx="0" cy="0"/>
+          <a:chOff x="0" y="0"/>
+          <a:chExt cx="0" cy="0"/>
+        </a:xfrm>
+      </p:grpSpPr>
+      <p:sp>
+        <p:nvSpPr>
+          <p:cNvPr id="2" name="Folienbildplatzhalter 1"/>
+          <p:cNvSpPr>
+            <a:spLocks noGrp="1" noRot="1" noChangeAspect="1"/>
+          </p:cNvSpPr>
+          <p:nvPr>
+            <p:ph type="sldImg"/>
+          </p:nvPr>
+        </p:nvSpPr>
+        <p:spPr/>
+      </p:sp>
+      <p:sp>
+        <p:nvSpPr>
+          <p:cNvPr id="3" name="Notizenplatzhalter 2"/>
+          <p:cNvSpPr>
+            <a:spLocks noGrp="1"/>
+          </p:cNvSpPr>
+          <p:nvPr>
+            <p:ph type="body" idx="1"/>
+          </p:nvPr>
+        </p:nvSpPr>
+        <p:spPr/>
+        <p:txBody>
+          <a:bodyPr/>
+          <a:lstStyle/>
+          <a:p>
+            <a:endParaRPr lang="de-DE" dirty="0"/>
+          </a:p>
+          <a:p>
+            <a:pPr marL="171450" indent="-171450">
+              <a:buFontTx/>
+              <a:buChar char="-"/>
+            </a:pPr>
+            <a:r>
+              <a:rPr lang="de-DE" dirty="0"/>
+              <a:t>Was zeigt das jetzt?</a:t>
+            </a:r>
+          </a:p>
+          <a:p>
+            <a:pPr marL="171450" indent="-171450">
+              <a:buFontTx/>
+              <a:buChar char="-"/>
+            </a:pPr>
+            <a:r>
+              <a:rPr lang="de-DE" dirty="0"/>
+              <a:t>-Wenn man davon ausgeht, dass in G ein Hamilton-Zyklus h existiert, dann hat der Graph h die Kosten 0 (oder n, wenn man mit 1 und 2 als Kosten arbeitet).</a:t>
+            </a:r>
+          </a:p>
+          <a:p>
+            <a:pPr marL="628650" lvl="1" indent="-171450">
+              <a:buFontTx/>
+              <a:buChar char="-"/>
+            </a:pPr>
+            <a:r>
+              <a:rPr lang="de-DE" dirty="0"/>
+              <a:t>jede Kante in h in G‘ hat die Kosten 0, da sie in E vorhanden war/ist</a:t>
+            </a:r>
+          </a:p>
+          <a:p>
+            <a:pPr marL="628650" lvl="1" indent="-171450">
+              <a:buFontTx/>
+              <a:buChar char="-"/>
+            </a:pPr>
+            <a:r>
+              <a:rPr lang="de-DE" dirty="0"/>
+              <a:t>Wenn der Graph G einen Hamilton-Zyklus enthält, sind die Kosten in G‘ 0 oder n</a:t>
+            </a:r>
+          </a:p>
+          <a:p>
+            <a:pPr marL="628650" lvl="1" indent="-171450">
+              <a:buFontTx/>
+              <a:buChar char="-"/>
+            </a:pPr>
+            <a:r>
+              <a:rPr lang="de-DE" dirty="0"/>
+              <a:t>Dadurch geht man davon aus, dass G‘ einen Hamilton-Zyklus h‘ enthält, der maximal 0 kostet (oder maximal n kostet)</a:t>
+            </a:r>
+          </a:p>
+          <a:p>
+            <a:pPr marL="628650" lvl="1" indent="-171450">
+              <a:buFontTx/>
+              <a:buChar char="-"/>
+            </a:pPr>
+            <a:r>
+              <a:rPr lang="de-DE" dirty="0"/>
+              <a:t>Die Kosten in E‘ sind 0 und 1 (1 und 2), jede Kante muss Kosten von  0 haben, da die  Kosten von h‘ ja 0 sind</a:t>
+            </a:r>
+          </a:p>
+          <a:p>
+            <a:pPr marL="628650" lvl="1" indent="-171450">
+              <a:buFontTx/>
+              <a:buChar char="-"/>
+            </a:pPr>
+            <a:endParaRPr lang="de-DE" dirty="0"/>
+          </a:p>
+          <a:p>
+            <a:pPr marL="171450" lvl="0" indent="-171450">
+              <a:buFontTx/>
+              <a:buChar char="-"/>
+            </a:pPr>
+            <a:r>
+              <a:rPr lang="de-DE" dirty="0"/>
+              <a:t>Da Hamilton-Zyklus ein NP-vollständiges Problem ist und Hamilton auf TSP reduzierbar ist, ist TSP NP-vollständig</a:t>
+            </a:r>
+          </a:p>
+          <a:p>
+            <a:endParaRPr lang="de-DE" dirty="0"/>
+          </a:p>
+        </p:txBody>
+      </p:sp>
+      <p:sp>
+        <p:nvSpPr>
+          <p:cNvPr id="4" name="Foliennummernplatzhalter 3"/>
+          <p:cNvSpPr>
+            <a:spLocks noGrp="1"/>
+          </p:cNvSpPr>
+          <p:nvPr>
+            <p:ph type="sldNum" sz="quarter" idx="5"/>
+          </p:nvPr>
+        </p:nvSpPr>
+        <p:spPr/>
+        <p:txBody>
+          <a:bodyPr/>
+          <a:lstStyle/>
+          <a:p>
+            <a:fld id="{D15B9CCF-FFA2-46F4-AE87-49E1E1368883}" type="slidenum">
+              <a:rPr lang="de-DE" smtClean="0"/>
+              <a:t>26</a:t>
+            </a:fld>
+            <a:endParaRPr lang="de-DE"/>
+          </a:p>
+        </p:txBody>
+      </p:sp>
+    </p:spTree>
+    <p:extLst>
+      <p:ext uri="{BB962C8B-B14F-4D97-AF65-F5344CB8AC3E}">
+        <p14:creationId xmlns:p14="http://schemas.microsoft.com/office/powerpoint/2010/main" val="3063125391"/>
+      </p:ext>
+    </p:extLst>
+  </p:cSld>
+  <p:clrMapOvr>
+    <a:masterClrMapping/>
+  </p:clrMapOvr>
+</p:notes>
+</file>
+
+<file path=ppt/notesSlides/notesSlide22.xml><?xml version="1.0" encoding="utf-8"?>
+<p:notes xmlns:a="http://schemas.openxmlformats.org/drawingml/2006/main" xmlns:r="http://schemas.openxmlformats.org/officeDocument/2006/relationships" xmlns:p="http://schemas.openxmlformats.org/presentationml/2006/main">
+  <p:cSld>
+    <p:spTree>
+      <p:nvGrpSpPr>
+        <p:cNvPr id="1" name=""/>
+        <p:cNvGrpSpPr/>
+        <p:nvPr/>
+      </p:nvGrpSpPr>
+      <p:grpSpPr>
+        <a:xfrm>
+          <a:off x="0" y="0"/>
+          <a:ext cx="0" cy="0"/>
+          <a:chOff x="0" y="0"/>
+          <a:chExt cx="0" cy="0"/>
+        </a:xfrm>
+      </p:grpSpPr>
+      <p:sp>
+        <p:nvSpPr>
+          <p:cNvPr id="2" name="Folienbildplatzhalter 1"/>
+          <p:cNvSpPr>
+            <a:spLocks noGrp="1" noRot="1" noChangeAspect="1"/>
+          </p:cNvSpPr>
+          <p:nvPr>
+            <p:ph type="sldImg"/>
+          </p:nvPr>
+        </p:nvSpPr>
+        <p:spPr/>
+      </p:sp>
+      <p:sp>
+        <p:nvSpPr>
+          <p:cNvPr id="3" name="Notizenplatzhalter 2"/>
+          <p:cNvSpPr>
+            <a:spLocks noGrp="1"/>
+          </p:cNvSpPr>
+          <p:nvPr>
+            <p:ph type="body" idx="1"/>
+          </p:nvPr>
+        </p:nvSpPr>
+        <p:spPr/>
+        <p:txBody>
+          <a:bodyPr/>
+          <a:lstStyle/>
+          <a:p>
+            <a:r>
+              <a:rPr lang="de-DE" dirty="0"/>
+              <a:t>Um den Beweis etwas einfacher und verständlicher zu machen (der Beweis im </a:t>
+            </a:r>
+            <a:r>
+              <a:rPr lang="de-DE" dirty="0" err="1"/>
+              <a:t>Bich</a:t>
+            </a:r>
+            <a:r>
+              <a:rPr lang="de-DE" dirty="0"/>
+              <a:t> von Wegener ist schon </a:t>
+            </a:r>
+            <a:r>
+              <a:rPr lang="de-DE" dirty="0" err="1"/>
+              <a:t>seeehr</a:t>
+            </a:r>
+            <a:r>
+              <a:rPr lang="de-DE" dirty="0"/>
+              <a:t> theoretisch…), möchte ich den Zwischenschritt über </a:t>
+            </a:r>
+            <a:r>
+              <a:rPr lang="de-DE" dirty="0" err="1"/>
+              <a:t>SubsetSum</a:t>
+            </a:r>
+            <a:r>
+              <a:rPr lang="de-DE" dirty="0"/>
+              <a:t> machen. Wegener setzt ja im Beweis auch </a:t>
+            </a:r>
+            <a:r>
+              <a:rPr lang="de-DE" dirty="0" err="1"/>
+              <a:t>vorraus</a:t>
+            </a:r>
+            <a:r>
+              <a:rPr lang="de-DE" dirty="0"/>
+              <a:t>: Gewicht=Wert</a:t>
+            </a:r>
+          </a:p>
+          <a:p>
+            <a:endParaRPr lang="de-DE" dirty="0"/>
+          </a:p>
+          <a:p>
+            <a:endParaRPr lang="de-DE" dirty="0"/>
+          </a:p>
+        </p:txBody>
+      </p:sp>
+      <p:sp>
+        <p:nvSpPr>
+          <p:cNvPr id="4" name="Foliennummernplatzhalter 3"/>
+          <p:cNvSpPr>
+            <a:spLocks noGrp="1"/>
+          </p:cNvSpPr>
+          <p:nvPr>
+            <p:ph type="sldNum" sz="quarter" idx="5"/>
+          </p:nvPr>
+        </p:nvSpPr>
+        <p:spPr/>
+        <p:txBody>
+          <a:bodyPr/>
+          <a:lstStyle/>
+          <a:p>
+            <a:fld id="{D15B9CCF-FFA2-46F4-AE87-49E1E1368883}" type="slidenum">
+              <a:rPr lang="de-DE" smtClean="0"/>
+              <a:t>27</a:t>
+            </a:fld>
+            <a:endParaRPr lang="de-DE"/>
+          </a:p>
+        </p:txBody>
+      </p:sp>
+    </p:spTree>
+    <p:extLst>
+      <p:ext uri="{BB962C8B-B14F-4D97-AF65-F5344CB8AC3E}">
+        <p14:creationId xmlns:p14="http://schemas.microsoft.com/office/powerpoint/2010/main" val="1510452172"/>
+      </p:ext>
+    </p:extLst>
+  </p:cSld>
+  <p:clrMapOvr>
+    <a:masterClrMapping/>
+  </p:clrMapOvr>
+</p:notes>
+</file>
+
+<file path=ppt/notesSlides/notesSlide23.xml><?xml version="1.0" encoding="utf-8"?>
+<p:notes xmlns:a="http://schemas.openxmlformats.org/drawingml/2006/main" xmlns:r="http://schemas.openxmlformats.org/officeDocument/2006/relationships" xmlns:p="http://schemas.openxmlformats.org/presentationml/2006/main">
+  <p:cSld>
+    <p:spTree>
+      <p:nvGrpSpPr>
+        <p:cNvPr id="1" name=""/>
+        <p:cNvGrpSpPr/>
+        <p:nvPr/>
+      </p:nvGrpSpPr>
+      <p:grpSpPr>
+        <a:xfrm>
+          <a:off x="0" y="0"/>
+          <a:ext cx="0" cy="0"/>
+          <a:chOff x="0" y="0"/>
+          <a:chExt cx="0" cy="0"/>
+        </a:xfrm>
+      </p:grpSpPr>
+      <p:sp>
+        <p:nvSpPr>
+          <p:cNvPr id="2" name="Folienbildplatzhalter 1"/>
+          <p:cNvSpPr>
+            <a:spLocks noGrp="1" noRot="1" noChangeAspect="1"/>
+          </p:cNvSpPr>
+          <p:nvPr>
+            <p:ph type="sldImg"/>
+          </p:nvPr>
+        </p:nvSpPr>
+        <p:spPr/>
+      </p:sp>
+      <p:sp>
+        <p:nvSpPr>
+          <p:cNvPr id="3" name="Notizenplatzhalter 2"/>
+          <p:cNvSpPr>
+            <a:spLocks noGrp="1"/>
+          </p:cNvSpPr>
+          <p:nvPr>
+            <p:ph type="body" idx="1"/>
+          </p:nvPr>
+        </p:nvSpPr>
+        <p:spPr/>
+        <p:txBody>
+          <a:bodyPr/>
+          <a:lstStyle/>
+          <a:p>
+            <a:r>
+              <a:rPr lang="de-DE" dirty="0" err="1"/>
+              <a:t>SubsetSum</a:t>
+            </a:r>
+            <a:r>
+              <a:rPr lang="de-DE" dirty="0"/>
+              <a:t> auf Knappsack reduzieren einfach, da </a:t>
+            </a:r>
+            <a:r>
+              <a:rPr lang="de-DE" dirty="0" err="1"/>
+              <a:t>SubsetSum</a:t>
+            </a:r>
+            <a:r>
+              <a:rPr lang="de-DE" dirty="0"/>
+              <a:t> Spezialfall von Knappsack ist (daher die Bedingung im Beweis von Wegener ai = </a:t>
+            </a:r>
+            <a:r>
+              <a:rPr lang="de-DE" dirty="0" err="1"/>
+              <a:t>gi</a:t>
+            </a:r>
+            <a:r>
+              <a:rPr lang="de-DE" dirty="0"/>
+              <a:t>)</a:t>
+            </a:r>
+          </a:p>
+          <a:p>
+            <a:endParaRPr lang="de-DE" dirty="0"/>
+          </a:p>
+          <a:p>
+            <a:r>
+              <a:rPr lang="de-DE" dirty="0"/>
+              <a:t>Es wird einfach ein Wert ‚erzeugt‘ und der Wert ist gleich dem Gewicht des Objekts (vi = </a:t>
+            </a:r>
+            <a:r>
+              <a:rPr lang="de-DE" dirty="0" err="1"/>
+              <a:t>wi</a:t>
+            </a:r>
+            <a:r>
+              <a:rPr lang="de-DE" dirty="0"/>
+              <a:t>). Selbiges gilt für die Grenze, dadurch wird die Gewichtsgrenze zum gewünschten Wert (V = W)</a:t>
+            </a:r>
+          </a:p>
+          <a:p>
+            <a:endParaRPr lang="de-DE" dirty="0"/>
+          </a:p>
+          <a:p>
+            <a:r>
+              <a:rPr lang="de-DE" dirty="0"/>
+              <a:t>Die Umformung erfolgt in polynomialer Zeit (sogar linear). (es wird ja vereinfacht gesagt nur die Liste ‚verdoppelt‘)</a:t>
+            </a:r>
+          </a:p>
+        </p:txBody>
+      </p:sp>
+      <p:sp>
+        <p:nvSpPr>
+          <p:cNvPr id="4" name="Foliennummernplatzhalter 3"/>
+          <p:cNvSpPr>
+            <a:spLocks noGrp="1"/>
+          </p:cNvSpPr>
+          <p:nvPr>
+            <p:ph type="sldNum" sz="quarter" idx="5"/>
+          </p:nvPr>
+        </p:nvSpPr>
+        <p:spPr/>
+        <p:txBody>
+          <a:bodyPr/>
+          <a:lstStyle/>
+          <a:p>
+            <a:fld id="{D15B9CCF-FFA2-46F4-AE87-49E1E1368883}" type="slidenum">
+              <a:rPr lang="de-DE" smtClean="0"/>
+              <a:t>28</a:t>
+            </a:fld>
+            <a:endParaRPr lang="de-DE"/>
+          </a:p>
+        </p:txBody>
+      </p:sp>
+    </p:spTree>
+    <p:extLst>
+      <p:ext uri="{BB962C8B-B14F-4D97-AF65-F5344CB8AC3E}">
+        <p14:creationId xmlns:p14="http://schemas.microsoft.com/office/powerpoint/2010/main" val="675136526"/>
+      </p:ext>
+    </p:extLst>
+  </p:cSld>
+  <p:clrMapOvr>
+    <a:masterClrMapping/>
+  </p:clrMapOvr>
+</p:notes>
+</file>
+
+<file path=ppt/notesSlides/notesSlide24.xml><?xml version="1.0" encoding="utf-8"?>
+<p:notes xmlns:a="http://schemas.openxmlformats.org/drawingml/2006/main" xmlns:r="http://schemas.openxmlformats.org/officeDocument/2006/relationships" xmlns:p="http://schemas.openxmlformats.org/presentationml/2006/main">
+  <p:cSld>
+    <p:spTree>
+      <p:nvGrpSpPr>
+        <p:cNvPr id="1" name=""/>
+        <p:cNvGrpSpPr/>
+        <p:nvPr/>
+      </p:nvGrpSpPr>
+      <p:grpSpPr>
+        <a:xfrm>
+          <a:off x="0" y="0"/>
+          <a:ext cx="0" cy="0"/>
+          <a:chOff x="0" y="0"/>
+          <a:chExt cx="0" cy="0"/>
+        </a:xfrm>
+      </p:grpSpPr>
+      <p:sp>
+        <p:nvSpPr>
+          <p:cNvPr id="2" name="Folienbildplatzhalter 1"/>
+          <p:cNvSpPr>
+            <a:spLocks noGrp="1" noRot="1" noChangeAspect="1"/>
+          </p:cNvSpPr>
+          <p:nvPr>
+            <p:ph type="sldImg"/>
+          </p:nvPr>
+        </p:nvSpPr>
+        <p:spPr/>
+      </p:sp>
+      <p:sp>
+        <p:nvSpPr>
+          <p:cNvPr id="3" name="Notizenplatzhalter 2"/>
+          <p:cNvSpPr>
+            <a:spLocks noGrp="1"/>
+          </p:cNvSpPr>
+          <p:nvPr>
+            <p:ph type="body" idx="1"/>
+          </p:nvPr>
+        </p:nvSpPr>
+        <p:spPr/>
+        <p:txBody>
+          <a:bodyPr/>
+          <a:lstStyle/>
+          <a:p>
+            <a:r>
+              <a:rPr lang="de-DE" dirty="0"/>
+              <a:t>Noch einmal kurz Unterschied zeigen (zur Auffrischung)</a:t>
+            </a:r>
+          </a:p>
+        </p:txBody>
+      </p:sp>
+      <p:sp>
+        <p:nvSpPr>
+          <p:cNvPr id="4" name="Foliennummernplatzhalter 3"/>
+          <p:cNvSpPr>
+            <a:spLocks noGrp="1"/>
+          </p:cNvSpPr>
+          <p:nvPr>
+            <p:ph type="sldNum" sz="quarter" idx="5"/>
+          </p:nvPr>
+        </p:nvSpPr>
+        <p:spPr/>
+        <p:txBody>
+          <a:bodyPr/>
+          <a:lstStyle/>
+          <a:p>
+            <a:fld id="{D15B9CCF-FFA2-46F4-AE87-49E1E1368883}" type="slidenum">
+              <a:rPr lang="de-DE" smtClean="0"/>
+              <a:t>29</a:t>
+            </a:fld>
+            <a:endParaRPr lang="de-DE"/>
+          </a:p>
+        </p:txBody>
+      </p:sp>
+    </p:spTree>
+    <p:extLst>
+      <p:ext uri="{BB962C8B-B14F-4D97-AF65-F5344CB8AC3E}">
+        <p14:creationId xmlns:p14="http://schemas.microsoft.com/office/powerpoint/2010/main" val="471048924"/>
+      </p:ext>
+    </p:extLst>
+  </p:cSld>
+  <p:clrMapOvr>
+    <a:masterClrMapping/>
+  </p:clrMapOvr>
+</p:notes>
+</file>
+
+<file path=ppt/notesSlides/notesSlide25.xml><?xml version="1.0" encoding="utf-8"?>
+<p:notes xmlns:a="http://schemas.openxmlformats.org/drawingml/2006/main" xmlns:r="http://schemas.openxmlformats.org/officeDocument/2006/relationships" xmlns:p="http://schemas.openxmlformats.org/presentationml/2006/main">
+  <p:cSld>
+    <p:spTree>
+      <p:nvGrpSpPr>
+        <p:cNvPr id="1" name=""/>
+        <p:cNvGrpSpPr/>
+        <p:nvPr/>
+      </p:nvGrpSpPr>
+      <p:grpSpPr>
+        <a:xfrm>
+          <a:off x="0" y="0"/>
+          <a:ext cx="0" cy="0"/>
+          <a:chOff x="0" y="0"/>
+          <a:chExt cx="0" cy="0"/>
+        </a:xfrm>
+      </p:grpSpPr>
+      <p:sp>
+        <p:nvSpPr>
+          <p:cNvPr id="2" name="Folienbildplatzhalter 1"/>
+          <p:cNvSpPr>
+            <a:spLocks noGrp="1" noRot="1" noChangeAspect="1"/>
+          </p:cNvSpPr>
+          <p:nvPr>
+            <p:ph type="sldImg"/>
+          </p:nvPr>
+        </p:nvSpPr>
+        <p:spPr/>
+      </p:sp>
+      <p:sp>
+        <p:nvSpPr>
+          <p:cNvPr id="3" name="Notizenplatzhalter 2"/>
+          <p:cNvSpPr>
+            <a:spLocks noGrp="1"/>
+          </p:cNvSpPr>
+          <p:nvPr>
+            <p:ph type="body" idx="1"/>
+          </p:nvPr>
+        </p:nvSpPr>
+        <p:spPr/>
+        <p:txBody>
+          <a:bodyPr/>
+          <a:lstStyle/>
+          <a:p>
+            <a:r>
+              <a:rPr lang="de-DE" dirty="0"/>
+              <a:t>A kann in polynomieller Zeit berechnet werden/geschrieben werden</a:t>
+            </a:r>
+          </a:p>
+        </p:txBody>
+      </p:sp>
+      <p:sp>
+        <p:nvSpPr>
+          <p:cNvPr id="4" name="Foliennummernplatzhalter 3"/>
+          <p:cNvSpPr>
+            <a:spLocks noGrp="1"/>
+          </p:cNvSpPr>
+          <p:nvPr>
+            <p:ph type="sldNum" sz="quarter" idx="5"/>
+          </p:nvPr>
+        </p:nvSpPr>
+        <p:spPr/>
+        <p:txBody>
+          <a:bodyPr/>
+          <a:lstStyle/>
+          <a:p>
+            <a:fld id="{D15B9CCF-FFA2-46F4-AE87-49E1E1368883}" type="slidenum">
+              <a:rPr lang="de-DE" smtClean="0"/>
+              <a:t>30</a:t>
+            </a:fld>
+            <a:endParaRPr lang="de-DE"/>
+          </a:p>
+        </p:txBody>
+      </p:sp>
+    </p:spTree>
+    <p:extLst>
+      <p:ext uri="{BB962C8B-B14F-4D97-AF65-F5344CB8AC3E}">
+        <p14:creationId xmlns:p14="http://schemas.microsoft.com/office/powerpoint/2010/main" val="812956394"/>
+      </p:ext>
+    </p:extLst>
+  </p:cSld>
+  <p:clrMapOvr>
+    <a:masterClrMapping/>
+  </p:clrMapOvr>
+</p:notes>
+</file>
+
+<file path=ppt/notesSlides/notesSlide26.xml><?xml version="1.0" encoding="utf-8"?>
+<p:notes xmlns:a="http://schemas.openxmlformats.org/drawingml/2006/main" xmlns:r="http://schemas.openxmlformats.org/officeDocument/2006/relationships" xmlns:p="http://schemas.openxmlformats.org/presentationml/2006/main">
+  <p:cSld>
+    <p:spTree>
+      <p:nvGrpSpPr>
+        <p:cNvPr id="1" name=""/>
+        <p:cNvGrpSpPr/>
+        <p:nvPr/>
+      </p:nvGrpSpPr>
+      <p:grpSpPr>
+        <a:xfrm>
+          <a:off x="0" y="0"/>
+          <a:ext cx="0" cy="0"/>
+          <a:chOff x="0" y="0"/>
+          <a:chExt cx="0" cy="0"/>
+        </a:xfrm>
+      </p:grpSpPr>
+      <p:sp>
+        <p:nvSpPr>
+          <p:cNvPr id="2" name="Folienbildplatzhalter 1"/>
+          <p:cNvSpPr>
+            <a:spLocks noGrp="1" noRot="1" noChangeAspect="1"/>
+          </p:cNvSpPr>
+          <p:nvPr>
+            <p:ph type="sldImg"/>
+          </p:nvPr>
+        </p:nvSpPr>
+        <p:spPr/>
+      </p:sp>
+      <p:sp>
+        <p:nvSpPr>
+          <p:cNvPr id="3" name="Notizenplatzhalter 2"/>
+          <p:cNvSpPr>
+            <a:spLocks noGrp="1"/>
+          </p:cNvSpPr>
+          <p:nvPr>
+            <p:ph type="body" idx="1"/>
+          </p:nvPr>
+        </p:nvSpPr>
+        <p:spPr/>
+        <p:txBody>
+          <a:bodyPr/>
+          <a:lstStyle/>
+          <a:p>
+            <a:r>
+              <a:rPr lang="de-DE" dirty="0"/>
+              <a:t>I liegt zwischen 1 und n, j zwischen 1 und m</a:t>
+            </a:r>
+          </a:p>
+        </p:txBody>
+      </p:sp>
+      <p:sp>
+        <p:nvSpPr>
+          <p:cNvPr id="4" name="Foliennummernplatzhalter 3"/>
+          <p:cNvSpPr>
+            <a:spLocks noGrp="1"/>
+          </p:cNvSpPr>
+          <p:nvPr>
+            <p:ph type="sldNum" sz="quarter" idx="5"/>
+          </p:nvPr>
+        </p:nvSpPr>
+        <p:spPr/>
+        <p:txBody>
+          <a:bodyPr/>
+          <a:lstStyle/>
+          <a:p>
+            <a:fld id="{D15B9CCF-FFA2-46F4-AE87-49E1E1368883}" type="slidenum">
+              <a:rPr lang="de-DE" smtClean="0"/>
+              <a:t>31</a:t>
+            </a:fld>
+            <a:endParaRPr lang="de-DE"/>
+          </a:p>
+        </p:txBody>
+      </p:sp>
+    </p:spTree>
+    <p:extLst>
+      <p:ext uri="{BB962C8B-B14F-4D97-AF65-F5344CB8AC3E}">
+        <p14:creationId xmlns:p14="http://schemas.microsoft.com/office/powerpoint/2010/main" val="2173886691"/>
+      </p:ext>
+    </p:extLst>
+  </p:cSld>
+  <p:clrMapOvr>
+    <a:masterClrMapping/>
+  </p:clrMapOvr>
+</p:notes>
+</file>
+
+<file path=ppt/notesSlides/notesSlide27.xml><?xml version="1.0" encoding="utf-8"?>
+<p:notes xmlns:a="http://schemas.openxmlformats.org/drawingml/2006/main" xmlns:r="http://schemas.openxmlformats.org/officeDocument/2006/relationships" xmlns:p="http://schemas.openxmlformats.org/presentationml/2006/main">
+  <p:cSld>
+    <p:spTree>
+      <p:nvGrpSpPr>
+        <p:cNvPr id="1" name=""/>
+        <p:cNvGrpSpPr/>
+        <p:nvPr/>
+      </p:nvGrpSpPr>
+      <p:grpSpPr>
+        <a:xfrm>
+          <a:off x="0" y="0"/>
+          <a:ext cx="0" cy="0"/>
+          <a:chOff x="0" y="0"/>
+          <a:chExt cx="0" cy="0"/>
+        </a:xfrm>
+      </p:grpSpPr>
+      <p:sp>
+        <p:nvSpPr>
+          <p:cNvPr id="2" name="Folienbildplatzhalter 1"/>
+          <p:cNvSpPr>
+            <a:spLocks noGrp="1" noRot="1" noChangeAspect="1"/>
+          </p:cNvSpPr>
+          <p:nvPr>
+            <p:ph type="sldImg"/>
+          </p:nvPr>
+        </p:nvSpPr>
+        <p:spPr/>
+      </p:sp>
+      <p:sp>
+        <p:nvSpPr>
+          <p:cNvPr id="3" name="Notizenplatzhalter 2"/>
+          <p:cNvSpPr>
+            <a:spLocks noGrp="1"/>
+          </p:cNvSpPr>
+          <p:nvPr>
+            <p:ph type="body" idx="1"/>
+          </p:nvPr>
+        </p:nvSpPr>
+        <p:spPr/>
+        <p:txBody>
+          <a:bodyPr/>
+          <a:lstStyle/>
+          <a:p>
+            <a:r>
+              <a:rPr lang="de-DE" dirty="0"/>
+              <a:t>Auch diese Zahlen können in polynomieller Zeit berechnet werden</a:t>
+            </a:r>
+          </a:p>
+          <a:p>
+            <a:endParaRPr lang="de-DE" dirty="0"/>
+          </a:p>
+          <a:p>
+            <a:r>
+              <a:rPr lang="de-DE" dirty="0"/>
+              <a:t>Um A als Summe zu erhalten, wählt man für jedes i eine der Zahlen ai oder bi (entweder xi ist wahr oder falsch (= nicht xi))</a:t>
+            </a:r>
+          </a:p>
+          <a:p>
+            <a:endParaRPr lang="de-DE" dirty="0"/>
+          </a:p>
+          <a:p>
+            <a:r>
+              <a:rPr lang="de-DE" dirty="0"/>
+              <a:t>An den vorderen Positionen ist die Summe der ai und bi = 3</a:t>
+            </a:r>
+          </a:p>
+          <a:p>
+            <a:endParaRPr lang="de-DE" dirty="0"/>
+          </a:p>
+          <a:p>
+            <a:r>
+              <a:rPr lang="de-DE" dirty="0"/>
+              <a:t>Ergänzung durch c und d, wenn an der Stelle i die Summe von ai und bi = 1 ist</a:t>
+            </a:r>
+          </a:p>
+        </p:txBody>
+      </p:sp>
+      <p:sp>
+        <p:nvSpPr>
+          <p:cNvPr id="4" name="Foliennummernplatzhalter 3"/>
+          <p:cNvSpPr>
+            <a:spLocks noGrp="1"/>
+          </p:cNvSpPr>
+          <p:nvPr>
+            <p:ph type="sldNum" sz="quarter" idx="5"/>
+          </p:nvPr>
+        </p:nvSpPr>
+        <p:spPr/>
+        <p:txBody>
+          <a:bodyPr/>
+          <a:lstStyle/>
+          <a:p>
+            <a:fld id="{D15B9CCF-FFA2-46F4-AE87-49E1E1368883}" type="slidenum">
+              <a:rPr lang="de-DE" smtClean="0"/>
+              <a:t>32</a:t>
+            </a:fld>
+            <a:endParaRPr lang="de-DE"/>
+          </a:p>
+        </p:txBody>
+      </p:sp>
+    </p:spTree>
+    <p:extLst>
+      <p:ext uri="{BB962C8B-B14F-4D97-AF65-F5344CB8AC3E}">
+        <p14:creationId xmlns:p14="http://schemas.microsoft.com/office/powerpoint/2010/main" val="504797412"/>
+      </p:ext>
+    </p:extLst>
+  </p:cSld>
+  <p:clrMapOvr>
+    <a:masterClrMapping/>
+  </p:clrMapOvr>
+</p:notes>
+</file>
+
+<file path=ppt/notesSlides/notesSlide28.xml><?xml version="1.0" encoding="utf-8"?>
+<p:notes xmlns:a="http://schemas.openxmlformats.org/drawingml/2006/main" xmlns:r="http://schemas.openxmlformats.org/officeDocument/2006/relationships" xmlns:p="http://schemas.openxmlformats.org/presentationml/2006/main">
+  <p:cSld>
+    <p:spTree>
+      <p:nvGrpSpPr>
+        <p:cNvPr id="1" name=""/>
+        <p:cNvGrpSpPr/>
+        <p:nvPr/>
+      </p:nvGrpSpPr>
+      <p:grpSpPr>
+        <a:xfrm>
+          <a:off x="0" y="0"/>
+          <a:ext cx="0" cy="0"/>
+          <a:chOff x="0" y="0"/>
+          <a:chExt cx="0" cy="0"/>
+        </a:xfrm>
+      </p:grpSpPr>
+      <p:sp>
+        <p:nvSpPr>
+          <p:cNvPr id="2" name="Folienbildplatzhalter 1"/>
+          <p:cNvSpPr>
+            <a:spLocks noGrp="1" noRot="1" noChangeAspect="1"/>
+          </p:cNvSpPr>
+          <p:nvPr>
+            <p:ph type="sldImg"/>
+          </p:nvPr>
+        </p:nvSpPr>
+        <p:spPr/>
+      </p:sp>
+      <p:sp>
+        <p:nvSpPr>
+          <p:cNvPr id="3" name="Notizenplatzhalter 2"/>
+          <p:cNvSpPr>
+            <a:spLocks noGrp="1"/>
+          </p:cNvSpPr>
+          <p:nvPr>
+            <p:ph type="body" idx="1"/>
+          </p:nvPr>
+        </p:nvSpPr>
+        <p:spPr/>
+        <p:txBody>
+          <a:bodyPr/>
+          <a:lstStyle/>
+          <a:p>
+            <a:r>
+              <a:rPr lang="de-DE" dirty="0"/>
+              <a:t>Beispiel</a:t>
+            </a:r>
+          </a:p>
+        </p:txBody>
+      </p:sp>
+      <p:sp>
+        <p:nvSpPr>
+          <p:cNvPr id="4" name="Foliennummernplatzhalter 3"/>
+          <p:cNvSpPr>
+            <a:spLocks noGrp="1"/>
+          </p:cNvSpPr>
+          <p:nvPr>
+            <p:ph type="sldNum" sz="quarter" idx="5"/>
+          </p:nvPr>
+        </p:nvSpPr>
+        <p:spPr/>
+        <p:txBody>
+          <a:bodyPr/>
+          <a:lstStyle/>
+          <a:p>
+            <a:fld id="{D15B9CCF-FFA2-46F4-AE87-49E1E1368883}" type="slidenum">
+              <a:rPr lang="de-DE" smtClean="0"/>
+              <a:t>33</a:t>
+            </a:fld>
+            <a:endParaRPr lang="de-DE"/>
+          </a:p>
+        </p:txBody>
+      </p:sp>
+    </p:spTree>
+    <p:extLst>
+      <p:ext uri="{BB962C8B-B14F-4D97-AF65-F5344CB8AC3E}">
+        <p14:creationId xmlns:p14="http://schemas.microsoft.com/office/powerpoint/2010/main" val="3832724651"/>
+      </p:ext>
+    </p:extLst>
+  </p:cSld>
+  <p:clrMapOvr>
+    <a:masterClrMapping/>
+  </p:clrMapOvr>
+</p:notes>
+</file>
+
+<file path=ppt/notesSlides/notesSlide29.xml><?xml version="1.0" encoding="utf-8"?>
+<p:notes xmlns:a="http://schemas.openxmlformats.org/drawingml/2006/main" xmlns:r="http://schemas.openxmlformats.org/officeDocument/2006/relationships" xmlns:p="http://schemas.openxmlformats.org/presentationml/2006/main">
+  <p:cSld>
+    <p:spTree>
+      <p:nvGrpSpPr>
+        <p:cNvPr id="1" name=""/>
+        <p:cNvGrpSpPr/>
+        <p:nvPr/>
+      </p:nvGrpSpPr>
+      <p:grpSpPr>
+        <a:xfrm>
+          <a:off x="0" y="0"/>
+          <a:ext cx="0" cy="0"/>
+          <a:chOff x="0" y="0"/>
+          <a:chExt cx="0" cy="0"/>
+        </a:xfrm>
+      </p:grpSpPr>
+      <p:sp>
+        <p:nvSpPr>
+          <p:cNvPr id="2" name="Folienbildplatzhalter 1"/>
+          <p:cNvSpPr>
+            <a:spLocks noGrp="1" noRot="1" noChangeAspect="1"/>
+          </p:cNvSpPr>
+          <p:nvPr>
+            <p:ph type="sldImg"/>
+          </p:nvPr>
+        </p:nvSpPr>
+        <p:spPr/>
+      </p:sp>
+      <p:sp>
+        <p:nvSpPr>
+          <p:cNvPr id="3" name="Notizenplatzhalter 2"/>
+          <p:cNvSpPr>
+            <a:spLocks noGrp="1"/>
+          </p:cNvSpPr>
+          <p:nvPr>
+            <p:ph type="body" idx="1"/>
+          </p:nvPr>
+        </p:nvSpPr>
+        <p:spPr/>
+        <p:txBody>
+          <a:bodyPr/>
+          <a:lstStyle/>
+          <a:p>
+            <a:r>
+              <a:rPr lang="de-DE" dirty="0"/>
+              <a:t>Hier die berechneten Zahlen</a:t>
+            </a:r>
+          </a:p>
+          <a:p>
+            <a:endParaRPr lang="de-DE" dirty="0"/>
+          </a:p>
+        </p:txBody>
+      </p:sp>
+      <p:sp>
+        <p:nvSpPr>
+          <p:cNvPr id="4" name="Foliennummernplatzhalter 3"/>
+          <p:cNvSpPr>
+            <a:spLocks noGrp="1"/>
+          </p:cNvSpPr>
+          <p:nvPr>
+            <p:ph type="sldNum" sz="quarter" idx="5"/>
+          </p:nvPr>
+        </p:nvSpPr>
+        <p:spPr/>
+        <p:txBody>
+          <a:bodyPr/>
+          <a:lstStyle/>
+          <a:p>
+            <a:fld id="{D15B9CCF-FFA2-46F4-AE87-49E1E1368883}" type="slidenum">
+              <a:rPr lang="de-DE" smtClean="0"/>
+              <a:t>34</a:t>
+            </a:fld>
+            <a:endParaRPr lang="de-DE"/>
+          </a:p>
+        </p:txBody>
+      </p:sp>
+    </p:spTree>
+    <p:extLst>
+      <p:ext uri="{BB962C8B-B14F-4D97-AF65-F5344CB8AC3E}">
+        <p14:creationId xmlns:p14="http://schemas.microsoft.com/office/powerpoint/2010/main" val="2260597101"/>
       </p:ext>
     </p:extLst>
   </p:cSld>
@@ -4059,7 +5051,7 @@
           <a:noFill/>
           <a:extLst>
             <a:ext uri="{909E8E84-426E-40dd-AFC4-6F175D3DCCD1}">
-              <a14:hiddenFill xmlns="" xmlns:a14="http://schemas.microsoft.com/office/drawing/2010/main">
+              <a14:hiddenFill xmlns:a14="http://schemas.microsoft.com/office/drawing/2010/main" xmlns="">
                 <a:solidFill>
                   <a:srgbClr val="FFFFFF"/>
                 </a:solidFill>
@@ -4119,7 +5111,7 @@
             </a:ln>
             <a:extLst>
               <a:ext uri="{91240B29-F687-4f45-9708-019B960494DF}">
-                <a14:hiddenLine xmlns="" xmlns:a14="http://schemas.microsoft.com/office/drawing/2010/main" w="9525">
+                <a14:hiddenLine xmlns:a14="http://schemas.microsoft.com/office/drawing/2010/main" xmlns="" w="9525">
                   <a:solidFill>
                     <a:srgbClr val="000000"/>
                   </a:solidFill>
@@ -4209,7 +5201,7 @@
             </a:ln>
             <a:extLst>
               <a:ext uri="{91240B29-F687-4f45-9708-019B960494DF}">
-                <a14:hiddenLine xmlns="" xmlns:a14="http://schemas.microsoft.com/office/drawing/2010/main" w="9525">
+                <a14:hiddenLine xmlns:a14="http://schemas.microsoft.com/office/drawing/2010/main" xmlns="" w="9525">
                   <a:solidFill>
                     <a:srgbClr val="000000"/>
                   </a:solidFill>
@@ -4299,7 +5291,7 @@
             </a:ln>
             <a:extLst>
               <a:ext uri="{91240B29-F687-4f45-9708-019B960494DF}">
-                <a14:hiddenLine xmlns="" xmlns:a14="http://schemas.microsoft.com/office/drawing/2010/main" w="9525">
+                <a14:hiddenLine xmlns:a14="http://schemas.microsoft.com/office/drawing/2010/main" xmlns="" w="9525">
                   <a:solidFill>
                     <a:srgbClr val="000000"/>
                   </a:solidFill>
@@ -4333,7 +5325,7 @@
             </a:ln>
             <a:extLst>
               <a:ext uri="{91240B29-F687-4f45-9708-019B960494DF}">
-                <a14:hiddenLine xmlns="" xmlns:a14="http://schemas.microsoft.com/office/drawing/2010/main" w="9525">
+                <a14:hiddenLine xmlns:a14="http://schemas.microsoft.com/office/drawing/2010/main" xmlns="" w="9525">
                   <a:solidFill>
                     <a:srgbClr val="000000"/>
                   </a:solidFill>
@@ -4423,7 +5415,7 @@
             </a:ln>
             <a:extLst>
               <a:ext uri="{91240B29-F687-4f45-9708-019B960494DF}">
-                <a14:hiddenLine xmlns="" xmlns:a14="http://schemas.microsoft.com/office/drawing/2010/main" w="9525">
+                <a14:hiddenLine xmlns:a14="http://schemas.microsoft.com/office/drawing/2010/main" xmlns="" w="9525">
                   <a:solidFill>
                     <a:srgbClr val="000000"/>
                   </a:solidFill>
@@ -4485,7 +5477,7 @@
             </a:ln>
             <a:extLst>
               <a:ext uri="{91240B29-F687-4f45-9708-019B960494DF}">
-                <a14:hiddenLine xmlns="" xmlns:a14="http://schemas.microsoft.com/office/drawing/2010/main" w="9525">
+                <a14:hiddenLine xmlns:a14="http://schemas.microsoft.com/office/drawing/2010/main" xmlns="" w="9525">
                   <a:solidFill>
                     <a:srgbClr val="000000"/>
                   </a:solidFill>
@@ -4547,7 +5539,7 @@
             </a:ln>
             <a:extLst>
               <a:ext uri="{91240B29-F687-4f45-9708-019B960494DF}">
-                <a14:hiddenLine xmlns="" xmlns:a14="http://schemas.microsoft.com/office/drawing/2010/main" w="9525">
+                <a14:hiddenLine xmlns:a14="http://schemas.microsoft.com/office/drawing/2010/main" xmlns="" w="9525">
                   <a:solidFill>
                     <a:srgbClr val="000000"/>
                   </a:solidFill>
@@ -4637,7 +5629,7 @@
             </a:ln>
             <a:extLst>
               <a:ext uri="{91240B29-F687-4f45-9708-019B960494DF}">
-                <a14:hiddenLine xmlns="" xmlns:a14="http://schemas.microsoft.com/office/drawing/2010/main" w="9525">
+                <a14:hiddenLine xmlns:a14="http://schemas.microsoft.com/office/drawing/2010/main" xmlns="" w="9525">
                   <a:solidFill>
                     <a:srgbClr val="000000"/>
                   </a:solidFill>
@@ -4699,7 +5691,7 @@
             </a:ln>
             <a:extLst>
               <a:ext uri="{91240B29-F687-4f45-9708-019B960494DF}">
-                <a14:hiddenLine xmlns="" xmlns:a14="http://schemas.microsoft.com/office/drawing/2010/main" w="9525">
+                <a14:hiddenLine xmlns:a14="http://schemas.microsoft.com/office/drawing/2010/main" xmlns="" w="9525">
                   <a:solidFill>
                     <a:srgbClr val="000000"/>
                   </a:solidFill>
@@ -4761,7 +5753,7 @@
             </a:ln>
             <a:extLst>
               <a:ext uri="{91240B29-F687-4f45-9708-019B960494DF}">
-                <a14:hiddenLine xmlns="" xmlns:a14="http://schemas.microsoft.com/office/drawing/2010/main" w="9525">
+                <a14:hiddenLine xmlns:a14="http://schemas.microsoft.com/office/drawing/2010/main" xmlns="" w="9525">
                   <a:solidFill>
                     <a:srgbClr val="000000"/>
                   </a:solidFill>
@@ -4851,7 +5843,7 @@
             </a:ln>
             <a:extLst>
               <a:ext uri="{91240B29-F687-4f45-9708-019B960494DF}">
-                <a14:hiddenLine xmlns="" xmlns:a14="http://schemas.microsoft.com/office/drawing/2010/main" w="9525">
+                <a14:hiddenLine xmlns:a14="http://schemas.microsoft.com/office/drawing/2010/main" xmlns="" w="9525">
                   <a:solidFill>
                     <a:srgbClr val="000000"/>
                   </a:solidFill>
@@ -4941,7 +5933,7 @@
             </a:ln>
             <a:extLst>
               <a:ext uri="{91240B29-F687-4f45-9708-019B960494DF}">
-                <a14:hiddenLine xmlns="" xmlns:a14="http://schemas.microsoft.com/office/drawing/2010/main" w="9525">
+                <a14:hiddenLine xmlns:a14="http://schemas.microsoft.com/office/drawing/2010/main" xmlns="" w="9525">
                   <a:solidFill>
                     <a:srgbClr val="000000"/>
                   </a:solidFill>
@@ -5003,7 +5995,7 @@
             </a:ln>
             <a:extLst>
               <a:ext uri="{91240B29-F687-4f45-9708-019B960494DF}">
-                <a14:hiddenLine xmlns="" xmlns:a14="http://schemas.microsoft.com/office/drawing/2010/main" w="9525">
+                <a14:hiddenLine xmlns:a14="http://schemas.microsoft.com/office/drawing/2010/main" xmlns="" w="9525">
                   <a:solidFill>
                     <a:srgbClr val="000000"/>
                   </a:solidFill>
@@ -5113,7 +6105,7 @@
             </a:ln>
             <a:extLst>
               <a:ext uri="{91240B29-F687-4f45-9708-019B960494DF}">
-                <a14:hiddenLine xmlns="" xmlns:a14="http://schemas.microsoft.com/office/drawing/2010/main" w="9525">
+                <a14:hiddenLine xmlns:a14="http://schemas.microsoft.com/office/drawing/2010/main" xmlns="" w="9525">
                   <a:solidFill>
                     <a:srgbClr val="000000"/>
                   </a:solidFill>
@@ -5175,7 +6167,7 @@
             </a:ln>
             <a:extLst>
               <a:ext uri="{91240B29-F687-4f45-9708-019B960494DF}">
-                <a14:hiddenLine xmlns="" xmlns:a14="http://schemas.microsoft.com/office/drawing/2010/main" w="9525">
+                <a14:hiddenLine xmlns:a14="http://schemas.microsoft.com/office/drawing/2010/main" xmlns="" w="9525">
                   <a:solidFill>
                     <a:srgbClr val="000000"/>
                   </a:solidFill>
@@ -5265,7 +6257,7 @@
             </a:ln>
             <a:extLst>
               <a:ext uri="{91240B29-F687-4f45-9708-019B960494DF}">
-                <a14:hiddenLine xmlns="" xmlns:a14="http://schemas.microsoft.com/office/drawing/2010/main" w="9525">
+                <a14:hiddenLine xmlns:a14="http://schemas.microsoft.com/office/drawing/2010/main" xmlns="" w="9525">
                   <a:solidFill>
                     <a:srgbClr val="000000"/>
                   </a:solidFill>
@@ -5355,7 +6347,7 @@
             </a:ln>
             <a:extLst>
               <a:ext uri="{91240B29-F687-4f45-9708-019B960494DF}">
-                <a14:hiddenLine xmlns="" xmlns:a14="http://schemas.microsoft.com/office/drawing/2010/main" w="9525">
+                <a14:hiddenLine xmlns:a14="http://schemas.microsoft.com/office/drawing/2010/main" xmlns="" w="9525">
                   <a:solidFill>
                     <a:srgbClr val="000000"/>
                   </a:solidFill>
@@ -5417,7 +6409,7 @@
             </a:ln>
             <a:extLst>
               <a:ext uri="{91240B29-F687-4f45-9708-019B960494DF}">
-                <a14:hiddenLine xmlns="" xmlns:a14="http://schemas.microsoft.com/office/drawing/2010/main" w="9525">
+                <a14:hiddenLine xmlns:a14="http://schemas.microsoft.com/office/drawing/2010/main" xmlns="" w="9525">
                   <a:solidFill>
                     <a:srgbClr val="000000"/>
                   </a:solidFill>
@@ -5507,7 +6499,7 @@
             </a:ln>
             <a:extLst>
               <a:ext uri="{91240B29-F687-4f45-9708-019B960494DF}">
-                <a14:hiddenLine xmlns="" xmlns:a14="http://schemas.microsoft.com/office/drawing/2010/main" w="9525">
+                <a14:hiddenLine xmlns:a14="http://schemas.microsoft.com/office/drawing/2010/main" xmlns="" w="9525">
                   <a:solidFill>
                     <a:srgbClr val="000000"/>
                   </a:solidFill>
@@ -5597,7 +6589,7 @@
             </a:ln>
             <a:extLst>
               <a:ext uri="{91240B29-F687-4f45-9708-019B960494DF}">
-                <a14:hiddenLine xmlns="" xmlns:a14="http://schemas.microsoft.com/office/drawing/2010/main" w="9525">
+                <a14:hiddenLine xmlns:a14="http://schemas.microsoft.com/office/drawing/2010/main" xmlns="" w="9525">
                   <a:solidFill>
                     <a:srgbClr val="000000"/>
                   </a:solidFill>
@@ -5653,7 +6645,7 @@
             </a:ln>
             <a:extLst>
               <a:ext uri="{91240B29-F687-4f45-9708-019B960494DF}">
-                <a14:hiddenLine xmlns="" xmlns:a14="http://schemas.microsoft.com/office/drawing/2010/main" w="9525">
+                <a14:hiddenLine xmlns:a14="http://schemas.microsoft.com/office/drawing/2010/main" xmlns="" w="9525">
                   <a:solidFill>
                     <a:srgbClr val="000000"/>
                   </a:solidFill>
@@ -5743,7 +6735,7 @@
             </a:ln>
             <a:extLst>
               <a:ext uri="{91240B29-F687-4f45-9708-019B960494DF}">
-                <a14:hiddenLine xmlns="" xmlns:a14="http://schemas.microsoft.com/office/drawing/2010/main" w="9525">
+                <a14:hiddenLine xmlns:a14="http://schemas.microsoft.com/office/drawing/2010/main" xmlns="" w="9525">
                   <a:solidFill>
                     <a:srgbClr val="000000"/>
                   </a:solidFill>
@@ -5799,7 +6791,7 @@
             </a:ln>
             <a:extLst>
               <a:ext uri="{91240B29-F687-4f45-9708-019B960494DF}">
-                <a14:hiddenLine xmlns="" xmlns:a14="http://schemas.microsoft.com/office/drawing/2010/main" w="9525">
+                <a14:hiddenLine xmlns:a14="http://schemas.microsoft.com/office/drawing/2010/main" xmlns="" w="9525">
                   <a:solidFill>
                     <a:srgbClr val="000000"/>
                   </a:solidFill>
@@ -5889,7 +6881,7 @@
             </a:ln>
             <a:extLst>
               <a:ext uri="{91240B29-F687-4f45-9708-019B960494DF}">
-                <a14:hiddenLine xmlns="" xmlns:a14="http://schemas.microsoft.com/office/drawing/2010/main" w="9525">
+                <a14:hiddenLine xmlns:a14="http://schemas.microsoft.com/office/drawing/2010/main" xmlns="" w="9525">
                   <a:solidFill>
                     <a:srgbClr val="000000"/>
                   </a:solidFill>
@@ -5957,7 +6949,7 @@
             </a:ln>
             <a:extLst>
               <a:ext uri="{91240B29-F687-4f45-9708-019B960494DF}">
-                <a14:hiddenLine xmlns="" xmlns:a14="http://schemas.microsoft.com/office/drawing/2010/main" w="9525">
+                <a14:hiddenLine xmlns:a14="http://schemas.microsoft.com/office/drawing/2010/main" xmlns="" w="9525">
                   <a:solidFill>
                     <a:srgbClr val="000000"/>
                   </a:solidFill>
@@ -6047,7 +7039,7 @@
             </a:ln>
             <a:extLst>
               <a:ext uri="{91240B29-F687-4f45-9708-019B960494DF}">
-                <a14:hiddenLine xmlns="" xmlns:a14="http://schemas.microsoft.com/office/drawing/2010/main" w="9525">
+                <a14:hiddenLine xmlns:a14="http://schemas.microsoft.com/office/drawing/2010/main" xmlns="" w="9525">
                   <a:solidFill>
                     <a:srgbClr val="000000"/>
                   </a:solidFill>
@@ -6115,7 +7107,7 @@
             </a:ln>
             <a:extLst>
               <a:ext uri="{91240B29-F687-4f45-9708-019B960494DF}">
-                <a14:hiddenLine xmlns="" xmlns:a14="http://schemas.microsoft.com/office/drawing/2010/main" w="9525">
+                <a14:hiddenLine xmlns:a14="http://schemas.microsoft.com/office/drawing/2010/main" xmlns="" w="9525">
                   <a:solidFill>
                     <a:srgbClr val="000000"/>
                   </a:solidFill>
@@ -6205,7 +7197,7 @@
             </a:ln>
             <a:extLst>
               <a:ext uri="{91240B29-F687-4f45-9708-019B960494DF}">
-                <a14:hiddenLine xmlns="" xmlns:a14="http://schemas.microsoft.com/office/drawing/2010/main" w="9525">
+                <a14:hiddenLine xmlns:a14="http://schemas.microsoft.com/office/drawing/2010/main" xmlns="" w="9525">
                   <a:solidFill>
                     <a:srgbClr val="000000"/>
                   </a:solidFill>
@@ -6239,7 +7231,7 @@
             </a:ln>
             <a:extLst>
               <a:ext uri="{91240B29-F687-4f45-9708-019B960494DF}">
-                <a14:hiddenLine xmlns="" xmlns:a14="http://schemas.microsoft.com/office/drawing/2010/main" w="9525">
+                <a14:hiddenLine xmlns:a14="http://schemas.microsoft.com/office/drawing/2010/main" xmlns="" w="9525">
                   <a:solidFill>
                     <a:srgbClr val="000000"/>
                   </a:solidFill>
@@ -6329,7 +7321,7 @@
             </a:ln>
             <a:extLst>
               <a:ext uri="{91240B29-F687-4f45-9708-019B960494DF}">
-                <a14:hiddenLine xmlns="" xmlns:a14="http://schemas.microsoft.com/office/drawing/2010/main" w="9525">
+                <a14:hiddenLine xmlns:a14="http://schemas.microsoft.com/office/drawing/2010/main" xmlns="" w="9525">
                   <a:solidFill>
                     <a:srgbClr val="000000"/>
                   </a:solidFill>
@@ -6391,7 +7383,7 @@
             </a:ln>
             <a:extLst>
               <a:ext uri="{91240B29-F687-4f45-9708-019B960494DF}">
-                <a14:hiddenLine xmlns="" xmlns:a14="http://schemas.microsoft.com/office/drawing/2010/main" w="9525">
+                <a14:hiddenLine xmlns:a14="http://schemas.microsoft.com/office/drawing/2010/main" xmlns="" w="9525">
                   <a:solidFill>
                     <a:srgbClr val="000000"/>
                   </a:solidFill>
@@ -6453,7 +7445,7 @@
             </a:ln>
             <a:extLst>
               <a:ext uri="{91240B29-F687-4f45-9708-019B960494DF}">
-                <a14:hiddenLine xmlns="" xmlns:a14="http://schemas.microsoft.com/office/drawing/2010/main" w="9525">
+                <a14:hiddenLine xmlns:a14="http://schemas.microsoft.com/office/drawing/2010/main" xmlns="" w="9525">
                   <a:solidFill>
                     <a:srgbClr val="000000"/>
                   </a:solidFill>
@@ -6543,7 +7535,7 @@
             </a:ln>
             <a:extLst>
               <a:ext uri="{91240B29-F687-4f45-9708-019B960494DF}">
-                <a14:hiddenLine xmlns="" xmlns:a14="http://schemas.microsoft.com/office/drawing/2010/main" w="9525">
+                <a14:hiddenLine xmlns:a14="http://schemas.microsoft.com/office/drawing/2010/main" xmlns="" w="9525">
                   <a:solidFill>
                     <a:srgbClr val="000000"/>
                   </a:solidFill>
@@ -6611,7 +7603,7 @@
             </a:ln>
             <a:extLst>
               <a:ext uri="{91240B29-F687-4f45-9708-019B960494DF}">
-                <a14:hiddenLine xmlns="" xmlns:a14="http://schemas.microsoft.com/office/drawing/2010/main" w="9525">
+                <a14:hiddenLine xmlns:a14="http://schemas.microsoft.com/office/drawing/2010/main" xmlns="" w="9525">
                   <a:solidFill>
                     <a:srgbClr val="000000"/>
                   </a:solidFill>
@@ -6673,7 +7665,7 @@
             </a:ln>
             <a:extLst>
               <a:ext uri="{91240B29-F687-4f45-9708-019B960494DF}">
-                <a14:hiddenLine xmlns="" xmlns:a14="http://schemas.microsoft.com/office/drawing/2010/main" w="9525">
+                <a14:hiddenLine xmlns:a14="http://schemas.microsoft.com/office/drawing/2010/main" xmlns="" w="9525">
                   <a:solidFill>
                     <a:srgbClr val="000000"/>
                   </a:solidFill>
@@ -6763,7 +7755,7 @@
             </a:ln>
             <a:extLst>
               <a:ext uri="{91240B29-F687-4f45-9708-019B960494DF}">
-                <a14:hiddenLine xmlns="" xmlns:a14="http://schemas.microsoft.com/office/drawing/2010/main" w="9525">
+                <a14:hiddenLine xmlns:a14="http://schemas.microsoft.com/office/drawing/2010/main" xmlns="" w="9525">
                   <a:solidFill>
                     <a:srgbClr val="000000"/>
                   </a:solidFill>
@@ -6825,7 +7817,7 @@
             </a:ln>
             <a:extLst>
               <a:ext uri="{91240B29-F687-4f45-9708-019B960494DF}">
-                <a14:hiddenLine xmlns="" xmlns:a14="http://schemas.microsoft.com/office/drawing/2010/main" w="9525">
+                <a14:hiddenLine xmlns:a14="http://schemas.microsoft.com/office/drawing/2010/main" xmlns="" w="9525">
                   <a:solidFill>
                     <a:srgbClr val="000000"/>
                   </a:solidFill>
@@ -6915,7 +7907,7 @@
             </a:ln>
             <a:extLst>
               <a:ext uri="{91240B29-F687-4f45-9708-019B960494DF}">
-                <a14:hiddenLine xmlns="" xmlns:a14="http://schemas.microsoft.com/office/drawing/2010/main" w="9525">
+                <a14:hiddenLine xmlns:a14="http://schemas.microsoft.com/office/drawing/2010/main" xmlns="" w="9525">
                   <a:solidFill>
                     <a:srgbClr val="000000"/>
                   </a:solidFill>
@@ -6977,7 +7969,7 @@
             </a:ln>
             <a:extLst>
               <a:ext uri="{91240B29-F687-4f45-9708-019B960494DF}">
-                <a14:hiddenLine xmlns="" xmlns:a14="http://schemas.microsoft.com/office/drawing/2010/main" w="9525">
+                <a14:hiddenLine xmlns:a14="http://schemas.microsoft.com/office/drawing/2010/main" xmlns="" w="9525">
                   <a:solidFill>
                     <a:srgbClr val="000000"/>
                   </a:solidFill>
@@ -7067,7 +8059,7 @@
             </a:ln>
             <a:extLst>
               <a:ext uri="{91240B29-F687-4f45-9708-019B960494DF}">
-                <a14:hiddenLine xmlns="" xmlns:a14="http://schemas.microsoft.com/office/drawing/2010/main" w="9525">
+                <a14:hiddenLine xmlns:a14="http://schemas.microsoft.com/office/drawing/2010/main" xmlns="" w="9525">
                   <a:solidFill>
                     <a:srgbClr val="000000"/>
                   </a:solidFill>
@@ -7101,7 +8093,7 @@
             </a:ln>
             <a:extLst>
               <a:ext uri="{91240B29-F687-4f45-9708-019B960494DF}">
-                <a14:hiddenLine xmlns="" xmlns:a14="http://schemas.microsoft.com/office/drawing/2010/main" w="9525">
+                <a14:hiddenLine xmlns:a14="http://schemas.microsoft.com/office/drawing/2010/main" xmlns="" w="9525">
                   <a:solidFill>
                     <a:srgbClr val="000000"/>
                   </a:solidFill>
@@ -7166,7 +8158,7 @@
             </a:ln>
             <a:extLst>
               <a:ext uri="{91240B29-F687-4f45-9708-019B960494DF}">
-                <a14:hiddenLine xmlns="" xmlns:a14="http://schemas.microsoft.com/office/drawing/2010/main" w="9525">
+                <a14:hiddenLine xmlns:a14="http://schemas.microsoft.com/office/drawing/2010/main" xmlns="" w="9525">
                   <a:solidFill>
                     <a:srgbClr val="000000"/>
                   </a:solidFill>
@@ -7256,7 +8248,7 @@
             </a:ln>
             <a:extLst>
               <a:ext uri="{91240B29-F687-4f45-9708-019B960494DF}">
-                <a14:hiddenLine xmlns="" xmlns:a14="http://schemas.microsoft.com/office/drawing/2010/main" w="9525">
+                <a14:hiddenLine xmlns:a14="http://schemas.microsoft.com/office/drawing/2010/main" xmlns="" w="9525">
                   <a:solidFill>
                     <a:srgbClr val="000000"/>
                   </a:solidFill>
@@ -7318,7 +8310,7 @@
             </a:ln>
             <a:extLst>
               <a:ext uri="{91240B29-F687-4f45-9708-019B960494DF}">
-                <a14:hiddenLine xmlns="" xmlns:a14="http://schemas.microsoft.com/office/drawing/2010/main" w="9525">
+                <a14:hiddenLine xmlns:a14="http://schemas.microsoft.com/office/drawing/2010/main" xmlns="" w="9525">
                   <a:solidFill>
                     <a:srgbClr val="000000"/>
                   </a:solidFill>
@@ -7408,7 +8400,7 @@
             </a:ln>
             <a:extLst>
               <a:ext uri="{91240B29-F687-4f45-9708-019B960494DF}">
-                <a14:hiddenLine xmlns="" xmlns:a14="http://schemas.microsoft.com/office/drawing/2010/main" w="9525">
+                <a14:hiddenLine xmlns:a14="http://schemas.microsoft.com/office/drawing/2010/main" xmlns="" w="9525">
                   <a:solidFill>
                     <a:srgbClr val="000000"/>
                   </a:solidFill>
@@ -7498,7 +8490,7 @@
             </a:ln>
             <a:extLst>
               <a:ext uri="{91240B29-F687-4f45-9708-019B960494DF}">
-                <a14:hiddenLine xmlns="" xmlns:a14="http://schemas.microsoft.com/office/drawing/2010/main" w="9525">
+                <a14:hiddenLine xmlns:a14="http://schemas.microsoft.com/office/drawing/2010/main" xmlns="" w="9525">
                   <a:solidFill>
                     <a:srgbClr val="000000"/>
                   </a:solidFill>
@@ -7563,7 +8555,7 @@
             </a:ln>
             <a:extLst>
               <a:ext uri="{91240B29-F687-4f45-9708-019B960494DF}">
-                <a14:hiddenLine xmlns="" xmlns:a14="http://schemas.microsoft.com/office/drawing/2010/main" w="9525">
+                <a14:hiddenLine xmlns:a14="http://schemas.microsoft.com/office/drawing/2010/main" xmlns="" w="9525">
                   <a:solidFill>
                     <a:srgbClr val="000000"/>
                   </a:solidFill>
@@ -7625,7 +8617,7 @@
             </a:ln>
             <a:extLst>
               <a:ext uri="{91240B29-F687-4f45-9708-019B960494DF}">
-                <a14:hiddenLine xmlns="" xmlns:a14="http://schemas.microsoft.com/office/drawing/2010/main" w="9525">
+                <a14:hiddenLine xmlns:a14="http://schemas.microsoft.com/office/drawing/2010/main" xmlns="" w="9525">
                   <a:solidFill>
                     <a:srgbClr val="000000"/>
                   </a:solidFill>
@@ -7715,7 +8707,7 @@
             </a:ln>
             <a:extLst>
               <a:ext uri="{91240B29-F687-4f45-9708-019B960494DF}">
-                <a14:hiddenLine xmlns="" xmlns:a14="http://schemas.microsoft.com/office/drawing/2010/main" w="9525">
+                <a14:hiddenLine xmlns:a14="http://schemas.microsoft.com/office/drawing/2010/main" xmlns="" w="9525">
                   <a:solidFill>
                     <a:srgbClr val="000000"/>
                   </a:solidFill>
@@ -7805,7 +8797,7 @@
             </a:ln>
             <a:extLst>
               <a:ext uri="{91240B29-F687-4f45-9708-019B960494DF}">
-                <a14:hiddenLine xmlns="" xmlns:a14="http://schemas.microsoft.com/office/drawing/2010/main" w="9525">
+                <a14:hiddenLine xmlns:a14="http://schemas.microsoft.com/office/drawing/2010/main" xmlns="" w="9525">
                   <a:solidFill>
                     <a:srgbClr val="000000"/>
                   </a:solidFill>
@@ -7867,7 +8859,7 @@
             </a:ln>
             <a:extLst>
               <a:ext uri="{91240B29-F687-4f45-9708-019B960494DF}">
-                <a14:hiddenLine xmlns="" xmlns:a14="http://schemas.microsoft.com/office/drawing/2010/main" w="9525">
+                <a14:hiddenLine xmlns:a14="http://schemas.microsoft.com/office/drawing/2010/main" xmlns="" w="9525">
                   <a:solidFill>
                     <a:srgbClr val="000000"/>
                   </a:solidFill>
@@ -7987,7 +8979,7 @@
             </a:ln>
             <a:extLst>
               <a:ext uri="{91240B29-F687-4f45-9708-019B960494DF}">
-                <a14:hiddenLine xmlns="" xmlns:a14="http://schemas.microsoft.com/office/drawing/2010/main" w="9525">
+                <a14:hiddenLine xmlns:a14="http://schemas.microsoft.com/office/drawing/2010/main" xmlns="" w="9525">
                   <a:solidFill>
                     <a:srgbClr val="000000"/>
                   </a:solidFill>
@@ -8055,7 +9047,7 @@
             </a:ln>
             <a:extLst>
               <a:ext uri="{91240B29-F687-4f45-9708-019B960494DF}">
-                <a14:hiddenLine xmlns="" xmlns:a14="http://schemas.microsoft.com/office/drawing/2010/main" w="9525">
+                <a14:hiddenLine xmlns:a14="http://schemas.microsoft.com/office/drawing/2010/main" xmlns="" w="9525">
                   <a:solidFill>
                     <a:srgbClr val="000000"/>
                   </a:solidFill>
@@ -8145,7 +9137,7 @@
             </a:ln>
             <a:extLst>
               <a:ext uri="{91240B29-F687-4f45-9708-019B960494DF}">
-                <a14:hiddenLine xmlns="" xmlns:a14="http://schemas.microsoft.com/office/drawing/2010/main" w="9525">
+                <a14:hiddenLine xmlns:a14="http://schemas.microsoft.com/office/drawing/2010/main" xmlns="" w="9525">
                   <a:solidFill>
                     <a:srgbClr val="000000"/>
                   </a:solidFill>
@@ -8285,7 +9277,7 @@
           <a:p>
             <a:fld id="{48A87A34-81AB-432B-8DAE-1953F412C126}" type="datetimeFigureOut">
               <a:rPr lang="en-US" dirty="0"/>
-              <a:t>4/3/2019</a:t>
+              <a:t>4/4/2019</a:t>
             </a:fld>
             <a:endParaRPr lang="en-US" dirty="0"/>
           </a:p>
@@ -8547,7 +9539,7 @@
           <a:p>
             <a:fld id="{48A87A34-81AB-432B-8DAE-1953F412C126}" type="datetimeFigureOut">
               <a:rPr lang="en-US" dirty="0"/>
-              <a:t>4/3/2019</a:t>
+              <a:t>4/4/2019</a:t>
             </a:fld>
             <a:endParaRPr lang="en-US" dirty="0"/>
           </a:p>
@@ -8738,7 +9730,7 @@
           <a:p>
             <a:fld id="{48A87A34-81AB-432B-8DAE-1953F412C126}" type="datetimeFigureOut">
               <a:rPr lang="en-US" dirty="0"/>
-              <a:t>4/3/2019</a:t>
+              <a:t>4/4/2019</a:t>
             </a:fld>
             <a:endParaRPr lang="en-US" dirty="0"/>
           </a:p>
@@ -8996,7 +9988,7 @@
           <a:p>
             <a:fld id="{48A87A34-81AB-432B-8DAE-1953F412C126}" type="datetimeFigureOut">
               <a:rPr lang="en-US" dirty="0"/>
-              <a:t>4/3/2019</a:t>
+              <a:t>4/4/2019</a:t>
             </a:fld>
             <a:endParaRPr lang="en-US" dirty="0"/>
           </a:p>
@@ -9425,7 +10417,7 @@
           <a:p>
             <a:fld id="{48A87A34-81AB-432B-8DAE-1953F412C126}" type="datetimeFigureOut">
               <a:rPr lang="en-US" dirty="0"/>
-              <a:t>4/3/2019</a:t>
+              <a:t>4/4/2019</a:t>
             </a:fld>
             <a:endParaRPr lang="en-US" dirty="0"/>
           </a:p>
@@ -9966,7 +10958,7 @@
           <a:p>
             <a:fld id="{48A87A34-81AB-432B-8DAE-1953F412C126}" type="datetimeFigureOut">
               <a:rPr lang="en-US" dirty="0"/>
-              <a:t>4/3/2019</a:t>
+              <a:t>4/4/2019</a:t>
             </a:fld>
             <a:endParaRPr lang="en-US" dirty="0"/>
           </a:p>
@@ -10681,7 +11673,7 @@
           <a:p>
             <a:fld id="{48A87A34-81AB-432B-8DAE-1953F412C126}" type="datetimeFigureOut">
               <a:rPr lang="en-US" dirty="0"/>
-              <a:t>4/3/2019</a:t>
+              <a:t>4/4/2019</a:t>
             </a:fld>
             <a:endParaRPr lang="en-US" dirty="0"/>
           </a:p>
@@ -10846,7 +11838,7 @@
           <a:p>
             <a:fld id="{48A87A34-81AB-432B-8DAE-1953F412C126}" type="datetimeFigureOut">
               <a:rPr lang="en-US" dirty="0"/>
-              <a:t>4/3/2019</a:t>
+              <a:t>4/4/2019</a:t>
             </a:fld>
             <a:endParaRPr lang="en-US" dirty="0"/>
           </a:p>
@@ -11021,7 +12013,7 @@
           <a:p>
             <a:fld id="{48A87A34-81AB-432B-8DAE-1953F412C126}" type="datetimeFigureOut">
               <a:rPr lang="en-US" dirty="0"/>
-              <a:t>4/3/2019</a:t>
+              <a:t>4/4/2019</a:t>
             </a:fld>
             <a:endParaRPr lang="en-US" dirty="0"/>
           </a:p>
@@ -11186,7 +12178,7 @@
           <a:p>
             <a:fld id="{48A87A34-81AB-432B-8DAE-1953F412C126}" type="datetimeFigureOut">
               <a:rPr lang="en-US" dirty="0"/>
-              <a:t>4/3/2019</a:t>
+              <a:t>4/4/2019</a:t>
             </a:fld>
             <a:endParaRPr lang="en-US" dirty="0"/>
           </a:p>
@@ -11431,7 +12423,7 @@
           <a:p>
             <a:fld id="{48A87A34-81AB-432B-8DAE-1953F412C126}" type="datetimeFigureOut">
               <a:rPr lang="en-US" dirty="0"/>
-              <a:t>4/3/2019</a:t>
+              <a:t>4/4/2019</a:t>
             </a:fld>
             <a:endParaRPr lang="en-US" dirty="0"/>
           </a:p>
@@ -11658,7 +12650,7 @@
           <a:p>
             <a:fld id="{48A87A34-81AB-432B-8DAE-1953F412C126}" type="datetimeFigureOut">
               <a:rPr lang="en-US" dirty="0"/>
-              <a:t>4/3/2019</a:t>
+              <a:t>4/4/2019</a:t>
             </a:fld>
             <a:endParaRPr lang="en-US" dirty="0"/>
           </a:p>
@@ -12034,7 +13026,7 @@
           <a:p>
             <a:fld id="{48A87A34-81AB-432B-8DAE-1953F412C126}" type="datetimeFigureOut">
               <a:rPr lang="en-US" dirty="0"/>
-              <a:t>4/3/2019</a:t>
+              <a:t>4/4/2019</a:t>
             </a:fld>
             <a:endParaRPr lang="en-US" dirty="0"/>
           </a:p>
@@ -12147,7 +13139,7 @@
           <a:p>
             <a:fld id="{48A87A34-81AB-432B-8DAE-1953F412C126}" type="datetimeFigureOut">
               <a:rPr lang="en-US" dirty="0"/>
-              <a:t>4/3/2019</a:t>
+              <a:t>4/4/2019</a:t>
             </a:fld>
             <a:endParaRPr lang="en-US" dirty="0"/>
           </a:p>
@@ -12237,7 +13229,7 @@
           <a:p>
             <a:fld id="{48A87A34-81AB-432B-8DAE-1953F412C126}" type="datetimeFigureOut">
               <a:rPr lang="en-US" dirty="0"/>
-              <a:t>4/3/2019</a:t>
+              <a:t>4/4/2019</a:t>
             </a:fld>
             <a:endParaRPr lang="en-US" dirty="0"/>
           </a:p>
@@ -12481,7 +13473,7 @@
           <a:p>
             <a:fld id="{48A87A34-81AB-432B-8DAE-1953F412C126}" type="datetimeFigureOut">
               <a:rPr lang="en-US" dirty="0"/>
-              <a:t>4/3/2019</a:t>
+              <a:t>4/4/2019</a:t>
             </a:fld>
             <a:endParaRPr lang="en-US" dirty="0"/>
           </a:p>
@@ -12756,7 +13748,7 @@
           <a:p>
             <a:fld id="{48A87A34-81AB-432B-8DAE-1953F412C126}" type="datetimeFigureOut">
               <a:rPr lang="en-US" dirty="0"/>
-              <a:t>4/3/2019</a:t>
+              <a:t>4/4/2019</a:t>
             </a:fld>
             <a:endParaRPr lang="en-US" dirty="0"/>
           </a:p>
@@ -12867,7 +13859,7 @@
           <a:noFill/>
           <a:extLst>
             <a:ext uri="{909E8E84-426E-40dd-AFC4-6F175D3DCCD1}">
-              <a14:hiddenFill xmlns="" xmlns:a14="http://schemas.microsoft.com/office/drawing/2010/main">
+              <a14:hiddenFill xmlns:a14="http://schemas.microsoft.com/office/drawing/2010/main" xmlns="">
                 <a:solidFill>
                   <a:srgbClr val="FFFFFF"/>
                 </a:solidFill>
@@ -12941,7 +13933,7 @@
               </a:ln>
               <a:extLst>
                 <a:ext uri="{91240B29-F687-4f45-9708-019B960494DF}">
-                  <a14:hiddenLine xmlns="" xmlns:a14="http://schemas.microsoft.com/office/drawing/2010/main" w="9525">
+                  <a14:hiddenLine xmlns:a14="http://schemas.microsoft.com/office/drawing/2010/main" xmlns="" w="9525">
                     <a:solidFill>
                       <a:srgbClr val="000000"/>
                     </a:solidFill>
@@ -13031,7 +14023,7 @@
               </a:ln>
               <a:extLst>
                 <a:ext uri="{91240B29-F687-4f45-9708-019B960494DF}">
-                  <a14:hiddenLine xmlns="" xmlns:a14="http://schemas.microsoft.com/office/drawing/2010/main" w="9525">
+                  <a14:hiddenLine xmlns:a14="http://schemas.microsoft.com/office/drawing/2010/main" xmlns="" w="9525">
                     <a:solidFill>
                       <a:srgbClr val="000000"/>
                     </a:solidFill>
@@ -13121,7 +14113,7 @@
               </a:ln>
               <a:extLst>
                 <a:ext uri="{91240B29-F687-4f45-9708-019B960494DF}">
-                  <a14:hiddenLine xmlns="" xmlns:a14="http://schemas.microsoft.com/office/drawing/2010/main" w="9525">
+                  <a14:hiddenLine xmlns:a14="http://schemas.microsoft.com/office/drawing/2010/main" xmlns="" w="9525">
                     <a:solidFill>
                       <a:srgbClr val="000000"/>
                     </a:solidFill>
@@ -13183,7 +14175,7 @@
               </a:ln>
               <a:extLst>
                 <a:ext uri="{91240B29-F687-4f45-9708-019B960494DF}">
-                  <a14:hiddenLine xmlns="" xmlns:a14="http://schemas.microsoft.com/office/drawing/2010/main" w="9525">
+                  <a14:hiddenLine xmlns:a14="http://schemas.microsoft.com/office/drawing/2010/main" xmlns="" w="9525">
                     <a:solidFill>
                       <a:srgbClr val="000000"/>
                     </a:solidFill>
@@ -13273,7 +14265,7 @@
               </a:ln>
               <a:extLst>
                 <a:ext uri="{91240B29-F687-4f45-9708-019B960494DF}">
-                  <a14:hiddenLine xmlns="" xmlns:a14="http://schemas.microsoft.com/office/drawing/2010/main" w="9525">
+                  <a14:hiddenLine xmlns:a14="http://schemas.microsoft.com/office/drawing/2010/main" xmlns="" w="9525">
                     <a:solidFill>
                       <a:srgbClr val="000000"/>
                     </a:solidFill>
@@ -13335,7 +14327,7 @@
               </a:ln>
               <a:extLst>
                 <a:ext uri="{91240B29-F687-4f45-9708-019B960494DF}">
-                  <a14:hiddenLine xmlns="" xmlns:a14="http://schemas.microsoft.com/office/drawing/2010/main" w="9525">
+                  <a14:hiddenLine xmlns:a14="http://schemas.microsoft.com/office/drawing/2010/main" xmlns="" w="9525">
                     <a:solidFill>
                       <a:srgbClr val="000000"/>
                     </a:solidFill>
@@ -13397,7 +14389,7 @@
               </a:ln>
               <a:extLst>
                 <a:ext uri="{91240B29-F687-4f45-9708-019B960494DF}">
-                  <a14:hiddenLine xmlns="" xmlns:a14="http://schemas.microsoft.com/office/drawing/2010/main" w="9525">
+                  <a14:hiddenLine xmlns:a14="http://schemas.microsoft.com/office/drawing/2010/main" xmlns="" w="9525">
                     <a:solidFill>
                       <a:srgbClr val="000000"/>
                     </a:solidFill>
@@ -13487,7 +14479,7 @@
               </a:ln>
               <a:extLst>
                 <a:ext uri="{91240B29-F687-4f45-9708-019B960494DF}">
-                  <a14:hiddenLine xmlns="" xmlns:a14="http://schemas.microsoft.com/office/drawing/2010/main" w="9525">
+                  <a14:hiddenLine xmlns:a14="http://schemas.microsoft.com/office/drawing/2010/main" xmlns="" w="9525">
                     <a:solidFill>
                       <a:srgbClr val="000000"/>
                     </a:solidFill>
@@ -13577,7 +14569,7 @@
               </a:ln>
               <a:extLst>
                 <a:ext uri="{91240B29-F687-4f45-9708-019B960494DF}">
-                  <a14:hiddenLine xmlns="" xmlns:a14="http://schemas.microsoft.com/office/drawing/2010/main" w="9525">
+                  <a14:hiddenLine xmlns:a14="http://schemas.microsoft.com/office/drawing/2010/main" xmlns="" w="9525">
                     <a:solidFill>
                       <a:srgbClr val="000000"/>
                     </a:solidFill>
@@ -13639,7 +14631,7 @@
               </a:ln>
               <a:extLst>
                 <a:ext uri="{91240B29-F687-4f45-9708-019B960494DF}">
-                  <a14:hiddenLine xmlns="" xmlns:a14="http://schemas.microsoft.com/office/drawing/2010/main" w="9525">
+                  <a14:hiddenLine xmlns:a14="http://schemas.microsoft.com/office/drawing/2010/main" xmlns="" w="9525">
                     <a:solidFill>
                       <a:srgbClr val="000000"/>
                     </a:solidFill>
@@ -13749,7 +14741,7 @@
               </a:ln>
               <a:extLst>
                 <a:ext uri="{91240B29-F687-4f45-9708-019B960494DF}">
-                  <a14:hiddenLine xmlns="" xmlns:a14="http://schemas.microsoft.com/office/drawing/2010/main" w="9525">
+                  <a14:hiddenLine xmlns:a14="http://schemas.microsoft.com/office/drawing/2010/main" xmlns="" w="9525">
                     <a:solidFill>
                       <a:srgbClr val="000000"/>
                     </a:solidFill>
@@ -13833,7 +14825,7 @@
               </a:ln>
               <a:extLst>
                 <a:ext uri="{91240B29-F687-4f45-9708-019B960494DF}">
-                  <a14:hiddenLine xmlns="" xmlns:a14="http://schemas.microsoft.com/office/drawing/2010/main" w="9525">
+                  <a14:hiddenLine xmlns:a14="http://schemas.microsoft.com/office/drawing/2010/main" xmlns="" w="9525">
                     <a:solidFill>
                       <a:srgbClr val="000000"/>
                     </a:solidFill>
@@ -13895,7 +14887,7 @@
               </a:ln>
               <a:extLst>
                 <a:ext uri="{91240B29-F687-4f45-9708-019B960494DF}">
-                  <a14:hiddenLine xmlns="" xmlns:a14="http://schemas.microsoft.com/office/drawing/2010/main" w="9525">
+                  <a14:hiddenLine xmlns:a14="http://schemas.microsoft.com/office/drawing/2010/main" xmlns="" w="9525">
                     <a:solidFill>
                       <a:srgbClr val="000000"/>
                     </a:solidFill>
@@ -13957,7 +14949,7 @@
               </a:ln>
               <a:extLst>
                 <a:ext uri="{91240B29-F687-4f45-9708-019B960494DF}">
-                  <a14:hiddenLine xmlns="" xmlns:a14="http://schemas.microsoft.com/office/drawing/2010/main" w="9525">
+                  <a14:hiddenLine xmlns:a14="http://schemas.microsoft.com/office/drawing/2010/main" xmlns="" w="9525">
                     <a:solidFill>
                       <a:srgbClr val="000000"/>
                     </a:solidFill>
@@ -14047,7 +15039,7 @@
               </a:ln>
               <a:extLst>
                 <a:ext uri="{91240B29-F687-4f45-9708-019B960494DF}">
-                  <a14:hiddenLine xmlns="" xmlns:a14="http://schemas.microsoft.com/office/drawing/2010/main" w="9525">
+                  <a14:hiddenLine xmlns:a14="http://schemas.microsoft.com/office/drawing/2010/main" xmlns="" w="9525">
                     <a:solidFill>
                       <a:srgbClr val="000000"/>
                     </a:solidFill>
@@ -14081,7 +15073,7 @@
               </a:ln>
               <a:extLst>
                 <a:ext uri="{91240B29-F687-4f45-9708-019B960494DF}">
-                  <a14:hiddenLine xmlns="" xmlns:a14="http://schemas.microsoft.com/office/drawing/2010/main" w="9525">
+                  <a14:hiddenLine xmlns:a14="http://schemas.microsoft.com/office/drawing/2010/main" xmlns="" w="9525">
                     <a:solidFill>
                       <a:srgbClr val="000000"/>
                     </a:solidFill>
@@ -14146,7 +15138,7 @@
               </a:ln>
               <a:extLst>
                 <a:ext uri="{91240B29-F687-4f45-9708-019B960494DF}">
-                  <a14:hiddenLine xmlns="" xmlns:a14="http://schemas.microsoft.com/office/drawing/2010/main" w="9525">
+                  <a14:hiddenLine xmlns:a14="http://schemas.microsoft.com/office/drawing/2010/main" xmlns="" w="9525">
                     <a:solidFill>
                       <a:srgbClr val="000000"/>
                     </a:solidFill>
@@ -14236,7 +15228,7 @@
               </a:ln>
               <a:extLst>
                 <a:ext uri="{91240B29-F687-4f45-9708-019B960494DF}">
-                  <a14:hiddenLine xmlns="" xmlns:a14="http://schemas.microsoft.com/office/drawing/2010/main" w="9525">
+                  <a14:hiddenLine xmlns:a14="http://schemas.microsoft.com/office/drawing/2010/main" xmlns="" w="9525">
                     <a:solidFill>
                       <a:srgbClr val="000000"/>
                     </a:solidFill>
@@ -14298,7 +15290,7 @@
               </a:ln>
               <a:extLst>
                 <a:ext uri="{91240B29-F687-4f45-9708-019B960494DF}">
-                  <a14:hiddenLine xmlns="" xmlns:a14="http://schemas.microsoft.com/office/drawing/2010/main" w="9525">
+                  <a14:hiddenLine xmlns:a14="http://schemas.microsoft.com/office/drawing/2010/main" xmlns="" w="9525">
                     <a:solidFill>
                       <a:srgbClr val="000000"/>
                     </a:solidFill>
@@ -14388,7 +15380,7 @@
               </a:ln>
               <a:extLst>
                 <a:ext uri="{91240B29-F687-4f45-9708-019B960494DF}">
-                  <a14:hiddenLine xmlns="" xmlns:a14="http://schemas.microsoft.com/office/drawing/2010/main" w="9525">
+                  <a14:hiddenLine xmlns:a14="http://schemas.microsoft.com/office/drawing/2010/main" xmlns="" w="9525">
                     <a:solidFill>
                       <a:srgbClr val="000000"/>
                     </a:solidFill>
@@ -14453,7 +15445,7 @@
               </a:ln>
               <a:extLst>
                 <a:ext uri="{91240B29-F687-4f45-9708-019B960494DF}">
-                  <a14:hiddenLine xmlns="" xmlns:a14="http://schemas.microsoft.com/office/drawing/2010/main" w="9525">
+                  <a14:hiddenLine xmlns:a14="http://schemas.microsoft.com/office/drawing/2010/main" xmlns="" w="9525">
                     <a:solidFill>
                       <a:srgbClr val="000000"/>
                     </a:solidFill>
@@ -14515,7 +15507,7 @@
               </a:ln>
               <a:extLst>
                 <a:ext uri="{91240B29-F687-4f45-9708-019B960494DF}">
-                  <a14:hiddenLine xmlns="" xmlns:a14="http://schemas.microsoft.com/office/drawing/2010/main" w="9525">
+                  <a14:hiddenLine xmlns:a14="http://schemas.microsoft.com/office/drawing/2010/main" xmlns="" w="9525">
                     <a:solidFill>
                       <a:srgbClr val="000000"/>
                     </a:solidFill>
@@ -14605,7 +15597,7 @@
               </a:ln>
               <a:extLst>
                 <a:ext uri="{91240B29-F687-4f45-9708-019B960494DF}">
-                  <a14:hiddenLine xmlns="" xmlns:a14="http://schemas.microsoft.com/office/drawing/2010/main" w="9525">
+                  <a14:hiddenLine xmlns:a14="http://schemas.microsoft.com/office/drawing/2010/main" xmlns="" w="9525">
                     <a:solidFill>
                       <a:srgbClr val="000000"/>
                     </a:solidFill>
@@ -14695,7 +15687,7 @@
               </a:ln>
               <a:extLst>
                 <a:ext uri="{91240B29-F687-4f45-9708-019B960494DF}">
-                  <a14:hiddenLine xmlns="" xmlns:a14="http://schemas.microsoft.com/office/drawing/2010/main" w="9525">
+                  <a14:hiddenLine xmlns:a14="http://schemas.microsoft.com/office/drawing/2010/main" xmlns="" w="9525">
                     <a:solidFill>
                       <a:srgbClr val="000000"/>
                     </a:solidFill>
@@ -14760,7 +15752,7 @@
               </a:ln>
               <a:extLst>
                 <a:ext uri="{91240B29-F687-4f45-9708-019B960494DF}">
-                  <a14:hiddenLine xmlns="" xmlns:a14="http://schemas.microsoft.com/office/drawing/2010/main" w="9525">
+                  <a14:hiddenLine xmlns:a14="http://schemas.microsoft.com/office/drawing/2010/main" xmlns="" w="9525">
                     <a:solidFill>
                       <a:srgbClr val="000000"/>
                     </a:solidFill>
@@ -14880,7 +15872,7 @@
               </a:ln>
               <a:extLst>
                 <a:ext uri="{91240B29-F687-4f45-9708-019B960494DF}">
-                  <a14:hiddenLine xmlns="" xmlns:a14="http://schemas.microsoft.com/office/drawing/2010/main" w="9525">
+                  <a14:hiddenLine xmlns:a14="http://schemas.microsoft.com/office/drawing/2010/main" xmlns="" w="9525">
                     <a:solidFill>
                       <a:srgbClr val="000000"/>
                     </a:solidFill>
@@ -14978,7 +15970,7 @@
               </a:ln>
               <a:extLst>
                 <a:ext uri="{91240B29-F687-4f45-9708-019B960494DF}">
-                  <a14:hiddenLine xmlns="" xmlns:a14="http://schemas.microsoft.com/office/drawing/2010/main" w="9525">
+                  <a14:hiddenLine xmlns:a14="http://schemas.microsoft.com/office/drawing/2010/main" xmlns="" w="9525">
                     <a:solidFill>
                       <a:srgbClr val="000000"/>
                     </a:solidFill>
@@ -15093,7 +16085,7 @@
               </a:ln>
               <a:extLst>
                 <a:ext uri="{91240B29-F687-4f45-9708-019B960494DF}">
-                  <a14:hiddenLine xmlns="" xmlns:a14="http://schemas.microsoft.com/office/drawing/2010/main" w="9525">
+                  <a14:hiddenLine xmlns:a14="http://schemas.microsoft.com/office/drawing/2010/main" xmlns="" w="9525">
                     <a:solidFill>
                       <a:srgbClr val="000000"/>
                     </a:solidFill>
@@ -15183,7 +16175,7 @@
               </a:ln>
               <a:extLst>
                 <a:ext uri="{91240B29-F687-4f45-9708-019B960494DF}">
-                  <a14:hiddenLine xmlns="" xmlns:a14="http://schemas.microsoft.com/office/drawing/2010/main" w="9525">
+                  <a14:hiddenLine xmlns:a14="http://schemas.microsoft.com/office/drawing/2010/main" xmlns="" w="9525">
                     <a:solidFill>
                       <a:srgbClr val="000000"/>
                     </a:solidFill>
@@ -15248,7 +16240,7 @@
               </a:ln>
               <a:extLst>
                 <a:ext uri="{91240B29-F687-4f45-9708-019B960494DF}">
-                  <a14:hiddenLine xmlns="" xmlns:a14="http://schemas.microsoft.com/office/drawing/2010/main" w="9525">
+                  <a14:hiddenLine xmlns:a14="http://schemas.microsoft.com/office/drawing/2010/main" xmlns="" w="9525">
                     <a:solidFill>
                       <a:srgbClr val="000000"/>
                     </a:solidFill>
@@ -15338,7 +16330,7 @@
               </a:ln>
               <a:extLst>
                 <a:ext uri="{91240B29-F687-4f45-9708-019B960494DF}">
-                  <a14:hiddenLine xmlns="" xmlns:a14="http://schemas.microsoft.com/office/drawing/2010/main" w="9525">
+                  <a14:hiddenLine xmlns:a14="http://schemas.microsoft.com/office/drawing/2010/main" xmlns="" w="9525">
                     <a:solidFill>
                       <a:srgbClr val="000000"/>
                     </a:solidFill>
@@ -15406,7 +16398,7 @@
               </a:ln>
               <a:extLst>
                 <a:ext uri="{91240B29-F687-4f45-9708-019B960494DF}">
-                  <a14:hiddenLine xmlns="" xmlns:a14="http://schemas.microsoft.com/office/drawing/2010/main" w="9525">
+                  <a14:hiddenLine xmlns:a14="http://schemas.microsoft.com/office/drawing/2010/main" xmlns="" w="9525">
                     <a:solidFill>
                       <a:srgbClr val="000000"/>
                     </a:solidFill>
@@ -15496,7 +16488,7 @@
               </a:ln>
               <a:extLst>
                 <a:ext uri="{91240B29-F687-4f45-9708-019B960494DF}">
-                  <a14:hiddenLine xmlns="" xmlns:a14="http://schemas.microsoft.com/office/drawing/2010/main" w="9525">
+                  <a14:hiddenLine xmlns:a14="http://schemas.microsoft.com/office/drawing/2010/main" xmlns="" w="9525">
                     <a:solidFill>
                       <a:srgbClr val="000000"/>
                     </a:solidFill>
@@ -15564,7 +16556,7 @@
               </a:ln>
               <a:extLst>
                 <a:ext uri="{91240B29-F687-4f45-9708-019B960494DF}">
-                  <a14:hiddenLine xmlns="" xmlns:a14="http://schemas.microsoft.com/office/drawing/2010/main" w="9525">
+                  <a14:hiddenLine xmlns:a14="http://schemas.microsoft.com/office/drawing/2010/main" xmlns="" w="9525">
                     <a:solidFill>
                       <a:srgbClr val="000000"/>
                     </a:solidFill>
@@ -15654,7 +16646,7 @@
               </a:ln>
               <a:extLst>
                 <a:ext uri="{91240B29-F687-4f45-9708-019B960494DF}">
-                  <a14:hiddenLine xmlns="" xmlns:a14="http://schemas.microsoft.com/office/drawing/2010/main" w="9525">
+                  <a14:hiddenLine xmlns:a14="http://schemas.microsoft.com/office/drawing/2010/main" xmlns="" w="9525">
                     <a:solidFill>
                       <a:srgbClr val="000000"/>
                     </a:solidFill>
@@ -15688,7 +16680,7 @@
               </a:ln>
               <a:extLst>
                 <a:ext uri="{91240B29-F687-4f45-9708-019B960494DF}">
-                  <a14:hiddenLine xmlns="" xmlns:a14="http://schemas.microsoft.com/office/drawing/2010/main" w="9525">
+                  <a14:hiddenLine xmlns:a14="http://schemas.microsoft.com/office/drawing/2010/main" xmlns="" w="9525">
                     <a:solidFill>
                       <a:srgbClr val="000000"/>
                     </a:solidFill>
@@ -15829,7 +16821,7 @@
             <a:fld id="{48A87A34-81AB-432B-8DAE-1953F412C126}" type="datetimeFigureOut">
               <a:rPr lang="en-US" dirty="0"/>
               <a:pPr/>
-              <a:t>4/3/2019</a:t>
+              <a:t>4/4/2019</a:t>
             </a:fld>
             <a:endParaRPr lang="en-US" dirty="0"/>
           </a:p>
@@ -24523,7 +25515,7 @@
             </a:r>
             <a:r>
               <a:rPr lang="de-DE" dirty="0" err="1"/>
-              <a:t>programing</a:t>
+              <a:t>programMing</a:t>
             </a:r>
             <a:endParaRPr lang="de-DE" dirty="0"/>
           </a:p>
@@ -24547,7 +25539,9 @@
         </p:nvSpPr>
         <p:spPr/>
         <p:txBody>
-          <a:bodyPr/>
+          <a:bodyPr>
+            <a:normAutofit fontScale="92500"/>
+          </a:bodyPr>
           <a:lstStyle/>
           <a:p>
             <a:r>
@@ -24556,12 +25550,29 @@
             </a:r>
           </a:p>
           <a:p>
-            <a:endParaRPr lang="de-DE" dirty="0"/>
-          </a:p>
-          <a:p>
             <a:r>
               <a:rPr lang="de-DE" dirty="0"/>
-              <a:t>… TBD</a:t>
+              <a:t>Teilergebnisse so speichern, dass sie einfach zugänglich sind und Parameter enthalten</a:t>
+            </a:r>
+          </a:p>
+          <a:p>
+            <a:r>
+              <a:rPr lang="de-DE" dirty="0"/>
+              <a:t>Dynamic </a:t>
+            </a:r>
+            <a:r>
+              <a:rPr lang="de-DE" dirty="0" err="1"/>
+              <a:t>Programming</a:t>
+            </a:r>
+            <a:r>
+              <a:rPr lang="de-DE" dirty="0"/>
+              <a:t> ist eine elegante Art auszudrücken: Speichern um später Zeit zu sparen</a:t>
+            </a:r>
+          </a:p>
+          <a:p>
+            <a:r>
+              <a:rPr lang="de-DE" dirty="0"/>
+              <a:t>Lösen des Knappsack mittels dynamischer Programmierung</a:t>
             </a:r>
           </a:p>
         </p:txBody>
@@ -24601,7 +25612,7 @@
           <p:cNvPr id="2" name="Titel 1">
             <a:extLst>
               <a:ext uri="{FF2B5EF4-FFF2-40B4-BE49-F238E27FC236}">
-                <a16:creationId xmlns:a16="http://schemas.microsoft.com/office/drawing/2014/main" id="{634D12EA-FB07-479B-9561-59FEA756A204}"/>
+                <a16:creationId xmlns:a16="http://schemas.microsoft.com/office/drawing/2014/main" id="{E2A77B03-4397-4038-B1AB-AB31FD4EB8F1}"/>
               </a:ext>
             </a:extLst>
           </p:cNvPr>
@@ -24619,8 +25630,13 @@
           <a:p>
             <a:r>
               <a:rPr lang="de-DE" dirty="0"/>
-              <a:t>Stark vs. Schwach NP-Vollständig</a:t>
-            </a:r>
+              <a:t>Dynamic </a:t>
+            </a:r>
+            <a:r>
+              <a:rPr lang="de-DE" dirty="0" err="1"/>
+              <a:t>programMing</a:t>
+            </a:r>
+            <a:endParaRPr lang="de-DE" dirty="0"/>
           </a:p>
         </p:txBody>
       </p:sp>
@@ -24629,7 +25645,7 @@
           <p:cNvPr id="3" name="Inhaltsplatzhalter 2">
             <a:extLst>
               <a:ext uri="{FF2B5EF4-FFF2-40B4-BE49-F238E27FC236}">
-                <a16:creationId xmlns:a16="http://schemas.microsoft.com/office/drawing/2014/main" id="{C6170CE4-9DED-4E82-8A23-7C180B604311}"/>
+                <a16:creationId xmlns:a16="http://schemas.microsoft.com/office/drawing/2014/main" id="{9F36CD30-3795-4596-A5E4-923CCB697245}"/>
               </a:ext>
             </a:extLst>
           </p:cNvPr>
@@ -24647,32 +25663,80 @@
           <a:p>
             <a:r>
               <a:rPr lang="de-DE" dirty="0"/>
-              <a:t>Ein NP-vollständiges Problem ist schwach NP-vollständig, wenn es einen </a:t>
-            </a:r>
+              <a:t>Eingabe für Knappsack:</a:t>
+            </a:r>
+          </a:p>
+          <a:p>
+            <a:pPr lvl="1"/>
+            <a:r>
+              <a:rPr lang="de-DE" dirty="0"/>
+              <a:t>Values (im Array v)</a:t>
+            </a:r>
+          </a:p>
+          <a:p>
+            <a:pPr lvl="1"/>
             <a:r>
               <a:rPr lang="de-DE" dirty="0" err="1"/>
-              <a:t>pseudopolynomimiellen</a:t>
+              <a:t>Weights</a:t>
             </a:r>
             <a:r>
               <a:rPr lang="de-DE" dirty="0"/>
-              <a:t> Algorithmus für dieses Problem existiert.</a:t>
-            </a:r>
-          </a:p>
-          <a:p>
+              <a:t> (im </a:t>
+            </a:r>
+            <a:r>
+              <a:rPr lang="de-DE"/>
+              <a:t>Array </a:t>
+            </a:r>
+            <a:r>
+              <a:rPr lang="de-DE" dirty="0"/>
+              <a:t>w</a:t>
+            </a:r>
+            <a:r>
+              <a:rPr lang="de-DE"/>
+              <a:t>)</a:t>
+            </a:r>
             <a:endParaRPr lang="de-DE" dirty="0"/>
           </a:p>
           <a:p>
+            <a:pPr lvl="1"/>
+            <a:r>
+              <a:rPr lang="de-DE" dirty="0" err="1"/>
+              <a:t>Number</a:t>
+            </a:r>
             <a:r>
               <a:rPr lang="de-DE" dirty="0"/>
-              <a:t>Gibt es keinen </a:t>
+              <a:t> </a:t>
             </a:r>
             <a:r>
               <a:rPr lang="de-DE" dirty="0" err="1"/>
-              <a:t>pseudopolynomiellen</a:t>
+              <a:t>of</a:t>
             </a:r>
             <a:r>
               <a:rPr lang="de-DE" dirty="0"/>
-              <a:t> Algorithmus, wird das Problem schwach NP-vollständig genannt.</a:t>
+              <a:t> </a:t>
+            </a:r>
+            <a:r>
+              <a:rPr lang="de-DE" b="1" dirty="0" err="1"/>
+              <a:t>distinct</a:t>
+            </a:r>
+            <a:r>
+              <a:rPr lang="de-DE" dirty="0"/>
+              <a:t> </a:t>
+            </a:r>
+            <a:r>
+              <a:rPr lang="de-DE" dirty="0" err="1"/>
+              <a:t>items</a:t>
+            </a:r>
+            <a:r>
+              <a:rPr lang="de-DE" dirty="0"/>
+              <a:t> (n)</a:t>
+            </a:r>
+          </a:p>
+          <a:p>
+            <a:pPr lvl="1"/>
+            <a:r>
+              <a:rPr lang="de-DE" dirty="0"/>
+              <a:t>Knappsack-Größe (W)</a:t>
             </a:r>
           </a:p>
         </p:txBody>
@@ -24680,7 +25744,7 @@
     </p:spTree>
     <p:extLst>
       <p:ext uri="{BB962C8B-B14F-4D97-AF65-F5344CB8AC3E}">
-        <p14:creationId xmlns:p14="http://schemas.microsoft.com/office/powerpoint/2010/main" val="812495491"/>
+        <p14:creationId xmlns:p14="http://schemas.microsoft.com/office/powerpoint/2010/main" val="3445684984"/>
       </p:ext>
     </p:extLst>
   </p:cSld>
@@ -24712,7 +25776,7 @@
           <p:cNvPr id="2" name="Titel 1">
             <a:extLst>
               <a:ext uri="{FF2B5EF4-FFF2-40B4-BE49-F238E27FC236}">
-                <a16:creationId xmlns:a16="http://schemas.microsoft.com/office/drawing/2014/main" id="{7D97D14A-F34C-4DCC-AE81-26DE8A2D0FC5}"/>
+                <a16:creationId xmlns:a16="http://schemas.microsoft.com/office/drawing/2014/main" id="{634D12EA-FB07-479B-9561-59FEA756A204}"/>
               </a:ext>
             </a:extLst>
           </p:cNvPr>
@@ -24740,7 +25804,7 @@
           <p:cNvPr id="3" name="Inhaltsplatzhalter 2">
             <a:extLst>
               <a:ext uri="{FF2B5EF4-FFF2-40B4-BE49-F238E27FC236}">
-                <a16:creationId xmlns:a16="http://schemas.microsoft.com/office/drawing/2014/main" id="{2119926F-6A60-4FCB-8986-758BB320D0FD}"/>
+                <a16:creationId xmlns:a16="http://schemas.microsoft.com/office/drawing/2014/main" id="{C6170CE4-9DED-4E82-8A23-7C180B604311}"/>
               </a:ext>
             </a:extLst>
           </p:cNvPr>
@@ -24758,7 +25822,15 @@
           <a:p>
             <a:r>
               <a:rPr lang="de-DE" dirty="0"/>
-              <a:t>Warum ist Knappsack schwach NP-vollständig?</a:t>
+              <a:t>Ein NP-vollständiges Problem ist schwach NP-vollständig, wenn es einen </a:t>
+            </a:r>
+            <a:r>
+              <a:rPr lang="de-DE" dirty="0" err="1"/>
+              <a:t>pseudopolynomimiellen</a:t>
+            </a:r>
+            <a:r>
+              <a:rPr lang="de-DE" dirty="0"/>
+              <a:t> Algorithmus für dieses Problem existiert.</a:t>
             </a:r>
           </a:p>
           <a:p>
@@ -24767,7 +25839,7 @@
           <a:p>
             <a:r>
               <a:rPr lang="de-DE" dirty="0"/>
-              <a:t>Es gibt einen </a:t>
+              <a:t>Gibt es keinen </a:t>
             </a:r>
             <a:r>
               <a:rPr lang="de-DE" dirty="0" err="1"/>
@@ -24775,7 +25847,7 @@
             </a:r>
             <a:r>
               <a:rPr lang="de-DE" dirty="0"/>
-              <a:t> Algorithmus</a:t>
+              <a:t> Algorithmus, wird das Problem schwach NP-vollständig genannt.</a:t>
             </a:r>
           </a:p>
         </p:txBody>
@@ -24783,7 +25855,7 @@
     </p:spTree>
     <p:extLst>
       <p:ext uri="{BB962C8B-B14F-4D97-AF65-F5344CB8AC3E}">
-        <p14:creationId xmlns:p14="http://schemas.microsoft.com/office/powerpoint/2010/main" val="893054391"/>
+        <p14:creationId xmlns:p14="http://schemas.microsoft.com/office/powerpoint/2010/main" val="812495491"/>
       </p:ext>
     </p:extLst>
   </p:cSld>
@@ -25129,6 +26201,109 @@
           <p:cNvPr id="2" name="Titel 1">
             <a:extLst>
               <a:ext uri="{FF2B5EF4-FFF2-40B4-BE49-F238E27FC236}">
+                <a16:creationId xmlns:a16="http://schemas.microsoft.com/office/drawing/2014/main" id="{7D97D14A-F34C-4DCC-AE81-26DE8A2D0FC5}"/>
+              </a:ext>
+            </a:extLst>
+          </p:cNvPr>
+          <p:cNvSpPr>
+            <a:spLocks noGrp="1"/>
+          </p:cNvSpPr>
+          <p:nvPr>
+            <p:ph type="title"/>
+          </p:nvPr>
+        </p:nvSpPr>
+        <p:spPr/>
+        <p:txBody>
+          <a:bodyPr/>
+          <a:lstStyle/>
+          <a:p>
+            <a:r>
+              <a:rPr lang="de-DE" dirty="0"/>
+              <a:t>Stark vs. Schwach NP-Vollständig</a:t>
+            </a:r>
+          </a:p>
+        </p:txBody>
+      </p:sp>
+      <p:sp>
+        <p:nvSpPr>
+          <p:cNvPr id="3" name="Inhaltsplatzhalter 2">
+            <a:extLst>
+              <a:ext uri="{FF2B5EF4-FFF2-40B4-BE49-F238E27FC236}">
+                <a16:creationId xmlns:a16="http://schemas.microsoft.com/office/drawing/2014/main" id="{2119926F-6A60-4FCB-8986-758BB320D0FD}"/>
+              </a:ext>
+            </a:extLst>
+          </p:cNvPr>
+          <p:cNvSpPr>
+            <a:spLocks noGrp="1"/>
+          </p:cNvSpPr>
+          <p:nvPr>
+            <p:ph idx="1"/>
+          </p:nvPr>
+        </p:nvSpPr>
+        <p:spPr/>
+        <p:txBody>
+          <a:bodyPr/>
+          <a:lstStyle/>
+          <a:p>
+            <a:r>
+              <a:rPr lang="de-DE" dirty="0"/>
+              <a:t>Warum ist Knappsack schwach NP-vollständig?</a:t>
+            </a:r>
+          </a:p>
+          <a:p>
+            <a:endParaRPr lang="de-DE" dirty="0"/>
+          </a:p>
+          <a:p>
+            <a:r>
+              <a:rPr lang="de-DE" dirty="0"/>
+              <a:t>Es gibt einen </a:t>
+            </a:r>
+            <a:r>
+              <a:rPr lang="de-DE" dirty="0" err="1"/>
+              <a:t>pseudopolynomiellen</a:t>
+            </a:r>
+            <a:r>
+              <a:rPr lang="de-DE" dirty="0"/>
+              <a:t> Algorithmus</a:t>
+            </a:r>
+          </a:p>
+        </p:txBody>
+      </p:sp>
+    </p:spTree>
+    <p:extLst>
+      <p:ext uri="{BB962C8B-B14F-4D97-AF65-F5344CB8AC3E}">
+        <p14:creationId xmlns:p14="http://schemas.microsoft.com/office/powerpoint/2010/main" val="893054391"/>
+      </p:ext>
+    </p:extLst>
+  </p:cSld>
+  <p:clrMapOvr>
+    <a:masterClrMapping/>
+  </p:clrMapOvr>
+</p:sld>
+</file>
+
+<file path=ppt/slides/slide21.xml><?xml version="1.0" encoding="utf-8"?>
+<p:sld xmlns:a="http://schemas.openxmlformats.org/drawingml/2006/main" xmlns:r="http://schemas.openxmlformats.org/officeDocument/2006/relationships" xmlns:p="http://schemas.openxmlformats.org/presentationml/2006/main">
+  <p:cSld>
+    <p:spTree>
+      <p:nvGrpSpPr>
+        <p:cNvPr id="1" name=""/>
+        <p:cNvGrpSpPr/>
+        <p:nvPr/>
+      </p:nvGrpSpPr>
+      <p:grpSpPr>
+        <a:xfrm>
+          <a:off x="0" y="0"/>
+          <a:ext cx="0" cy="0"/>
+          <a:chOff x="0" y="0"/>
+          <a:chExt cx="0" cy="0"/>
+        </a:xfrm>
+      </p:grpSpPr>
+      <p:sp>
+        <p:nvSpPr>
+          <p:cNvPr id="2" name="Titel 1">
+            <a:extLst>
+              <a:ext uri="{FF2B5EF4-FFF2-40B4-BE49-F238E27FC236}">
                 <a16:creationId xmlns:a16="http://schemas.microsoft.com/office/drawing/2014/main" id="{85C3E011-3EBD-4422-8BEE-90F5E690585D}"/>
               </a:ext>
             </a:extLst>
@@ -25340,7 +26515,7 @@
 </p:sld>
 </file>
 
-<file path=ppt/slides/slide21.xml><?xml version="1.0" encoding="utf-8"?>
+<file path=ppt/slides/slide22.xml><?xml version="1.0" encoding="utf-8"?>
 <p:sld xmlns:a="http://schemas.openxmlformats.org/drawingml/2006/main" xmlns:r="http://schemas.openxmlformats.org/officeDocument/2006/relationships" xmlns:p="http://schemas.openxmlformats.org/presentationml/2006/main">
   <p:cSld>
     <p:spTree>
@@ -25405,7 +26580,9 @@
             </p:nvSpPr>
             <p:spPr/>
             <p:txBody>
-              <a:bodyPr/>
+              <a:bodyPr>
+                <a:normAutofit fontScale="92500" lnSpcReduction="10000"/>
+              </a:bodyPr>
               <a:lstStyle/>
               <a:p>
                 <a:r>
@@ -25481,6 +26658,26 @@
                   <a:t> B</a:t>
                 </a:r>
               </a:p>
+              <a:p>
+                <a:pPr lvl="1"/>
+                <a:endParaRPr lang="de-DE" dirty="0"/>
+              </a:p>
+              <a:p>
+                <a:r>
+                  <a:rPr lang="de-DE" dirty="0"/>
+                  <a:t>Um zu zeigen, dass TSP in NP liegt:</a:t>
+                </a:r>
+              </a:p>
+              <a:p>
+                <a:pPr lvl="1"/>
+                <a:r>
+                  <a:rPr lang="de-DE" dirty="0"/>
+                  <a:t>Zeigen, dass es nichtdeterministischen Algorithmus in polynomialer Zeit gibt</a:t>
+                </a:r>
+              </a:p>
+              <a:p>
+                <a:endParaRPr lang="de-DE" dirty="0"/>
+              </a:p>
             </p:txBody>
           </p:sp>
         </mc:Choice>
@@ -25505,7 +26702,7 @@
               <a:blipFill>
                 <a:blip r:embed="rId3"/>
                 <a:stretch>
-                  <a:fillRect l="-1231" t="-2238"/>
+                  <a:fillRect l="-1046" t="-2754" b="-1549"/>
                 </a:stretch>
               </a:blipFill>
             </p:spPr>
@@ -25528,106 +26725,6 @@
     <p:extLst>
       <p:ext uri="{BB962C8B-B14F-4D97-AF65-F5344CB8AC3E}">
         <p14:creationId xmlns:p14="http://schemas.microsoft.com/office/powerpoint/2010/main" val="2961104118"/>
-      </p:ext>
-    </p:extLst>
-  </p:cSld>
-  <p:clrMapOvr>
-    <a:masterClrMapping/>
-  </p:clrMapOvr>
-</p:sld>
-</file>
-
-<file path=ppt/slides/slide22.xml><?xml version="1.0" encoding="utf-8"?>
-<p:sld xmlns:a="http://schemas.openxmlformats.org/drawingml/2006/main" xmlns:r="http://schemas.openxmlformats.org/officeDocument/2006/relationships" xmlns:p="http://schemas.openxmlformats.org/presentationml/2006/main">
-  <p:cSld>
-    <p:spTree>
-      <p:nvGrpSpPr>
-        <p:cNvPr id="1" name=""/>
-        <p:cNvGrpSpPr/>
-        <p:nvPr/>
-      </p:nvGrpSpPr>
-      <p:grpSpPr>
-        <a:xfrm>
-          <a:off x="0" y="0"/>
-          <a:ext cx="0" cy="0"/>
-          <a:chOff x="0" y="0"/>
-          <a:chExt cx="0" cy="0"/>
-        </a:xfrm>
-      </p:grpSpPr>
-      <p:sp>
-        <p:nvSpPr>
-          <p:cNvPr id="2" name="Titel 1">
-            <a:extLst>
-              <a:ext uri="{FF2B5EF4-FFF2-40B4-BE49-F238E27FC236}">
-                <a16:creationId xmlns:a16="http://schemas.microsoft.com/office/drawing/2014/main" id="{85C3E011-3EBD-4422-8BEE-90F5E690585D}"/>
-              </a:ext>
-            </a:extLst>
-          </p:cNvPr>
-          <p:cNvSpPr>
-            <a:spLocks noGrp="1"/>
-          </p:cNvSpPr>
-          <p:nvPr>
-            <p:ph type="title"/>
-          </p:nvPr>
-        </p:nvSpPr>
-        <p:spPr/>
-        <p:txBody>
-          <a:bodyPr/>
-          <a:lstStyle/>
-          <a:p>
-            <a:r>
-              <a:rPr lang="de-DE" dirty="0"/>
-              <a:t>TSP in NP?</a:t>
-            </a:r>
-          </a:p>
-        </p:txBody>
-      </p:sp>
-      <p:sp>
-        <p:nvSpPr>
-          <p:cNvPr id="3" name="Inhaltsplatzhalter 2">
-            <a:extLst>
-              <a:ext uri="{FF2B5EF4-FFF2-40B4-BE49-F238E27FC236}">
-                <a16:creationId xmlns:a16="http://schemas.microsoft.com/office/drawing/2014/main" id="{C3FE92F5-A306-457B-8467-0AAB81C77E44}"/>
-              </a:ext>
-            </a:extLst>
-          </p:cNvPr>
-          <p:cNvSpPr>
-            <a:spLocks noGrp="1"/>
-          </p:cNvSpPr>
-          <p:nvPr>
-            <p:ph idx="1"/>
-          </p:nvPr>
-        </p:nvSpPr>
-        <p:spPr/>
-        <p:txBody>
-          <a:bodyPr/>
-          <a:lstStyle/>
-          <a:p>
-            <a:r>
-              <a:rPr lang="de-DE" dirty="0"/>
-              <a:t>Um zu zeigen, dass TSP in NP liegt:</a:t>
-            </a:r>
-          </a:p>
-          <a:p>
-            <a:pPr lvl="1"/>
-            <a:r>
-              <a:rPr lang="de-DE" dirty="0"/>
-              <a:t>Zeigen, dass es nichtdeterministischen Algorithmus in polynomialer Zeit gibt</a:t>
-            </a:r>
-          </a:p>
-          <a:p>
-            <a:pPr lvl="1"/>
-            <a:r>
-              <a:rPr lang="de-DE" dirty="0"/>
-              <a:t>Ungerichteten Hamilton-Zyklus auf TSP reduzieren</a:t>
-            </a:r>
-          </a:p>
-        </p:txBody>
-      </p:sp>
-    </p:spTree>
-    <p:extLst>
-      <p:ext uri="{BB962C8B-B14F-4D97-AF65-F5344CB8AC3E}">
-        <p14:creationId xmlns:p14="http://schemas.microsoft.com/office/powerpoint/2010/main" val="3078131802"/>
       </p:ext>
     </p:extLst>
   </p:cSld>
@@ -25830,14 +26927,14 @@
             <a:pPr lvl="1"/>
             <a:r>
               <a:rPr lang="de-DE" dirty="0"/>
-              <a:t>Punkte E‘, die auch in E liegen, haben Kantenkosten 0</a:t>
+              <a:t>Punkte E‘, die auch in E liegen, haben Kantenkosten 1</a:t>
             </a:r>
           </a:p>
           <a:p>
             <a:pPr lvl="1"/>
             <a:r>
               <a:rPr lang="de-DE" dirty="0"/>
-              <a:t>Alle anderen haben Kosten 1</a:t>
+              <a:t>Alle anderen haben Kosten 2</a:t>
             </a:r>
           </a:p>
         </p:txBody>
@@ -26276,13 +27373,8 @@
                 </a14:m>
                 <a:r>
                   <a:rPr lang="de-DE" dirty="0"/>
-                  <a:t>, da es n(n-1)/2 </a:t>
+                  <a:t>, da es n(n-1)/2 Kanten gibt</a:t>
                 </a:r>
-                <a:r>
-                  <a:rPr lang="de-DE"/>
-                  <a:t>Kanten gibt</a:t>
-                </a:r>
-                <a:endParaRPr lang="de-DE" dirty="0"/>
               </a:p>
             </p:txBody>
           </p:sp>
@@ -26336,6 +27428,1333 @@
     <p:extLst>
       <p:ext uri="{BB962C8B-B14F-4D97-AF65-F5344CB8AC3E}">
         <p14:creationId xmlns:p14="http://schemas.microsoft.com/office/powerpoint/2010/main" val="3681608813"/>
+      </p:ext>
+    </p:extLst>
+  </p:cSld>
+  <p:clrMapOvr>
+    <a:masterClrMapping/>
+  </p:clrMapOvr>
+</p:sld>
+</file>
+
+<file path=ppt/slides/slide26.xml><?xml version="1.0" encoding="utf-8"?>
+<p:sld xmlns:a="http://schemas.openxmlformats.org/drawingml/2006/main" xmlns:r="http://schemas.openxmlformats.org/officeDocument/2006/relationships" xmlns:p="http://schemas.openxmlformats.org/presentationml/2006/main">
+  <p:cSld>
+    <p:spTree>
+      <p:nvGrpSpPr>
+        <p:cNvPr id="1" name=""/>
+        <p:cNvGrpSpPr/>
+        <p:nvPr/>
+      </p:nvGrpSpPr>
+      <p:grpSpPr>
+        <a:xfrm>
+          <a:off x="0" y="0"/>
+          <a:ext cx="0" cy="0"/>
+          <a:chOff x="0" y="0"/>
+          <a:chExt cx="0" cy="0"/>
+        </a:xfrm>
+      </p:grpSpPr>
+      <p:sp>
+        <p:nvSpPr>
+          <p:cNvPr id="2" name="Titel 1">
+            <a:extLst>
+              <a:ext uri="{FF2B5EF4-FFF2-40B4-BE49-F238E27FC236}">
+                <a16:creationId xmlns:a16="http://schemas.microsoft.com/office/drawing/2014/main" id="{F76C9F29-59AC-43CF-9DFA-5BD4C8004928}"/>
+              </a:ext>
+            </a:extLst>
+          </p:cNvPr>
+          <p:cNvSpPr>
+            <a:spLocks noGrp="1"/>
+          </p:cNvSpPr>
+          <p:nvPr>
+            <p:ph type="title"/>
+          </p:nvPr>
+        </p:nvSpPr>
+        <p:spPr/>
+        <p:txBody>
+          <a:bodyPr/>
+          <a:lstStyle/>
+          <a:p>
+            <a:r>
+              <a:rPr lang="de-DE" dirty="0"/>
+              <a:t>Hamilton auf TSP reduzieren</a:t>
+            </a:r>
+          </a:p>
+        </p:txBody>
+      </p:sp>
+      <p:sp>
+        <p:nvSpPr>
+          <p:cNvPr id="3" name="Inhaltsplatzhalter 2">
+            <a:extLst>
+              <a:ext uri="{FF2B5EF4-FFF2-40B4-BE49-F238E27FC236}">
+                <a16:creationId xmlns:a16="http://schemas.microsoft.com/office/drawing/2014/main" id="{1E2849A4-2341-4AEC-81D3-499DF21139F8}"/>
+              </a:ext>
+            </a:extLst>
+          </p:cNvPr>
+          <p:cNvSpPr>
+            <a:spLocks noGrp="1"/>
+          </p:cNvSpPr>
+          <p:nvPr>
+            <p:ph idx="1"/>
+          </p:nvPr>
+        </p:nvSpPr>
+        <p:spPr/>
+        <p:txBody>
+          <a:bodyPr>
+            <a:normAutofit fontScale="85000" lnSpcReduction="20000"/>
+          </a:bodyPr>
+          <a:lstStyle/>
+          <a:p>
+            <a:r>
+              <a:rPr lang="de-DE" dirty="0"/>
+              <a:t>G hat Hamilton-Zyklus h</a:t>
+            </a:r>
+          </a:p>
+          <a:p>
+            <a:pPr lvl="1"/>
+            <a:r>
+              <a:rPr lang="de-DE" dirty="0">
+                <a:sym typeface="Wingdings" panose="05000000000000000000" pitchFamily="2" charset="2"/>
+              </a:rPr>
+              <a:t> h hat Kosten 0</a:t>
+            </a:r>
+          </a:p>
+          <a:p>
+            <a:r>
+              <a:rPr lang="de-DE" dirty="0">
+                <a:sym typeface="Wingdings" panose="05000000000000000000" pitchFamily="2" charset="2"/>
+              </a:rPr>
+              <a:t>Jede Kante in G‘ hat Kosten 0, da sie in E vorhanden sind</a:t>
+            </a:r>
+          </a:p>
+          <a:p>
+            <a:r>
+              <a:rPr lang="de-DE" dirty="0">
+                <a:sym typeface="Wingdings" panose="05000000000000000000" pitchFamily="2" charset="2"/>
+              </a:rPr>
+              <a:t>Wenn G h enthält, sind Kosten in G‘ 0</a:t>
+            </a:r>
+          </a:p>
+          <a:p>
+            <a:pPr lvl="1"/>
+            <a:r>
+              <a:rPr lang="de-DE" dirty="0">
+                <a:sym typeface="Wingdings" panose="05000000000000000000" pitchFamily="2" charset="2"/>
+              </a:rPr>
+              <a:t> G‘ hat einen Hamilton-Zyklus h‘ der maximal 0 ‚kostet‘</a:t>
+            </a:r>
+          </a:p>
+          <a:p>
+            <a:r>
+              <a:rPr lang="de-DE" dirty="0"/>
+              <a:t>Kosten in E‘ sind 0 und 1</a:t>
+            </a:r>
+          </a:p>
+          <a:p>
+            <a:pPr lvl="1"/>
+            <a:r>
+              <a:rPr lang="de-DE" dirty="0">
+                <a:sym typeface="Wingdings" panose="05000000000000000000" pitchFamily="2" charset="2"/>
+              </a:rPr>
+              <a:t> da h‘ Kosten 0 hat, muss jede Kante Kosten 0 haben</a:t>
+            </a:r>
+          </a:p>
+          <a:p>
+            <a:r>
+              <a:rPr lang="de-DE" dirty="0">
+                <a:sym typeface="Wingdings" panose="05000000000000000000" pitchFamily="2" charset="2"/>
+              </a:rPr>
+              <a:t>H‘ enthält nur Kanten aus E</a:t>
+            </a:r>
+          </a:p>
+          <a:p>
+            <a:pPr lvl="1"/>
+            <a:r>
+              <a:rPr lang="de-DE" dirty="0">
+                <a:sym typeface="Wingdings" panose="05000000000000000000" pitchFamily="2" charset="2"/>
+              </a:rPr>
+              <a:t> G hat </a:t>
+            </a:r>
+            <a:r>
+              <a:rPr lang="de-DE" b="1" dirty="0">
+                <a:sym typeface="Wingdings" panose="05000000000000000000" pitchFamily="2" charset="2"/>
+              </a:rPr>
+              <a:t>nur dann </a:t>
+            </a:r>
+            <a:r>
+              <a:rPr lang="de-DE" dirty="0">
+                <a:sym typeface="Wingdings" panose="05000000000000000000" pitchFamily="2" charset="2"/>
+              </a:rPr>
+              <a:t>einen Hamilton-Zyklus, wenn G‘ eine Tour mit den Kosten 0 enthält</a:t>
+            </a:r>
+            <a:endParaRPr lang="de-DE" dirty="0"/>
+          </a:p>
+        </p:txBody>
+      </p:sp>
+    </p:spTree>
+    <p:extLst>
+      <p:ext uri="{BB962C8B-B14F-4D97-AF65-F5344CB8AC3E}">
+        <p14:creationId xmlns:p14="http://schemas.microsoft.com/office/powerpoint/2010/main" val="2865346070"/>
+      </p:ext>
+    </p:extLst>
+  </p:cSld>
+  <p:clrMapOvr>
+    <a:masterClrMapping/>
+  </p:clrMapOvr>
+</p:sld>
+</file>
+
+<file path=ppt/slides/slide27.xml><?xml version="1.0" encoding="utf-8"?>
+<p:sld xmlns:a="http://schemas.openxmlformats.org/drawingml/2006/main" xmlns:r="http://schemas.openxmlformats.org/officeDocument/2006/relationships" xmlns:p="http://schemas.openxmlformats.org/presentationml/2006/main">
+  <p:cSld>
+    <p:spTree>
+      <p:nvGrpSpPr>
+        <p:cNvPr id="1" name=""/>
+        <p:cNvGrpSpPr/>
+        <p:nvPr/>
+      </p:nvGrpSpPr>
+      <p:grpSpPr>
+        <a:xfrm>
+          <a:off x="0" y="0"/>
+          <a:ext cx="0" cy="0"/>
+          <a:chOff x="0" y="0"/>
+          <a:chExt cx="0" cy="0"/>
+        </a:xfrm>
+      </p:grpSpPr>
+      <p:sp>
+        <p:nvSpPr>
+          <p:cNvPr id="2" name="Titel 1">
+            <a:extLst>
+              <a:ext uri="{FF2B5EF4-FFF2-40B4-BE49-F238E27FC236}">
+                <a16:creationId xmlns:a16="http://schemas.microsoft.com/office/drawing/2014/main" id="{79EB2802-4AF9-47B3-9A1E-A51C173E42C5}"/>
+              </a:ext>
+            </a:extLst>
+          </p:cNvPr>
+          <p:cNvSpPr>
+            <a:spLocks noGrp="1"/>
+          </p:cNvSpPr>
+          <p:nvPr>
+            <p:ph type="title"/>
+          </p:nvPr>
+        </p:nvSpPr>
+        <p:spPr/>
+        <p:txBody>
+          <a:bodyPr/>
+          <a:lstStyle/>
+          <a:p>
+            <a:r>
+              <a:rPr lang="de-DE" dirty="0"/>
+              <a:t>Knappsack NP vollständig</a:t>
+            </a:r>
+          </a:p>
+        </p:txBody>
+      </p:sp>
+      <mc:AlternateContent xmlns:mc="http://schemas.openxmlformats.org/markup-compatibility/2006">
+        <mc:Choice xmlns:a14="http://schemas.microsoft.com/office/drawing/2010/main" Requires="a14">
+          <p:sp>
+            <p:nvSpPr>
+              <p:cNvPr id="3" name="Inhaltsplatzhalter 2">
+                <a:extLst>
+                  <a:ext uri="{FF2B5EF4-FFF2-40B4-BE49-F238E27FC236}">
+                    <a16:creationId xmlns:a16="http://schemas.microsoft.com/office/drawing/2014/main" id="{378218D5-6B04-460A-9B64-079C72B396F6}"/>
+                  </a:ext>
+                </a:extLst>
+              </p:cNvPr>
+              <p:cNvSpPr>
+                <a:spLocks noGrp="1"/>
+              </p:cNvSpPr>
+              <p:nvPr>
+                <p:ph idx="1"/>
+              </p:nvPr>
+            </p:nvSpPr>
+            <p:spPr/>
+            <p:txBody>
+              <a:bodyPr/>
+              <a:lstStyle/>
+              <a:p>
+                <a:r>
+                  <a:rPr lang="de-DE" dirty="0"/>
+                  <a:t>3 SAT </a:t>
+                </a:r>
+                <a14:m>
+                  <m:oMath xmlns:m="http://schemas.openxmlformats.org/officeDocument/2006/math">
+                    <m:sSub>
+                      <m:sSubPr>
+                        <m:ctrlPr>
+                          <a:rPr lang="de-DE" i="1" smtClean="0">
+                            <a:latin typeface="Cambria Math" panose="02040503050406030204" pitchFamily="18" charset="0"/>
+                          </a:rPr>
+                        </m:ctrlPr>
+                      </m:sSubPr>
+                      <m:e>
+                        <m:r>
+                          <a:rPr lang="de-DE" b="0" i="1" smtClean="0">
+                            <a:latin typeface="Cambria Math" panose="02040503050406030204" pitchFamily="18" charset="0"/>
+                          </a:rPr>
+                          <m:t>≤</m:t>
+                        </m:r>
+                      </m:e>
+                      <m:sub>
+                        <m:r>
+                          <a:rPr lang="de-DE" b="0" i="1" smtClean="0">
+                            <a:latin typeface="Cambria Math" panose="02040503050406030204" pitchFamily="18" charset="0"/>
+                          </a:rPr>
+                          <m:t>𝑝</m:t>
+                        </m:r>
+                      </m:sub>
+                    </m:sSub>
+                  </m:oMath>
+                </a14:m>
+                <a:r>
+                  <a:rPr lang="de-DE" dirty="0"/>
+                  <a:t> KP: 3 </a:t>
+                </a:r>
+                <a:r>
+                  <a:rPr lang="de-DE" dirty="0" err="1"/>
+                  <a:t>Subset</a:t>
+                </a:r>
+                <a:r>
+                  <a:rPr lang="de-DE" dirty="0"/>
+                  <a:t> </a:t>
+                </a:r>
+                <a:r>
+                  <a:rPr lang="de-DE" dirty="0" err="1"/>
+                  <a:t>Sum</a:t>
+                </a:r>
+                <a:r>
+                  <a:rPr lang="de-DE" dirty="0"/>
+                  <a:t> </a:t>
+                </a:r>
+                <a14:m>
+                  <m:oMath xmlns:m="http://schemas.openxmlformats.org/officeDocument/2006/math">
+                    <m:sSub>
+                      <m:sSubPr>
+                        <m:ctrlPr>
+                          <a:rPr lang="de-DE" i="1">
+                            <a:latin typeface="Cambria Math" panose="02040503050406030204" pitchFamily="18" charset="0"/>
+                          </a:rPr>
+                        </m:ctrlPr>
+                      </m:sSubPr>
+                      <m:e>
+                        <m:r>
+                          <a:rPr lang="de-DE" i="1">
+                            <a:latin typeface="Cambria Math" panose="02040503050406030204" pitchFamily="18" charset="0"/>
+                          </a:rPr>
+                          <m:t>≤</m:t>
+                        </m:r>
+                      </m:e>
+                      <m:sub>
+                        <m:r>
+                          <a:rPr lang="de-DE" i="1">
+                            <a:latin typeface="Cambria Math" panose="02040503050406030204" pitchFamily="18" charset="0"/>
+                          </a:rPr>
+                          <m:t>𝑝</m:t>
+                        </m:r>
+                      </m:sub>
+                    </m:sSub>
+                  </m:oMath>
+                </a14:m>
+                <a:r>
+                  <a:rPr lang="de-DE" dirty="0"/>
+                  <a:t> KP </a:t>
+                </a:r>
+                <a14:m>
+                  <m:oMath xmlns:m="http://schemas.openxmlformats.org/officeDocument/2006/math">
+                    <m:sSub>
+                      <m:sSubPr>
+                        <m:ctrlPr>
+                          <a:rPr lang="de-DE" i="1">
+                            <a:latin typeface="Cambria Math" panose="02040503050406030204" pitchFamily="18" charset="0"/>
+                          </a:rPr>
+                        </m:ctrlPr>
+                      </m:sSubPr>
+                      <m:e>
+                        <m:r>
+                          <a:rPr lang="de-DE" i="1">
+                            <a:latin typeface="Cambria Math" panose="02040503050406030204" pitchFamily="18" charset="0"/>
+                          </a:rPr>
+                          <m:t>≤</m:t>
+                        </m:r>
+                      </m:e>
+                      <m:sub>
+                        <m:r>
+                          <a:rPr lang="de-DE" i="1">
+                            <a:latin typeface="Cambria Math" panose="02040503050406030204" pitchFamily="18" charset="0"/>
+                          </a:rPr>
+                          <m:t>𝑝</m:t>
+                        </m:r>
+                      </m:sub>
+                    </m:sSub>
+                  </m:oMath>
+                </a14:m>
+                <a:r>
+                  <a:rPr lang="de-DE" dirty="0"/>
+                  <a:t> 3SAT</a:t>
+                </a:r>
+              </a:p>
+              <a:p>
+                <a:endParaRPr lang="de-DE" dirty="0"/>
+              </a:p>
+              <a:p>
+                <a:r>
+                  <a:rPr lang="de-DE" dirty="0" err="1"/>
+                  <a:t>Subset</a:t>
+                </a:r>
+                <a:r>
+                  <a:rPr lang="de-DE" dirty="0"/>
+                  <a:t> </a:t>
+                </a:r>
+                <a:r>
+                  <a:rPr lang="de-DE" dirty="0" err="1"/>
+                  <a:t>Sum</a:t>
+                </a:r>
+                <a:r>
+                  <a:rPr lang="de-DE" dirty="0"/>
+                  <a:t>: Liste von Zahlen plus Zahl x</a:t>
+                </a:r>
+              </a:p>
+              <a:p>
+                <a:pPr lvl="1"/>
+                <a:r>
+                  <a:rPr lang="de-DE" dirty="0"/>
+                  <a:t>Gibt es eine Teilliste, deren Summe genau x ist?</a:t>
+                </a:r>
+              </a:p>
+              <a:p>
+                <a:pPr lvl="1"/>
+                <a:endParaRPr lang="de-DE" dirty="0"/>
+              </a:p>
+              <a:p>
+                <a:r>
+                  <a:rPr lang="de-DE" dirty="0"/>
+                  <a:t>Knappsack hat aber zusätzlich zum Gewicht noch einen Wert</a:t>
+                </a:r>
+              </a:p>
+              <a:p>
+                <a:endParaRPr lang="de-DE" dirty="0"/>
+              </a:p>
+              <a:p>
+                <a:endParaRPr lang="de-DE" dirty="0"/>
+              </a:p>
+            </p:txBody>
+          </p:sp>
+        </mc:Choice>
+        <mc:Fallback>
+          <p:sp>
+            <p:nvSpPr>
+              <p:cNvPr id="3" name="Inhaltsplatzhalter 2">
+                <a:extLst>
+                  <a:ext uri="{FF2B5EF4-FFF2-40B4-BE49-F238E27FC236}">
+                    <a16:creationId xmlns:a16="http://schemas.microsoft.com/office/drawing/2014/main" id="{378218D5-6B04-460A-9B64-079C72B396F6}"/>
+                  </a:ext>
+                </a:extLst>
+              </p:cNvPr>
+              <p:cNvSpPr>
+                <a:spLocks noGrp="1" noRot="1" noChangeAspect="1" noMove="1" noResize="1" noEditPoints="1" noAdjustHandles="1" noChangeArrowheads="1" noChangeShapeType="1" noTextEdit="1"/>
+              </p:cNvSpPr>
+              <p:nvPr>
+                <p:ph idx="1"/>
+              </p:nvPr>
+            </p:nvSpPr>
+            <p:spPr>
+              <a:blipFill>
+                <a:blip r:embed="rId3"/>
+                <a:stretch>
+                  <a:fillRect l="-1231" t="-1721"/>
+                </a:stretch>
+              </a:blipFill>
+            </p:spPr>
+            <p:txBody>
+              <a:bodyPr/>
+              <a:lstStyle/>
+              <a:p>
+                <a:r>
+                  <a:rPr lang="de-DE">
+                    <a:noFill/>
+                  </a:rPr>
+                  <a:t> </a:t>
+                </a:r>
+              </a:p>
+            </p:txBody>
+          </p:sp>
+        </mc:Fallback>
+      </mc:AlternateContent>
+    </p:spTree>
+    <p:extLst>
+      <p:ext uri="{BB962C8B-B14F-4D97-AF65-F5344CB8AC3E}">
+        <p14:creationId xmlns:p14="http://schemas.microsoft.com/office/powerpoint/2010/main" val="1522786978"/>
+      </p:ext>
+    </p:extLst>
+  </p:cSld>
+  <p:clrMapOvr>
+    <a:masterClrMapping/>
+  </p:clrMapOvr>
+</p:sld>
+</file>
+
+<file path=ppt/slides/slide28.xml><?xml version="1.0" encoding="utf-8"?>
+<p:sld xmlns:a="http://schemas.openxmlformats.org/drawingml/2006/main" xmlns:r="http://schemas.openxmlformats.org/officeDocument/2006/relationships" xmlns:p="http://schemas.openxmlformats.org/presentationml/2006/main">
+  <p:cSld>
+    <p:spTree>
+      <p:nvGrpSpPr>
+        <p:cNvPr id="1" name=""/>
+        <p:cNvGrpSpPr/>
+        <p:nvPr/>
+      </p:nvGrpSpPr>
+      <p:grpSpPr>
+        <a:xfrm>
+          <a:off x="0" y="0"/>
+          <a:ext cx="0" cy="0"/>
+          <a:chOff x="0" y="0"/>
+          <a:chExt cx="0" cy="0"/>
+        </a:xfrm>
+      </p:grpSpPr>
+      <p:sp>
+        <p:nvSpPr>
+          <p:cNvPr id="2" name="Titel 1">
+            <a:extLst>
+              <a:ext uri="{FF2B5EF4-FFF2-40B4-BE49-F238E27FC236}">
+                <a16:creationId xmlns:a16="http://schemas.microsoft.com/office/drawing/2014/main" id="{79EB2802-4AF9-47B3-9A1E-A51C173E42C5}"/>
+              </a:ext>
+            </a:extLst>
+          </p:cNvPr>
+          <p:cNvSpPr>
+            <a:spLocks noGrp="1"/>
+          </p:cNvSpPr>
+          <p:nvPr>
+            <p:ph type="title"/>
+          </p:nvPr>
+        </p:nvSpPr>
+        <p:spPr/>
+        <p:txBody>
+          <a:bodyPr/>
+          <a:lstStyle/>
+          <a:p>
+            <a:r>
+              <a:rPr lang="de-DE" dirty="0"/>
+              <a:t>Knappsack NP vollständig</a:t>
+            </a:r>
+          </a:p>
+        </p:txBody>
+      </p:sp>
+      <mc:AlternateContent xmlns:mc="http://schemas.openxmlformats.org/markup-compatibility/2006">
+        <mc:Choice xmlns:a14="http://schemas.microsoft.com/office/drawing/2010/main" Requires="a14">
+          <p:sp>
+            <p:nvSpPr>
+              <p:cNvPr id="3" name="Inhaltsplatzhalter 2">
+                <a:extLst>
+                  <a:ext uri="{FF2B5EF4-FFF2-40B4-BE49-F238E27FC236}">
+                    <a16:creationId xmlns:a16="http://schemas.microsoft.com/office/drawing/2014/main" id="{378218D5-6B04-460A-9B64-079C72B396F6}"/>
+                  </a:ext>
+                </a:extLst>
+              </p:cNvPr>
+              <p:cNvSpPr>
+                <a:spLocks noGrp="1"/>
+              </p:cNvSpPr>
+              <p:nvPr>
+                <p:ph idx="1"/>
+              </p:nvPr>
+            </p:nvSpPr>
+            <p:spPr/>
+            <p:txBody>
+              <a:bodyPr>
+                <a:normAutofit/>
+              </a:bodyPr>
+              <a:lstStyle/>
+              <a:p>
+                <a:r>
+                  <a:rPr lang="de-DE" dirty="0"/>
+                  <a:t>SubsetSum ist Spezialfall von Knappsack, nämlich dann wenn Wert=Gewicht</a:t>
+                </a:r>
+              </a:p>
+              <a:p>
+                <a:pPr lvl="1"/>
+                <a:r>
+                  <a:rPr lang="de-DE" dirty="0"/>
+                  <a:t>Gilt sowohl für die Objekte als auch die Zielwerte</a:t>
+                </a:r>
+              </a:p>
+              <a:p>
+                <a:pPr lvl="1"/>
+                <a:endParaRPr lang="de-DE" dirty="0"/>
+              </a:p>
+              <a:p>
+                <a:r>
+                  <a:rPr lang="de-DE" dirty="0"/>
+                  <a:t>Aus </a:t>
+                </a:r>
+                <a:r>
+                  <a:rPr lang="de-DE" dirty="0" err="1"/>
+                  <a:t>SubsetSum</a:t>
+                </a:r>
+                <a:r>
+                  <a:rPr lang="de-DE" dirty="0"/>
+                  <a:t>-Instanz wird Knappsack erzeugt:</a:t>
+                </a:r>
+              </a:p>
+              <a:p>
+                <a:pPr lvl="1"/>
+                <a14:m>
+                  <m:oMath xmlns:m="http://schemas.openxmlformats.org/officeDocument/2006/math">
+                    <m:r>
+                      <a:rPr lang="de-DE" b="0" i="1" smtClean="0">
+                        <a:latin typeface="Cambria Math" panose="02040503050406030204" pitchFamily="18" charset="0"/>
+                      </a:rPr>
+                      <m:t>𝑆</m:t>
+                    </m:r>
+                    <m:r>
+                      <a:rPr lang="de-DE" b="0" i="1" smtClean="0">
+                        <a:latin typeface="Cambria Math" panose="02040503050406030204" pitchFamily="18" charset="0"/>
+                      </a:rPr>
+                      <m:t>=(</m:t>
+                    </m:r>
+                    <m:d>
+                      <m:dPr>
+                        <m:begChr m:val="{"/>
+                        <m:endChr m:val="}"/>
+                        <m:ctrlPr>
+                          <a:rPr lang="de-DE" b="0" i="1" smtClean="0">
+                            <a:latin typeface="Cambria Math" panose="02040503050406030204" pitchFamily="18" charset="0"/>
+                          </a:rPr>
+                        </m:ctrlPr>
+                      </m:dPr>
+                      <m:e>
+                        <m:sSub>
+                          <m:sSubPr>
+                            <m:ctrlPr>
+                              <a:rPr lang="de-DE" b="0" i="1" smtClean="0">
+                                <a:latin typeface="Cambria Math" panose="02040503050406030204" pitchFamily="18" charset="0"/>
+                              </a:rPr>
+                            </m:ctrlPr>
+                          </m:sSubPr>
+                          <m:e>
+                            <m:r>
+                              <a:rPr lang="de-DE" b="0" i="1" smtClean="0">
+                                <a:latin typeface="Cambria Math" panose="02040503050406030204" pitchFamily="18" charset="0"/>
+                              </a:rPr>
+                              <m:t>𝑤</m:t>
+                            </m:r>
+                          </m:e>
+                          <m:sub>
+                            <m:r>
+                              <a:rPr lang="de-DE" b="0" i="1" smtClean="0">
+                                <a:latin typeface="Cambria Math" panose="02040503050406030204" pitchFamily="18" charset="0"/>
+                              </a:rPr>
+                              <m:t>1</m:t>
+                            </m:r>
+                          </m:sub>
+                        </m:sSub>
+                        <m:r>
+                          <a:rPr lang="de-DE" b="0" i="1" smtClean="0">
+                            <a:latin typeface="Cambria Math" panose="02040503050406030204" pitchFamily="18" charset="0"/>
+                          </a:rPr>
+                          <m:t>, …, </m:t>
+                        </m:r>
+                        <m:sSub>
+                          <m:sSubPr>
+                            <m:ctrlPr>
+                              <a:rPr lang="de-DE" b="0" i="1" smtClean="0">
+                                <a:latin typeface="Cambria Math" panose="02040503050406030204" pitchFamily="18" charset="0"/>
+                              </a:rPr>
+                            </m:ctrlPr>
+                          </m:sSubPr>
+                          <m:e>
+                            <m:r>
+                              <a:rPr lang="de-DE" b="0" i="1" smtClean="0">
+                                <a:latin typeface="Cambria Math" panose="02040503050406030204" pitchFamily="18" charset="0"/>
+                              </a:rPr>
+                              <m:t>𝑤</m:t>
+                            </m:r>
+                          </m:e>
+                          <m:sub>
+                            <m:r>
+                              <a:rPr lang="de-DE" b="0" i="1" smtClean="0">
+                                <a:latin typeface="Cambria Math" panose="02040503050406030204" pitchFamily="18" charset="0"/>
+                              </a:rPr>
+                              <m:t>𝑛</m:t>
+                            </m:r>
+                          </m:sub>
+                        </m:sSub>
+                      </m:e>
+                    </m:d>
+                    <m:r>
+                      <a:rPr lang="de-DE" b="0" i="1" smtClean="0">
+                        <a:latin typeface="Cambria Math" panose="02040503050406030204" pitchFamily="18" charset="0"/>
+                      </a:rPr>
+                      <m:t>, </m:t>
+                    </m:r>
+                    <m:r>
+                      <a:rPr lang="de-DE" b="0" i="1" smtClean="0">
+                        <a:latin typeface="Cambria Math" panose="02040503050406030204" pitchFamily="18" charset="0"/>
+                      </a:rPr>
+                      <m:t>𝑊</m:t>
+                    </m:r>
+                    <m:r>
+                      <a:rPr lang="de-DE" b="0" i="1" smtClean="0">
+                        <a:latin typeface="Cambria Math" panose="02040503050406030204" pitchFamily="18" charset="0"/>
+                      </a:rPr>
+                      <m:t>)</m:t>
+                    </m:r>
+                  </m:oMath>
+                </a14:m>
+                <a:r>
+                  <a:rPr lang="de-DE" dirty="0"/>
+                  <a:t> </a:t>
+                </a:r>
+                <a:r>
+                  <a:rPr lang="de-DE" dirty="0">
+                    <a:sym typeface="Wingdings" panose="05000000000000000000" pitchFamily="2" charset="2"/>
+                  </a:rPr>
+                  <a:t> </a:t>
+                </a:r>
+                <a14:m>
+                  <m:oMath xmlns:m="http://schemas.openxmlformats.org/officeDocument/2006/math">
+                    <m:sSub>
+                      <m:sSubPr>
+                        <m:ctrlPr>
+                          <a:rPr lang="de-DE" i="1" smtClean="0">
+                            <a:latin typeface="Cambria Math" panose="02040503050406030204" pitchFamily="18" charset="0"/>
+                            <a:sym typeface="Wingdings" panose="05000000000000000000" pitchFamily="2" charset="2"/>
+                          </a:rPr>
+                        </m:ctrlPr>
+                      </m:sSubPr>
+                      <m:e>
+                        <m:r>
+                          <a:rPr lang="de-DE" b="0" i="1" smtClean="0">
+                            <a:latin typeface="Cambria Math" panose="02040503050406030204" pitchFamily="18" charset="0"/>
+                            <a:sym typeface="Wingdings" panose="05000000000000000000" pitchFamily="2" charset="2"/>
+                          </a:rPr>
+                          <m:t>𝑣</m:t>
+                        </m:r>
+                      </m:e>
+                      <m:sub>
+                        <m:r>
+                          <a:rPr lang="de-DE" b="0" i="1" smtClean="0">
+                            <a:latin typeface="Cambria Math" panose="02040503050406030204" pitchFamily="18" charset="0"/>
+                            <a:sym typeface="Wingdings" panose="05000000000000000000" pitchFamily="2" charset="2"/>
+                          </a:rPr>
+                          <m:t>𝑖</m:t>
+                        </m:r>
+                      </m:sub>
+                    </m:sSub>
+                    <m:r>
+                      <a:rPr lang="de-DE" b="0" i="1" smtClean="0">
+                        <a:latin typeface="Cambria Math" panose="02040503050406030204" pitchFamily="18" charset="0"/>
+                        <a:sym typeface="Wingdings" panose="05000000000000000000" pitchFamily="2" charset="2"/>
+                      </a:rPr>
+                      <m:t>= </m:t>
+                    </m:r>
+                    <m:sSub>
+                      <m:sSubPr>
+                        <m:ctrlPr>
+                          <a:rPr lang="de-DE" b="0" i="1" smtClean="0">
+                            <a:latin typeface="Cambria Math" panose="02040503050406030204" pitchFamily="18" charset="0"/>
+                            <a:sym typeface="Wingdings" panose="05000000000000000000" pitchFamily="2" charset="2"/>
+                          </a:rPr>
+                        </m:ctrlPr>
+                      </m:sSubPr>
+                      <m:e>
+                        <m:r>
+                          <a:rPr lang="de-DE" b="0" i="1" smtClean="0">
+                            <a:latin typeface="Cambria Math" panose="02040503050406030204" pitchFamily="18" charset="0"/>
+                            <a:sym typeface="Wingdings" panose="05000000000000000000" pitchFamily="2" charset="2"/>
+                          </a:rPr>
+                          <m:t>𝑤</m:t>
+                        </m:r>
+                      </m:e>
+                      <m:sub>
+                        <m:r>
+                          <a:rPr lang="de-DE" b="0" i="1" smtClean="0">
+                            <a:latin typeface="Cambria Math" panose="02040503050406030204" pitchFamily="18" charset="0"/>
+                            <a:sym typeface="Wingdings" panose="05000000000000000000" pitchFamily="2" charset="2"/>
+                          </a:rPr>
+                          <m:t>𝑖</m:t>
+                        </m:r>
+                      </m:sub>
+                    </m:sSub>
+                    <m:r>
+                      <a:rPr lang="de-DE" b="0" i="1" smtClean="0">
+                        <a:latin typeface="Cambria Math" panose="02040503050406030204" pitchFamily="18" charset="0"/>
+                        <a:sym typeface="Wingdings" panose="05000000000000000000" pitchFamily="2" charset="2"/>
+                      </a:rPr>
+                      <m:t> </m:t>
+                    </m:r>
+                    <m:r>
+                      <a:rPr lang="de-DE" b="0" i="1" smtClean="0">
+                        <a:latin typeface="Cambria Math" panose="02040503050406030204" pitchFamily="18" charset="0"/>
+                        <a:sym typeface="Wingdings" panose="05000000000000000000" pitchFamily="2" charset="2"/>
+                      </a:rPr>
+                      <m:t>𝑢𝑛𝑑</m:t>
+                    </m:r>
+                    <m:r>
+                      <a:rPr lang="de-DE" b="0" i="1" smtClean="0">
+                        <a:latin typeface="Cambria Math" panose="02040503050406030204" pitchFamily="18" charset="0"/>
+                        <a:sym typeface="Wingdings" panose="05000000000000000000" pitchFamily="2" charset="2"/>
+                      </a:rPr>
+                      <m:t> </m:t>
+                    </m:r>
+                    <m:r>
+                      <a:rPr lang="de-DE" b="0" i="1" smtClean="0">
+                        <a:latin typeface="Cambria Math" panose="02040503050406030204" pitchFamily="18" charset="0"/>
+                        <a:sym typeface="Wingdings" panose="05000000000000000000" pitchFamily="2" charset="2"/>
+                      </a:rPr>
+                      <m:t>𝑉</m:t>
+                    </m:r>
+                    <m:r>
+                      <a:rPr lang="de-DE" b="0" i="1" smtClean="0">
+                        <a:latin typeface="Cambria Math" panose="02040503050406030204" pitchFamily="18" charset="0"/>
+                        <a:sym typeface="Wingdings" panose="05000000000000000000" pitchFamily="2" charset="2"/>
+                      </a:rPr>
+                      <m:t>=</m:t>
+                    </m:r>
+                    <m:r>
+                      <a:rPr lang="de-DE" b="0" i="1" smtClean="0">
+                        <a:latin typeface="Cambria Math" panose="02040503050406030204" pitchFamily="18" charset="0"/>
+                        <a:sym typeface="Wingdings" panose="05000000000000000000" pitchFamily="2" charset="2"/>
+                      </a:rPr>
+                      <m:t>𝑊</m:t>
+                    </m:r>
+                  </m:oMath>
+                </a14:m>
+                <a:endParaRPr lang="de-DE" dirty="0"/>
+              </a:p>
+              <a:p>
+                <a:pPr lvl="1"/>
+                <a:endParaRPr lang="de-DE" dirty="0"/>
+              </a:p>
+              <a:p>
+                <a:r>
+                  <a:rPr lang="de-DE" dirty="0"/>
+                  <a:t>Umformung in polynomialer Zeit möglich (genauer in </a:t>
+                </a:r>
+                <a14:m>
+                  <m:oMath xmlns:m="http://schemas.openxmlformats.org/officeDocument/2006/math">
+                    <m:r>
+                      <a:rPr lang="de-DE" b="0" i="1" smtClean="0">
+                        <a:latin typeface="Cambria Math" panose="02040503050406030204" pitchFamily="18" charset="0"/>
+                      </a:rPr>
+                      <m:t>𝑂</m:t>
+                    </m:r>
+                    <m:r>
+                      <a:rPr lang="de-DE" b="0" i="1" smtClean="0">
+                        <a:latin typeface="Cambria Math" panose="02040503050406030204" pitchFamily="18" charset="0"/>
+                      </a:rPr>
+                      <m:t>(</m:t>
+                    </m:r>
+                    <m:r>
+                      <a:rPr lang="de-DE" b="0" i="1" smtClean="0">
+                        <a:latin typeface="Cambria Math" panose="02040503050406030204" pitchFamily="18" charset="0"/>
+                      </a:rPr>
+                      <m:t>𝑛</m:t>
+                    </m:r>
+                    <m:r>
+                      <a:rPr lang="de-DE" b="0" i="1" smtClean="0">
+                        <a:latin typeface="Cambria Math" panose="02040503050406030204" pitchFamily="18" charset="0"/>
+                      </a:rPr>
+                      <m:t>)</m:t>
+                    </m:r>
+                  </m:oMath>
+                </a14:m>
+                <a:r>
+                  <a:rPr lang="de-DE" dirty="0"/>
+                  <a:t> )</a:t>
+                </a:r>
+              </a:p>
+              <a:p>
+                <a:endParaRPr lang="de-DE" dirty="0"/>
+              </a:p>
+            </p:txBody>
+          </p:sp>
+        </mc:Choice>
+        <mc:Fallback>
+          <p:sp>
+            <p:nvSpPr>
+              <p:cNvPr id="3" name="Inhaltsplatzhalter 2">
+                <a:extLst>
+                  <a:ext uri="{FF2B5EF4-FFF2-40B4-BE49-F238E27FC236}">
+                    <a16:creationId xmlns:a16="http://schemas.microsoft.com/office/drawing/2014/main" id="{378218D5-6B04-460A-9B64-079C72B396F6}"/>
+                  </a:ext>
+                </a:extLst>
+              </p:cNvPr>
+              <p:cNvSpPr>
+                <a:spLocks noGrp="1" noRot="1" noChangeAspect="1" noMove="1" noResize="1" noEditPoints="1" noAdjustHandles="1" noChangeArrowheads="1" noChangeShapeType="1" noTextEdit="1"/>
+              </p:cNvSpPr>
+              <p:nvPr>
+                <p:ph idx="1"/>
+              </p:nvPr>
+            </p:nvSpPr>
+            <p:spPr>
+              <a:blipFill>
+                <a:blip r:embed="rId3"/>
+                <a:stretch>
+                  <a:fillRect l="-1231" t="-2238"/>
+                </a:stretch>
+              </a:blipFill>
+            </p:spPr>
+            <p:txBody>
+              <a:bodyPr/>
+              <a:lstStyle/>
+              <a:p>
+                <a:r>
+                  <a:rPr lang="de-DE">
+                    <a:noFill/>
+                  </a:rPr>
+                  <a:t> </a:t>
+                </a:r>
+              </a:p>
+            </p:txBody>
+          </p:sp>
+        </mc:Fallback>
+      </mc:AlternateContent>
+    </p:spTree>
+    <p:extLst>
+      <p:ext uri="{BB962C8B-B14F-4D97-AF65-F5344CB8AC3E}">
+        <p14:creationId xmlns:p14="http://schemas.microsoft.com/office/powerpoint/2010/main" val="1285959056"/>
+      </p:ext>
+    </p:extLst>
+  </p:cSld>
+  <p:clrMapOvr>
+    <a:masterClrMapping/>
+  </p:clrMapOvr>
+</p:sld>
+</file>
+
+<file path=ppt/slides/slide29.xml><?xml version="1.0" encoding="utf-8"?>
+<p:sld xmlns:a="http://schemas.openxmlformats.org/drawingml/2006/main" xmlns:r="http://schemas.openxmlformats.org/officeDocument/2006/relationships" xmlns:p="http://schemas.openxmlformats.org/presentationml/2006/main">
+  <p:cSld>
+    <p:spTree>
+      <p:nvGrpSpPr>
+        <p:cNvPr id="1" name=""/>
+        <p:cNvGrpSpPr/>
+        <p:nvPr/>
+      </p:nvGrpSpPr>
+      <p:grpSpPr>
+        <a:xfrm>
+          <a:off x="0" y="0"/>
+          <a:ext cx="0" cy="0"/>
+          <a:chOff x="0" y="0"/>
+          <a:chExt cx="0" cy="0"/>
+        </a:xfrm>
+      </p:grpSpPr>
+      <p:sp>
+        <p:nvSpPr>
+          <p:cNvPr id="2" name="Titel 1">
+            <a:extLst>
+              <a:ext uri="{FF2B5EF4-FFF2-40B4-BE49-F238E27FC236}">
+                <a16:creationId xmlns:a16="http://schemas.microsoft.com/office/drawing/2014/main" id="{A61C335D-BBF3-4FC4-B731-22448B3AC03C}"/>
+              </a:ext>
+            </a:extLst>
+          </p:cNvPr>
+          <p:cNvSpPr>
+            <a:spLocks noGrp="1"/>
+          </p:cNvSpPr>
+          <p:nvPr>
+            <p:ph type="title"/>
+          </p:nvPr>
+        </p:nvSpPr>
+        <p:spPr/>
+        <p:txBody>
+          <a:bodyPr/>
+          <a:lstStyle/>
+          <a:p>
+            <a:r>
+              <a:rPr lang="de-DE" dirty="0"/>
+              <a:t>Knappsack NP vollständig</a:t>
+            </a:r>
+          </a:p>
+        </p:txBody>
+      </p:sp>
+      <mc:AlternateContent xmlns:mc="http://schemas.openxmlformats.org/markup-compatibility/2006">
+        <mc:Choice xmlns:a14="http://schemas.microsoft.com/office/drawing/2010/main" Requires="a14">
+          <p:sp>
+            <p:nvSpPr>
+              <p:cNvPr id="3" name="Inhaltsplatzhalter 2">
+                <a:extLst>
+                  <a:ext uri="{FF2B5EF4-FFF2-40B4-BE49-F238E27FC236}">
+                    <a16:creationId xmlns:a16="http://schemas.microsoft.com/office/drawing/2014/main" id="{5F48BCB6-AC43-47F9-BF5D-CE53CE2B4264}"/>
+                  </a:ext>
+                </a:extLst>
+              </p:cNvPr>
+              <p:cNvSpPr>
+                <a:spLocks noGrp="1"/>
+              </p:cNvSpPr>
+              <p:nvPr>
+                <p:ph idx="1"/>
+              </p:nvPr>
+            </p:nvSpPr>
+            <p:spPr/>
+            <p:txBody>
+              <a:bodyPr/>
+              <a:lstStyle/>
+              <a:p>
+                <a:r>
+                  <a:rPr lang="de-DE" dirty="0"/>
+                  <a:t>Jetzt wird gezeigt: </a:t>
+                </a:r>
+                <a14:m>
+                  <m:oMath xmlns:m="http://schemas.openxmlformats.org/officeDocument/2006/math">
+                    <m:r>
+                      <a:rPr lang="de-DE" b="0" i="1" smtClean="0">
+                        <a:latin typeface="Cambria Math" panose="02040503050406030204" pitchFamily="18" charset="0"/>
+                      </a:rPr>
+                      <m:t>3</m:t>
+                    </m:r>
+                    <m:r>
+                      <a:rPr lang="de-DE" b="0" i="1" smtClean="0">
+                        <a:latin typeface="Cambria Math" panose="02040503050406030204" pitchFamily="18" charset="0"/>
+                      </a:rPr>
+                      <m:t>𝑆𝐴𝑇</m:t>
+                    </m:r>
+                    <m:r>
+                      <a:rPr lang="de-DE" b="0" i="1" smtClean="0">
+                        <a:latin typeface="Cambria Math" panose="02040503050406030204" pitchFamily="18" charset="0"/>
+                      </a:rPr>
+                      <m:t> </m:t>
+                    </m:r>
+                    <m:sSub>
+                      <m:sSubPr>
+                        <m:ctrlPr>
+                          <a:rPr lang="de-DE" b="0" i="1" smtClean="0">
+                            <a:latin typeface="Cambria Math" panose="02040503050406030204" pitchFamily="18" charset="0"/>
+                          </a:rPr>
+                        </m:ctrlPr>
+                      </m:sSubPr>
+                      <m:e>
+                        <m:r>
+                          <a:rPr lang="de-DE" b="0" i="1" smtClean="0">
+                            <a:latin typeface="Cambria Math" panose="02040503050406030204" pitchFamily="18" charset="0"/>
+                          </a:rPr>
+                          <m:t>≤</m:t>
+                        </m:r>
+                      </m:e>
+                      <m:sub>
+                        <m:r>
+                          <a:rPr lang="de-DE" b="0" i="1" smtClean="0">
+                            <a:latin typeface="Cambria Math" panose="02040503050406030204" pitchFamily="18" charset="0"/>
+                          </a:rPr>
+                          <m:t>𝑝</m:t>
+                        </m:r>
+                      </m:sub>
+                    </m:sSub>
+                    <m:r>
+                      <a:rPr lang="de-DE" b="0" i="1" smtClean="0">
+                        <a:latin typeface="Cambria Math" panose="02040503050406030204" pitchFamily="18" charset="0"/>
+                      </a:rPr>
+                      <m:t> </m:t>
+                    </m:r>
+                    <m:r>
+                      <a:rPr lang="de-DE" b="0" i="1" smtClean="0">
+                        <a:latin typeface="Cambria Math" panose="02040503050406030204" pitchFamily="18" charset="0"/>
+                      </a:rPr>
+                      <m:t>𝑆𝑈𝐵𝑆𝐸𝑇</m:t>
+                    </m:r>
+                    <m:r>
+                      <a:rPr lang="de-DE" b="0" i="1" smtClean="0">
+                        <a:latin typeface="Cambria Math" panose="02040503050406030204" pitchFamily="18" charset="0"/>
+                      </a:rPr>
+                      <m:t> </m:t>
+                    </m:r>
+                    <m:r>
+                      <a:rPr lang="de-DE" b="0" i="1" smtClean="0">
+                        <a:latin typeface="Cambria Math" panose="02040503050406030204" pitchFamily="18" charset="0"/>
+                      </a:rPr>
+                      <m:t>𝑆𝑈𝑀</m:t>
+                    </m:r>
+                  </m:oMath>
+                </a14:m>
+                <a:endParaRPr lang="de-DE" b="0" dirty="0"/>
+              </a:p>
+              <a:p>
+                <a:endParaRPr lang="de-DE" dirty="0"/>
+              </a:p>
+              <a:p>
+                <a:endParaRPr lang="de-DE" dirty="0"/>
+              </a:p>
+            </p:txBody>
+          </p:sp>
+        </mc:Choice>
+        <mc:Fallback>
+          <p:sp>
+            <p:nvSpPr>
+              <p:cNvPr id="3" name="Inhaltsplatzhalter 2">
+                <a:extLst>
+                  <a:ext uri="{FF2B5EF4-FFF2-40B4-BE49-F238E27FC236}">
+                    <a16:creationId xmlns:a16="http://schemas.microsoft.com/office/drawing/2014/main" id="{5F48BCB6-AC43-47F9-BF5D-CE53CE2B4264}"/>
+                  </a:ext>
+                </a:extLst>
+              </p:cNvPr>
+              <p:cNvSpPr>
+                <a:spLocks noGrp="1" noRot="1" noChangeAspect="1" noMove="1" noResize="1" noEditPoints="1" noAdjustHandles="1" noChangeArrowheads="1" noChangeShapeType="1" noTextEdit="1"/>
+              </p:cNvSpPr>
+              <p:nvPr>
+                <p:ph idx="1"/>
+              </p:nvPr>
+            </p:nvSpPr>
+            <p:spPr>
+              <a:blipFill>
+                <a:blip r:embed="rId3"/>
+                <a:stretch>
+                  <a:fillRect l="-1231" t="-1721"/>
+                </a:stretch>
+              </a:blipFill>
+            </p:spPr>
+            <p:txBody>
+              <a:bodyPr/>
+              <a:lstStyle/>
+              <a:p>
+                <a:r>
+                  <a:rPr lang="de-DE">
+                    <a:noFill/>
+                  </a:rPr>
+                  <a:t> </a:t>
+                </a:r>
+              </a:p>
+            </p:txBody>
+          </p:sp>
+        </mc:Fallback>
+      </mc:AlternateContent>
+      <p:graphicFrame>
+        <p:nvGraphicFramePr>
+          <p:cNvPr id="4" name="Tabelle 3">
+            <a:extLst>
+              <a:ext uri="{FF2B5EF4-FFF2-40B4-BE49-F238E27FC236}">
+                <a16:creationId xmlns:a16="http://schemas.microsoft.com/office/drawing/2014/main" id="{D0B02F9A-47B1-4533-9248-62212A77CEFE}"/>
+              </a:ext>
+            </a:extLst>
+          </p:cNvPr>
+          <p:cNvGraphicFramePr>
+            <a:graphicFrameLocks noGrp="1"/>
+          </p:cNvGraphicFramePr>
+          <p:nvPr>
+            <p:extLst>
+              <p:ext uri="{D42A27DB-BD31-4B8C-83A1-F6EECF244321}">
+                <p14:modId xmlns:p14="http://schemas.microsoft.com/office/powerpoint/2010/main" val="1485878883"/>
+              </p:ext>
+            </p:extLst>
+          </p:nvPr>
+        </p:nvGraphicFramePr>
+        <p:xfrm>
+          <a:off x="713678" y="3055435"/>
+          <a:ext cx="10749774" cy="2893124"/>
+        </p:xfrm>
+        <a:graphic>
+          <a:graphicData uri="http://schemas.openxmlformats.org/drawingml/2006/table">
+            <a:tbl>
+              <a:tblPr firstRow="1" bandRow="1">
+                <a:tableStyleId>{5C22544A-7EE6-4342-B048-85BDC9FD1C3A}</a:tableStyleId>
+              </a:tblPr>
+              <a:tblGrid>
+                <a:gridCol w="3583258">
+                  <a:extLst>
+                    <a:ext uri="{9D8B030D-6E8A-4147-A177-3AD203B41FA5}">
+                      <a16:colId xmlns:a16="http://schemas.microsoft.com/office/drawing/2014/main" val="2286109102"/>
+                    </a:ext>
+                  </a:extLst>
+                </a:gridCol>
+                <a:gridCol w="3583258">
+                  <a:extLst>
+                    <a:ext uri="{9D8B030D-6E8A-4147-A177-3AD203B41FA5}">
+                      <a16:colId xmlns:a16="http://schemas.microsoft.com/office/drawing/2014/main" val="813180579"/>
+                    </a:ext>
+                  </a:extLst>
+                </a:gridCol>
+                <a:gridCol w="3583258">
+                  <a:extLst>
+                    <a:ext uri="{9D8B030D-6E8A-4147-A177-3AD203B41FA5}">
+                      <a16:colId xmlns:a16="http://schemas.microsoft.com/office/drawing/2014/main" val="3998284898"/>
+                    </a:ext>
+                  </a:extLst>
+                </a:gridCol>
+              </a:tblGrid>
+              <a:tr h="688223">
+                <a:tc>
+                  <a:txBody>
+                    <a:bodyPr/>
+                    <a:lstStyle/>
+                    <a:p>
+                      <a:endParaRPr lang="de-DE" dirty="0"/>
+                    </a:p>
+                  </a:txBody>
+                  <a:tcPr/>
+                </a:tc>
+                <a:tc>
+                  <a:txBody>
+                    <a:bodyPr/>
+                    <a:lstStyle/>
+                    <a:p>
+                      <a:r>
+                        <a:rPr lang="de-DE" dirty="0"/>
+                        <a:t>3SAT</a:t>
+                      </a:r>
+                    </a:p>
+                  </a:txBody>
+                  <a:tcPr/>
+                </a:tc>
+                <a:tc>
+                  <a:txBody>
+                    <a:bodyPr/>
+                    <a:lstStyle/>
+                    <a:p>
+                      <a:r>
+                        <a:rPr lang="de-DE" dirty="0"/>
+                        <a:t>SUBSET SUM</a:t>
+                      </a:r>
+                    </a:p>
+                  </a:txBody>
+                  <a:tcPr/>
+                </a:tc>
+                <a:extLst>
+                  <a:ext uri="{0D108BD9-81ED-4DB2-BD59-A6C34878D82A}">
+                    <a16:rowId xmlns:a16="http://schemas.microsoft.com/office/drawing/2014/main" val="55384653"/>
+                  </a:ext>
+                </a:extLst>
+              </a:tr>
+              <a:tr h="688223">
+                <a:tc>
+                  <a:txBody>
+                    <a:bodyPr/>
+                    <a:lstStyle/>
+                    <a:p>
+                      <a:r>
+                        <a:rPr lang="de-DE" dirty="0"/>
+                        <a:t>Eingabe</a:t>
+                      </a:r>
+                    </a:p>
+                  </a:txBody>
+                  <a:tcPr/>
+                </a:tc>
+                <a:tc>
+                  <a:txBody>
+                    <a:bodyPr/>
+                    <a:lstStyle/>
+                    <a:p>
+                      <a:r>
+                        <a:rPr lang="de-DE" dirty="0"/>
+                        <a:t>Formel f in 3KNF</a:t>
+                      </a:r>
+                    </a:p>
+                  </a:txBody>
+                  <a:tcPr/>
+                </a:tc>
+                <a:tc>
+                  <a:txBody>
+                    <a:bodyPr/>
+                    <a:lstStyle/>
+                    <a:p>
+                      <a:r>
+                        <a:rPr lang="de-DE" dirty="0"/>
+                        <a:t>Liste von Zahlen und Zielwert k</a:t>
+                      </a:r>
+                    </a:p>
+                  </a:txBody>
+                  <a:tcPr/>
+                </a:tc>
+                <a:extLst>
+                  <a:ext uri="{0D108BD9-81ED-4DB2-BD59-A6C34878D82A}">
+                    <a16:rowId xmlns:a16="http://schemas.microsoft.com/office/drawing/2014/main" val="142658251"/>
+                  </a:ext>
+                </a:extLst>
+              </a:tr>
+              <a:tr h="823081">
+                <a:tc>
+                  <a:txBody>
+                    <a:bodyPr/>
+                    <a:lstStyle/>
+                    <a:p>
+                      <a:r>
+                        <a:rPr lang="de-DE" dirty="0"/>
+                        <a:t>JA-Instanz</a:t>
+                      </a:r>
+                    </a:p>
+                  </a:txBody>
+                  <a:tcPr/>
+                </a:tc>
+                <a:tc>
+                  <a:txBody>
+                    <a:bodyPr/>
+                    <a:lstStyle/>
+                    <a:p>
+                      <a:r>
+                        <a:rPr lang="de-DE" dirty="0"/>
+                        <a:t>f ist erfüllbar</a:t>
+                      </a:r>
+                    </a:p>
+                  </a:txBody>
+                  <a:tcPr/>
+                </a:tc>
+                <a:tc>
+                  <a:txBody>
+                    <a:bodyPr/>
+                    <a:lstStyle/>
+                    <a:p>
+                      <a:r>
+                        <a:rPr lang="de-DE" dirty="0"/>
+                        <a:t>Man kann genau Summe k erreichen</a:t>
+                      </a:r>
+                    </a:p>
+                  </a:txBody>
+                  <a:tcPr/>
+                </a:tc>
+                <a:extLst>
+                  <a:ext uri="{0D108BD9-81ED-4DB2-BD59-A6C34878D82A}">
+                    <a16:rowId xmlns:a16="http://schemas.microsoft.com/office/drawing/2014/main" val="683922319"/>
+                  </a:ext>
+                </a:extLst>
+              </a:tr>
+              <a:tr h="693597">
+                <a:tc>
+                  <a:txBody>
+                    <a:bodyPr/>
+                    <a:lstStyle/>
+                    <a:p>
+                      <a:r>
+                        <a:rPr lang="de-DE" dirty="0"/>
+                        <a:t>NEIN-Instanz</a:t>
+                      </a:r>
+                    </a:p>
+                  </a:txBody>
+                  <a:tcPr/>
+                </a:tc>
+                <a:tc>
+                  <a:txBody>
+                    <a:bodyPr/>
+                    <a:lstStyle/>
+                    <a:p>
+                      <a:r>
+                        <a:rPr lang="de-DE" dirty="0"/>
+                        <a:t>f ist nicht erfüllbar</a:t>
+                      </a:r>
+                    </a:p>
+                  </a:txBody>
+                  <a:tcPr/>
+                </a:tc>
+                <a:tc>
+                  <a:txBody>
+                    <a:bodyPr/>
+                    <a:lstStyle/>
+                    <a:p>
+                      <a:r>
+                        <a:rPr lang="de-DE" dirty="0"/>
+                        <a:t>Man kann nicht genau Summe k erreichen</a:t>
+                      </a:r>
+                    </a:p>
+                  </a:txBody>
+                  <a:tcPr/>
+                </a:tc>
+                <a:extLst>
+                  <a:ext uri="{0D108BD9-81ED-4DB2-BD59-A6C34878D82A}">
+                    <a16:rowId xmlns:a16="http://schemas.microsoft.com/office/drawing/2014/main" val="2281037177"/>
+                  </a:ext>
+                </a:extLst>
+              </a:tr>
+            </a:tbl>
+          </a:graphicData>
+        </a:graphic>
+      </p:graphicFrame>
+    </p:spTree>
+    <p:extLst>
+      <p:ext uri="{BB962C8B-B14F-4D97-AF65-F5344CB8AC3E}">
+        <p14:creationId xmlns:p14="http://schemas.microsoft.com/office/powerpoint/2010/main" val="149082732"/>
       </p:ext>
     </p:extLst>
   </p:cSld>
@@ -26641,6 +29060,2827 @@
     <p:extLst>
       <p:ext uri="{BB962C8B-B14F-4D97-AF65-F5344CB8AC3E}">
         <p14:creationId xmlns:p14="http://schemas.microsoft.com/office/powerpoint/2010/main" val="1705291075"/>
+      </p:ext>
+    </p:extLst>
+  </p:cSld>
+  <p:clrMapOvr>
+    <a:masterClrMapping/>
+  </p:clrMapOvr>
+</p:sld>
+</file>
+
+<file path=ppt/slides/slide30.xml><?xml version="1.0" encoding="utf-8"?>
+<p:sld xmlns:a="http://schemas.openxmlformats.org/drawingml/2006/main" xmlns:r="http://schemas.openxmlformats.org/officeDocument/2006/relationships" xmlns:p="http://schemas.openxmlformats.org/presentationml/2006/main">
+  <p:cSld>
+    <p:spTree>
+      <p:nvGrpSpPr>
+        <p:cNvPr id="1" name=""/>
+        <p:cNvGrpSpPr/>
+        <p:nvPr/>
+      </p:nvGrpSpPr>
+      <p:grpSpPr>
+        <a:xfrm>
+          <a:off x="0" y="0"/>
+          <a:ext cx="0" cy="0"/>
+          <a:chOff x="0" y="0"/>
+          <a:chExt cx="0" cy="0"/>
+        </a:xfrm>
+      </p:grpSpPr>
+      <p:sp>
+        <p:nvSpPr>
+          <p:cNvPr id="2" name="Titel 1">
+            <a:extLst>
+              <a:ext uri="{FF2B5EF4-FFF2-40B4-BE49-F238E27FC236}">
+                <a16:creationId xmlns:a16="http://schemas.microsoft.com/office/drawing/2014/main" id="{A61C335D-BBF3-4FC4-B731-22448B3AC03C}"/>
+              </a:ext>
+            </a:extLst>
+          </p:cNvPr>
+          <p:cNvSpPr>
+            <a:spLocks noGrp="1"/>
+          </p:cNvSpPr>
+          <p:nvPr>
+            <p:ph type="title"/>
+          </p:nvPr>
+        </p:nvSpPr>
+        <p:spPr/>
+        <p:txBody>
+          <a:bodyPr/>
+          <a:lstStyle/>
+          <a:p>
+            <a:r>
+              <a:rPr lang="de-DE" dirty="0"/>
+              <a:t>Knappsack NP vollständig</a:t>
+            </a:r>
+          </a:p>
+        </p:txBody>
+      </p:sp>
+      <mc:AlternateContent xmlns:mc="http://schemas.openxmlformats.org/markup-compatibility/2006">
+        <mc:Choice xmlns:a14="http://schemas.microsoft.com/office/drawing/2010/main" Requires="a14">
+          <p:sp>
+            <p:nvSpPr>
+              <p:cNvPr id="3" name="Inhaltsplatzhalter 2">
+                <a:extLst>
+                  <a:ext uri="{FF2B5EF4-FFF2-40B4-BE49-F238E27FC236}">
+                    <a16:creationId xmlns:a16="http://schemas.microsoft.com/office/drawing/2014/main" id="{5F48BCB6-AC43-47F9-BF5D-CE53CE2B4264}"/>
+                  </a:ext>
+                </a:extLst>
+              </p:cNvPr>
+              <p:cNvSpPr>
+                <a:spLocks noGrp="1"/>
+              </p:cNvSpPr>
+              <p:nvPr>
+                <p:ph idx="1"/>
+              </p:nvPr>
+            </p:nvSpPr>
+            <p:spPr/>
+            <p:txBody>
+              <a:bodyPr>
+                <a:normAutofit lnSpcReduction="10000"/>
+              </a:bodyPr>
+              <a:lstStyle/>
+              <a:p>
+                <a14:m>
+                  <m:oMath xmlns:m="http://schemas.openxmlformats.org/officeDocument/2006/math">
+                    <m:r>
+                      <a:rPr lang="de-DE" b="0" i="1" smtClean="0">
+                        <a:latin typeface="Cambria Math" panose="02040503050406030204" pitchFamily="18" charset="0"/>
+                      </a:rPr>
+                      <m:t>𝐶</m:t>
+                    </m:r>
+                    <m:r>
+                      <a:rPr lang="de-DE" b="0" i="1" smtClean="0">
+                        <a:latin typeface="Cambria Math" panose="02040503050406030204" pitchFamily="18" charset="0"/>
+                      </a:rPr>
+                      <m:t>=</m:t>
+                    </m:r>
+                    <m:d>
+                      <m:dPr>
+                        <m:ctrlPr>
+                          <a:rPr lang="de-DE" b="0" i="1" smtClean="0">
+                            <a:latin typeface="Cambria Math" panose="02040503050406030204" pitchFamily="18" charset="0"/>
+                          </a:rPr>
+                        </m:ctrlPr>
+                      </m:dPr>
+                      <m:e>
+                        <m:sSub>
+                          <m:sSubPr>
+                            <m:ctrlPr>
+                              <a:rPr lang="de-DE" b="0" i="1" smtClean="0">
+                                <a:latin typeface="Cambria Math" panose="02040503050406030204" pitchFamily="18" charset="0"/>
+                              </a:rPr>
+                            </m:ctrlPr>
+                          </m:sSubPr>
+                          <m:e>
+                            <m:r>
+                              <a:rPr lang="de-DE" b="0" i="1" smtClean="0">
+                                <a:latin typeface="Cambria Math" panose="02040503050406030204" pitchFamily="18" charset="0"/>
+                              </a:rPr>
+                              <m:t>𝑐</m:t>
+                            </m:r>
+                          </m:e>
+                          <m:sub>
+                            <m:r>
+                              <a:rPr lang="de-DE" b="0" i="1" smtClean="0">
+                                <a:latin typeface="Cambria Math" panose="02040503050406030204" pitchFamily="18" charset="0"/>
+                              </a:rPr>
+                              <m:t>1</m:t>
+                            </m:r>
+                          </m:sub>
+                        </m:sSub>
+                        <m:r>
+                          <a:rPr lang="de-DE" b="0" i="1" smtClean="0">
+                            <a:latin typeface="Cambria Math" panose="02040503050406030204" pitchFamily="18" charset="0"/>
+                          </a:rPr>
+                          <m:t>,…, </m:t>
+                        </m:r>
+                        <m:sSub>
+                          <m:sSubPr>
+                            <m:ctrlPr>
+                              <a:rPr lang="de-DE" b="0" i="1" smtClean="0">
+                                <a:latin typeface="Cambria Math" panose="02040503050406030204" pitchFamily="18" charset="0"/>
+                              </a:rPr>
+                            </m:ctrlPr>
+                          </m:sSubPr>
+                          <m:e>
+                            <m:r>
+                              <a:rPr lang="de-DE" b="0" i="1" smtClean="0">
+                                <a:latin typeface="Cambria Math" panose="02040503050406030204" pitchFamily="18" charset="0"/>
+                              </a:rPr>
+                              <m:t>𝑐</m:t>
+                            </m:r>
+                          </m:e>
+                          <m:sub>
+                            <m:r>
+                              <a:rPr lang="de-DE" b="0" i="1" smtClean="0">
+                                <a:latin typeface="Cambria Math" panose="02040503050406030204" pitchFamily="18" charset="0"/>
+                              </a:rPr>
+                              <m:t>𝑚</m:t>
+                            </m:r>
+                          </m:sub>
+                        </m:sSub>
+                      </m:e>
+                    </m:d>
+                    <m:r>
+                      <a:rPr lang="de-DE" b="0" i="1" smtClean="0">
+                        <a:latin typeface="Cambria Math" panose="02040503050406030204" pitchFamily="18" charset="0"/>
+                      </a:rPr>
+                      <m:t>𝑚𝑖𝑡</m:t>
+                    </m:r>
+                    <m:r>
+                      <a:rPr lang="de-DE" b="0" i="1" smtClean="0">
+                        <a:latin typeface="Cambria Math" panose="02040503050406030204" pitchFamily="18" charset="0"/>
+                      </a:rPr>
+                      <m:t> </m:t>
+                    </m:r>
+                    <m:sSub>
+                      <m:sSubPr>
+                        <m:ctrlPr>
+                          <a:rPr lang="de-DE" b="0" i="1" smtClean="0">
+                            <a:latin typeface="Cambria Math" panose="02040503050406030204" pitchFamily="18" charset="0"/>
+                          </a:rPr>
+                        </m:ctrlPr>
+                      </m:sSubPr>
+                      <m:e>
+                        <m:r>
+                          <a:rPr lang="de-DE" b="0" i="1" smtClean="0">
+                            <a:latin typeface="Cambria Math" panose="02040503050406030204" pitchFamily="18" charset="0"/>
+                          </a:rPr>
+                          <m:t>𝑐</m:t>
+                        </m:r>
+                      </m:e>
+                      <m:sub>
+                        <m:r>
+                          <a:rPr lang="de-DE" b="0" i="1" smtClean="0">
+                            <a:latin typeface="Cambria Math" panose="02040503050406030204" pitchFamily="18" charset="0"/>
+                          </a:rPr>
+                          <m:t>𝑖</m:t>
+                        </m:r>
+                      </m:sub>
+                    </m:sSub>
+                    <m:r>
+                      <a:rPr lang="de-DE" b="0" i="1" smtClean="0">
+                        <a:latin typeface="Cambria Math" panose="02040503050406030204" pitchFamily="18" charset="0"/>
+                      </a:rPr>
+                      <m:t>= </m:t>
+                    </m:r>
+                    <m:sSub>
+                      <m:sSubPr>
+                        <m:ctrlPr>
+                          <a:rPr lang="de-DE" b="0" i="1" smtClean="0">
+                            <a:latin typeface="Cambria Math" panose="02040503050406030204" pitchFamily="18" charset="0"/>
+                          </a:rPr>
+                        </m:ctrlPr>
+                      </m:sSubPr>
+                      <m:e>
+                        <m:r>
+                          <a:rPr lang="de-DE" b="0" i="1" smtClean="0">
+                            <a:latin typeface="Cambria Math" panose="02040503050406030204" pitchFamily="18" charset="0"/>
+                          </a:rPr>
+                          <m:t>𝑧</m:t>
+                        </m:r>
+                      </m:e>
+                      <m:sub>
+                        <m:r>
+                          <a:rPr lang="de-DE" b="0" i="1" smtClean="0">
+                            <a:latin typeface="Cambria Math" panose="02040503050406030204" pitchFamily="18" charset="0"/>
+                          </a:rPr>
+                          <m:t>𝑖</m:t>
+                        </m:r>
+                        <m:r>
+                          <a:rPr lang="de-DE" b="0" i="1" smtClean="0">
+                            <a:latin typeface="Cambria Math" panose="02040503050406030204" pitchFamily="18" charset="0"/>
+                          </a:rPr>
+                          <m:t>1</m:t>
+                        </m:r>
+                      </m:sub>
+                    </m:sSub>
+                    <m:r>
+                      <a:rPr lang="de-DE" b="0" i="1" smtClean="0">
+                        <a:latin typeface="Cambria Math" panose="02040503050406030204" pitchFamily="18" charset="0"/>
+                      </a:rPr>
+                      <m:t> </m:t>
+                    </m:r>
+                    <m:r>
+                      <a:rPr lang="de-DE" b="0" i="1" smtClean="0">
+                        <a:latin typeface="Cambria Math" panose="02040503050406030204" pitchFamily="18" charset="0"/>
+                        <a:ea typeface="Cambria Math" panose="02040503050406030204" pitchFamily="18" charset="0"/>
+                      </a:rPr>
+                      <m:t>∧ </m:t>
+                    </m:r>
+                    <m:sSub>
+                      <m:sSubPr>
+                        <m:ctrlPr>
+                          <a:rPr lang="de-DE" b="0" i="1" smtClean="0">
+                            <a:latin typeface="Cambria Math" panose="02040503050406030204" pitchFamily="18" charset="0"/>
+                            <a:ea typeface="Cambria Math" panose="02040503050406030204" pitchFamily="18" charset="0"/>
+                          </a:rPr>
+                        </m:ctrlPr>
+                      </m:sSubPr>
+                      <m:e>
+                        <m:r>
+                          <a:rPr lang="de-DE" b="0" i="1" smtClean="0">
+                            <a:latin typeface="Cambria Math" panose="02040503050406030204" pitchFamily="18" charset="0"/>
+                            <a:ea typeface="Cambria Math" panose="02040503050406030204" pitchFamily="18" charset="0"/>
+                          </a:rPr>
+                          <m:t>𝑧</m:t>
+                        </m:r>
+                      </m:e>
+                      <m:sub>
+                        <m:r>
+                          <a:rPr lang="de-DE" b="0" i="1" smtClean="0">
+                            <a:latin typeface="Cambria Math" panose="02040503050406030204" pitchFamily="18" charset="0"/>
+                            <a:ea typeface="Cambria Math" panose="02040503050406030204" pitchFamily="18" charset="0"/>
+                          </a:rPr>
+                          <m:t>𝑖</m:t>
+                        </m:r>
+                        <m:r>
+                          <a:rPr lang="de-DE" b="0" i="1" smtClean="0">
+                            <a:latin typeface="Cambria Math" panose="02040503050406030204" pitchFamily="18" charset="0"/>
+                            <a:ea typeface="Cambria Math" panose="02040503050406030204" pitchFamily="18" charset="0"/>
+                          </a:rPr>
+                          <m:t>2</m:t>
+                        </m:r>
+                      </m:sub>
+                    </m:sSub>
+                    <m:r>
+                      <a:rPr lang="de-DE" b="0" i="1" smtClean="0">
+                        <a:latin typeface="Cambria Math" panose="02040503050406030204" pitchFamily="18" charset="0"/>
+                        <a:ea typeface="Cambria Math" panose="02040503050406030204" pitchFamily="18" charset="0"/>
+                      </a:rPr>
+                      <m:t> ∧ </m:t>
+                    </m:r>
+                    <m:sSub>
+                      <m:sSubPr>
+                        <m:ctrlPr>
+                          <a:rPr lang="de-DE" b="0" i="1" smtClean="0">
+                            <a:latin typeface="Cambria Math" panose="02040503050406030204" pitchFamily="18" charset="0"/>
+                            <a:ea typeface="Cambria Math" panose="02040503050406030204" pitchFamily="18" charset="0"/>
+                          </a:rPr>
+                        </m:ctrlPr>
+                      </m:sSubPr>
+                      <m:e>
+                        <m:r>
+                          <a:rPr lang="de-DE" b="0" i="1" smtClean="0">
+                            <a:latin typeface="Cambria Math" panose="02040503050406030204" pitchFamily="18" charset="0"/>
+                            <a:ea typeface="Cambria Math" panose="02040503050406030204" pitchFamily="18" charset="0"/>
+                          </a:rPr>
+                          <m:t>𝑧</m:t>
+                        </m:r>
+                      </m:e>
+                      <m:sub>
+                        <m:r>
+                          <a:rPr lang="de-DE" b="0" i="1" smtClean="0">
+                            <a:latin typeface="Cambria Math" panose="02040503050406030204" pitchFamily="18" charset="0"/>
+                            <a:ea typeface="Cambria Math" panose="02040503050406030204" pitchFamily="18" charset="0"/>
+                          </a:rPr>
+                          <m:t>𝑖</m:t>
+                        </m:r>
+                        <m:r>
+                          <a:rPr lang="de-DE" b="0" i="1" smtClean="0">
+                            <a:latin typeface="Cambria Math" panose="02040503050406030204" pitchFamily="18" charset="0"/>
+                            <a:ea typeface="Cambria Math" panose="02040503050406030204" pitchFamily="18" charset="0"/>
+                          </a:rPr>
+                          <m:t>3</m:t>
+                        </m:r>
+                      </m:sub>
+                    </m:sSub>
+                    <m:r>
+                      <a:rPr lang="de-DE" b="0" i="1" smtClean="0">
+                        <a:latin typeface="Cambria Math" panose="02040503050406030204" pitchFamily="18" charset="0"/>
+                        <a:ea typeface="Cambria Math" panose="02040503050406030204" pitchFamily="18" charset="0"/>
+                      </a:rPr>
+                      <m:t>  </m:t>
+                    </m:r>
+                    <m:r>
+                      <a:rPr lang="de-DE" b="0" i="1" smtClean="0">
+                        <a:latin typeface="Cambria Math" panose="02040503050406030204" pitchFamily="18" charset="0"/>
+                        <a:ea typeface="Cambria Math" panose="02040503050406030204" pitchFamily="18" charset="0"/>
+                      </a:rPr>
+                      <m:t>𝑢𝑛𝑑</m:t>
+                    </m:r>
+                    <m:r>
+                      <a:rPr lang="de-DE" b="0" i="1" smtClean="0">
+                        <a:latin typeface="Cambria Math" panose="02040503050406030204" pitchFamily="18" charset="0"/>
+                        <a:ea typeface="Cambria Math" panose="02040503050406030204" pitchFamily="18" charset="0"/>
+                      </a:rPr>
+                      <m:t> </m:t>
+                    </m:r>
+                    <m:sSub>
+                      <m:sSubPr>
+                        <m:ctrlPr>
+                          <a:rPr lang="de-DE" b="0" i="1" smtClean="0">
+                            <a:latin typeface="Cambria Math" panose="02040503050406030204" pitchFamily="18" charset="0"/>
+                            <a:ea typeface="Cambria Math" panose="02040503050406030204" pitchFamily="18" charset="0"/>
+                          </a:rPr>
+                        </m:ctrlPr>
+                      </m:sSubPr>
+                      <m:e>
+                        <m:r>
+                          <a:rPr lang="de-DE" b="0" i="1" smtClean="0">
+                            <a:latin typeface="Cambria Math" panose="02040503050406030204" pitchFamily="18" charset="0"/>
+                            <a:ea typeface="Cambria Math" panose="02040503050406030204" pitchFamily="18" charset="0"/>
+                          </a:rPr>
+                          <m:t>𝑧</m:t>
+                        </m:r>
+                      </m:e>
+                      <m:sub>
+                        <m:r>
+                          <a:rPr lang="de-DE" b="0" i="1" smtClean="0">
+                            <a:latin typeface="Cambria Math" panose="02040503050406030204" pitchFamily="18" charset="0"/>
+                            <a:ea typeface="Cambria Math" panose="02040503050406030204" pitchFamily="18" charset="0"/>
+                          </a:rPr>
+                          <m:t>𝑖𝑗</m:t>
+                        </m:r>
+                      </m:sub>
+                    </m:sSub>
+                    <m:r>
+                      <a:rPr lang="de-DE" b="0" i="1" smtClean="0">
+                        <a:latin typeface="Cambria Math" panose="02040503050406030204" pitchFamily="18" charset="0"/>
+                        <a:ea typeface="Cambria Math" panose="02040503050406030204" pitchFamily="18" charset="0"/>
+                      </a:rPr>
+                      <m:t> ∈</m:t>
+                    </m:r>
+                    <m:d>
+                      <m:dPr>
+                        <m:begChr m:val="{"/>
+                        <m:endChr m:val="}"/>
+                        <m:ctrlPr>
+                          <a:rPr lang="de-DE" b="0" i="1" smtClean="0">
+                            <a:latin typeface="Cambria Math" panose="02040503050406030204" pitchFamily="18" charset="0"/>
+                            <a:ea typeface="Cambria Math" panose="02040503050406030204" pitchFamily="18" charset="0"/>
+                          </a:rPr>
+                        </m:ctrlPr>
+                      </m:dPr>
+                      <m:e>
+                        <m:r>
+                          <a:rPr lang="de-DE" b="0" i="1" smtClean="0">
+                            <a:latin typeface="Cambria Math" panose="02040503050406030204" pitchFamily="18" charset="0"/>
+                            <a:ea typeface="Cambria Math" panose="02040503050406030204" pitchFamily="18" charset="0"/>
+                          </a:rPr>
+                          <m:t> </m:t>
+                        </m:r>
+                        <m:sSub>
+                          <m:sSubPr>
+                            <m:ctrlPr>
+                              <a:rPr lang="de-DE" b="0" i="1" smtClean="0">
+                                <a:latin typeface="Cambria Math" panose="02040503050406030204" pitchFamily="18" charset="0"/>
+                                <a:ea typeface="Cambria Math" panose="02040503050406030204" pitchFamily="18" charset="0"/>
+                              </a:rPr>
+                            </m:ctrlPr>
+                          </m:sSubPr>
+                          <m:e>
+                            <m:r>
+                              <a:rPr lang="de-DE" b="0" i="1" smtClean="0">
+                                <a:latin typeface="Cambria Math" panose="02040503050406030204" pitchFamily="18" charset="0"/>
+                                <a:ea typeface="Cambria Math" panose="02040503050406030204" pitchFamily="18" charset="0"/>
+                              </a:rPr>
+                              <m:t>𝑥</m:t>
+                            </m:r>
+                          </m:e>
+                          <m:sub>
+                            <m:r>
+                              <a:rPr lang="de-DE" b="0" i="1" smtClean="0">
+                                <a:latin typeface="Cambria Math" panose="02040503050406030204" pitchFamily="18" charset="0"/>
+                                <a:ea typeface="Cambria Math" panose="02040503050406030204" pitchFamily="18" charset="0"/>
+                              </a:rPr>
+                              <m:t>1</m:t>
+                            </m:r>
+                          </m:sub>
+                        </m:sSub>
+                        <m:r>
+                          <a:rPr lang="de-DE" b="0" i="1" smtClean="0">
+                            <a:latin typeface="Cambria Math" panose="02040503050406030204" pitchFamily="18" charset="0"/>
+                            <a:ea typeface="Cambria Math" panose="02040503050406030204" pitchFamily="18" charset="0"/>
+                          </a:rPr>
+                          <m:t>, </m:t>
+                        </m:r>
+                        <m:r>
+                          <a:rPr lang="de-DE" b="0" i="1" smtClean="0">
+                            <a:latin typeface="Cambria Math" panose="02040503050406030204" pitchFamily="18" charset="0"/>
+                            <a:ea typeface="Cambria Math" panose="02040503050406030204" pitchFamily="18" charset="0"/>
+                          </a:rPr>
+                          <m:t>𝑛𝑖𝑐h𝑡</m:t>
+                        </m:r>
+                        <m:r>
+                          <a:rPr lang="de-DE" b="0" i="1" smtClean="0">
+                            <a:latin typeface="Cambria Math" panose="02040503050406030204" pitchFamily="18" charset="0"/>
+                            <a:ea typeface="Cambria Math" panose="02040503050406030204" pitchFamily="18" charset="0"/>
+                          </a:rPr>
+                          <m:t> </m:t>
+                        </m:r>
+                        <m:sSub>
+                          <m:sSubPr>
+                            <m:ctrlPr>
+                              <a:rPr lang="de-DE" b="0" i="1" smtClean="0">
+                                <a:latin typeface="Cambria Math" panose="02040503050406030204" pitchFamily="18" charset="0"/>
+                                <a:ea typeface="Cambria Math" panose="02040503050406030204" pitchFamily="18" charset="0"/>
+                              </a:rPr>
+                            </m:ctrlPr>
+                          </m:sSubPr>
+                          <m:e>
+                            <m:r>
+                              <a:rPr lang="de-DE" b="0" i="1" smtClean="0">
+                                <a:latin typeface="Cambria Math" panose="02040503050406030204" pitchFamily="18" charset="0"/>
+                                <a:ea typeface="Cambria Math" panose="02040503050406030204" pitchFamily="18" charset="0"/>
+                              </a:rPr>
+                              <m:t>𝑥</m:t>
+                            </m:r>
+                          </m:e>
+                          <m:sub>
+                            <m:r>
+                              <a:rPr lang="de-DE" b="0" i="1" smtClean="0">
+                                <a:latin typeface="Cambria Math" panose="02040503050406030204" pitchFamily="18" charset="0"/>
+                                <a:ea typeface="Cambria Math" panose="02040503050406030204" pitchFamily="18" charset="0"/>
+                              </a:rPr>
+                              <m:t>1</m:t>
+                            </m:r>
+                          </m:sub>
+                        </m:sSub>
+                        <m:r>
+                          <a:rPr lang="de-DE" b="0" i="1" smtClean="0">
+                            <a:latin typeface="Cambria Math" panose="02040503050406030204" pitchFamily="18" charset="0"/>
+                            <a:ea typeface="Cambria Math" panose="02040503050406030204" pitchFamily="18" charset="0"/>
+                          </a:rPr>
+                          <m:t>, …, </m:t>
+                        </m:r>
+                        <m:sSub>
+                          <m:sSubPr>
+                            <m:ctrlPr>
+                              <a:rPr lang="de-DE" b="0" i="1" smtClean="0">
+                                <a:latin typeface="Cambria Math" panose="02040503050406030204" pitchFamily="18" charset="0"/>
+                                <a:ea typeface="Cambria Math" panose="02040503050406030204" pitchFamily="18" charset="0"/>
+                              </a:rPr>
+                            </m:ctrlPr>
+                          </m:sSubPr>
+                          <m:e>
+                            <m:r>
+                              <a:rPr lang="de-DE" b="0" i="1" smtClean="0">
+                                <a:latin typeface="Cambria Math" panose="02040503050406030204" pitchFamily="18" charset="0"/>
+                                <a:ea typeface="Cambria Math" panose="02040503050406030204" pitchFamily="18" charset="0"/>
+                              </a:rPr>
+                              <m:t>𝑥</m:t>
+                            </m:r>
+                          </m:e>
+                          <m:sub>
+                            <m:r>
+                              <a:rPr lang="de-DE" b="0" i="1" smtClean="0">
+                                <a:latin typeface="Cambria Math" panose="02040503050406030204" pitchFamily="18" charset="0"/>
+                                <a:ea typeface="Cambria Math" panose="02040503050406030204" pitchFamily="18" charset="0"/>
+                              </a:rPr>
+                              <m:t>𝑛</m:t>
+                            </m:r>
+                          </m:sub>
+                        </m:sSub>
+                        <m:r>
+                          <a:rPr lang="de-DE" b="0" i="1" smtClean="0">
+                            <a:latin typeface="Cambria Math" panose="02040503050406030204" pitchFamily="18" charset="0"/>
+                            <a:ea typeface="Cambria Math" panose="02040503050406030204" pitchFamily="18" charset="0"/>
+                          </a:rPr>
+                          <m:t>, </m:t>
+                        </m:r>
+                        <m:r>
+                          <a:rPr lang="de-DE" b="0" i="1" smtClean="0">
+                            <a:latin typeface="Cambria Math" panose="02040503050406030204" pitchFamily="18" charset="0"/>
+                            <a:ea typeface="Cambria Math" panose="02040503050406030204" pitchFamily="18" charset="0"/>
+                          </a:rPr>
+                          <m:t>𝑛𝑖𝑐h𝑡</m:t>
+                        </m:r>
+                        <m:r>
+                          <a:rPr lang="de-DE" b="0" i="1" smtClean="0">
+                            <a:latin typeface="Cambria Math" panose="02040503050406030204" pitchFamily="18" charset="0"/>
+                            <a:ea typeface="Cambria Math" panose="02040503050406030204" pitchFamily="18" charset="0"/>
+                          </a:rPr>
+                          <m:t> </m:t>
+                        </m:r>
+                        <m:sSub>
+                          <m:sSubPr>
+                            <m:ctrlPr>
+                              <a:rPr lang="de-DE" b="0" i="1" smtClean="0">
+                                <a:latin typeface="Cambria Math" panose="02040503050406030204" pitchFamily="18" charset="0"/>
+                                <a:ea typeface="Cambria Math" panose="02040503050406030204" pitchFamily="18" charset="0"/>
+                              </a:rPr>
+                            </m:ctrlPr>
+                          </m:sSubPr>
+                          <m:e>
+                            <m:r>
+                              <a:rPr lang="de-DE" b="0" i="1" smtClean="0">
+                                <a:latin typeface="Cambria Math" panose="02040503050406030204" pitchFamily="18" charset="0"/>
+                                <a:ea typeface="Cambria Math" panose="02040503050406030204" pitchFamily="18" charset="0"/>
+                              </a:rPr>
+                              <m:t>𝑥</m:t>
+                            </m:r>
+                          </m:e>
+                          <m:sub>
+                            <m:r>
+                              <a:rPr lang="de-DE" b="0" i="1" smtClean="0">
+                                <a:latin typeface="Cambria Math" panose="02040503050406030204" pitchFamily="18" charset="0"/>
+                                <a:ea typeface="Cambria Math" panose="02040503050406030204" pitchFamily="18" charset="0"/>
+                              </a:rPr>
+                              <m:t>𝑛</m:t>
+                            </m:r>
+                          </m:sub>
+                        </m:sSub>
+                      </m:e>
+                    </m:d>
+                  </m:oMath>
+                </a14:m>
+                <a:endParaRPr lang="de-DE" b="0" dirty="0">
+                  <a:ea typeface="Cambria Math" panose="02040503050406030204" pitchFamily="18" charset="0"/>
+                </a:endParaRPr>
+              </a:p>
+              <a:p>
+                <a:endParaRPr lang="de-DE" dirty="0"/>
+              </a:p>
+              <a:p>
+                <a:r>
+                  <a:rPr lang="de-DE" dirty="0"/>
+                  <a:t>Es gilt: </a:t>
+                </a:r>
+                <a14:m>
+                  <m:oMath xmlns:m="http://schemas.openxmlformats.org/officeDocument/2006/math">
+                    <m:sSub>
+                      <m:sSubPr>
+                        <m:ctrlPr>
+                          <a:rPr lang="de-DE" i="1" smtClean="0">
+                            <a:latin typeface="Cambria Math" panose="02040503050406030204" pitchFamily="18" charset="0"/>
+                          </a:rPr>
+                        </m:ctrlPr>
+                      </m:sSubPr>
+                      <m:e>
+                        <m:r>
+                          <a:rPr lang="de-DE" b="0" i="1" smtClean="0">
+                            <a:latin typeface="Cambria Math" panose="02040503050406030204" pitchFamily="18" charset="0"/>
+                          </a:rPr>
+                          <m:t>𝑎</m:t>
+                        </m:r>
+                      </m:e>
+                      <m:sub>
+                        <m:r>
+                          <a:rPr lang="de-DE" b="0" i="1" smtClean="0">
+                            <a:latin typeface="Cambria Math" panose="02040503050406030204" pitchFamily="18" charset="0"/>
+                          </a:rPr>
+                          <m:t>𝑖</m:t>
+                        </m:r>
+                      </m:sub>
+                    </m:sSub>
+                    <m:r>
+                      <a:rPr lang="de-DE" b="0" i="1" smtClean="0">
+                        <a:latin typeface="Cambria Math" panose="02040503050406030204" pitchFamily="18" charset="0"/>
+                      </a:rPr>
+                      <m:t>= </m:t>
+                    </m:r>
+                    <m:sSub>
+                      <m:sSubPr>
+                        <m:ctrlPr>
+                          <a:rPr lang="de-DE" b="0" i="1" smtClean="0">
+                            <a:latin typeface="Cambria Math" panose="02040503050406030204" pitchFamily="18" charset="0"/>
+                          </a:rPr>
+                        </m:ctrlPr>
+                      </m:sSubPr>
+                      <m:e>
+                        <m:r>
+                          <a:rPr lang="de-DE" b="0" i="1" smtClean="0">
+                            <a:latin typeface="Cambria Math" panose="02040503050406030204" pitchFamily="18" charset="0"/>
+                          </a:rPr>
+                          <m:t>𝑔</m:t>
+                        </m:r>
+                      </m:e>
+                      <m:sub>
+                        <m:r>
+                          <a:rPr lang="de-DE" b="0" i="1" smtClean="0">
+                            <a:latin typeface="Cambria Math" panose="02040503050406030204" pitchFamily="18" charset="0"/>
+                          </a:rPr>
+                          <m:t>𝑖</m:t>
+                        </m:r>
+                      </m:sub>
+                    </m:sSub>
+                  </m:oMath>
+                </a14:m>
+                <a:r>
+                  <a:rPr lang="de-DE" dirty="0"/>
+                  <a:t> und </a:t>
+                </a:r>
+                <a14:m>
+                  <m:oMath xmlns:m="http://schemas.openxmlformats.org/officeDocument/2006/math">
+                    <m:r>
+                      <a:rPr lang="de-DE" b="0" i="1" smtClean="0">
+                        <a:latin typeface="Cambria Math" panose="02040503050406030204" pitchFamily="18" charset="0"/>
+                      </a:rPr>
+                      <m:t>𝐴</m:t>
+                    </m:r>
+                    <m:r>
+                      <a:rPr lang="de-DE" b="0" i="1" smtClean="0">
+                        <a:latin typeface="Cambria Math" panose="02040503050406030204" pitchFamily="18" charset="0"/>
+                      </a:rPr>
+                      <m:t>=</m:t>
+                    </m:r>
+                    <m:r>
+                      <a:rPr lang="de-DE" b="0" i="1" smtClean="0">
+                        <a:latin typeface="Cambria Math" panose="02040503050406030204" pitchFamily="18" charset="0"/>
+                      </a:rPr>
+                      <m:t>𝐺</m:t>
+                    </m:r>
+                  </m:oMath>
+                </a14:m>
+                <a:endParaRPr lang="de-DE" dirty="0"/>
+              </a:p>
+              <a:p>
+                <a:endParaRPr lang="de-DE" dirty="0"/>
+              </a:p>
+              <a:p>
+                <a:r>
+                  <a:rPr lang="de-DE" dirty="0"/>
+                  <a:t>Zahlen werden jetzt in Dezimaldarstellung betrachtet.</a:t>
+                </a:r>
+              </a:p>
+              <a:p>
+                <a:pPr lvl="1"/>
+                <a:r>
+                  <a:rPr lang="de-DE" dirty="0"/>
+                  <a:t>A besteht aus m mal Vierern gefolgt von n Einsen</a:t>
+                </a:r>
+              </a:p>
+            </p:txBody>
+          </p:sp>
+        </mc:Choice>
+        <mc:Fallback>
+          <p:sp>
+            <p:nvSpPr>
+              <p:cNvPr id="3" name="Inhaltsplatzhalter 2">
+                <a:extLst>
+                  <a:ext uri="{FF2B5EF4-FFF2-40B4-BE49-F238E27FC236}">
+                    <a16:creationId xmlns:a16="http://schemas.microsoft.com/office/drawing/2014/main" id="{5F48BCB6-AC43-47F9-BF5D-CE53CE2B4264}"/>
+                  </a:ext>
+                </a:extLst>
+              </p:cNvPr>
+              <p:cNvSpPr>
+                <a:spLocks noGrp="1" noRot="1" noChangeAspect="1" noMove="1" noResize="1" noEditPoints="1" noAdjustHandles="1" noChangeArrowheads="1" noChangeShapeType="1" noTextEdit="1"/>
+              </p:cNvSpPr>
+              <p:nvPr>
+                <p:ph idx="1"/>
+              </p:nvPr>
+            </p:nvSpPr>
+            <p:spPr>
+              <a:blipFill>
+                <a:blip r:embed="rId3"/>
+                <a:stretch>
+                  <a:fillRect l="-1231" t="-1721" b="-2754"/>
+                </a:stretch>
+              </a:blipFill>
+            </p:spPr>
+            <p:txBody>
+              <a:bodyPr/>
+              <a:lstStyle/>
+              <a:p>
+                <a:r>
+                  <a:rPr lang="de-DE">
+                    <a:noFill/>
+                  </a:rPr>
+                  <a:t> </a:t>
+                </a:r>
+              </a:p>
+            </p:txBody>
+          </p:sp>
+        </mc:Fallback>
+      </mc:AlternateContent>
+    </p:spTree>
+    <p:extLst>
+      <p:ext uri="{BB962C8B-B14F-4D97-AF65-F5344CB8AC3E}">
+        <p14:creationId xmlns:p14="http://schemas.microsoft.com/office/powerpoint/2010/main" val="1385510287"/>
+      </p:ext>
+    </p:extLst>
+  </p:cSld>
+  <p:clrMapOvr>
+    <a:masterClrMapping/>
+  </p:clrMapOvr>
+</p:sld>
+</file>
+
+<file path=ppt/slides/slide31.xml><?xml version="1.0" encoding="utf-8"?>
+<p:sld xmlns:a="http://schemas.openxmlformats.org/drawingml/2006/main" xmlns:r="http://schemas.openxmlformats.org/officeDocument/2006/relationships" xmlns:p="http://schemas.openxmlformats.org/presentationml/2006/main">
+  <p:cSld>
+    <p:spTree>
+      <p:nvGrpSpPr>
+        <p:cNvPr id="1" name=""/>
+        <p:cNvGrpSpPr/>
+        <p:nvPr/>
+      </p:nvGrpSpPr>
+      <p:grpSpPr>
+        <a:xfrm>
+          <a:off x="0" y="0"/>
+          <a:ext cx="0" cy="0"/>
+          <a:chOff x="0" y="0"/>
+          <a:chExt cx="0" cy="0"/>
+        </a:xfrm>
+      </p:grpSpPr>
+      <p:sp>
+        <p:nvSpPr>
+          <p:cNvPr id="2" name="Titel 1">
+            <a:extLst>
+              <a:ext uri="{FF2B5EF4-FFF2-40B4-BE49-F238E27FC236}">
+                <a16:creationId xmlns:a16="http://schemas.microsoft.com/office/drawing/2014/main" id="{A61C335D-BBF3-4FC4-B731-22448B3AC03C}"/>
+              </a:ext>
+            </a:extLst>
+          </p:cNvPr>
+          <p:cNvSpPr>
+            <a:spLocks noGrp="1"/>
+          </p:cNvSpPr>
+          <p:nvPr>
+            <p:ph type="title"/>
+          </p:nvPr>
+        </p:nvSpPr>
+        <p:spPr/>
+        <p:txBody>
+          <a:bodyPr/>
+          <a:lstStyle/>
+          <a:p>
+            <a:r>
+              <a:rPr lang="de-DE" dirty="0"/>
+              <a:t>Knappsack NP vollständig</a:t>
+            </a:r>
+          </a:p>
+        </p:txBody>
+      </p:sp>
+      <mc:AlternateContent xmlns:mc="http://schemas.openxmlformats.org/markup-compatibility/2006">
+        <mc:Choice xmlns:a14="http://schemas.microsoft.com/office/drawing/2010/main" Requires="a14">
+          <p:sp>
+            <p:nvSpPr>
+              <p:cNvPr id="3" name="Inhaltsplatzhalter 2">
+                <a:extLst>
+                  <a:ext uri="{FF2B5EF4-FFF2-40B4-BE49-F238E27FC236}">
+                    <a16:creationId xmlns:a16="http://schemas.microsoft.com/office/drawing/2014/main" id="{5F48BCB6-AC43-47F9-BF5D-CE53CE2B4264}"/>
+                  </a:ext>
+                </a:extLst>
+              </p:cNvPr>
+              <p:cNvSpPr>
+                <a:spLocks noGrp="1"/>
+              </p:cNvSpPr>
+              <p:nvPr>
+                <p:ph idx="1"/>
+              </p:nvPr>
+            </p:nvSpPr>
+            <p:spPr/>
+            <p:txBody>
+              <a:bodyPr>
+                <a:normAutofit fontScale="92500" lnSpcReduction="20000"/>
+              </a:bodyPr>
+              <a:lstStyle/>
+              <a:p>
+                <a:r>
+                  <a:rPr lang="de-DE" dirty="0"/>
+                  <a:t>Knappsack besteht aus 2n + 2m Objekten</a:t>
+                </a:r>
+              </a:p>
+              <a:p>
+                <a:pPr lvl="1"/>
+                <a:r>
+                  <a:rPr lang="de-DE" dirty="0"/>
+                  <a:t>Nutzwerte </a:t>
+                </a:r>
+                <a14:m>
+                  <m:oMath xmlns:m="http://schemas.openxmlformats.org/officeDocument/2006/math">
+                    <m:sSub>
+                      <m:sSubPr>
+                        <m:ctrlPr>
+                          <a:rPr lang="de-DE" i="1" smtClean="0">
+                            <a:latin typeface="Cambria Math" panose="02040503050406030204" pitchFamily="18" charset="0"/>
+                          </a:rPr>
+                        </m:ctrlPr>
+                      </m:sSubPr>
+                      <m:e>
+                        <m:r>
+                          <a:rPr lang="de-DE" b="0" i="1" smtClean="0">
+                            <a:latin typeface="Cambria Math" panose="02040503050406030204" pitchFamily="18" charset="0"/>
+                          </a:rPr>
+                          <m:t>𝑎</m:t>
+                        </m:r>
+                      </m:e>
+                      <m:sub>
+                        <m:r>
+                          <a:rPr lang="de-DE" b="0" i="1" smtClean="0">
+                            <a:latin typeface="Cambria Math" panose="02040503050406030204" pitchFamily="18" charset="0"/>
+                          </a:rPr>
+                          <m:t>𝑖</m:t>
+                        </m:r>
+                      </m:sub>
+                    </m:sSub>
+                    <m:r>
+                      <a:rPr lang="de-DE" b="0" i="1" smtClean="0">
+                        <a:latin typeface="Cambria Math" panose="02040503050406030204" pitchFamily="18" charset="0"/>
+                      </a:rPr>
+                      <m:t>, </m:t>
+                    </m:r>
+                    <m:sSub>
+                      <m:sSubPr>
+                        <m:ctrlPr>
+                          <a:rPr lang="de-DE" b="0" i="1" smtClean="0">
+                            <a:latin typeface="Cambria Math" panose="02040503050406030204" pitchFamily="18" charset="0"/>
+                          </a:rPr>
+                        </m:ctrlPr>
+                      </m:sSubPr>
+                      <m:e>
+                        <m:r>
+                          <a:rPr lang="de-DE" b="0" i="1" smtClean="0">
+                            <a:latin typeface="Cambria Math" panose="02040503050406030204" pitchFamily="18" charset="0"/>
+                          </a:rPr>
+                          <m:t>𝑏</m:t>
+                        </m:r>
+                      </m:e>
+                      <m:sub>
+                        <m:r>
+                          <a:rPr lang="de-DE" b="0" i="1" smtClean="0">
+                            <a:latin typeface="Cambria Math" panose="02040503050406030204" pitchFamily="18" charset="0"/>
+                          </a:rPr>
+                          <m:t>𝑖</m:t>
+                        </m:r>
+                      </m:sub>
+                    </m:sSub>
+                    <m:r>
+                      <a:rPr lang="de-DE" b="0" i="1" smtClean="0">
+                        <a:latin typeface="Cambria Math" panose="02040503050406030204" pitchFamily="18" charset="0"/>
+                      </a:rPr>
+                      <m:t>, </m:t>
+                    </m:r>
+                    <m:sSub>
+                      <m:sSubPr>
+                        <m:ctrlPr>
+                          <a:rPr lang="de-DE" b="0" i="1" smtClean="0">
+                            <a:latin typeface="Cambria Math" panose="02040503050406030204" pitchFamily="18" charset="0"/>
+                          </a:rPr>
+                        </m:ctrlPr>
+                      </m:sSubPr>
+                      <m:e>
+                        <m:r>
+                          <a:rPr lang="de-DE" b="0" i="1" smtClean="0">
+                            <a:latin typeface="Cambria Math" panose="02040503050406030204" pitchFamily="18" charset="0"/>
+                          </a:rPr>
+                          <m:t>𝑐</m:t>
+                        </m:r>
+                      </m:e>
+                      <m:sub>
+                        <m:r>
+                          <a:rPr lang="de-DE" b="0" i="1" smtClean="0">
+                            <a:latin typeface="Cambria Math" panose="02040503050406030204" pitchFamily="18" charset="0"/>
+                          </a:rPr>
+                          <m:t>𝑗</m:t>
+                        </m:r>
+                      </m:sub>
+                    </m:sSub>
+                    <m:r>
+                      <a:rPr lang="de-DE" b="0" i="1" smtClean="0">
+                        <a:latin typeface="Cambria Math" panose="02040503050406030204" pitchFamily="18" charset="0"/>
+                      </a:rPr>
+                      <m:t>, </m:t>
+                    </m:r>
+                    <m:sSub>
+                      <m:sSubPr>
+                        <m:ctrlPr>
+                          <a:rPr lang="de-DE" b="0" i="1" smtClean="0">
+                            <a:latin typeface="Cambria Math" panose="02040503050406030204" pitchFamily="18" charset="0"/>
+                          </a:rPr>
+                        </m:ctrlPr>
+                      </m:sSubPr>
+                      <m:e>
+                        <m:r>
+                          <a:rPr lang="de-DE" b="0" i="1" smtClean="0">
+                            <a:latin typeface="Cambria Math" panose="02040503050406030204" pitchFamily="18" charset="0"/>
+                          </a:rPr>
+                          <m:t>𝑑</m:t>
+                        </m:r>
+                      </m:e>
+                      <m:sub>
+                        <m:r>
+                          <a:rPr lang="de-DE" b="0" i="1" smtClean="0">
+                            <a:latin typeface="Cambria Math" panose="02040503050406030204" pitchFamily="18" charset="0"/>
+                          </a:rPr>
+                          <m:t>𝑗</m:t>
+                        </m:r>
+                      </m:sub>
+                    </m:sSub>
+                  </m:oMath>
+                </a14:m>
+                <a:r>
+                  <a:rPr lang="de-DE" dirty="0"/>
+                  <a:t>, </a:t>
+                </a:r>
+                <a14:m>
+                  <m:oMath xmlns:m="http://schemas.openxmlformats.org/officeDocument/2006/math">
+                    <m:r>
+                      <a:rPr lang="de-DE" b="0" i="0" smtClean="0">
+                        <a:latin typeface="Cambria Math" panose="02040503050406030204" pitchFamily="18" charset="0"/>
+                      </a:rPr>
+                      <m:t>1 </m:t>
+                    </m:r>
+                    <m:r>
+                      <a:rPr lang="de-DE" b="0" i="1" smtClean="0">
+                        <a:latin typeface="Cambria Math" panose="02040503050406030204" pitchFamily="18" charset="0"/>
+                      </a:rPr>
+                      <m:t>≤</m:t>
+                    </m:r>
+                    <m:r>
+                      <a:rPr lang="de-DE" b="0" i="1" smtClean="0">
+                        <a:latin typeface="Cambria Math" panose="02040503050406030204" pitchFamily="18" charset="0"/>
+                      </a:rPr>
+                      <m:t>𝑖</m:t>
+                    </m:r>
+                    <m:r>
+                      <a:rPr lang="de-DE" b="0" i="1" smtClean="0">
+                        <a:latin typeface="Cambria Math" panose="02040503050406030204" pitchFamily="18" charset="0"/>
+                      </a:rPr>
+                      <m:t>≤</m:t>
+                    </m:r>
+                    <m:r>
+                      <a:rPr lang="de-DE" b="0" i="1" smtClean="0">
+                        <a:latin typeface="Cambria Math" panose="02040503050406030204" pitchFamily="18" charset="0"/>
+                      </a:rPr>
+                      <m:t>𝑛</m:t>
+                    </m:r>
+                    <m:r>
+                      <a:rPr lang="de-DE" b="0" i="1" smtClean="0">
+                        <a:latin typeface="Cambria Math" panose="02040503050406030204" pitchFamily="18" charset="0"/>
+                      </a:rPr>
+                      <m:t> </m:t>
+                    </m:r>
+                    <m:r>
+                      <a:rPr lang="de-DE" b="0" i="1" smtClean="0">
+                        <a:latin typeface="Cambria Math" panose="02040503050406030204" pitchFamily="18" charset="0"/>
+                      </a:rPr>
+                      <m:t>𝑢𝑛𝑑</m:t>
+                    </m:r>
+                    <m:r>
+                      <a:rPr lang="de-DE" b="0" i="1" smtClean="0">
+                        <a:latin typeface="Cambria Math" panose="02040503050406030204" pitchFamily="18" charset="0"/>
+                      </a:rPr>
+                      <m:t> 1≤</m:t>
+                    </m:r>
+                    <m:r>
+                      <a:rPr lang="de-DE" b="0" i="1" smtClean="0">
+                        <a:latin typeface="Cambria Math" panose="02040503050406030204" pitchFamily="18" charset="0"/>
+                      </a:rPr>
+                      <m:t>𝑗</m:t>
+                    </m:r>
+                    <m:r>
+                      <a:rPr lang="de-DE" b="0" i="1" smtClean="0">
+                        <a:latin typeface="Cambria Math" panose="02040503050406030204" pitchFamily="18" charset="0"/>
+                      </a:rPr>
+                      <m:t>≤</m:t>
+                    </m:r>
+                    <m:r>
+                      <a:rPr lang="de-DE" b="0" i="1" smtClean="0">
+                        <a:latin typeface="Cambria Math" panose="02040503050406030204" pitchFamily="18" charset="0"/>
+                      </a:rPr>
+                      <m:t>𝑚</m:t>
+                    </m:r>
+                  </m:oMath>
+                </a14:m>
+                <a:endParaRPr lang="de-DE" dirty="0"/>
+              </a:p>
+              <a:p>
+                <a:pPr lvl="1"/>
+                <a:endParaRPr lang="de-DE" dirty="0"/>
+              </a:p>
+              <a:p>
+                <a14:m>
+                  <m:oMath xmlns:m="http://schemas.openxmlformats.org/officeDocument/2006/math">
+                    <m:sSub>
+                      <m:sSubPr>
+                        <m:ctrlPr>
+                          <a:rPr lang="de-DE" i="1" smtClean="0">
+                            <a:latin typeface="Cambria Math" panose="02040503050406030204" pitchFamily="18" charset="0"/>
+                          </a:rPr>
+                        </m:ctrlPr>
+                      </m:sSubPr>
+                      <m:e>
+                        <m:r>
+                          <a:rPr lang="de-DE" b="0" i="1" smtClean="0">
+                            <a:latin typeface="Cambria Math" panose="02040503050406030204" pitchFamily="18" charset="0"/>
+                          </a:rPr>
+                          <m:t>𝑎</m:t>
+                        </m:r>
+                      </m:e>
+                      <m:sub>
+                        <m:r>
+                          <a:rPr lang="de-DE" b="0" i="1" smtClean="0">
+                            <a:latin typeface="Cambria Math" panose="02040503050406030204" pitchFamily="18" charset="0"/>
+                          </a:rPr>
+                          <m:t>𝑖</m:t>
+                        </m:r>
+                      </m:sub>
+                    </m:sSub>
+                  </m:oMath>
+                </a14:m>
+                <a:r>
+                  <a:rPr lang="de-DE" dirty="0"/>
+                  <a:t> bezieht sich auf Literal </a:t>
+                </a:r>
+                <a14:m>
+                  <m:oMath xmlns:m="http://schemas.openxmlformats.org/officeDocument/2006/math">
+                    <m:sSub>
+                      <m:sSubPr>
+                        <m:ctrlPr>
+                          <a:rPr lang="de-DE" i="1" smtClean="0">
+                            <a:latin typeface="Cambria Math" panose="02040503050406030204" pitchFamily="18" charset="0"/>
+                          </a:rPr>
+                        </m:ctrlPr>
+                      </m:sSubPr>
+                      <m:e>
+                        <m:r>
+                          <a:rPr lang="de-DE" b="0" i="1" smtClean="0">
+                            <a:latin typeface="Cambria Math" panose="02040503050406030204" pitchFamily="18" charset="0"/>
+                          </a:rPr>
+                          <m:t>𝑥</m:t>
+                        </m:r>
+                      </m:e>
+                      <m:sub>
+                        <m:r>
+                          <a:rPr lang="de-DE" b="0" i="1" smtClean="0">
+                            <a:latin typeface="Cambria Math" panose="02040503050406030204" pitchFamily="18" charset="0"/>
+                          </a:rPr>
+                          <m:t>𝑖</m:t>
+                        </m:r>
+                      </m:sub>
+                    </m:sSub>
+                  </m:oMath>
+                </a14:m>
+                <a:endParaRPr lang="de-DE" dirty="0"/>
+              </a:p>
+              <a:p>
+                <a:r>
+                  <a:rPr lang="de-DE" dirty="0"/>
+                  <a:t>Im vorderen Block (Länge m) gibt sie an Position j an, wie oft </a:t>
+                </a:r>
+                <a14:m>
+                  <m:oMath xmlns:m="http://schemas.openxmlformats.org/officeDocument/2006/math">
+                    <m:sSub>
+                      <m:sSubPr>
+                        <m:ctrlPr>
+                          <a:rPr lang="de-DE" i="1" smtClean="0">
+                            <a:latin typeface="Cambria Math" panose="02040503050406030204" pitchFamily="18" charset="0"/>
+                          </a:rPr>
+                        </m:ctrlPr>
+                      </m:sSubPr>
+                      <m:e>
+                        <m:r>
+                          <a:rPr lang="de-DE" b="0" i="1" smtClean="0">
+                            <a:latin typeface="Cambria Math" panose="02040503050406030204" pitchFamily="18" charset="0"/>
+                          </a:rPr>
+                          <m:t>𝑥</m:t>
+                        </m:r>
+                      </m:e>
+                      <m:sub>
+                        <m:r>
+                          <a:rPr lang="de-DE" b="0" i="1" smtClean="0">
+                            <a:latin typeface="Cambria Math" panose="02040503050406030204" pitchFamily="18" charset="0"/>
+                          </a:rPr>
+                          <m:t>𝑖</m:t>
+                        </m:r>
+                      </m:sub>
+                    </m:sSub>
+                  </m:oMath>
+                </a14:m>
+                <a:r>
+                  <a:rPr lang="de-DE" dirty="0"/>
+                  <a:t> in der j-</a:t>
+                </a:r>
+                <a:r>
+                  <a:rPr lang="de-DE" dirty="0" err="1"/>
+                  <a:t>ten</a:t>
+                </a:r>
+                <a:r>
+                  <a:rPr lang="de-DE" dirty="0"/>
+                  <a:t> Klausel vorkommt</a:t>
+                </a:r>
+              </a:p>
+              <a:p>
+                <a:r>
+                  <a:rPr lang="de-DE" dirty="0"/>
+                  <a:t>Im hinteren Block (Länge n) steht an Position i eine Eins, Rest Nullen</a:t>
+                </a:r>
+              </a:p>
+              <a:p>
+                <a14:m>
+                  <m:oMath xmlns:m="http://schemas.openxmlformats.org/officeDocument/2006/math">
+                    <m:sSub>
+                      <m:sSubPr>
+                        <m:ctrlPr>
+                          <a:rPr lang="de-DE" i="1" smtClean="0">
+                            <a:latin typeface="Cambria Math" panose="02040503050406030204" pitchFamily="18" charset="0"/>
+                          </a:rPr>
+                        </m:ctrlPr>
+                      </m:sSubPr>
+                      <m:e>
+                        <m:r>
+                          <a:rPr lang="de-DE" b="0" i="1" smtClean="0">
+                            <a:latin typeface="Cambria Math" panose="02040503050406030204" pitchFamily="18" charset="0"/>
+                          </a:rPr>
+                          <m:t>𝑏</m:t>
+                        </m:r>
+                      </m:e>
+                      <m:sub>
+                        <m:r>
+                          <a:rPr lang="de-DE" b="0" i="1" smtClean="0">
+                            <a:latin typeface="Cambria Math" panose="02040503050406030204" pitchFamily="18" charset="0"/>
+                          </a:rPr>
+                          <m:t>𝑖</m:t>
+                        </m:r>
+                      </m:sub>
+                    </m:sSub>
+                  </m:oMath>
+                </a14:m>
+                <a:r>
+                  <a:rPr lang="de-DE" dirty="0"/>
+                  <a:t> analog für nicht-x</a:t>
+                </a:r>
+              </a:p>
+            </p:txBody>
+          </p:sp>
+        </mc:Choice>
+        <mc:Fallback>
+          <p:sp>
+            <p:nvSpPr>
+              <p:cNvPr id="3" name="Inhaltsplatzhalter 2">
+                <a:extLst>
+                  <a:ext uri="{FF2B5EF4-FFF2-40B4-BE49-F238E27FC236}">
+                    <a16:creationId xmlns:a16="http://schemas.microsoft.com/office/drawing/2014/main" id="{5F48BCB6-AC43-47F9-BF5D-CE53CE2B4264}"/>
+                  </a:ext>
+                </a:extLst>
+              </p:cNvPr>
+              <p:cNvSpPr>
+                <a:spLocks noGrp="1" noRot="1" noChangeAspect="1" noMove="1" noResize="1" noEditPoints="1" noAdjustHandles="1" noChangeArrowheads="1" noChangeShapeType="1" noTextEdit="1"/>
+              </p:cNvSpPr>
+              <p:nvPr>
+                <p:ph idx="1"/>
+              </p:nvPr>
+            </p:nvSpPr>
+            <p:spPr>
+              <a:blipFill>
+                <a:blip r:embed="rId3"/>
+                <a:stretch>
+                  <a:fillRect l="-1046" t="-3098"/>
+                </a:stretch>
+              </a:blipFill>
+            </p:spPr>
+            <p:txBody>
+              <a:bodyPr/>
+              <a:lstStyle/>
+              <a:p>
+                <a:r>
+                  <a:rPr lang="de-DE">
+                    <a:noFill/>
+                  </a:rPr>
+                  <a:t> </a:t>
+                </a:r>
+              </a:p>
+            </p:txBody>
+          </p:sp>
+        </mc:Fallback>
+      </mc:AlternateContent>
+    </p:spTree>
+    <p:extLst>
+      <p:ext uri="{BB962C8B-B14F-4D97-AF65-F5344CB8AC3E}">
+        <p14:creationId xmlns:p14="http://schemas.microsoft.com/office/powerpoint/2010/main" val="1166691096"/>
+      </p:ext>
+    </p:extLst>
+  </p:cSld>
+  <p:clrMapOvr>
+    <a:masterClrMapping/>
+  </p:clrMapOvr>
+</p:sld>
+</file>
+
+<file path=ppt/slides/slide32.xml><?xml version="1.0" encoding="utf-8"?>
+<p:sld xmlns:a="http://schemas.openxmlformats.org/drawingml/2006/main" xmlns:r="http://schemas.openxmlformats.org/officeDocument/2006/relationships" xmlns:p="http://schemas.openxmlformats.org/presentationml/2006/main">
+  <p:cSld>
+    <p:spTree>
+      <p:nvGrpSpPr>
+        <p:cNvPr id="1" name=""/>
+        <p:cNvGrpSpPr/>
+        <p:nvPr/>
+      </p:nvGrpSpPr>
+      <p:grpSpPr>
+        <a:xfrm>
+          <a:off x="0" y="0"/>
+          <a:ext cx="0" cy="0"/>
+          <a:chOff x="0" y="0"/>
+          <a:chExt cx="0" cy="0"/>
+        </a:xfrm>
+      </p:grpSpPr>
+      <p:sp>
+        <p:nvSpPr>
+          <p:cNvPr id="2" name="Titel 1">
+            <a:extLst>
+              <a:ext uri="{FF2B5EF4-FFF2-40B4-BE49-F238E27FC236}">
+                <a16:creationId xmlns:a16="http://schemas.microsoft.com/office/drawing/2014/main" id="{A61C335D-BBF3-4FC4-B731-22448B3AC03C}"/>
+              </a:ext>
+            </a:extLst>
+          </p:cNvPr>
+          <p:cNvSpPr>
+            <a:spLocks noGrp="1"/>
+          </p:cNvSpPr>
+          <p:nvPr>
+            <p:ph type="title"/>
+          </p:nvPr>
+        </p:nvSpPr>
+        <p:spPr/>
+        <p:txBody>
+          <a:bodyPr/>
+          <a:lstStyle/>
+          <a:p>
+            <a:r>
+              <a:rPr lang="de-DE" dirty="0"/>
+              <a:t>Knappsack NP vollständig</a:t>
+            </a:r>
+          </a:p>
+        </p:txBody>
+      </p:sp>
+      <mc:AlternateContent xmlns:mc="http://schemas.openxmlformats.org/markup-compatibility/2006">
+        <mc:Choice xmlns:a14="http://schemas.microsoft.com/office/drawing/2010/main" Requires="a14">
+          <p:sp>
+            <p:nvSpPr>
+              <p:cNvPr id="3" name="Inhaltsplatzhalter 2">
+                <a:extLst>
+                  <a:ext uri="{FF2B5EF4-FFF2-40B4-BE49-F238E27FC236}">
+                    <a16:creationId xmlns:a16="http://schemas.microsoft.com/office/drawing/2014/main" id="{5F48BCB6-AC43-47F9-BF5D-CE53CE2B4264}"/>
+                  </a:ext>
+                </a:extLst>
+              </p:cNvPr>
+              <p:cNvSpPr>
+                <a:spLocks noGrp="1"/>
+              </p:cNvSpPr>
+              <p:nvPr>
+                <p:ph idx="1"/>
+              </p:nvPr>
+            </p:nvSpPr>
+            <p:spPr/>
+            <p:txBody>
+              <a:bodyPr>
+                <a:normAutofit/>
+              </a:bodyPr>
+              <a:lstStyle/>
+              <a:p>
+                <a14:m>
+                  <m:oMath xmlns:m="http://schemas.openxmlformats.org/officeDocument/2006/math">
+                    <m:sSub>
+                      <m:sSubPr>
+                        <m:ctrlPr>
+                          <a:rPr lang="de-DE" i="1" smtClean="0">
+                            <a:latin typeface="Cambria Math" panose="02040503050406030204" pitchFamily="18" charset="0"/>
+                          </a:rPr>
+                        </m:ctrlPr>
+                      </m:sSubPr>
+                      <m:e>
+                        <m:r>
+                          <a:rPr lang="de-DE" b="0" i="1" smtClean="0">
+                            <a:latin typeface="Cambria Math" panose="02040503050406030204" pitchFamily="18" charset="0"/>
+                          </a:rPr>
+                          <m:t>𝑐</m:t>
+                        </m:r>
+                      </m:e>
+                      <m:sub>
+                        <m:r>
+                          <a:rPr lang="de-DE" b="0" i="1" smtClean="0">
+                            <a:latin typeface="Cambria Math" panose="02040503050406030204" pitchFamily="18" charset="0"/>
+                          </a:rPr>
+                          <m:t>𝑖</m:t>
+                        </m:r>
+                      </m:sub>
+                    </m:sSub>
+                  </m:oMath>
+                </a14:m>
+                <a:r>
+                  <a:rPr lang="de-DE" dirty="0"/>
+                  <a:t> dient der möglichen Ergänzung.</a:t>
+                </a:r>
+              </a:p>
+              <a:p>
+                <a:pPr lvl="1"/>
+                <a:r>
+                  <a:rPr lang="de-DE" dirty="0"/>
+                  <a:t>Hat an Position i eine Eins, Rest Null</a:t>
+                </a:r>
+              </a:p>
+              <a:p>
+                <a:pPr marL="457200" lvl="1" indent="0">
+                  <a:buNone/>
+                </a:pPr>
+                <a:endParaRPr lang="de-DE" dirty="0"/>
+              </a:p>
+              <a:p>
+                <a14:m>
+                  <m:oMath xmlns:m="http://schemas.openxmlformats.org/officeDocument/2006/math">
+                    <m:sSub>
+                      <m:sSubPr>
+                        <m:ctrlPr>
+                          <a:rPr lang="de-DE" i="1" smtClean="0">
+                            <a:latin typeface="Cambria Math" panose="02040503050406030204" pitchFamily="18" charset="0"/>
+                          </a:rPr>
+                        </m:ctrlPr>
+                      </m:sSubPr>
+                      <m:e>
+                        <m:r>
+                          <a:rPr lang="de-DE" b="0" i="1" smtClean="0">
+                            <a:latin typeface="Cambria Math" panose="02040503050406030204" pitchFamily="18" charset="0"/>
+                          </a:rPr>
+                          <m:t>𝑑</m:t>
+                        </m:r>
+                      </m:e>
+                      <m:sub>
+                        <m:r>
+                          <a:rPr lang="de-DE" b="0" i="1" smtClean="0">
+                            <a:latin typeface="Cambria Math" panose="02040503050406030204" pitchFamily="18" charset="0"/>
+                          </a:rPr>
+                          <m:t>𝑖</m:t>
+                        </m:r>
+                      </m:sub>
+                    </m:sSub>
+                  </m:oMath>
+                </a14:m>
+                <a:r>
+                  <a:rPr lang="de-DE" dirty="0"/>
+                  <a:t> dient auch der möglichen Ergänzung und ist </a:t>
+                </a:r>
+                <a14:m>
+                  <m:oMath xmlns:m="http://schemas.openxmlformats.org/officeDocument/2006/math">
+                    <m:r>
+                      <a:rPr lang="de-DE" b="0" i="1" smtClean="0">
+                        <a:latin typeface="Cambria Math" panose="02040503050406030204" pitchFamily="18" charset="0"/>
+                      </a:rPr>
+                      <m:t>2∗</m:t>
+                    </m:r>
+                    <m:sSub>
+                      <m:sSubPr>
+                        <m:ctrlPr>
+                          <a:rPr lang="de-DE" b="0" i="1" smtClean="0">
+                            <a:latin typeface="Cambria Math" panose="02040503050406030204" pitchFamily="18" charset="0"/>
+                          </a:rPr>
+                        </m:ctrlPr>
+                      </m:sSubPr>
+                      <m:e>
+                        <m:r>
+                          <a:rPr lang="de-DE" b="0" i="1" smtClean="0">
+                            <a:latin typeface="Cambria Math" panose="02040503050406030204" pitchFamily="18" charset="0"/>
+                          </a:rPr>
+                          <m:t>𝑐</m:t>
+                        </m:r>
+                      </m:e>
+                      <m:sub>
+                        <m:r>
+                          <a:rPr lang="de-DE" b="0" i="1" smtClean="0">
+                            <a:latin typeface="Cambria Math" panose="02040503050406030204" pitchFamily="18" charset="0"/>
+                          </a:rPr>
+                          <m:t>𝑖</m:t>
+                        </m:r>
+                      </m:sub>
+                    </m:sSub>
+                  </m:oMath>
+                </a14:m>
+                <a:endParaRPr lang="de-DE" dirty="0"/>
+              </a:p>
+            </p:txBody>
+          </p:sp>
+        </mc:Choice>
+        <mc:Fallback>
+          <p:sp>
+            <p:nvSpPr>
+              <p:cNvPr id="3" name="Inhaltsplatzhalter 2">
+                <a:extLst>
+                  <a:ext uri="{FF2B5EF4-FFF2-40B4-BE49-F238E27FC236}">
+                    <a16:creationId xmlns:a16="http://schemas.microsoft.com/office/drawing/2014/main" id="{5F48BCB6-AC43-47F9-BF5D-CE53CE2B4264}"/>
+                  </a:ext>
+                </a:extLst>
+              </p:cNvPr>
+              <p:cNvSpPr>
+                <a:spLocks noGrp="1" noRot="1" noChangeAspect="1" noMove="1" noResize="1" noEditPoints="1" noAdjustHandles="1" noChangeArrowheads="1" noChangeShapeType="1" noTextEdit="1"/>
+              </p:cNvSpPr>
+              <p:nvPr>
+                <p:ph idx="1"/>
+              </p:nvPr>
+            </p:nvSpPr>
+            <p:spPr>
+              <a:blipFill>
+                <a:blip r:embed="rId3"/>
+                <a:stretch>
+                  <a:fillRect l="-1231" t="-2238"/>
+                </a:stretch>
+              </a:blipFill>
+            </p:spPr>
+            <p:txBody>
+              <a:bodyPr/>
+              <a:lstStyle/>
+              <a:p>
+                <a:r>
+                  <a:rPr lang="de-DE">
+                    <a:noFill/>
+                  </a:rPr>
+                  <a:t> </a:t>
+                </a:r>
+              </a:p>
+            </p:txBody>
+          </p:sp>
+        </mc:Fallback>
+      </mc:AlternateContent>
+    </p:spTree>
+    <p:extLst>
+      <p:ext uri="{BB962C8B-B14F-4D97-AF65-F5344CB8AC3E}">
+        <p14:creationId xmlns:p14="http://schemas.microsoft.com/office/powerpoint/2010/main" val="3398018176"/>
+      </p:ext>
+    </p:extLst>
+  </p:cSld>
+  <p:clrMapOvr>
+    <a:masterClrMapping/>
+  </p:clrMapOvr>
+</p:sld>
+</file>
+
+<file path=ppt/slides/slide33.xml><?xml version="1.0" encoding="utf-8"?>
+<p:sld xmlns:a="http://schemas.openxmlformats.org/drawingml/2006/main" xmlns:r="http://schemas.openxmlformats.org/officeDocument/2006/relationships" xmlns:p="http://schemas.openxmlformats.org/presentationml/2006/main">
+  <p:cSld>
+    <p:spTree>
+      <p:nvGrpSpPr>
+        <p:cNvPr id="1" name=""/>
+        <p:cNvGrpSpPr/>
+        <p:nvPr/>
+      </p:nvGrpSpPr>
+      <p:grpSpPr>
+        <a:xfrm>
+          <a:off x="0" y="0"/>
+          <a:ext cx="0" cy="0"/>
+          <a:chOff x="0" y="0"/>
+          <a:chExt cx="0" cy="0"/>
+        </a:xfrm>
+      </p:grpSpPr>
+      <p:sp>
+        <p:nvSpPr>
+          <p:cNvPr id="2" name="Titel 1">
+            <a:extLst>
+              <a:ext uri="{FF2B5EF4-FFF2-40B4-BE49-F238E27FC236}">
+                <a16:creationId xmlns:a16="http://schemas.microsoft.com/office/drawing/2014/main" id="{4FF3F721-B862-4A85-BDA0-F85E976B232A}"/>
+              </a:ext>
+            </a:extLst>
+          </p:cNvPr>
+          <p:cNvSpPr>
+            <a:spLocks noGrp="1"/>
+          </p:cNvSpPr>
+          <p:nvPr>
+            <p:ph type="title"/>
+          </p:nvPr>
+        </p:nvSpPr>
+        <p:spPr/>
+        <p:txBody>
+          <a:bodyPr/>
+          <a:lstStyle/>
+          <a:p>
+            <a:r>
+              <a:rPr lang="de-DE" dirty="0"/>
+              <a:t>Knappsack NP vollständig</a:t>
+            </a:r>
+          </a:p>
+        </p:txBody>
+      </p:sp>
+      <mc:AlternateContent xmlns:mc="http://schemas.openxmlformats.org/markup-compatibility/2006">
+        <mc:Choice xmlns:a14="http://schemas.microsoft.com/office/drawing/2010/main" Requires="a14">
+          <p:sp>
+            <p:nvSpPr>
+              <p:cNvPr id="3" name="Inhaltsplatzhalter 2">
+                <a:extLst>
+                  <a:ext uri="{FF2B5EF4-FFF2-40B4-BE49-F238E27FC236}">
+                    <a16:creationId xmlns:a16="http://schemas.microsoft.com/office/drawing/2014/main" id="{C238B00A-FC3E-46AD-9962-F01B83635608}"/>
+                  </a:ext>
+                </a:extLst>
+              </p:cNvPr>
+              <p:cNvSpPr>
+                <a:spLocks noGrp="1"/>
+              </p:cNvSpPr>
+              <p:nvPr>
+                <p:ph idx="1"/>
+              </p:nvPr>
+            </p:nvSpPr>
+            <p:spPr/>
+            <p:txBody>
+              <a:bodyPr/>
+              <a:lstStyle/>
+              <a:p>
+                <a14:m>
+                  <m:oMath xmlns:m="http://schemas.openxmlformats.org/officeDocument/2006/math">
+                    <m:r>
+                      <a:rPr lang="de-DE" b="0" i="1" smtClean="0">
+                        <a:latin typeface="Cambria Math" panose="02040503050406030204" pitchFamily="18" charset="0"/>
+                      </a:rPr>
+                      <m:t>𝐶</m:t>
+                    </m:r>
+                    <m:r>
+                      <a:rPr lang="de-DE" b="0" i="1" smtClean="0">
+                        <a:latin typeface="Cambria Math" panose="02040503050406030204" pitchFamily="18" charset="0"/>
+                      </a:rPr>
+                      <m:t>=</m:t>
+                    </m:r>
+                    <m:d>
+                      <m:dPr>
+                        <m:ctrlPr>
+                          <a:rPr lang="de-DE" b="0" i="1" smtClean="0">
+                            <a:latin typeface="Cambria Math" panose="02040503050406030204" pitchFamily="18" charset="0"/>
+                          </a:rPr>
+                        </m:ctrlPr>
+                      </m:dPr>
+                      <m:e>
+                        <m:r>
+                          <a:rPr lang="de-DE" b="0" i="1" smtClean="0">
+                            <a:latin typeface="Cambria Math" panose="02040503050406030204" pitchFamily="18" charset="0"/>
+                          </a:rPr>
+                          <m:t>𝑐</m:t>
+                        </m:r>
+                        <m:r>
+                          <a:rPr lang="de-DE" b="0" i="1" smtClean="0">
+                            <a:latin typeface="Cambria Math" panose="02040503050406030204" pitchFamily="18" charset="0"/>
+                          </a:rPr>
+                          <m:t>1, </m:t>
+                        </m:r>
+                        <m:r>
+                          <a:rPr lang="de-DE" b="0" i="1" smtClean="0">
+                            <a:latin typeface="Cambria Math" panose="02040503050406030204" pitchFamily="18" charset="0"/>
+                          </a:rPr>
+                          <m:t>𝑐</m:t>
+                        </m:r>
+                        <m:r>
+                          <a:rPr lang="de-DE" b="0" i="1" smtClean="0">
+                            <a:latin typeface="Cambria Math" panose="02040503050406030204" pitchFamily="18" charset="0"/>
+                          </a:rPr>
+                          <m:t>2, </m:t>
+                        </m:r>
+                        <m:r>
+                          <a:rPr lang="de-DE" b="0" i="1" smtClean="0">
+                            <a:latin typeface="Cambria Math" panose="02040503050406030204" pitchFamily="18" charset="0"/>
+                          </a:rPr>
+                          <m:t>𝑐</m:t>
+                        </m:r>
+                        <m:r>
+                          <a:rPr lang="de-DE" b="0" i="1" smtClean="0">
+                            <a:latin typeface="Cambria Math" panose="02040503050406030204" pitchFamily="18" charset="0"/>
+                          </a:rPr>
+                          <m:t>3</m:t>
+                        </m:r>
+                      </m:e>
+                    </m:d>
+                  </m:oMath>
+                </a14:m>
+                <a:endParaRPr lang="de-DE" b="0" dirty="0"/>
+              </a:p>
+              <a:p>
+                <a:pPr lvl="1"/>
+                <a14:m>
+                  <m:oMath xmlns:m="http://schemas.openxmlformats.org/officeDocument/2006/math">
+                    <m:sSub>
+                      <m:sSubPr>
+                        <m:ctrlPr>
+                          <a:rPr lang="de-DE" i="1" smtClean="0">
+                            <a:latin typeface="Cambria Math" panose="02040503050406030204" pitchFamily="18" charset="0"/>
+                          </a:rPr>
+                        </m:ctrlPr>
+                      </m:sSubPr>
+                      <m:e>
+                        <m:r>
+                          <a:rPr lang="de-DE" b="0" i="1" smtClean="0">
+                            <a:latin typeface="Cambria Math" panose="02040503050406030204" pitchFamily="18" charset="0"/>
+                          </a:rPr>
+                          <m:t>𝑐</m:t>
+                        </m:r>
+                      </m:e>
+                      <m:sub>
+                        <m:r>
+                          <a:rPr lang="de-DE" b="0" i="1" smtClean="0">
+                            <a:latin typeface="Cambria Math" panose="02040503050406030204" pitchFamily="18" charset="0"/>
+                          </a:rPr>
+                          <m:t>1</m:t>
+                        </m:r>
+                      </m:sub>
+                    </m:sSub>
+                    <m:r>
+                      <a:rPr lang="de-DE" b="0" i="1" smtClean="0">
+                        <a:latin typeface="Cambria Math" panose="02040503050406030204" pitchFamily="18" charset="0"/>
+                      </a:rPr>
+                      <m:t>= </m:t>
+                    </m:r>
+                    <m:sSub>
+                      <m:sSubPr>
+                        <m:ctrlPr>
+                          <a:rPr lang="de-DE" b="0" i="1" smtClean="0">
+                            <a:latin typeface="Cambria Math" panose="02040503050406030204" pitchFamily="18" charset="0"/>
+                          </a:rPr>
+                        </m:ctrlPr>
+                      </m:sSubPr>
+                      <m:e>
+                        <m:r>
+                          <a:rPr lang="de-DE" b="0" i="1" smtClean="0">
+                            <a:latin typeface="Cambria Math" panose="02040503050406030204" pitchFamily="18" charset="0"/>
+                          </a:rPr>
+                          <m:t>𝑥</m:t>
+                        </m:r>
+                      </m:e>
+                      <m:sub>
+                        <m:r>
+                          <a:rPr lang="de-DE" b="0" i="1" smtClean="0">
+                            <a:latin typeface="Cambria Math" panose="02040503050406030204" pitchFamily="18" charset="0"/>
+                          </a:rPr>
+                          <m:t>1</m:t>
+                        </m:r>
+                      </m:sub>
+                    </m:sSub>
+                    <m:r>
+                      <a:rPr lang="de-DE" b="0" i="1" smtClean="0">
+                        <a:latin typeface="Cambria Math" panose="02040503050406030204" pitchFamily="18" charset="0"/>
+                      </a:rPr>
+                      <m:t> </m:t>
+                    </m:r>
+                    <m:r>
+                      <a:rPr lang="de-DE" i="1">
+                        <a:latin typeface="Cambria Math" panose="02040503050406030204" pitchFamily="18" charset="0"/>
+                        <a:ea typeface="Cambria Math" panose="02040503050406030204" pitchFamily="18" charset="0"/>
+                      </a:rPr>
+                      <m:t>∨</m:t>
+                    </m:r>
+                    <m:r>
+                      <a:rPr lang="de-DE" b="0" i="1" smtClean="0">
+                        <a:latin typeface="Cambria Math" panose="02040503050406030204" pitchFamily="18" charset="0"/>
+                        <a:ea typeface="Cambria Math" panose="02040503050406030204" pitchFamily="18" charset="0"/>
+                      </a:rPr>
+                      <m:t> </m:t>
+                    </m:r>
+                    <m:acc>
+                      <m:accPr>
+                        <m:chr m:val="̅"/>
+                        <m:ctrlPr>
+                          <a:rPr lang="de-DE" b="0" i="1" smtClean="0">
+                            <a:latin typeface="Cambria Math" panose="02040503050406030204" pitchFamily="18" charset="0"/>
+                            <a:ea typeface="Cambria Math" panose="02040503050406030204" pitchFamily="18" charset="0"/>
+                          </a:rPr>
+                        </m:ctrlPr>
+                      </m:accPr>
+                      <m:e>
+                        <m:sSub>
+                          <m:sSubPr>
+                            <m:ctrlPr>
+                              <a:rPr lang="de-DE" b="0" i="1" smtClean="0">
+                                <a:latin typeface="Cambria Math" panose="02040503050406030204" pitchFamily="18" charset="0"/>
+                                <a:ea typeface="Cambria Math" panose="02040503050406030204" pitchFamily="18" charset="0"/>
+                              </a:rPr>
+                            </m:ctrlPr>
+                          </m:sSubPr>
+                          <m:e>
+                            <m:r>
+                              <a:rPr lang="de-DE" b="0" i="1" smtClean="0">
+                                <a:latin typeface="Cambria Math" panose="02040503050406030204" pitchFamily="18" charset="0"/>
+                                <a:ea typeface="Cambria Math" panose="02040503050406030204" pitchFamily="18" charset="0"/>
+                              </a:rPr>
+                              <m:t>𝑥</m:t>
+                            </m:r>
+                          </m:e>
+                          <m:sub>
+                            <m:r>
+                              <a:rPr lang="de-DE" b="0" i="1" smtClean="0">
+                                <a:latin typeface="Cambria Math" panose="02040503050406030204" pitchFamily="18" charset="0"/>
+                                <a:ea typeface="Cambria Math" panose="02040503050406030204" pitchFamily="18" charset="0"/>
+                              </a:rPr>
+                              <m:t>2</m:t>
+                            </m:r>
+                          </m:sub>
+                        </m:sSub>
+                      </m:e>
+                    </m:acc>
+                    <m:r>
+                      <a:rPr lang="de-DE" b="0" i="1" smtClean="0">
+                        <a:latin typeface="Cambria Math" panose="02040503050406030204" pitchFamily="18" charset="0"/>
+                        <a:ea typeface="Cambria Math" panose="02040503050406030204" pitchFamily="18" charset="0"/>
+                      </a:rPr>
+                      <m:t> ∨ </m:t>
+                    </m:r>
+                    <m:sSub>
+                      <m:sSubPr>
+                        <m:ctrlPr>
+                          <a:rPr lang="de-DE" b="0" i="1" smtClean="0">
+                            <a:latin typeface="Cambria Math" panose="02040503050406030204" pitchFamily="18" charset="0"/>
+                            <a:ea typeface="Cambria Math" panose="02040503050406030204" pitchFamily="18" charset="0"/>
+                          </a:rPr>
+                        </m:ctrlPr>
+                      </m:sSubPr>
+                      <m:e>
+                        <m:r>
+                          <a:rPr lang="de-DE" b="0" i="1" smtClean="0">
+                            <a:latin typeface="Cambria Math" panose="02040503050406030204" pitchFamily="18" charset="0"/>
+                            <a:ea typeface="Cambria Math" panose="02040503050406030204" pitchFamily="18" charset="0"/>
+                          </a:rPr>
+                          <m:t>𝑥</m:t>
+                        </m:r>
+                      </m:e>
+                      <m:sub>
+                        <m:r>
+                          <a:rPr lang="de-DE" b="0" i="1" smtClean="0">
+                            <a:latin typeface="Cambria Math" panose="02040503050406030204" pitchFamily="18" charset="0"/>
+                            <a:ea typeface="Cambria Math" panose="02040503050406030204" pitchFamily="18" charset="0"/>
+                          </a:rPr>
+                          <m:t>3</m:t>
+                        </m:r>
+                      </m:sub>
+                    </m:sSub>
+                    <m:r>
+                      <a:rPr lang="de-DE" b="0" i="1" smtClean="0">
+                        <a:latin typeface="Cambria Math" panose="02040503050406030204" pitchFamily="18" charset="0"/>
+                        <a:ea typeface="Cambria Math" panose="02040503050406030204" pitchFamily="18" charset="0"/>
+                      </a:rPr>
+                      <m:t>  </m:t>
+                    </m:r>
+                    <m:sSub>
+                      <m:sSubPr>
+                        <m:ctrlPr>
+                          <a:rPr lang="de-DE" b="0" i="1" smtClean="0">
+                            <a:latin typeface="Cambria Math" panose="02040503050406030204" pitchFamily="18" charset="0"/>
+                            <a:ea typeface="Cambria Math" panose="02040503050406030204" pitchFamily="18" charset="0"/>
+                          </a:rPr>
+                        </m:ctrlPr>
+                      </m:sSubPr>
+                      <m:e>
+                        <m:r>
+                          <a:rPr lang="de-DE" b="0" i="1" smtClean="0">
+                            <a:latin typeface="Cambria Math" panose="02040503050406030204" pitchFamily="18" charset="0"/>
+                            <a:ea typeface="Cambria Math" panose="02040503050406030204" pitchFamily="18" charset="0"/>
+                          </a:rPr>
+                          <m:t>𝑐</m:t>
+                        </m:r>
+                      </m:e>
+                      <m:sub>
+                        <m:r>
+                          <a:rPr lang="de-DE" b="0" i="1" smtClean="0">
+                            <a:latin typeface="Cambria Math" panose="02040503050406030204" pitchFamily="18" charset="0"/>
+                            <a:ea typeface="Cambria Math" panose="02040503050406030204" pitchFamily="18" charset="0"/>
+                          </a:rPr>
+                          <m:t>2</m:t>
+                        </m:r>
+                      </m:sub>
+                    </m:sSub>
+                    <m:r>
+                      <a:rPr lang="de-DE" b="0" i="1" smtClean="0">
+                        <a:latin typeface="Cambria Math" panose="02040503050406030204" pitchFamily="18" charset="0"/>
+                        <a:ea typeface="Cambria Math" panose="02040503050406030204" pitchFamily="18" charset="0"/>
+                      </a:rPr>
+                      <m:t>= </m:t>
+                    </m:r>
+                    <m:acc>
+                      <m:accPr>
+                        <m:chr m:val="̅"/>
+                        <m:ctrlPr>
+                          <a:rPr lang="de-DE" b="0" i="1" smtClean="0">
+                            <a:latin typeface="Cambria Math" panose="02040503050406030204" pitchFamily="18" charset="0"/>
+                            <a:ea typeface="Cambria Math" panose="02040503050406030204" pitchFamily="18" charset="0"/>
+                          </a:rPr>
+                        </m:ctrlPr>
+                      </m:accPr>
+                      <m:e>
+                        <m:sSub>
+                          <m:sSubPr>
+                            <m:ctrlPr>
+                              <a:rPr lang="de-DE" b="0" i="1" smtClean="0">
+                                <a:latin typeface="Cambria Math" panose="02040503050406030204" pitchFamily="18" charset="0"/>
+                                <a:ea typeface="Cambria Math" panose="02040503050406030204" pitchFamily="18" charset="0"/>
+                              </a:rPr>
+                            </m:ctrlPr>
+                          </m:sSubPr>
+                          <m:e>
+                            <m:r>
+                              <a:rPr lang="de-DE" b="0" i="1" smtClean="0">
+                                <a:latin typeface="Cambria Math" panose="02040503050406030204" pitchFamily="18" charset="0"/>
+                                <a:ea typeface="Cambria Math" panose="02040503050406030204" pitchFamily="18" charset="0"/>
+                              </a:rPr>
+                              <m:t>𝑥</m:t>
+                            </m:r>
+                          </m:e>
+                          <m:sub>
+                            <m:r>
+                              <a:rPr lang="de-DE" b="0" i="1" smtClean="0">
+                                <a:latin typeface="Cambria Math" panose="02040503050406030204" pitchFamily="18" charset="0"/>
+                                <a:ea typeface="Cambria Math" panose="02040503050406030204" pitchFamily="18" charset="0"/>
+                              </a:rPr>
+                              <m:t>1</m:t>
+                            </m:r>
+                          </m:sub>
+                        </m:sSub>
+                      </m:e>
+                    </m:acc>
+                    <m:r>
+                      <a:rPr lang="de-DE" b="0" i="1" smtClean="0">
+                        <a:latin typeface="Cambria Math" panose="02040503050406030204" pitchFamily="18" charset="0"/>
+                        <a:ea typeface="Cambria Math" panose="02040503050406030204" pitchFamily="18" charset="0"/>
+                      </a:rPr>
+                      <m:t> ∨ </m:t>
+                    </m:r>
+                    <m:sSub>
+                      <m:sSubPr>
+                        <m:ctrlPr>
+                          <a:rPr lang="de-DE" b="0" i="1" smtClean="0">
+                            <a:latin typeface="Cambria Math" panose="02040503050406030204" pitchFamily="18" charset="0"/>
+                            <a:ea typeface="Cambria Math" panose="02040503050406030204" pitchFamily="18" charset="0"/>
+                          </a:rPr>
+                        </m:ctrlPr>
+                      </m:sSubPr>
+                      <m:e>
+                        <m:r>
+                          <a:rPr lang="de-DE" b="0" i="1" smtClean="0">
+                            <a:latin typeface="Cambria Math" panose="02040503050406030204" pitchFamily="18" charset="0"/>
+                            <a:ea typeface="Cambria Math" panose="02040503050406030204" pitchFamily="18" charset="0"/>
+                          </a:rPr>
+                          <m:t>𝑥</m:t>
+                        </m:r>
+                      </m:e>
+                      <m:sub>
+                        <m:r>
+                          <a:rPr lang="de-DE" b="0" i="1" smtClean="0">
+                            <a:latin typeface="Cambria Math" panose="02040503050406030204" pitchFamily="18" charset="0"/>
+                            <a:ea typeface="Cambria Math" panose="02040503050406030204" pitchFamily="18" charset="0"/>
+                          </a:rPr>
+                          <m:t>2</m:t>
+                        </m:r>
+                      </m:sub>
+                    </m:sSub>
+                    <m:r>
+                      <a:rPr lang="de-DE" b="0" i="1" smtClean="0">
+                        <a:latin typeface="Cambria Math" panose="02040503050406030204" pitchFamily="18" charset="0"/>
+                        <a:ea typeface="Cambria Math" panose="02040503050406030204" pitchFamily="18" charset="0"/>
+                      </a:rPr>
+                      <m:t> ∨ </m:t>
+                    </m:r>
+                    <m:acc>
+                      <m:accPr>
+                        <m:chr m:val="̅"/>
+                        <m:ctrlPr>
+                          <a:rPr lang="de-DE" b="0" i="1" smtClean="0">
+                            <a:latin typeface="Cambria Math" panose="02040503050406030204" pitchFamily="18" charset="0"/>
+                            <a:ea typeface="Cambria Math" panose="02040503050406030204" pitchFamily="18" charset="0"/>
+                          </a:rPr>
+                        </m:ctrlPr>
+                      </m:accPr>
+                      <m:e>
+                        <m:sSub>
+                          <m:sSubPr>
+                            <m:ctrlPr>
+                              <a:rPr lang="de-DE" b="0" i="1" smtClean="0">
+                                <a:latin typeface="Cambria Math" panose="02040503050406030204" pitchFamily="18" charset="0"/>
+                                <a:ea typeface="Cambria Math" panose="02040503050406030204" pitchFamily="18" charset="0"/>
+                              </a:rPr>
+                            </m:ctrlPr>
+                          </m:sSubPr>
+                          <m:e>
+                            <m:r>
+                              <a:rPr lang="de-DE" b="0" i="1" smtClean="0">
+                                <a:latin typeface="Cambria Math" panose="02040503050406030204" pitchFamily="18" charset="0"/>
+                                <a:ea typeface="Cambria Math" panose="02040503050406030204" pitchFamily="18" charset="0"/>
+                              </a:rPr>
+                              <m:t>𝑥</m:t>
+                            </m:r>
+                          </m:e>
+                          <m:sub>
+                            <m:r>
+                              <a:rPr lang="de-DE" b="0" i="1" smtClean="0">
+                                <a:latin typeface="Cambria Math" panose="02040503050406030204" pitchFamily="18" charset="0"/>
+                                <a:ea typeface="Cambria Math" panose="02040503050406030204" pitchFamily="18" charset="0"/>
+                              </a:rPr>
+                              <m:t>4</m:t>
+                            </m:r>
+                          </m:sub>
+                        </m:sSub>
+                      </m:e>
+                    </m:acc>
+                    <m:r>
+                      <a:rPr lang="de-DE" b="0" i="1" smtClean="0">
+                        <a:latin typeface="Cambria Math" panose="02040503050406030204" pitchFamily="18" charset="0"/>
+                        <a:ea typeface="Cambria Math" panose="02040503050406030204" pitchFamily="18" charset="0"/>
+                      </a:rPr>
+                      <m:t>  </m:t>
+                    </m:r>
+                    <m:sSub>
+                      <m:sSubPr>
+                        <m:ctrlPr>
+                          <a:rPr lang="de-DE" b="0" i="1" smtClean="0">
+                            <a:latin typeface="Cambria Math" panose="02040503050406030204" pitchFamily="18" charset="0"/>
+                            <a:ea typeface="Cambria Math" panose="02040503050406030204" pitchFamily="18" charset="0"/>
+                          </a:rPr>
+                        </m:ctrlPr>
+                      </m:sSubPr>
+                      <m:e>
+                        <m:r>
+                          <a:rPr lang="de-DE" b="0" i="1" smtClean="0">
+                            <a:latin typeface="Cambria Math" panose="02040503050406030204" pitchFamily="18" charset="0"/>
+                            <a:ea typeface="Cambria Math" panose="02040503050406030204" pitchFamily="18" charset="0"/>
+                          </a:rPr>
+                          <m:t>𝑐</m:t>
+                        </m:r>
+                      </m:e>
+                      <m:sub>
+                        <m:r>
+                          <a:rPr lang="de-DE" b="0" i="1" smtClean="0">
+                            <a:latin typeface="Cambria Math" panose="02040503050406030204" pitchFamily="18" charset="0"/>
+                            <a:ea typeface="Cambria Math" panose="02040503050406030204" pitchFamily="18" charset="0"/>
+                          </a:rPr>
+                          <m:t>3</m:t>
+                        </m:r>
+                      </m:sub>
+                    </m:sSub>
+                    <m:r>
+                      <a:rPr lang="de-DE" b="0" i="1" smtClean="0">
+                        <a:latin typeface="Cambria Math" panose="02040503050406030204" pitchFamily="18" charset="0"/>
+                        <a:ea typeface="Cambria Math" panose="02040503050406030204" pitchFamily="18" charset="0"/>
+                      </a:rPr>
+                      <m:t>= </m:t>
+                    </m:r>
+                    <m:acc>
+                      <m:accPr>
+                        <m:chr m:val="̅"/>
+                        <m:ctrlPr>
+                          <a:rPr lang="de-DE" b="0" i="1" smtClean="0">
+                            <a:latin typeface="Cambria Math" panose="02040503050406030204" pitchFamily="18" charset="0"/>
+                            <a:ea typeface="Cambria Math" panose="02040503050406030204" pitchFamily="18" charset="0"/>
+                          </a:rPr>
+                        </m:ctrlPr>
+                      </m:accPr>
+                      <m:e>
+                        <m:sSub>
+                          <m:sSubPr>
+                            <m:ctrlPr>
+                              <a:rPr lang="de-DE" b="0" i="1" smtClean="0">
+                                <a:latin typeface="Cambria Math" panose="02040503050406030204" pitchFamily="18" charset="0"/>
+                                <a:ea typeface="Cambria Math" panose="02040503050406030204" pitchFamily="18" charset="0"/>
+                              </a:rPr>
+                            </m:ctrlPr>
+                          </m:sSubPr>
+                          <m:e>
+                            <m:r>
+                              <a:rPr lang="de-DE" b="0" i="1" smtClean="0">
+                                <a:latin typeface="Cambria Math" panose="02040503050406030204" pitchFamily="18" charset="0"/>
+                                <a:ea typeface="Cambria Math" panose="02040503050406030204" pitchFamily="18" charset="0"/>
+                              </a:rPr>
+                              <m:t>𝑥</m:t>
+                            </m:r>
+                          </m:e>
+                          <m:sub>
+                            <m:r>
+                              <a:rPr lang="de-DE" b="0" i="1" smtClean="0">
+                                <a:latin typeface="Cambria Math" panose="02040503050406030204" pitchFamily="18" charset="0"/>
+                                <a:ea typeface="Cambria Math" panose="02040503050406030204" pitchFamily="18" charset="0"/>
+                              </a:rPr>
+                              <m:t>1</m:t>
+                            </m:r>
+                          </m:sub>
+                        </m:sSub>
+                      </m:e>
+                    </m:acc>
+                    <m:r>
+                      <a:rPr lang="de-DE" b="0" i="1" smtClean="0">
+                        <a:latin typeface="Cambria Math" panose="02040503050406030204" pitchFamily="18" charset="0"/>
+                        <a:ea typeface="Cambria Math" panose="02040503050406030204" pitchFamily="18" charset="0"/>
+                      </a:rPr>
+                      <m:t> ∨</m:t>
+                    </m:r>
+                    <m:acc>
+                      <m:accPr>
+                        <m:chr m:val="̅"/>
+                        <m:ctrlPr>
+                          <a:rPr lang="de-DE" i="1">
+                            <a:latin typeface="Cambria Math" panose="02040503050406030204" pitchFamily="18" charset="0"/>
+                            <a:ea typeface="Cambria Math" panose="02040503050406030204" pitchFamily="18" charset="0"/>
+                          </a:rPr>
+                        </m:ctrlPr>
+                      </m:accPr>
+                      <m:e>
+                        <m:sSub>
+                          <m:sSubPr>
+                            <m:ctrlPr>
+                              <a:rPr lang="de-DE" i="1">
+                                <a:latin typeface="Cambria Math" panose="02040503050406030204" pitchFamily="18" charset="0"/>
+                                <a:ea typeface="Cambria Math" panose="02040503050406030204" pitchFamily="18" charset="0"/>
+                              </a:rPr>
+                            </m:ctrlPr>
+                          </m:sSubPr>
+                          <m:e>
+                            <m:r>
+                              <a:rPr lang="de-DE" i="1">
+                                <a:latin typeface="Cambria Math" panose="02040503050406030204" pitchFamily="18" charset="0"/>
+                                <a:ea typeface="Cambria Math" panose="02040503050406030204" pitchFamily="18" charset="0"/>
+                              </a:rPr>
+                              <m:t>𝑥</m:t>
+                            </m:r>
+                          </m:e>
+                          <m:sub>
+                            <m:r>
+                              <a:rPr lang="de-DE" b="0" i="1" smtClean="0">
+                                <a:latin typeface="Cambria Math" panose="02040503050406030204" pitchFamily="18" charset="0"/>
+                                <a:ea typeface="Cambria Math" panose="02040503050406030204" pitchFamily="18" charset="0"/>
+                              </a:rPr>
+                              <m:t>2</m:t>
+                            </m:r>
+                          </m:sub>
+                        </m:sSub>
+                      </m:e>
+                    </m:acc>
+                    <m:r>
+                      <a:rPr lang="de-DE" i="1">
+                        <a:latin typeface="Cambria Math" panose="02040503050406030204" pitchFamily="18" charset="0"/>
+                        <a:ea typeface="Cambria Math" panose="02040503050406030204" pitchFamily="18" charset="0"/>
+                      </a:rPr>
+                      <m:t> ∨</m:t>
+                    </m:r>
+                  </m:oMath>
+                </a14:m>
+                <a:r>
+                  <a:rPr lang="de-DE" dirty="0"/>
+                  <a:t> </a:t>
+                </a:r>
+                <a14:m>
+                  <m:oMath xmlns:m="http://schemas.openxmlformats.org/officeDocument/2006/math">
+                    <m:acc>
+                      <m:accPr>
+                        <m:chr m:val="̅"/>
+                        <m:ctrlPr>
+                          <a:rPr lang="de-DE" i="1">
+                            <a:latin typeface="Cambria Math" panose="02040503050406030204" pitchFamily="18" charset="0"/>
+                            <a:ea typeface="Cambria Math" panose="02040503050406030204" pitchFamily="18" charset="0"/>
+                          </a:rPr>
+                        </m:ctrlPr>
+                      </m:accPr>
+                      <m:e>
+                        <m:sSub>
+                          <m:sSubPr>
+                            <m:ctrlPr>
+                              <a:rPr lang="de-DE" i="1">
+                                <a:latin typeface="Cambria Math" panose="02040503050406030204" pitchFamily="18" charset="0"/>
+                                <a:ea typeface="Cambria Math" panose="02040503050406030204" pitchFamily="18" charset="0"/>
+                              </a:rPr>
+                            </m:ctrlPr>
+                          </m:sSubPr>
+                          <m:e>
+                            <m:r>
+                              <a:rPr lang="de-DE" i="1">
+                                <a:latin typeface="Cambria Math" panose="02040503050406030204" pitchFamily="18" charset="0"/>
+                                <a:ea typeface="Cambria Math" panose="02040503050406030204" pitchFamily="18" charset="0"/>
+                              </a:rPr>
+                              <m:t>𝑥</m:t>
+                            </m:r>
+                          </m:e>
+                          <m:sub>
+                            <m:r>
+                              <a:rPr lang="de-DE" b="0" i="1" smtClean="0">
+                                <a:latin typeface="Cambria Math" panose="02040503050406030204" pitchFamily="18" charset="0"/>
+                                <a:ea typeface="Cambria Math" panose="02040503050406030204" pitchFamily="18" charset="0"/>
+                              </a:rPr>
+                              <m:t>3</m:t>
+                            </m:r>
+                          </m:sub>
+                        </m:sSub>
+                      </m:e>
+                    </m:acc>
+                    <m:r>
+                      <a:rPr lang="de-DE" i="1">
+                        <a:latin typeface="Cambria Math" panose="02040503050406030204" pitchFamily="18" charset="0"/>
+                        <a:ea typeface="Cambria Math" panose="02040503050406030204" pitchFamily="18" charset="0"/>
+                      </a:rPr>
+                      <m:t> </m:t>
+                    </m:r>
+                  </m:oMath>
+                </a14:m>
+                <a:endParaRPr lang="de-DE" dirty="0"/>
+              </a:p>
+              <a:p>
+                <a:pPr lvl="1"/>
+                <a:endParaRPr lang="de-DE" dirty="0"/>
+              </a:p>
+              <a:p>
+                <a:pPr lvl="2"/>
+                <a:r>
+                  <a:rPr lang="de-DE" dirty="0">
+                    <a:sym typeface="Wingdings" panose="05000000000000000000" pitchFamily="2" charset="2"/>
+                  </a:rPr>
+                  <a:t> m = 3, n = 4</a:t>
+                </a:r>
+              </a:p>
+              <a:p>
+                <a:pPr lvl="2"/>
+                <a:r>
+                  <a:rPr lang="de-DE" dirty="0">
+                    <a:sym typeface="Wingdings" panose="05000000000000000000" pitchFamily="2" charset="2"/>
+                  </a:rPr>
+                  <a:t> A = 444 1111</a:t>
+                </a:r>
+                <a:endParaRPr lang="de-DE" dirty="0"/>
+              </a:p>
+            </p:txBody>
+          </p:sp>
+        </mc:Choice>
+        <mc:Fallback>
+          <p:sp>
+            <p:nvSpPr>
+              <p:cNvPr id="3" name="Inhaltsplatzhalter 2">
+                <a:extLst>
+                  <a:ext uri="{FF2B5EF4-FFF2-40B4-BE49-F238E27FC236}">
+                    <a16:creationId xmlns:a16="http://schemas.microsoft.com/office/drawing/2014/main" id="{C238B00A-FC3E-46AD-9962-F01B83635608}"/>
+                  </a:ext>
+                </a:extLst>
+              </p:cNvPr>
+              <p:cNvSpPr>
+                <a:spLocks noGrp="1" noRot="1" noChangeAspect="1" noMove="1" noResize="1" noEditPoints="1" noAdjustHandles="1" noChangeArrowheads="1" noChangeShapeType="1" noTextEdit="1"/>
+              </p:cNvSpPr>
+              <p:nvPr>
+                <p:ph idx="1"/>
+              </p:nvPr>
+            </p:nvSpPr>
+            <p:spPr>
+              <a:blipFill>
+                <a:blip r:embed="rId3"/>
+                <a:stretch>
+                  <a:fillRect l="-1231" t="-2238"/>
+                </a:stretch>
+              </a:blipFill>
+            </p:spPr>
+            <p:txBody>
+              <a:bodyPr/>
+              <a:lstStyle/>
+              <a:p>
+                <a:r>
+                  <a:rPr lang="de-DE">
+                    <a:noFill/>
+                  </a:rPr>
+                  <a:t> </a:t>
+                </a:r>
+              </a:p>
+            </p:txBody>
+          </p:sp>
+        </mc:Fallback>
+      </mc:AlternateContent>
+    </p:spTree>
+    <p:extLst>
+      <p:ext uri="{BB962C8B-B14F-4D97-AF65-F5344CB8AC3E}">
+        <p14:creationId xmlns:p14="http://schemas.microsoft.com/office/powerpoint/2010/main" val="3652441995"/>
+      </p:ext>
+    </p:extLst>
+  </p:cSld>
+  <p:clrMapOvr>
+    <a:masterClrMapping/>
+  </p:clrMapOvr>
+</p:sld>
+</file>
+
+<file path=ppt/slides/slide34.xml><?xml version="1.0" encoding="utf-8"?>
+<p:sld xmlns:a="http://schemas.openxmlformats.org/drawingml/2006/main" xmlns:r="http://schemas.openxmlformats.org/officeDocument/2006/relationships" xmlns:p="http://schemas.openxmlformats.org/presentationml/2006/main">
+  <p:cSld>
+    <p:spTree>
+      <p:nvGrpSpPr>
+        <p:cNvPr id="1" name=""/>
+        <p:cNvGrpSpPr/>
+        <p:nvPr/>
+      </p:nvGrpSpPr>
+      <p:grpSpPr>
+        <a:xfrm>
+          <a:off x="0" y="0"/>
+          <a:ext cx="0" cy="0"/>
+          <a:chOff x="0" y="0"/>
+          <a:chExt cx="0" cy="0"/>
+        </a:xfrm>
+      </p:grpSpPr>
+      <p:sp>
+        <p:nvSpPr>
+          <p:cNvPr id="2" name="Titel 1">
+            <a:extLst>
+              <a:ext uri="{FF2B5EF4-FFF2-40B4-BE49-F238E27FC236}">
+                <a16:creationId xmlns:a16="http://schemas.microsoft.com/office/drawing/2014/main" id="{D2EDBE7A-7E5D-44CE-80A0-97E1073C41FE}"/>
+              </a:ext>
+            </a:extLst>
+          </p:cNvPr>
+          <p:cNvSpPr>
+            <a:spLocks noGrp="1"/>
+          </p:cNvSpPr>
+          <p:nvPr>
+            <p:ph type="title"/>
+          </p:nvPr>
+        </p:nvSpPr>
+        <p:spPr/>
+        <p:txBody>
+          <a:bodyPr/>
+          <a:lstStyle/>
+          <a:p>
+            <a:r>
+              <a:rPr lang="de-DE" dirty="0"/>
+              <a:t>Knappsack NP vollständig</a:t>
+            </a:r>
+          </a:p>
+        </p:txBody>
+      </p:sp>
+      <mc:AlternateContent xmlns:mc="http://schemas.openxmlformats.org/markup-compatibility/2006">
+        <mc:Choice xmlns:a14="http://schemas.microsoft.com/office/drawing/2010/main" Requires="a14">
+          <p:sp>
+            <p:nvSpPr>
+              <p:cNvPr id="3" name="Inhaltsplatzhalter 2">
+                <a:extLst>
+                  <a:ext uri="{FF2B5EF4-FFF2-40B4-BE49-F238E27FC236}">
+                    <a16:creationId xmlns:a16="http://schemas.microsoft.com/office/drawing/2014/main" id="{8B4EAAFC-39D5-47BE-9510-10EEC7B5C393}"/>
+                  </a:ext>
+                </a:extLst>
+              </p:cNvPr>
+              <p:cNvSpPr>
+                <a:spLocks noGrp="1"/>
+              </p:cNvSpPr>
+              <p:nvPr>
+                <p:ph idx="1"/>
+              </p:nvPr>
+            </p:nvSpPr>
+            <p:spPr/>
+            <p:txBody>
+              <a:bodyPr/>
+              <a:lstStyle/>
+              <a:p>
+                <a14:m>
+                  <m:oMath xmlns:m="http://schemas.openxmlformats.org/officeDocument/2006/math">
+                    <m:sSub>
+                      <m:sSubPr>
+                        <m:ctrlPr>
+                          <a:rPr lang="de-DE" i="1" smtClean="0">
+                            <a:latin typeface="Cambria Math" panose="02040503050406030204" pitchFamily="18" charset="0"/>
+                          </a:rPr>
+                        </m:ctrlPr>
+                      </m:sSubPr>
+                      <m:e>
+                        <m:r>
+                          <a:rPr lang="de-DE" b="0" i="1" smtClean="0">
+                            <a:latin typeface="Cambria Math" panose="02040503050406030204" pitchFamily="18" charset="0"/>
+                          </a:rPr>
+                          <m:t>𝑎</m:t>
+                        </m:r>
+                      </m:e>
+                      <m:sub>
+                        <m:r>
+                          <a:rPr lang="de-DE" b="0" i="1" smtClean="0">
+                            <a:latin typeface="Cambria Math" panose="02040503050406030204" pitchFamily="18" charset="0"/>
+                          </a:rPr>
+                          <m:t>1</m:t>
+                        </m:r>
+                      </m:sub>
+                    </m:sSub>
+                    <m:r>
+                      <a:rPr lang="de-DE" b="0" i="1" smtClean="0">
+                        <a:latin typeface="Cambria Math" panose="02040503050406030204" pitchFamily="18" charset="0"/>
+                      </a:rPr>
+                      <m:t>=100 1000   </m:t>
+                    </m:r>
+                    <m:sSub>
+                      <m:sSubPr>
+                        <m:ctrlPr>
+                          <a:rPr lang="de-DE" b="0" i="1" smtClean="0">
+                            <a:latin typeface="Cambria Math" panose="02040503050406030204" pitchFamily="18" charset="0"/>
+                          </a:rPr>
+                        </m:ctrlPr>
+                      </m:sSubPr>
+                      <m:e>
+                        <m:r>
+                          <a:rPr lang="de-DE" b="0" i="1" smtClean="0">
+                            <a:latin typeface="Cambria Math" panose="02040503050406030204" pitchFamily="18" charset="0"/>
+                          </a:rPr>
+                          <m:t>𝑏</m:t>
+                        </m:r>
+                      </m:e>
+                      <m:sub>
+                        <m:r>
+                          <a:rPr lang="de-DE" b="0" i="1" smtClean="0">
+                            <a:latin typeface="Cambria Math" panose="02040503050406030204" pitchFamily="18" charset="0"/>
+                          </a:rPr>
+                          <m:t>1 </m:t>
+                        </m:r>
+                      </m:sub>
+                    </m:sSub>
+                    <m:r>
+                      <a:rPr lang="de-DE" b="0" i="1" smtClean="0">
+                        <a:latin typeface="Cambria Math" panose="02040503050406030204" pitchFamily="18" charset="0"/>
+                      </a:rPr>
+                      <m:t>=011 1000</m:t>
+                    </m:r>
+                  </m:oMath>
+                </a14:m>
+                <a:r>
+                  <a:rPr lang="de-DE" dirty="0"/>
+                  <a:t>  </a:t>
+                </a:r>
+                <a14:m>
+                  <m:oMath xmlns:m="http://schemas.openxmlformats.org/officeDocument/2006/math">
+                    <m:sSub>
+                      <m:sSubPr>
+                        <m:ctrlPr>
+                          <a:rPr lang="de-DE" i="1" dirty="0" smtClean="0">
+                            <a:latin typeface="Cambria Math" panose="02040503050406030204" pitchFamily="18" charset="0"/>
+                          </a:rPr>
+                        </m:ctrlPr>
+                      </m:sSubPr>
+                      <m:e>
+                        <m:r>
+                          <a:rPr lang="de-DE" b="0" i="1" dirty="0" smtClean="0">
+                            <a:latin typeface="Cambria Math" panose="02040503050406030204" pitchFamily="18" charset="0"/>
+                          </a:rPr>
+                          <m:t>𝑐</m:t>
+                        </m:r>
+                      </m:e>
+                      <m:sub>
+                        <m:r>
+                          <a:rPr lang="de-DE" b="0" i="1" dirty="0" smtClean="0">
+                            <a:latin typeface="Cambria Math" panose="02040503050406030204" pitchFamily="18" charset="0"/>
+                          </a:rPr>
+                          <m:t>1</m:t>
+                        </m:r>
+                      </m:sub>
+                    </m:sSub>
+                    <m:r>
+                      <a:rPr lang="de-DE" b="0" i="1" dirty="0" smtClean="0">
+                        <a:latin typeface="Cambria Math" panose="02040503050406030204" pitchFamily="18" charset="0"/>
+                      </a:rPr>
+                      <m:t>=100 0000</m:t>
+                    </m:r>
+                  </m:oMath>
+                </a14:m>
+                <a:r>
+                  <a:rPr lang="de-DE" dirty="0"/>
+                  <a:t>  </a:t>
+                </a:r>
+                <a14:m>
+                  <m:oMath xmlns:m="http://schemas.openxmlformats.org/officeDocument/2006/math">
+                    <m:sSub>
+                      <m:sSubPr>
+                        <m:ctrlPr>
+                          <a:rPr lang="de-DE" i="1" dirty="0" smtClean="0">
+                            <a:latin typeface="Cambria Math" panose="02040503050406030204" pitchFamily="18" charset="0"/>
+                          </a:rPr>
+                        </m:ctrlPr>
+                      </m:sSubPr>
+                      <m:e>
+                        <m:r>
+                          <a:rPr lang="de-DE" b="0" i="1" dirty="0" smtClean="0">
+                            <a:latin typeface="Cambria Math" panose="02040503050406030204" pitchFamily="18" charset="0"/>
+                          </a:rPr>
+                          <m:t>𝑑</m:t>
+                        </m:r>
+                      </m:e>
+                      <m:sub>
+                        <m:r>
+                          <a:rPr lang="de-DE" b="0" i="1" dirty="0" smtClean="0">
+                            <a:latin typeface="Cambria Math" panose="02040503050406030204" pitchFamily="18" charset="0"/>
+                          </a:rPr>
+                          <m:t>1</m:t>
+                        </m:r>
+                      </m:sub>
+                    </m:sSub>
+                    <m:r>
+                      <a:rPr lang="de-DE" b="0" i="1" dirty="0" smtClean="0">
+                        <a:latin typeface="Cambria Math" panose="02040503050406030204" pitchFamily="18" charset="0"/>
+                      </a:rPr>
+                      <m:t>=200 0000</m:t>
+                    </m:r>
+                  </m:oMath>
+                </a14:m>
+                <a:endParaRPr lang="de-DE" dirty="0"/>
+              </a:p>
+              <a:p>
+                <a14:m>
+                  <m:oMath xmlns:m="http://schemas.openxmlformats.org/officeDocument/2006/math">
+                    <m:sSub>
+                      <m:sSubPr>
+                        <m:ctrlPr>
+                          <a:rPr lang="de-DE" i="1" smtClean="0">
+                            <a:latin typeface="Cambria Math" panose="02040503050406030204" pitchFamily="18" charset="0"/>
+                          </a:rPr>
+                        </m:ctrlPr>
+                      </m:sSubPr>
+                      <m:e>
+                        <m:r>
+                          <a:rPr lang="de-DE" b="0" i="1" smtClean="0">
+                            <a:latin typeface="Cambria Math" panose="02040503050406030204" pitchFamily="18" charset="0"/>
+                          </a:rPr>
+                          <m:t>𝑎</m:t>
+                        </m:r>
+                      </m:e>
+                      <m:sub>
+                        <m:r>
+                          <a:rPr lang="de-DE" b="0" i="1" smtClean="0">
+                            <a:latin typeface="Cambria Math" panose="02040503050406030204" pitchFamily="18" charset="0"/>
+                          </a:rPr>
+                          <m:t>2</m:t>
+                        </m:r>
+                      </m:sub>
+                    </m:sSub>
+                    <m:r>
+                      <a:rPr lang="de-DE" b="0" i="1" smtClean="0">
+                        <a:latin typeface="Cambria Math" panose="02040503050406030204" pitchFamily="18" charset="0"/>
+                      </a:rPr>
+                      <m:t>=010 0100  </m:t>
+                    </m:r>
+                    <m:sSub>
+                      <m:sSubPr>
+                        <m:ctrlPr>
+                          <a:rPr lang="de-DE" b="0" i="1" smtClean="0">
+                            <a:latin typeface="Cambria Math" panose="02040503050406030204" pitchFamily="18" charset="0"/>
+                          </a:rPr>
+                        </m:ctrlPr>
+                      </m:sSubPr>
+                      <m:e>
+                        <m:r>
+                          <a:rPr lang="de-DE" b="0" i="1" smtClean="0">
+                            <a:latin typeface="Cambria Math" panose="02040503050406030204" pitchFamily="18" charset="0"/>
+                          </a:rPr>
+                          <m:t> </m:t>
+                        </m:r>
+                        <m:r>
+                          <a:rPr lang="de-DE" b="0" i="1" smtClean="0">
+                            <a:latin typeface="Cambria Math" panose="02040503050406030204" pitchFamily="18" charset="0"/>
+                          </a:rPr>
+                          <m:t>𝑏</m:t>
+                        </m:r>
+                      </m:e>
+                      <m:sub>
+                        <m:r>
+                          <a:rPr lang="de-DE" b="0" i="1" smtClean="0">
+                            <a:latin typeface="Cambria Math" panose="02040503050406030204" pitchFamily="18" charset="0"/>
+                          </a:rPr>
+                          <m:t>2</m:t>
+                        </m:r>
+                      </m:sub>
+                    </m:sSub>
+                    <m:r>
+                      <a:rPr lang="de-DE" b="0" i="1" smtClean="0">
+                        <a:latin typeface="Cambria Math" panose="02040503050406030204" pitchFamily="18" charset="0"/>
+                      </a:rPr>
+                      <m:t>=101 0100  </m:t>
+                    </m:r>
+                    <m:sSub>
+                      <m:sSubPr>
+                        <m:ctrlPr>
+                          <a:rPr lang="de-DE" b="0" i="1" smtClean="0">
+                            <a:latin typeface="Cambria Math" panose="02040503050406030204" pitchFamily="18" charset="0"/>
+                          </a:rPr>
+                        </m:ctrlPr>
+                      </m:sSubPr>
+                      <m:e>
+                        <m:r>
+                          <a:rPr lang="de-DE" b="0" i="1" smtClean="0">
+                            <a:latin typeface="Cambria Math" panose="02040503050406030204" pitchFamily="18" charset="0"/>
+                          </a:rPr>
+                          <m:t> </m:t>
+                        </m:r>
+                        <m:r>
+                          <a:rPr lang="de-DE" b="0" i="1" smtClean="0">
+                            <a:latin typeface="Cambria Math" panose="02040503050406030204" pitchFamily="18" charset="0"/>
+                          </a:rPr>
+                          <m:t>𝑐</m:t>
+                        </m:r>
+                      </m:e>
+                      <m:sub>
+                        <m:r>
+                          <a:rPr lang="de-DE" b="0" i="1" smtClean="0">
+                            <a:latin typeface="Cambria Math" panose="02040503050406030204" pitchFamily="18" charset="0"/>
+                          </a:rPr>
+                          <m:t>2</m:t>
+                        </m:r>
+                      </m:sub>
+                    </m:sSub>
+                    <m:r>
+                      <a:rPr lang="de-DE" b="0" i="1" smtClean="0">
+                        <a:latin typeface="Cambria Math" panose="02040503050406030204" pitchFamily="18" charset="0"/>
+                      </a:rPr>
+                      <m:t>=010 0000  </m:t>
+                    </m:r>
+                    <m:sSub>
+                      <m:sSubPr>
+                        <m:ctrlPr>
+                          <a:rPr lang="de-DE" b="0" i="1" smtClean="0">
+                            <a:latin typeface="Cambria Math" panose="02040503050406030204" pitchFamily="18" charset="0"/>
+                          </a:rPr>
+                        </m:ctrlPr>
+                      </m:sSubPr>
+                      <m:e>
+                        <m:r>
+                          <a:rPr lang="de-DE" b="0" i="1" smtClean="0">
+                            <a:latin typeface="Cambria Math" panose="02040503050406030204" pitchFamily="18" charset="0"/>
+                          </a:rPr>
+                          <m:t>𝑑</m:t>
+                        </m:r>
+                      </m:e>
+                      <m:sub>
+                        <m:r>
+                          <a:rPr lang="de-DE" b="0" i="1" smtClean="0">
+                            <a:latin typeface="Cambria Math" panose="02040503050406030204" pitchFamily="18" charset="0"/>
+                          </a:rPr>
+                          <m:t>2</m:t>
+                        </m:r>
+                      </m:sub>
+                    </m:sSub>
+                    <m:r>
+                      <a:rPr lang="de-DE" b="0" i="1" smtClean="0">
+                        <a:latin typeface="Cambria Math" panose="02040503050406030204" pitchFamily="18" charset="0"/>
+                      </a:rPr>
+                      <m:t>=020 0000</m:t>
+                    </m:r>
+                  </m:oMath>
+                </a14:m>
+                <a:endParaRPr lang="de-DE" b="0" dirty="0"/>
+              </a:p>
+              <a:p>
+                <a14:m>
+                  <m:oMath xmlns:m="http://schemas.openxmlformats.org/officeDocument/2006/math">
+                    <m:sSub>
+                      <m:sSubPr>
+                        <m:ctrlPr>
+                          <a:rPr lang="de-DE" i="1" smtClean="0">
+                            <a:latin typeface="Cambria Math" panose="02040503050406030204" pitchFamily="18" charset="0"/>
+                          </a:rPr>
+                        </m:ctrlPr>
+                      </m:sSubPr>
+                      <m:e>
+                        <m:r>
+                          <a:rPr lang="de-DE" b="0" i="1" smtClean="0">
+                            <a:latin typeface="Cambria Math" panose="02040503050406030204" pitchFamily="18" charset="0"/>
+                          </a:rPr>
+                          <m:t>𝑎</m:t>
+                        </m:r>
+                      </m:e>
+                      <m:sub>
+                        <m:r>
+                          <a:rPr lang="de-DE" b="0" i="1" smtClean="0">
+                            <a:latin typeface="Cambria Math" panose="02040503050406030204" pitchFamily="18" charset="0"/>
+                          </a:rPr>
+                          <m:t>3</m:t>
+                        </m:r>
+                      </m:sub>
+                    </m:sSub>
+                    <m:r>
+                      <a:rPr lang="de-DE" b="0" i="1" smtClean="0">
+                        <a:latin typeface="Cambria Math" panose="02040503050406030204" pitchFamily="18" charset="0"/>
+                      </a:rPr>
+                      <m:t>=100 0010   </m:t>
+                    </m:r>
+                    <m:sSub>
+                      <m:sSubPr>
+                        <m:ctrlPr>
+                          <a:rPr lang="de-DE" b="0" i="1" smtClean="0">
+                            <a:latin typeface="Cambria Math" panose="02040503050406030204" pitchFamily="18" charset="0"/>
+                          </a:rPr>
+                        </m:ctrlPr>
+                      </m:sSubPr>
+                      <m:e>
+                        <m:r>
+                          <a:rPr lang="de-DE" b="0" i="1" smtClean="0">
+                            <a:latin typeface="Cambria Math" panose="02040503050406030204" pitchFamily="18" charset="0"/>
+                          </a:rPr>
+                          <m:t>𝑏</m:t>
+                        </m:r>
+                      </m:e>
+                      <m:sub>
+                        <m:r>
+                          <a:rPr lang="de-DE" b="0" i="1" smtClean="0">
+                            <a:latin typeface="Cambria Math" panose="02040503050406030204" pitchFamily="18" charset="0"/>
+                          </a:rPr>
+                          <m:t>3</m:t>
+                        </m:r>
+                      </m:sub>
+                    </m:sSub>
+                    <m:r>
+                      <a:rPr lang="de-DE" b="0" i="1" smtClean="0">
+                        <a:latin typeface="Cambria Math" panose="02040503050406030204" pitchFamily="18" charset="0"/>
+                      </a:rPr>
+                      <m:t>=001 0010    </m:t>
+                    </m:r>
+                    <m:sSub>
+                      <m:sSubPr>
+                        <m:ctrlPr>
+                          <a:rPr lang="de-DE" b="0" i="1" smtClean="0">
+                            <a:latin typeface="Cambria Math" panose="02040503050406030204" pitchFamily="18" charset="0"/>
+                          </a:rPr>
+                        </m:ctrlPr>
+                      </m:sSubPr>
+                      <m:e>
+                        <m:r>
+                          <a:rPr lang="de-DE" b="0" i="1" smtClean="0">
+                            <a:latin typeface="Cambria Math" panose="02040503050406030204" pitchFamily="18" charset="0"/>
+                          </a:rPr>
+                          <m:t>𝑐</m:t>
+                        </m:r>
+                      </m:e>
+                      <m:sub>
+                        <m:r>
+                          <a:rPr lang="de-DE" b="0" i="1" smtClean="0">
+                            <a:latin typeface="Cambria Math" panose="02040503050406030204" pitchFamily="18" charset="0"/>
+                          </a:rPr>
+                          <m:t>3</m:t>
+                        </m:r>
+                      </m:sub>
+                    </m:sSub>
+                    <m:r>
+                      <a:rPr lang="de-DE" b="0" i="1" smtClean="0">
+                        <a:latin typeface="Cambria Math" panose="02040503050406030204" pitchFamily="18" charset="0"/>
+                      </a:rPr>
+                      <m:t>=001 0000  </m:t>
+                    </m:r>
+                    <m:sSub>
+                      <m:sSubPr>
+                        <m:ctrlPr>
+                          <a:rPr lang="de-DE" b="0" i="1" smtClean="0">
+                            <a:latin typeface="Cambria Math" panose="02040503050406030204" pitchFamily="18" charset="0"/>
+                          </a:rPr>
+                        </m:ctrlPr>
+                      </m:sSubPr>
+                      <m:e>
+                        <m:r>
+                          <a:rPr lang="de-DE" b="0" i="1" smtClean="0">
+                            <a:latin typeface="Cambria Math" panose="02040503050406030204" pitchFamily="18" charset="0"/>
+                          </a:rPr>
+                          <m:t>𝑑</m:t>
+                        </m:r>
+                      </m:e>
+                      <m:sub>
+                        <m:r>
+                          <a:rPr lang="de-DE" b="0" i="1" smtClean="0">
+                            <a:latin typeface="Cambria Math" panose="02040503050406030204" pitchFamily="18" charset="0"/>
+                          </a:rPr>
+                          <m:t>3</m:t>
+                        </m:r>
+                      </m:sub>
+                    </m:sSub>
+                    <m:r>
+                      <a:rPr lang="de-DE" b="0" i="1" smtClean="0">
+                        <a:latin typeface="Cambria Math" panose="02040503050406030204" pitchFamily="18" charset="0"/>
+                      </a:rPr>
+                      <m:t>=002 0000</m:t>
+                    </m:r>
+                  </m:oMath>
+                </a14:m>
+                <a:endParaRPr lang="de-DE" b="0" dirty="0"/>
+              </a:p>
+              <a:p>
+                <a14:m>
+                  <m:oMath xmlns:m="http://schemas.openxmlformats.org/officeDocument/2006/math">
+                    <m:sSub>
+                      <m:sSubPr>
+                        <m:ctrlPr>
+                          <a:rPr lang="de-DE" i="1" smtClean="0">
+                            <a:latin typeface="Cambria Math" panose="02040503050406030204" pitchFamily="18" charset="0"/>
+                          </a:rPr>
+                        </m:ctrlPr>
+                      </m:sSubPr>
+                      <m:e>
+                        <m:r>
+                          <a:rPr lang="de-DE" b="0" i="1" smtClean="0">
+                            <a:latin typeface="Cambria Math" panose="02040503050406030204" pitchFamily="18" charset="0"/>
+                          </a:rPr>
+                          <m:t>𝑎</m:t>
+                        </m:r>
+                      </m:e>
+                      <m:sub>
+                        <m:r>
+                          <a:rPr lang="de-DE" b="0" i="1" smtClean="0">
+                            <a:latin typeface="Cambria Math" panose="02040503050406030204" pitchFamily="18" charset="0"/>
+                          </a:rPr>
+                          <m:t>4</m:t>
+                        </m:r>
+                      </m:sub>
+                    </m:sSub>
+                    <m:r>
+                      <a:rPr lang="de-DE" b="0" i="1" smtClean="0">
+                        <a:latin typeface="Cambria Math" panose="02040503050406030204" pitchFamily="18" charset="0"/>
+                      </a:rPr>
+                      <m:t>=000 0001   </m:t>
+                    </m:r>
+                    <m:sSub>
+                      <m:sSubPr>
+                        <m:ctrlPr>
+                          <a:rPr lang="de-DE" b="0" i="1" smtClean="0">
+                            <a:latin typeface="Cambria Math" panose="02040503050406030204" pitchFamily="18" charset="0"/>
+                          </a:rPr>
+                        </m:ctrlPr>
+                      </m:sSubPr>
+                      <m:e>
+                        <m:r>
+                          <a:rPr lang="de-DE" b="0" i="1" smtClean="0">
+                            <a:latin typeface="Cambria Math" panose="02040503050406030204" pitchFamily="18" charset="0"/>
+                          </a:rPr>
+                          <m:t>𝑏</m:t>
+                        </m:r>
+                      </m:e>
+                      <m:sub>
+                        <m:r>
+                          <a:rPr lang="de-DE" b="0" i="1" smtClean="0">
+                            <a:latin typeface="Cambria Math" panose="02040503050406030204" pitchFamily="18" charset="0"/>
+                          </a:rPr>
+                          <m:t>4</m:t>
+                        </m:r>
+                      </m:sub>
+                    </m:sSub>
+                    <m:r>
+                      <a:rPr lang="de-DE" b="0" i="1" smtClean="0">
+                        <a:latin typeface="Cambria Math" panose="02040503050406030204" pitchFamily="18" charset="0"/>
+                      </a:rPr>
+                      <m:t>=010 0001</m:t>
+                    </m:r>
+                  </m:oMath>
+                </a14:m>
+                <a:endParaRPr lang="de-DE" dirty="0"/>
+              </a:p>
+              <a:p>
+                <a:r>
+                  <a:rPr lang="de-DE" dirty="0"/>
+                  <a:t>Erfüllende Belegung: 1,1,0,0</a:t>
+                </a:r>
+              </a:p>
+              <a:p>
+                <a:pPr lvl="1"/>
+                <a:r>
+                  <a:rPr lang="de-DE" dirty="0"/>
+                  <a:t>= 4441111</a:t>
+                </a:r>
+              </a:p>
+            </p:txBody>
+          </p:sp>
+        </mc:Choice>
+        <mc:Fallback>
+          <p:sp>
+            <p:nvSpPr>
+              <p:cNvPr id="3" name="Inhaltsplatzhalter 2">
+                <a:extLst>
+                  <a:ext uri="{FF2B5EF4-FFF2-40B4-BE49-F238E27FC236}">
+                    <a16:creationId xmlns:a16="http://schemas.microsoft.com/office/drawing/2014/main" id="{8B4EAAFC-39D5-47BE-9510-10EEC7B5C393}"/>
+                  </a:ext>
+                </a:extLst>
+              </p:cNvPr>
+              <p:cNvSpPr>
+                <a:spLocks noGrp="1" noRot="1" noChangeAspect="1" noMove="1" noResize="1" noEditPoints="1" noAdjustHandles="1" noChangeArrowheads="1" noChangeShapeType="1" noTextEdit="1"/>
+              </p:cNvSpPr>
+              <p:nvPr>
+                <p:ph idx="1"/>
+              </p:nvPr>
+            </p:nvSpPr>
+            <p:spPr>
+              <a:blipFill>
+                <a:blip r:embed="rId3"/>
+                <a:stretch>
+                  <a:fillRect l="-1231" t="-2238"/>
+                </a:stretch>
+              </a:blipFill>
+            </p:spPr>
+            <p:txBody>
+              <a:bodyPr/>
+              <a:lstStyle/>
+              <a:p>
+                <a:r>
+                  <a:rPr lang="de-DE">
+                    <a:noFill/>
+                  </a:rPr>
+                  <a:t> </a:t>
+                </a:r>
+              </a:p>
+            </p:txBody>
+          </p:sp>
+        </mc:Fallback>
+      </mc:AlternateContent>
+    </p:spTree>
+    <p:extLst>
+      <p:ext uri="{BB962C8B-B14F-4D97-AF65-F5344CB8AC3E}">
+        <p14:creationId xmlns:p14="http://schemas.microsoft.com/office/powerpoint/2010/main" val="3812354713"/>
       </p:ext>
     </p:extLst>
   </p:cSld>
